--- a/Slides/IntroductionToRForBeginners_DayII_MT.pptx
+++ b/Slides/IntroductionToRForBeginners_DayII_MT.pptx
@@ -5,39 +5,46 @@
     <p:sldMasterId id="2147483648" r:id="rId1"/>
   </p:sldMasterIdLst>
   <p:notesMasterIdLst>
-    <p:notesMasterId r:id="rId32"/>
+    <p:notesMasterId r:id="rId39"/>
   </p:notesMasterIdLst>
   <p:sldIdLst>
     <p:sldId id="256" r:id="rId2"/>
     <p:sldId id="259" r:id="rId3"/>
     <p:sldId id="261" r:id="rId4"/>
-    <p:sldId id="286" r:id="rId5"/>
-    <p:sldId id="262" r:id="rId6"/>
-    <p:sldId id="263" r:id="rId7"/>
-    <p:sldId id="265" r:id="rId8"/>
-    <p:sldId id="267" r:id="rId9"/>
-    <p:sldId id="268" r:id="rId10"/>
-    <p:sldId id="269" r:id="rId11"/>
-    <p:sldId id="272" r:id="rId12"/>
-    <p:sldId id="273" r:id="rId13"/>
-    <p:sldId id="274" r:id="rId14"/>
-    <p:sldId id="271" r:id="rId15"/>
-    <p:sldId id="277" r:id="rId16"/>
-    <p:sldId id="278" r:id="rId17"/>
-    <p:sldId id="279" r:id="rId18"/>
-    <p:sldId id="280" r:id="rId19"/>
-    <p:sldId id="281" r:id="rId20"/>
-    <p:sldId id="282" r:id="rId21"/>
-    <p:sldId id="283" r:id="rId22"/>
-    <p:sldId id="284" r:id="rId23"/>
-    <p:sldId id="285" r:id="rId24"/>
-    <p:sldId id="264" r:id="rId25"/>
-    <p:sldId id="288" r:id="rId26"/>
-    <p:sldId id="289" r:id="rId27"/>
-    <p:sldId id="290" r:id="rId28"/>
-    <p:sldId id="287" r:id="rId29"/>
-    <p:sldId id="276" r:id="rId30"/>
-    <p:sldId id="270" r:id="rId31"/>
+    <p:sldId id="295" r:id="rId5"/>
+    <p:sldId id="286" r:id="rId6"/>
+    <p:sldId id="262" r:id="rId7"/>
+    <p:sldId id="263" r:id="rId8"/>
+    <p:sldId id="265" r:id="rId9"/>
+    <p:sldId id="267" r:id="rId10"/>
+    <p:sldId id="268" r:id="rId11"/>
+    <p:sldId id="269" r:id="rId12"/>
+    <p:sldId id="272" r:id="rId13"/>
+    <p:sldId id="273" r:id="rId14"/>
+    <p:sldId id="274" r:id="rId15"/>
+    <p:sldId id="271" r:id="rId16"/>
+    <p:sldId id="277" r:id="rId17"/>
+    <p:sldId id="278" r:id="rId18"/>
+    <p:sldId id="279" r:id="rId19"/>
+    <p:sldId id="280" r:id="rId20"/>
+    <p:sldId id="281" r:id="rId21"/>
+    <p:sldId id="282" r:id="rId22"/>
+    <p:sldId id="283" r:id="rId23"/>
+    <p:sldId id="284" r:id="rId24"/>
+    <p:sldId id="285" r:id="rId25"/>
+    <p:sldId id="264" r:id="rId26"/>
+    <p:sldId id="288" r:id="rId27"/>
+    <p:sldId id="289" r:id="rId28"/>
+    <p:sldId id="290" r:id="rId29"/>
+    <p:sldId id="287" r:id="rId30"/>
+    <p:sldId id="291" r:id="rId31"/>
+    <p:sldId id="292" r:id="rId32"/>
+    <p:sldId id="296" r:id="rId33"/>
+    <p:sldId id="276" r:id="rId34"/>
+    <p:sldId id="270" r:id="rId35"/>
+    <p:sldId id="293" r:id="rId36"/>
+    <p:sldId id="294" r:id="rId37"/>
+    <p:sldId id="297" r:id="rId38"/>
   </p:sldIdLst>
   <p:sldSz cx="12192000" cy="6858000"/>
   <p:notesSz cx="6858000" cy="9144000"/>
@@ -463,7 +470,7 @@
           <a:p>
             <a:fld id="{5A7C8C98-4CB3-174D-B081-3039D0753C62}" type="datetimeFigureOut">
               <a:rPr lang="en-US" smtClean="0"/>
-              <a:t>5/3/2022</a:t>
+              <a:t>5/4/2022</a:t>
             </a:fld>
             <a:endParaRPr lang="en-US" dirty="0"/>
           </a:p>
@@ -952,7 +959,7 @@
             <a:fld id="{32338A89-9E82-4046-8247-794AEC633712}" type="datetimeFigureOut">
               <a:rPr lang="en-US" smtClean="0"/>
               <a:pPr/>
-              <a:t>5/3/2022</a:t>
+              <a:t>5/4/2022</a:t>
             </a:fld>
             <a:endParaRPr lang="en-US" dirty="0"/>
           </a:p>
@@ -1338,7 +1345,7 @@
           <a:p>
             <a:fld id="{32338A89-9E82-4046-8247-794AEC633712}" type="datetimeFigureOut">
               <a:rPr lang="en-US" smtClean="0"/>
-              <a:t>5/3/2022</a:t>
+              <a:t>5/4/2022</a:t>
             </a:fld>
             <a:endParaRPr lang="en-US" dirty="0"/>
           </a:p>
@@ -1988,7 +1995,7 @@
           <a:p>
             <a:fld id="{32338A89-9E82-4046-8247-794AEC633712}" type="datetimeFigureOut">
               <a:rPr lang="en-US" smtClean="0"/>
-              <a:t>5/3/2022</a:t>
+              <a:t>5/4/2022</a:t>
             </a:fld>
             <a:endParaRPr lang="en-US" dirty="0"/>
           </a:p>
@@ -2562,7 +2569,7 @@
           <a:p>
             <a:fld id="{32338A89-9E82-4046-8247-794AEC633712}" type="datetimeFigureOut">
               <a:rPr lang="en-US" smtClean="0"/>
-              <a:t>5/3/2022</a:t>
+              <a:t>5/4/2022</a:t>
             </a:fld>
             <a:endParaRPr lang="en-US" dirty="0"/>
           </a:p>
@@ -2788,7 +2795,7 @@
           <a:p>
             <a:fld id="{32338A89-9E82-4046-8247-794AEC633712}" type="datetimeFigureOut">
               <a:rPr lang="en-US" smtClean="0"/>
-              <a:t>5/3/2022</a:t>
+              <a:t>5/4/2022</a:t>
             </a:fld>
             <a:endParaRPr lang="en-US" dirty="0"/>
           </a:p>
@@ -3086,7 +3093,7 @@
             <a:fld id="{32338A89-9E82-4046-8247-794AEC633712}" type="datetimeFigureOut">
               <a:rPr lang="en-US" smtClean="0"/>
               <a:pPr/>
-              <a:t>5/3/2022</a:t>
+              <a:t>5/4/2022</a:t>
             </a:fld>
             <a:endParaRPr lang="en-US" dirty="0"/>
           </a:p>
@@ -3686,6 +3693,417 @@
 </file>
 
 <file path=ppt/slides/slide10.xml><?xml version="1.0" encoding="utf-8"?>
+<p:sld xmlns:a="http://schemas.openxmlformats.org/drawingml/2006/main" xmlns:r="http://schemas.openxmlformats.org/officeDocument/2006/relationships" xmlns:p="http://schemas.openxmlformats.org/presentationml/2006/main">
+  <p:cSld>
+    <p:spTree>
+      <p:nvGrpSpPr>
+        <p:cNvPr id="1" name=""/>
+        <p:cNvGrpSpPr/>
+        <p:nvPr/>
+      </p:nvGrpSpPr>
+      <p:grpSpPr>
+        <a:xfrm>
+          <a:off x="0" y="0"/>
+          <a:ext cx="0" cy="0"/>
+          <a:chOff x="0" y="0"/>
+          <a:chExt cx="0" cy="0"/>
+        </a:xfrm>
+      </p:grpSpPr>
+      <p:sp>
+        <p:nvSpPr>
+          <p:cNvPr id="5" name="TextBox 4"/>
+          <p:cNvSpPr txBox="1"/>
+          <p:nvPr/>
+        </p:nvSpPr>
+        <p:spPr>
+          <a:xfrm>
+            <a:off x="509798" y="890652"/>
+            <a:ext cx="11409770" cy="2308324"/>
+          </a:xfrm>
+          <a:prstGeom prst="rect">
+            <a:avLst/>
+          </a:prstGeom>
+          <a:noFill/>
+        </p:spPr>
+        <p:txBody>
+          <a:bodyPr wrap="square" rtlCol="0">
+            <a:spAutoFit/>
+          </a:bodyPr>
+          <a:lstStyle/>
+          <a:p>
+            <a:pPr marL="285750" indent="-285750">
+              <a:buFont typeface="Arial" panose="020B0604020202020204" pitchFamily="34" charset="0"/>
+              <a:buChar char="•"/>
+            </a:pPr>
+            <a:r>
+              <a:rPr lang="en-US" dirty="0" smtClean="0">
+                <a:latin typeface="Times New Roman" panose="02020603050405020304" pitchFamily="18" charset="0"/>
+                <a:cs typeface="Times New Roman" panose="02020603050405020304" pitchFamily="18" charset="0"/>
+              </a:rPr>
+              <a:t>To finally estimate the parameters of the model, and store the resulting calculations in an R object for easy retrieval later use the </a:t>
+            </a:r>
+            <a:r>
+              <a:rPr lang="en-US" dirty="0" err="1" smtClean="0">
+                <a:latin typeface="Times New Roman" panose="02020603050405020304" pitchFamily="18" charset="0"/>
+                <a:cs typeface="Times New Roman" panose="02020603050405020304" pitchFamily="18" charset="0"/>
+              </a:rPr>
+              <a:t>glm</a:t>
+            </a:r>
+            <a:r>
+              <a:rPr lang="en-US" dirty="0" smtClean="0">
+                <a:latin typeface="Times New Roman" panose="02020603050405020304" pitchFamily="18" charset="0"/>
+                <a:cs typeface="Times New Roman" panose="02020603050405020304" pitchFamily="18" charset="0"/>
+              </a:rPr>
+              <a:t>() function in R.</a:t>
+            </a:r>
+          </a:p>
+          <a:p>
+            <a:pPr marL="285750" indent="-285750">
+              <a:buFont typeface="Arial" panose="020B0604020202020204" pitchFamily="34" charset="0"/>
+              <a:buChar char="•"/>
+            </a:pPr>
+            <a:endParaRPr lang="en-US" dirty="0">
+              <a:latin typeface="Times New Roman" panose="02020603050405020304" pitchFamily="18" charset="0"/>
+              <a:cs typeface="Times New Roman" panose="02020603050405020304" pitchFamily="18" charset="0"/>
+            </a:endParaRPr>
+          </a:p>
+          <a:p>
+            <a:pPr marL="285750" indent="-285750">
+              <a:buFont typeface="Arial" panose="020B0604020202020204" pitchFamily="34" charset="0"/>
+              <a:buChar char="•"/>
+            </a:pPr>
+            <a:endParaRPr lang="en-US" dirty="0" smtClean="0">
+              <a:latin typeface="Times New Roman" panose="02020603050405020304" pitchFamily="18" charset="0"/>
+              <a:cs typeface="Times New Roman" panose="02020603050405020304" pitchFamily="18" charset="0"/>
+            </a:endParaRPr>
+          </a:p>
+          <a:p>
+            <a:pPr marL="285750" indent="-285750">
+              <a:buFont typeface="Arial" panose="020B0604020202020204" pitchFamily="34" charset="0"/>
+              <a:buChar char="•"/>
+            </a:pPr>
+            <a:endParaRPr lang="en-US" dirty="0">
+              <a:latin typeface="Times New Roman" panose="02020603050405020304" pitchFamily="18" charset="0"/>
+              <a:cs typeface="Times New Roman" panose="02020603050405020304" pitchFamily="18" charset="0"/>
+            </a:endParaRPr>
+          </a:p>
+          <a:p>
+            <a:pPr marL="285750" indent="-285750">
+              <a:buFont typeface="Arial" panose="020B0604020202020204" pitchFamily="34" charset="0"/>
+              <a:buChar char="•"/>
+            </a:pPr>
+            <a:r>
+              <a:rPr lang="en-US" dirty="0" smtClean="0">
+                <a:latin typeface="Times New Roman" panose="02020603050405020304" pitchFamily="18" charset="0"/>
+                <a:cs typeface="Times New Roman" panose="02020603050405020304" pitchFamily="18" charset="0"/>
+              </a:rPr>
+              <a:t>To get a text-based summary of the results of the model estimation procedure (stored in irisn.mod1) do either:</a:t>
+            </a:r>
+          </a:p>
+          <a:p>
+            <a:pPr marL="285750" indent="-285750">
+              <a:buFont typeface="Arial" panose="020B0604020202020204" pitchFamily="34" charset="0"/>
+              <a:buChar char="•"/>
+            </a:pPr>
+            <a:endParaRPr lang="en-US" dirty="0" smtClean="0">
+              <a:latin typeface="Times New Roman" panose="02020603050405020304" pitchFamily="18" charset="0"/>
+              <a:cs typeface="Times New Roman" panose="02020603050405020304" pitchFamily="18" charset="0"/>
+            </a:endParaRPr>
+          </a:p>
+          <a:p>
+            <a:endParaRPr lang="en-US" dirty="0">
+              <a:latin typeface="Times New Roman" panose="02020603050405020304" pitchFamily="18" charset="0"/>
+              <a:cs typeface="Times New Roman" panose="02020603050405020304" pitchFamily="18" charset="0"/>
+            </a:endParaRPr>
+          </a:p>
+        </p:txBody>
+      </p:sp>
+      <p:sp>
+        <p:nvSpPr>
+          <p:cNvPr id="2" name="Title 1">
+            <a:extLst>
+              <a:ext uri="{FF2B5EF4-FFF2-40B4-BE49-F238E27FC236}">
+                <a16:creationId xmlns:a16="http://schemas.microsoft.com/office/drawing/2014/main" id="{636FB483-8A01-854E-9BBE-55E0C355A79B}"/>
+              </a:ext>
+            </a:extLst>
+          </p:cNvPr>
+          <p:cNvSpPr txBox="1">
+            <a:spLocks/>
+          </p:cNvSpPr>
+          <p:nvPr/>
+        </p:nvSpPr>
+        <p:spPr>
+          <a:xfrm>
+            <a:off x="292557" y="283221"/>
+            <a:ext cx="10017369" cy="656493"/>
+          </a:xfrm>
+          <a:prstGeom prst="rect">
+            <a:avLst/>
+          </a:prstGeom>
+        </p:spPr>
+        <p:txBody>
+          <a:bodyPr/>
+          <a:lstStyle>
+            <a:lvl1pPr algn="l" defTabSz="914400" rtl="0" eaLnBrk="1" latinLnBrk="0" hangingPunct="1">
+              <a:lnSpc>
+                <a:spcPct val="90000"/>
+              </a:lnSpc>
+              <a:spcBef>
+                <a:spcPct val="0"/>
+              </a:spcBef>
+              <a:buNone/>
+              <a:defRPr sz="2800" b="1" kern="1200">
+                <a:solidFill>
+                  <a:schemeClr val="tx1"/>
+                </a:solidFill>
+                <a:latin typeface="Helvetica" pitchFamily="2" charset="0"/>
+                <a:ea typeface="+mj-ea"/>
+                <a:cs typeface="+mj-cs"/>
+              </a:defRPr>
+            </a:lvl1pPr>
+          </a:lstStyle>
+          <a:p>
+            <a:r>
+              <a:rPr lang="en-US" dirty="0" smtClean="0">
+                <a:latin typeface="Times New Roman" panose="02020603050405020304" pitchFamily="18" charset="0"/>
+                <a:cs typeface="Times New Roman" panose="02020603050405020304" pitchFamily="18" charset="0"/>
+              </a:rPr>
+              <a:t>The Multivariate Linear Model in R Example (Iris Data)</a:t>
+            </a:r>
+            <a:endParaRPr lang="en-US" dirty="0">
+              <a:latin typeface="Times New Roman" panose="02020603050405020304" pitchFamily="18" charset="0"/>
+              <a:cs typeface="Times New Roman" panose="02020603050405020304" pitchFamily="18" charset="0"/>
+            </a:endParaRPr>
+          </a:p>
+        </p:txBody>
+      </p:sp>
+      <p:sp>
+        <p:nvSpPr>
+          <p:cNvPr id="12" name="TextBox 11"/>
+          <p:cNvSpPr txBox="1"/>
+          <p:nvPr/>
+        </p:nvSpPr>
+        <p:spPr>
+          <a:xfrm>
+            <a:off x="2071561" y="1697944"/>
+            <a:ext cx="6853954" cy="369332"/>
+          </a:xfrm>
+          <a:prstGeom prst="rect">
+            <a:avLst/>
+          </a:prstGeom>
+          <a:noFill/>
+          <a:ln>
+            <a:solidFill>
+              <a:schemeClr val="tx1"/>
+            </a:solidFill>
+          </a:ln>
+        </p:spPr>
+        <p:txBody>
+          <a:bodyPr wrap="square" rtlCol="0">
+            <a:spAutoFit/>
+          </a:bodyPr>
+          <a:lstStyle/>
+          <a:p>
+            <a:r>
+              <a:rPr lang="en-US" b="1" dirty="0" smtClean="0">
+                <a:latin typeface="Courier New" panose="02070309020205020404" pitchFamily="49" charset="0"/>
+                <a:cs typeface="Courier New" panose="02070309020205020404" pitchFamily="49" charset="0"/>
+              </a:rPr>
+              <a:t>R&gt; </a:t>
+            </a:r>
+            <a:r>
+              <a:rPr lang="en-US" dirty="0" err="1" smtClean="0">
+                <a:latin typeface="Courier New" panose="02070309020205020404" pitchFamily="49" charset="0"/>
+                <a:cs typeface="Courier New" panose="02070309020205020404" pitchFamily="49" charset="0"/>
+              </a:rPr>
+              <a:t>glm</a:t>
+            </a:r>
+            <a:r>
+              <a:rPr lang="en-US" dirty="0" smtClean="0">
+                <a:latin typeface="Courier New" panose="02070309020205020404" pitchFamily="49" charset="0"/>
+                <a:cs typeface="Courier New" panose="02070309020205020404" pitchFamily="49" charset="0"/>
+              </a:rPr>
+              <a:t>(irisn.form1,data=</a:t>
+            </a:r>
+            <a:r>
+              <a:rPr lang="en-US" dirty="0" err="1" smtClean="0">
+                <a:latin typeface="Courier New" panose="02070309020205020404" pitchFamily="49" charset="0"/>
+                <a:cs typeface="Courier New" panose="02070309020205020404" pitchFamily="49" charset="0"/>
+              </a:rPr>
+              <a:t>irisn</a:t>
+            </a:r>
+            <a:r>
+              <a:rPr lang="en-US" dirty="0" smtClean="0">
+                <a:latin typeface="Courier New" panose="02070309020205020404" pitchFamily="49" charset="0"/>
+                <a:cs typeface="Courier New" panose="02070309020205020404" pitchFamily="49" charset="0"/>
+              </a:rPr>
+              <a:t>) -&gt; irisn.mod1;</a:t>
+            </a:r>
+            <a:endParaRPr lang="en-US" dirty="0">
+              <a:latin typeface="Courier New" panose="02070309020205020404" pitchFamily="49" charset="0"/>
+              <a:cs typeface="Courier New" panose="02070309020205020404" pitchFamily="49" charset="0"/>
+            </a:endParaRPr>
+          </a:p>
+        </p:txBody>
+      </p:sp>
+      <p:pic>
+        <p:nvPicPr>
+          <p:cNvPr id="3" name="Picture 2"/>
+          <p:cNvPicPr>
+            <a:picLocks noChangeAspect="1"/>
+          </p:cNvPicPr>
+          <p:nvPr/>
+        </p:nvPicPr>
+        <p:blipFill>
+          <a:blip r:embed="rId2"/>
+          <a:stretch>
+            <a:fillRect/>
+          </a:stretch>
+        </p:blipFill>
+        <p:spPr>
+          <a:xfrm>
+            <a:off x="6392707" y="3721228"/>
+            <a:ext cx="5458498" cy="1805631"/>
+          </a:xfrm>
+          <a:prstGeom prst="rect">
+            <a:avLst/>
+          </a:prstGeom>
+        </p:spPr>
+      </p:pic>
+      <p:pic>
+        <p:nvPicPr>
+          <p:cNvPr id="4" name="Picture 3"/>
+          <p:cNvPicPr>
+            <a:picLocks noChangeAspect="1"/>
+          </p:cNvPicPr>
+          <p:nvPr/>
+        </p:nvPicPr>
+        <p:blipFill>
+          <a:blip r:embed="rId3"/>
+          <a:stretch>
+            <a:fillRect/>
+          </a:stretch>
+        </p:blipFill>
+        <p:spPr>
+          <a:xfrm>
+            <a:off x="509798" y="3198976"/>
+            <a:ext cx="5186995" cy="3480481"/>
+          </a:xfrm>
+          <a:prstGeom prst="rect">
+            <a:avLst/>
+          </a:prstGeom>
+        </p:spPr>
+      </p:pic>
+      <p:sp>
+        <p:nvSpPr>
+          <p:cNvPr id="8" name="TextBox 7"/>
+          <p:cNvSpPr txBox="1"/>
+          <p:nvPr/>
+        </p:nvSpPr>
+        <p:spPr>
+          <a:xfrm>
+            <a:off x="1350022" y="2738064"/>
+            <a:ext cx="3335267" cy="369332"/>
+          </a:xfrm>
+          <a:prstGeom prst="rect">
+            <a:avLst/>
+          </a:prstGeom>
+          <a:noFill/>
+          <a:ln>
+            <a:solidFill>
+              <a:schemeClr val="tx1"/>
+            </a:solidFill>
+          </a:ln>
+        </p:spPr>
+        <p:txBody>
+          <a:bodyPr wrap="square" rtlCol="0">
+            <a:spAutoFit/>
+          </a:bodyPr>
+          <a:lstStyle/>
+          <a:p>
+            <a:r>
+              <a:rPr lang="en-US" b="1" dirty="0" smtClean="0">
+                <a:latin typeface="Courier New" panose="02070309020205020404" pitchFamily="49" charset="0"/>
+                <a:cs typeface="Courier New" panose="02070309020205020404" pitchFamily="49" charset="0"/>
+              </a:rPr>
+              <a:t>R&gt; </a:t>
+            </a:r>
+            <a:r>
+              <a:rPr lang="en-US" dirty="0" smtClean="0">
+                <a:latin typeface="Courier New" panose="02070309020205020404" pitchFamily="49" charset="0"/>
+                <a:cs typeface="Courier New" panose="02070309020205020404" pitchFamily="49" charset="0"/>
+              </a:rPr>
+              <a:t>summary(irisn.mod1);</a:t>
+            </a:r>
+            <a:endParaRPr lang="en-US" dirty="0">
+              <a:latin typeface="Courier New" panose="02070309020205020404" pitchFamily="49" charset="0"/>
+              <a:cs typeface="Courier New" panose="02070309020205020404" pitchFamily="49" charset="0"/>
+            </a:endParaRPr>
+          </a:p>
+        </p:txBody>
+      </p:sp>
+      <p:sp>
+        <p:nvSpPr>
+          <p:cNvPr id="9" name="TextBox 8"/>
+          <p:cNvSpPr txBox="1"/>
+          <p:nvPr/>
+        </p:nvSpPr>
+        <p:spPr>
+          <a:xfrm>
+            <a:off x="8042808" y="3107396"/>
+            <a:ext cx="2153155" cy="369332"/>
+          </a:xfrm>
+          <a:prstGeom prst="rect">
+            <a:avLst/>
+          </a:prstGeom>
+          <a:noFill/>
+          <a:ln>
+            <a:solidFill>
+              <a:schemeClr val="tx1"/>
+            </a:solidFill>
+          </a:ln>
+        </p:spPr>
+        <p:txBody>
+          <a:bodyPr wrap="square" rtlCol="0">
+            <a:spAutoFit/>
+          </a:bodyPr>
+          <a:lstStyle/>
+          <a:p>
+            <a:r>
+              <a:rPr lang="en-US" b="1" dirty="0" smtClean="0">
+                <a:latin typeface="Courier New" panose="02070309020205020404" pitchFamily="49" charset="0"/>
+                <a:cs typeface="Courier New" panose="02070309020205020404" pitchFamily="49" charset="0"/>
+              </a:rPr>
+              <a:t>R&gt; </a:t>
+            </a:r>
+            <a:r>
+              <a:rPr lang="en-US" dirty="0" smtClean="0">
+                <a:latin typeface="Courier New" panose="02070309020205020404" pitchFamily="49" charset="0"/>
+                <a:cs typeface="Courier New" panose="02070309020205020404" pitchFamily="49" charset="0"/>
+              </a:rPr>
+              <a:t>irisn.mod1;</a:t>
+            </a:r>
+            <a:endParaRPr lang="en-US" dirty="0">
+              <a:latin typeface="Courier New" panose="02070309020205020404" pitchFamily="49" charset="0"/>
+              <a:cs typeface="Courier New" panose="02070309020205020404" pitchFamily="49" charset="0"/>
+            </a:endParaRPr>
+          </a:p>
+        </p:txBody>
+      </p:sp>
+    </p:spTree>
+    <p:extLst>
+      <p:ext uri="{BB962C8B-B14F-4D97-AF65-F5344CB8AC3E}">
+        <p14:creationId xmlns:p14="http://schemas.microsoft.com/office/powerpoint/2010/main" val="1696536782"/>
+      </p:ext>
+    </p:extLst>
+  </p:cSld>
+  <p:clrMapOvr>
+    <a:masterClrMapping/>
+  </p:clrMapOvr>
+</p:sld>
+</file>
+
+<file path=ppt/slides/slide11.xml><?xml version="1.0" encoding="utf-8"?>
 <p:sld xmlns:a="http://schemas.openxmlformats.org/drawingml/2006/main" xmlns:r="http://schemas.openxmlformats.org/officeDocument/2006/relationships" xmlns:p="http://schemas.openxmlformats.org/presentationml/2006/main">
   <p:cSld>
     <p:spTree>
@@ -6645,7 +7063,7 @@
 </p:sld>
 </file>
 
-<file path=ppt/slides/slide11.xml><?xml version="1.0" encoding="utf-8"?>
+<file path=ppt/slides/slide12.xml><?xml version="1.0" encoding="utf-8"?>
 <p:sld xmlns:a="http://schemas.openxmlformats.org/drawingml/2006/main" xmlns:r="http://schemas.openxmlformats.org/officeDocument/2006/relationships" xmlns:p="http://schemas.openxmlformats.org/presentationml/2006/main">
   <p:cSld>
     <p:spTree>
@@ -8201,7 +8619,7 @@
 </p:sld>
 </file>
 
-<file path=ppt/slides/slide12.xml><?xml version="1.0" encoding="utf-8"?>
+<file path=ppt/slides/slide13.xml><?xml version="1.0" encoding="utf-8"?>
 <p:sld xmlns:a="http://schemas.openxmlformats.org/drawingml/2006/main" xmlns:r="http://schemas.openxmlformats.org/officeDocument/2006/relationships" xmlns:p="http://schemas.openxmlformats.org/presentationml/2006/main">
   <p:cSld>
     <p:spTree>
@@ -9809,7 +10227,7 @@
 </p:sld>
 </file>
 
-<file path=ppt/slides/slide13.xml><?xml version="1.0" encoding="utf-8"?>
+<file path=ppt/slides/slide14.xml><?xml version="1.0" encoding="utf-8"?>
 <p:sld xmlns:a="http://schemas.openxmlformats.org/drawingml/2006/main" xmlns:r="http://schemas.openxmlformats.org/officeDocument/2006/relationships" xmlns:p="http://schemas.openxmlformats.org/presentationml/2006/main">
   <p:cSld>
     <p:spTree>
@@ -10925,7 +11343,7 @@
 </p:sld>
 </file>
 
-<file path=ppt/slides/slide14.xml><?xml version="1.0" encoding="utf-8"?>
+<file path=ppt/slides/slide15.xml><?xml version="1.0" encoding="utf-8"?>
 <p:sld xmlns:a="http://schemas.openxmlformats.org/drawingml/2006/main" xmlns:r="http://schemas.openxmlformats.org/officeDocument/2006/relationships" xmlns:p="http://schemas.openxmlformats.org/presentationml/2006/main">
   <p:cSld>
     <p:spTree>
@@ -11338,7 +11756,7 @@
 </p:sld>
 </file>
 
-<file path=ppt/slides/slide15.xml><?xml version="1.0" encoding="utf-8"?>
+<file path=ppt/slides/slide16.xml><?xml version="1.0" encoding="utf-8"?>
 <p:sld xmlns:a="http://schemas.openxmlformats.org/drawingml/2006/main" xmlns:r="http://schemas.openxmlformats.org/officeDocument/2006/relationships" xmlns:p="http://schemas.openxmlformats.org/presentationml/2006/main">
   <p:cSld>
     <p:spTree>
@@ -11615,7 +12033,7 @@
 </p:sld>
 </file>
 
-<file path=ppt/slides/slide16.xml><?xml version="1.0" encoding="utf-8"?>
+<file path=ppt/slides/slide17.xml><?xml version="1.0" encoding="utf-8"?>
 <p:sld xmlns:a="http://schemas.openxmlformats.org/drawingml/2006/main" xmlns:r="http://schemas.openxmlformats.org/officeDocument/2006/relationships" xmlns:p="http://schemas.openxmlformats.org/presentationml/2006/main">
   <p:cSld>
     <p:spTree>
@@ -13347,7 +13765,7 @@
 </p:sld>
 </file>
 
-<file path=ppt/slides/slide17.xml><?xml version="1.0" encoding="utf-8"?>
+<file path=ppt/slides/slide18.xml><?xml version="1.0" encoding="utf-8"?>
 <p:sld xmlns:a="http://schemas.openxmlformats.org/drawingml/2006/main" xmlns:r="http://schemas.openxmlformats.org/officeDocument/2006/relationships" xmlns:p="http://schemas.openxmlformats.org/presentationml/2006/main">
   <p:cSld>
     <p:spTree>
@@ -15686,7 +16104,7 @@
 </p:sld>
 </file>
 
-<file path=ppt/slides/slide18.xml><?xml version="1.0" encoding="utf-8"?>
+<file path=ppt/slides/slide19.xml><?xml version="1.0" encoding="utf-8"?>
 <p:sld xmlns:a="http://schemas.openxmlformats.org/drawingml/2006/main" xmlns:r="http://schemas.openxmlformats.org/officeDocument/2006/relationships" xmlns:p="http://schemas.openxmlformats.org/presentationml/2006/main">
   <p:cSld>
     <p:spTree>
@@ -17550,7 +17968,74 @@
 </p:sld>
 </file>
 
-<file path=ppt/slides/slide19.xml><?xml version="1.0" encoding="utf-8"?>
+<file path=ppt/slides/slide2.xml><?xml version="1.0" encoding="utf-8"?>
+<p:sld xmlns:a="http://schemas.openxmlformats.org/drawingml/2006/main" xmlns:r="http://schemas.openxmlformats.org/officeDocument/2006/relationships" xmlns:p="http://schemas.openxmlformats.org/presentationml/2006/main">
+  <p:cSld>
+    <p:spTree>
+      <p:nvGrpSpPr>
+        <p:cNvPr id="1" name=""/>
+        <p:cNvGrpSpPr/>
+        <p:nvPr/>
+      </p:nvGrpSpPr>
+      <p:grpSpPr>
+        <a:xfrm>
+          <a:off x="0" y="0"/>
+          <a:ext cx="0" cy="0"/>
+          <a:chOff x="0" y="0"/>
+          <a:chExt cx="0" cy="0"/>
+        </a:xfrm>
+      </p:grpSpPr>
+      <p:sp>
+        <p:nvSpPr>
+          <p:cNvPr id="2" name="Title 1">
+            <a:extLst>
+              <a:ext uri="{FF2B5EF4-FFF2-40B4-BE49-F238E27FC236}">
+                <a16:creationId xmlns:a16="http://schemas.microsoft.com/office/drawing/2014/main" id="{1B340445-FD60-F345-B8BC-C6D68C6D6867}"/>
+              </a:ext>
+            </a:extLst>
+          </p:cNvPr>
+          <p:cNvSpPr>
+            <a:spLocks noGrp="1"/>
+          </p:cNvSpPr>
+          <p:nvPr>
+            <p:ph type="title"/>
+          </p:nvPr>
+        </p:nvSpPr>
+        <p:spPr/>
+        <p:txBody>
+          <a:bodyPr>
+            <a:normAutofit fontScale="90000"/>
+          </a:bodyPr>
+          <a:lstStyle/>
+          <a:p>
+            <a:r>
+              <a:rPr lang="en-US" dirty="0" smtClean="0">
+                <a:latin typeface="Times New Roman" panose="02020603050405020304" pitchFamily="18" charset="0"/>
+                <a:cs typeface="Times New Roman" panose="02020603050405020304" pitchFamily="18" charset="0"/>
+              </a:rPr>
+              <a:t>Day 2: Section III (Transforming Data, Modeling, Regularization, Variable Selection and Tabulating/Displaying Results)</a:t>
+            </a:r>
+            <a:endParaRPr lang="en-US" dirty="0">
+              <a:latin typeface="Times New Roman" panose="02020603050405020304" pitchFamily="18" charset="0"/>
+              <a:cs typeface="Times New Roman" panose="02020603050405020304" pitchFamily="18" charset="0"/>
+            </a:endParaRPr>
+          </a:p>
+        </p:txBody>
+      </p:sp>
+    </p:spTree>
+    <p:extLst>
+      <p:ext uri="{BB962C8B-B14F-4D97-AF65-F5344CB8AC3E}">
+        <p14:creationId xmlns:p14="http://schemas.microsoft.com/office/powerpoint/2010/main" val="496125496"/>
+      </p:ext>
+    </p:extLst>
+  </p:cSld>
+  <p:clrMapOvr>
+    <a:masterClrMapping/>
+  </p:clrMapOvr>
+</p:sld>
+</file>
+
+<file path=ppt/slides/slide20.xml><?xml version="1.0" encoding="utf-8"?>
 <p:sld xmlns:a="http://schemas.openxmlformats.org/drawingml/2006/main" xmlns:r="http://schemas.openxmlformats.org/officeDocument/2006/relationships" xmlns:p="http://schemas.openxmlformats.org/presentationml/2006/main">
   <p:cSld>
     <p:spTree>
@@ -19516,74 +20001,7 @@
 </p:sld>
 </file>
 
-<file path=ppt/slides/slide2.xml><?xml version="1.0" encoding="utf-8"?>
-<p:sld xmlns:a="http://schemas.openxmlformats.org/drawingml/2006/main" xmlns:r="http://schemas.openxmlformats.org/officeDocument/2006/relationships" xmlns:p="http://schemas.openxmlformats.org/presentationml/2006/main">
-  <p:cSld>
-    <p:spTree>
-      <p:nvGrpSpPr>
-        <p:cNvPr id="1" name=""/>
-        <p:cNvGrpSpPr/>
-        <p:nvPr/>
-      </p:nvGrpSpPr>
-      <p:grpSpPr>
-        <a:xfrm>
-          <a:off x="0" y="0"/>
-          <a:ext cx="0" cy="0"/>
-          <a:chOff x="0" y="0"/>
-          <a:chExt cx="0" cy="0"/>
-        </a:xfrm>
-      </p:grpSpPr>
-      <p:sp>
-        <p:nvSpPr>
-          <p:cNvPr id="2" name="Title 1">
-            <a:extLst>
-              <a:ext uri="{FF2B5EF4-FFF2-40B4-BE49-F238E27FC236}">
-                <a16:creationId xmlns:a16="http://schemas.microsoft.com/office/drawing/2014/main" id="{1B340445-FD60-F345-B8BC-C6D68C6D6867}"/>
-              </a:ext>
-            </a:extLst>
-          </p:cNvPr>
-          <p:cNvSpPr>
-            <a:spLocks noGrp="1"/>
-          </p:cNvSpPr>
-          <p:nvPr>
-            <p:ph type="title"/>
-          </p:nvPr>
-        </p:nvSpPr>
-        <p:spPr/>
-        <p:txBody>
-          <a:bodyPr>
-            <a:normAutofit fontScale="90000"/>
-          </a:bodyPr>
-          <a:lstStyle/>
-          <a:p>
-            <a:r>
-              <a:rPr lang="en-US" dirty="0" smtClean="0">
-                <a:latin typeface="Times New Roman" panose="02020603050405020304" pitchFamily="18" charset="0"/>
-                <a:cs typeface="Times New Roman" panose="02020603050405020304" pitchFamily="18" charset="0"/>
-              </a:rPr>
-              <a:t>Day 2: Section III (Transforming Data, Modeling, Regularization, Variable Selection and Tabulating/Displaying Results)</a:t>
-            </a:r>
-            <a:endParaRPr lang="en-US" dirty="0">
-              <a:latin typeface="Times New Roman" panose="02020603050405020304" pitchFamily="18" charset="0"/>
-              <a:cs typeface="Times New Roman" panose="02020603050405020304" pitchFamily="18" charset="0"/>
-            </a:endParaRPr>
-          </a:p>
-        </p:txBody>
-      </p:sp>
-    </p:spTree>
-    <p:extLst>
-      <p:ext uri="{BB962C8B-B14F-4D97-AF65-F5344CB8AC3E}">
-        <p14:creationId xmlns:p14="http://schemas.microsoft.com/office/powerpoint/2010/main" val="496125496"/>
-      </p:ext>
-    </p:extLst>
-  </p:cSld>
-  <p:clrMapOvr>
-    <a:masterClrMapping/>
-  </p:clrMapOvr>
-</p:sld>
-</file>
-
-<file path=ppt/slides/slide20.xml><?xml version="1.0" encoding="utf-8"?>
+<file path=ppt/slides/slide21.xml><?xml version="1.0" encoding="utf-8"?>
 <p:sld xmlns:a="http://schemas.openxmlformats.org/drawingml/2006/main" xmlns:r="http://schemas.openxmlformats.org/officeDocument/2006/relationships" xmlns:p="http://schemas.openxmlformats.org/presentationml/2006/main">
   <p:cSld>
     <p:spTree>
@@ -19974,335 +20392,6 @@
     <p:extLst>
       <p:ext uri="{BB962C8B-B14F-4D97-AF65-F5344CB8AC3E}">
         <p14:creationId xmlns:p14="http://schemas.microsoft.com/office/powerpoint/2010/main" val="1844600733"/>
-      </p:ext>
-    </p:extLst>
-  </p:cSld>
-  <p:clrMapOvr>
-    <a:masterClrMapping/>
-  </p:clrMapOvr>
-</p:sld>
-</file>
-
-<file path=ppt/slides/slide21.xml><?xml version="1.0" encoding="utf-8"?>
-<p:sld xmlns:a="http://schemas.openxmlformats.org/drawingml/2006/main" xmlns:r="http://schemas.openxmlformats.org/officeDocument/2006/relationships" xmlns:p="http://schemas.openxmlformats.org/presentationml/2006/main">
-  <p:cSld>
-    <p:spTree>
-      <p:nvGrpSpPr>
-        <p:cNvPr id="1" name=""/>
-        <p:cNvGrpSpPr/>
-        <p:nvPr/>
-      </p:nvGrpSpPr>
-      <p:grpSpPr>
-        <a:xfrm>
-          <a:off x="0" y="0"/>
-          <a:ext cx="0" cy="0"/>
-          <a:chOff x="0" y="0"/>
-          <a:chExt cx="0" cy="0"/>
-        </a:xfrm>
-      </p:grpSpPr>
-      <p:sp>
-        <p:nvSpPr>
-          <p:cNvPr id="2" name="Title 1">
-            <a:extLst>
-              <a:ext uri="{FF2B5EF4-FFF2-40B4-BE49-F238E27FC236}">
-                <a16:creationId xmlns:a16="http://schemas.microsoft.com/office/drawing/2014/main" id="{636FB483-8A01-854E-9BBE-55E0C355A79B}"/>
-              </a:ext>
-            </a:extLst>
-          </p:cNvPr>
-          <p:cNvSpPr txBox="1">
-            <a:spLocks/>
-          </p:cNvSpPr>
-          <p:nvPr/>
-        </p:nvSpPr>
-        <p:spPr>
-          <a:xfrm>
-            <a:off x="292557" y="283221"/>
-            <a:ext cx="11316737" cy="656493"/>
-          </a:xfrm>
-          <a:prstGeom prst="rect">
-            <a:avLst/>
-          </a:prstGeom>
-        </p:spPr>
-        <p:txBody>
-          <a:bodyPr/>
-          <a:lstStyle>
-            <a:lvl1pPr algn="l" defTabSz="914400" rtl="0" eaLnBrk="1" latinLnBrk="0" hangingPunct="1">
-              <a:lnSpc>
-                <a:spcPct val="90000"/>
-              </a:lnSpc>
-              <a:spcBef>
-                <a:spcPct val="0"/>
-              </a:spcBef>
-              <a:buNone/>
-              <a:defRPr sz="2800" b="1" kern="1200">
-                <a:solidFill>
-                  <a:schemeClr val="tx1"/>
-                </a:solidFill>
-                <a:latin typeface="Helvetica" pitchFamily="2" charset="0"/>
-                <a:ea typeface="+mj-ea"/>
-                <a:cs typeface="+mj-cs"/>
-              </a:defRPr>
-            </a:lvl1pPr>
-          </a:lstStyle>
-          <a:p>
-            <a:r>
-              <a:rPr lang="en-US" dirty="0" smtClean="0">
-                <a:latin typeface="Times New Roman" panose="02020603050405020304" pitchFamily="18" charset="0"/>
-                <a:cs typeface="Times New Roman" panose="02020603050405020304" pitchFamily="18" charset="0"/>
-              </a:rPr>
-              <a:t>Including categorical predictors in model (Iris Data)</a:t>
-            </a:r>
-            <a:endParaRPr lang="en-US" dirty="0">
-              <a:latin typeface="Times New Roman" panose="02020603050405020304" pitchFamily="18" charset="0"/>
-              <a:cs typeface="Times New Roman" panose="02020603050405020304" pitchFamily="18" charset="0"/>
-            </a:endParaRPr>
-          </a:p>
-        </p:txBody>
-      </p:sp>
-      <p:sp>
-        <p:nvSpPr>
-          <p:cNvPr id="6" name="AutoShape 4" descr="http://127.0.0.1:39177/graphics/plot_zoom_png?width=1200&amp;height=900"/>
-          <p:cNvSpPr>
-            <a:spLocks noChangeAspect="1" noChangeArrowheads="1"/>
-          </p:cNvSpPr>
-          <p:nvPr/>
-        </p:nvSpPr>
-        <p:spPr bwMode="auto">
-          <a:xfrm>
-            <a:off x="63500" y="-136525"/>
-            <a:ext cx="304800" cy="304800"/>
-          </a:xfrm>
-          <a:prstGeom prst="rect">
-            <a:avLst/>
-          </a:prstGeom>
-          <a:noFill/>
-          <a:extLst>
-            <a:ext uri="{909E8E84-426E-40DD-AFC4-6F175D3DCCD1}">
-              <a14:hiddenFill xmlns:a14="http://schemas.microsoft.com/office/drawing/2010/main">
-                <a:solidFill>
-                  <a:srgbClr val="FFFFFF"/>
-                </a:solidFill>
-              </a14:hiddenFill>
-            </a:ext>
-          </a:extLst>
-        </p:spPr>
-        <p:txBody>
-          <a:bodyPr vert="horz" wrap="square" lIns="91440" tIns="45720" rIns="91440" bIns="45720" numCol="1" anchor="t" anchorCtr="0" compatLnSpc="1">
-            <a:prstTxWarp prst="textNoShape">
-              <a:avLst/>
-            </a:prstTxWarp>
-          </a:bodyPr>
-          <a:lstStyle/>
-          <a:p>
-            <a:endParaRPr lang="en-US"/>
-          </a:p>
-        </p:txBody>
-      </p:sp>
-      <p:pic>
-        <p:nvPicPr>
-          <p:cNvPr id="4" name="Picture 3"/>
-          <p:cNvPicPr>
-            <a:picLocks noChangeAspect="1"/>
-          </p:cNvPicPr>
-          <p:nvPr/>
-        </p:nvPicPr>
-        <p:blipFill>
-          <a:blip r:embed="rId2"/>
-          <a:stretch>
-            <a:fillRect/>
-          </a:stretch>
-        </p:blipFill>
-        <p:spPr>
-          <a:xfrm>
-            <a:off x="368300" y="903855"/>
-            <a:ext cx="6489700" cy="4824135"/>
-          </a:xfrm>
-          <a:prstGeom prst="rect">
-            <a:avLst/>
-          </a:prstGeom>
-        </p:spPr>
-      </p:pic>
-      <p:sp>
-        <p:nvSpPr>
-          <p:cNvPr id="11" name="Rectangle 10"/>
-          <p:cNvSpPr/>
-          <p:nvPr/>
-        </p:nvSpPr>
-        <p:spPr>
-          <a:xfrm>
-            <a:off x="386230" y="3065929"/>
-            <a:ext cx="6265582" cy="313764"/>
-          </a:xfrm>
-          <a:prstGeom prst="rect">
-            <a:avLst/>
-          </a:prstGeom>
-          <a:noFill/>
-          <a:ln>
-            <a:solidFill>
-              <a:srgbClr val="FF0000"/>
-            </a:solidFill>
-          </a:ln>
-        </p:spPr>
-        <p:style>
-          <a:lnRef idx="2">
-            <a:schemeClr val="accent1">
-              <a:shade val="50000"/>
-            </a:schemeClr>
-          </a:lnRef>
-          <a:fillRef idx="1">
-            <a:schemeClr val="accent1"/>
-          </a:fillRef>
-          <a:effectRef idx="0">
-            <a:schemeClr val="accent1"/>
-          </a:effectRef>
-          <a:fontRef idx="minor">
-            <a:schemeClr val="lt1"/>
-          </a:fontRef>
-        </p:style>
-        <p:txBody>
-          <a:bodyPr rtlCol="0" anchor="ctr"/>
-          <a:lstStyle/>
-          <a:p>
-            <a:pPr algn="ctr"/>
-            <a:endParaRPr lang="en-US"/>
-          </a:p>
-        </p:txBody>
-      </p:sp>
-      <p:sp>
-        <p:nvSpPr>
-          <p:cNvPr id="12" name="TextBox 11"/>
-          <p:cNvSpPr txBox="1"/>
-          <p:nvPr/>
-        </p:nvSpPr>
-        <p:spPr>
-          <a:xfrm>
-            <a:off x="6858000" y="744071"/>
-            <a:ext cx="5244353" cy="3416320"/>
-          </a:xfrm>
-          <a:prstGeom prst="rect">
-            <a:avLst/>
-          </a:prstGeom>
-          <a:noFill/>
-        </p:spPr>
-        <p:txBody>
-          <a:bodyPr wrap="square" rtlCol="0">
-            <a:spAutoFit/>
-          </a:bodyPr>
-          <a:lstStyle/>
-          <a:p>
-            <a:pPr marL="285750" indent="-285750">
-              <a:buFont typeface="Arial" panose="020B0604020202020204" pitchFamily="34" charset="0"/>
-              <a:buChar char="•"/>
-            </a:pPr>
-            <a:r>
-              <a:rPr lang="en-US" dirty="0" smtClean="0"/>
-              <a:t>Notice how two entries were added automatically (one for each category other than the reference of the categorical variable). </a:t>
-            </a:r>
-          </a:p>
-          <a:p>
-            <a:pPr marL="285750" indent="-285750">
-              <a:buFont typeface="Arial" panose="020B0604020202020204" pitchFamily="34" charset="0"/>
-              <a:buChar char="•"/>
-            </a:pPr>
-            <a:r>
-              <a:rPr lang="en-US" dirty="0" smtClean="0"/>
-              <a:t>By default the category level name is concatenated with the variable name and included in the list.</a:t>
-            </a:r>
-          </a:p>
-          <a:p>
-            <a:pPr marL="285750" indent="-285750">
-              <a:buFont typeface="Arial" panose="020B0604020202020204" pitchFamily="34" charset="0"/>
-              <a:buChar char="•"/>
-            </a:pPr>
-            <a:endParaRPr lang="en-US" dirty="0"/>
-          </a:p>
-          <a:p>
-            <a:pPr marL="285750" indent="-285750">
-              <a:buFont typeface="Arial" panose="020B0604020202020204" pitchFamily="34" charset="0"/>
-              <a:buChar char="•"/>
-            </a:pPr>
-            <a:r>
-              <a:rPr lang="en-US" dirty="0" smtClean="0"/>
-              <a:t>‘Species’ is handled correctly because it is already a factor variable, character variables are treated as categorical by default. </a:t>
-            </a:r>
-          </a:p>
-          <a:p>
-            <a:pPr marL="285750" indent="-285750">
-              <a:buFont typeface="Arial" panose="020B0604020202020204" pitchFamily="34" charset="0"/>
-              <a:buChar char="•"/>
-            </a:pPr>
-            <a:r>
-              <a:rPr lang="en-US" dirty="0" smtClean="0"/>
-              <a:t>Notice also how </a:t>
-            </a:r>
-            <a:r>
-              <a:rPr lang="en-US" dirty="0" err="1" smtClean="0"/>
-              <a:t>setosa</a:t>
-            </a:r>
-            <a:r>
-              <a:rPr lang="en-US" dirty="0" smtClean="0"/>
-              <a:t> is omitted from the list, this is because that is the reference level (for which the intercept makes sense again). </a:t>
-            </a:r>
-          </a:p>
-        </p:txBody>
-      </p:sp>
-      <p:sp>
-        <p:nvSpPr>
-          <p:cNvPr id="13" name="TextBox 12"/>
-          <p:cNvSpPr txBox="1"/>
-          <p:nvPr/>
-        </p:nvSpPr>
-        <p:spPr>
-          <a:xfrm>
-            <a:off x="7494494" y="4258095"/>
-            <a:ext cx="4186518" cy="1384995"/>
-          </a:xfrm>
-          <a:prstGeom prst="rect">
-            <a:avLst/>
-          </a:prstGeom>
-          <a:noFill/>
-          <a:ln>
-            <a:solidFill>
-              <a:srgbClr val="FF0000"/>
-            </a:solidFill>
-          </a:ln>
-        </p:spPr>
-        <p:txBody>
-          <a:bodyPr wrap="square" rtlCol="0">
-            <a:spAutoFit/>
-          </a:bodyPr>
-          <a:lstStyle/>
-          <a:p>
-            <a:r>
-              <a:rPr lang="en-US" sz="1400" dirty="0" smtClean="0"/>
-              <a:t>Questions:</a:t>
-            </a:r>
-          </a:p>
-          <a:p>
-            <a:pPr marL="342900" indent="-342900">
-              <a:buAutoNum type="arabicParenBoth"/>
-            </a:pPr>
-            <a:r>
-              <a:rPr lang="en-US" sz="1400" dirty="0" smtClean="0"/>
-              <a:t>Why does including this categorical variable in the model cause the intercept estimation to make logical sense again?</a:t>
-            </a:r>
-          </a:p>
-          <a:p>
-            <a:pPr marL="342900" indent="-342900">
-              <a:buAutoNum type="arabicParenBoth"/>
-            </a:pPr>
-            <a:r>
-              <a:rPr lang="en-US" sz="1400" dirty="0" smtClean="0"/>
-              <a:t>What is the interpretation of a coefficient estimated for a categorical variable?</a:t>
-            </a:r>
-            <a:endParaRPr lang="en-US" sz="1400" dirty="0"/>
-          </a:p>
-        </p:txBody>
-      </p:sp>
-    </p:spTree>
-    <p:extLst>
-      <p:ext uri="{BB962C8B-B14F-4D97-AF65-F5344CB8AC3E}">
-        <p14:creationId xmlns:p14="http://schemas.microsoft.com/office/powerpoint/2010/main" val="3981101434"/>
       </p:ext>
     </p:extLst>
   </p:cSld>
@@ -20379,7 +20468,7 @@
                 <a:latin typeface="Times New Roman" panose="02020603050405020304" pitchFamily="18" charset="0"/>
                 <a:cs typeface="Times New Roman" panose="02020603050405020304" pitchFamily="18" charset="0"/>
               </a:rPr>
-              <a:t>Interpreting categorical variable effects (Iris Data)</a:t>
+              <a:t>Including categorical predictors in model (Iris Data)</a:t>
             </a:r>
             <a:endParaRPr lang="en-US" dirty="0">
               <a:latin typeface="Times New Roman" panose="02020603050405020304" pitchFamily="18" charset="0"/>
@@ -20443,8 +20532,8 @@
         </p:blipFill>
         <p:spPr>
           <a:xfrm>
-            <a:off x="368300" y="939714"/>
-            <a:ext cx="7346857" cy="5461305"/>
+            <a:off x="368300" y="903855"/>
+            <a:ext cx="6489700" cy="4824135"/>
           </a:xfrm>
           <a:prstGeom prst="rect">
             <a:avLst/>
@@ -20459,8 +20548,8 @@
         </p:nvSpPr>
         <p:spPr>
           <a:xfrm>
-            <a:off x="386230" y="3370729"/>
-            <a:ext cx="7278594" cy="385483"/>
+            <a:off x="386230" y="3065929"/>
+            <a:ext cx="6265582" cy="313764"/>
           </a:xfrm>
           <a:prstGeom prst="rect">
             <a:avLst/>
@@ -20505,8 +20594,8 @@
         </p:nvSpPr>
         <p:spPr>
           <a:xfrm>
-            <a:off x="7897906" y="1093694"/>
-            <a:ext cx="4204447" cy="3416320"/>
+            <a:off x="6774873" y="905203"/>
+            <a:ext cx="5478087" cy="3416320"/>
           </a:xfrm>
           <a:prstGeom prst="rect">
             <a:avLst/>
@@ -20525,23 +20614,7 @@
             </a:pPr>
             <a:r>
               <a:rPr lang="en-US" dirty="0" smtClean="0"/>
-              <a:t>Neither of these effects is significant, but nonetheless the effects were estimated and can be interpreted as saying that “on average when compared with those of the </a:t>
-            </a:r>
-            <a:r>
-              <a:rPr lang="en-US" dirty="0" err="1" smtClean="0"/>
-              <a:t>setosa</a:t>
-            </a:r>
-            <a:r>
-              <a:rPr lang="en-US" dirty="0" smtClean="0"/>
-              <a:t> species, irises of the versicolor species had sepal lengths that were 0.2804 cm shorter, and those of </a:t>
-            </a:r>
-            <a:r>
-              <a:rPr lang="en-US" dirty="0" err="1" smtClean="0"/>
-              <a:t>virginica</a:t>
-            </a:r>
-            <a:r>
-              <a:rPr lang="en-US" dirty="0" smtClean="0"/>
-              <a:t> had 0.63456 cm shorter lengths”. </a:t>
+              <a:t>Notice how two entries were added automatically (one for each category other than the reference of the categorical variable). </a:t>
             </a:r>
           </a:p>
           <a:p>
@@ -20549,6 +20622,16 @@
               <a:buFont typeface="Arial" panose="020B0604020202020204" pitchFamily="34" charset="0"/>
               <a:buChar char="•"/>
             </a:pPr>
+            <a:r>
+              <a:rPr lang="en-US" dirty="0" smtClean="0"/>
+              <a:t>By default the category level name is concatenated with the variable name and included in the </a:t>
+            </a:r>
+            <a:r>
+              <a:rPr lang="en-US" dirty="0" smtClean="0"/>
+              <a:t>list.</a:t>
+            </a:r>
+          </a:p>
+          <a:p>
             <a:endParaRPr lang="en-US" dirty="0"/>
           </a:p>
           <a:p>
@@ -20558,15 +20641,99 @@
             </a:pPr>
             <a:r>
               <a:rPr lang="en-US" dirty="0" smtClean="0"/>
-              <a:t>Note that the interpretation depends on the reference level.</a:t>
-            </a:r>
+              <a:t>‘Species’ is handled correctly because it is already a factor variable, character variables are treated as categorical by default. </a:t>
+            </a:r>
+            <a:r>
+              <a:rPr lang="en-US" dirty="0" smtClean="0"/>
+              <a:t> [ use </a:t>
+            </a:r>
+            <a:r>
+              <a:rPr lang="en-US" dirty="0" err="1" smtClean="0"/>
+              <a:t>as.factor</a:t>
+            </a:r>
+            <a:r>
+              <a:rPr lang="en-US" dirty="0" smtClean="0"/>
+              <a:t>() to force this ]</a:t>
+            </a:r>
+            <a:endParaRPr lang="en-US" dirty="0" smtClean="0"/>
+          </a:p>
+          <a:p>
+            <a:pPr marL="285750" indent="-285750">
+              <a:buFont typeface="Arial" panose="020B0604020202020204" pitchFamily="34" charset="0"/>
+              <a:buChar char="•"/>
+            </a:pPr>
+            <a:r>
+              <a:rPr lang="en-US" dirty="0" smtClean="0"/>
+              <a:t>Notice also how </a:t>
+            </a:r>
+            <a:r>
+              <a:rPr lang="en-US" dirty="0" err="1" smtClean="0"/>
+              <a:t>setosa</a:t>
+            </a:r>
+            <a:r>
+              <a:rPr lang="en-US" dirty="0" smtClean="0"/>
+              <a:t> is omitted from the list, this is because that is the reference level (for which the intercept makes sense again). </a:t>
+            </a:r>
+          </a:p>
+        </p:txBody>
+      </p:sp>
+      <p:sp>
+        <p:nvSpPr>
+          <p:cNvPr id="13" name="TextBox 12"/>
+          <p:cNvSpPr txBox="1"/>
+          <p:nvPr/>
+        </p:nvSpPr>
+        <p:spPr>
+          <a:xfrm>
+            <a:off x="7494494" y="4258095"/>
+            <a:ext cx="4186518" cy="1384995"/>
+          </a:xfrm>
+          <a:prstGeom prst="rect">
+            <a:avLst/>
+          </a:prstGeom>
+          <a:noFill/>
+          <a:ln>
+            <a:solidFill>
+              <a:srgbClr val="FF0000"/>
+            </a:solidFill>
+          </a:ln>
+        </p:spPr>
+        <p:txBody>
+          <a:bodyPr wrap="square" rtlCol="0">
+            <a:spAutoFit/>
+          </a:bodyPr>
+          <a:lstStyle/>
+          <a:p>
+            <a:r>
+              <a:rPr lang="en-US" sz="1400" dirty="0" smtClean="0"/>
+              <a:t>Questions:</a:t>
+            </a:r>
+          </a:p>
+          <a:p>
+            <a:pPr marL="342900" indent="-342900">
+              <a:buAutoNum type="arabicParenBoth"/>
+            </a:pPr>
+            <a:r>
+              <a:rPr lang="en-US" sz="1400" dirty="0" smtClean="0"/>
+              <a:t>Why does including this categorical variable in the model cause the intercept estimation to make logical sense again?</a:t>
+            </a:r>
+          </a:p>
+          <a:p>
+            <a:pPr marL="342900" indent="-342900">
+              <a:buAutoNum type="arabicParenBoth"/>
+            </a:pPr>
+            <a:r>
+              <a:rPr lang="en-US" sz="1400" dirty="0" smtClean="0"/>
+              <a:t>What is the interpretation of a coefficient estimated for a categorical variable?</a:t>
+            </a:r>
+            <a:endParaRPr lang="en-US" sz="1400" dirty="0"/>
           </a:p>
         </p:txBody>
       </p:sp>
     </p:spTree>
     <p:extLst>
       <p:ext uri="{BB962C8B-B14F-4D97-AF65-F5344CB8AC3E}">
-        <p14:creationId xmlns:p14="http://schemas.microsoft.com/office/powerpoint/2010/main" val="2508615127"/>
+        <p14:creationId xmlns:p14="http://schemas.microsoft.com/office/powerpoint/2010/main" val="3981101434"/>
       </p:ext>
     </p:extLst>
   </p:cSld>
@@ -20643,6 +20810,270 @@
                 <a:latin typeface="Times New Roman" panose="02020603050405020304" pitchFamily="18" charset="0"/>
                 <a:cs typeface="Times New Roman" panose="02020603050405020304" pitchFamily="18" charset="0"/>
               </a:rPr>
+              <a:t>Interpreting categorical variable effects (Iris Data)</a:t>
+            </a:r>
+            <a:endParaRPr lang="en-US" dirty="0">
+              <a:latin typeface="Times New Roman" panose="02020603050405020304" pitchFamily="18" charset="0"/>
+              <a:cs typeface="Times New Roman" panose="02020603050405020304" pitchFamily="18" charset="0"/>
+            </a:endParaRPr>
+          </a:p>
+        </p:txBody>
+      </p:sp>
+      <p:sp>
+        <p:nvSpPr>
+          <p:cNvPr id="6" name="AutoShape 4" descr="http://127.0.0.1:39177/graphics/plot_zoom_png?width=1200&amp;height=900"/>
+          <p:cNvSpPr>
+            <a:spLocks noChangeAspect="1" noChangeArrowheads="1"/>
+          </p:cNvSpPr>
+          <p:nvPr/>
+        </p:nvSpPr>
+        <p:spPr bwMode="auto">
+          <a:xfrm>
+            <a:off x="63500" y="-136525"/>
+            <a:ext cx="304800" cy="304800"/>
+          </a:xfrm>
+          <a:prstGeom prst="rect">
+            <a:avLst/>
+          </a:prstGeom>
+          <a:noFill/>
+          <a:extLst>
+            <a:ext uri="{909E8E84-426E-40DD-AFC4-6F175D3DCCD1}">
+              <a14:hiddenFill xmlns:a14="http://schemas.microsoft.com/office/drawing/2010/main">
+                <a:solidFill>
+                  <a:srgbClr val="FFFFFF"/>
+                </a:solidFill>
+              </a14:hiddenFill>
+            </a:ext>
+          </a:extLst>
+        </p:spPr>
+        <p:txBody>
+          <a:bodyPr vert="horz" wrap="square" lIns="91440" tIns="45720" rIns="91440" bIns="45720" numCol="1" anchor="t" anchorCtr="0" compatLnSpc="1">
+            <a:prstTxWarp prst="textNoShape">
+              <a:avLst/>
+            </a:prstTxWarp>
+          </a:bodyPr>
+          <a:lstStyle/>
+          <a:p>
+            <a:endParaRPr lang="en-US"/>
+          </a:p>
+        </p:txBody>
+      </p:sp>
+      <p:pic>
+        <p:nvPicPr>
+          <p:cNvPr id="4" name="Picture 3"/>
+          <p:cNvPicPr>
+            <a:picLocks noChangeAspect="1"/>
+          </p:cNvPicPr>
+          <p:nvPr/>
+        </p:nvPicPr>
+        <p:blipFill>
+          <a:blip r:embed="rId2"/>
+          <a:stretch>
+            <a:fillRect/>
+          </a:stretch>
+        </p:blipFill>
+        <p:spPr>
+          <a:xfrm>
+            <a:off x="368300" y="939714"/>
+            <a:ext cx="7346857" cy="5461305"/>
+          </a:xfrm>
+          <a:prstGeom prst="rect">
+            <a:avLst/>
+          </a:prstGeom>
+        </p:spPr>
+      </p:pic>
+      <p:sp>
+        <p:nvSpPr>
+          <p:cNvPr id="11" name="Rectangle 10"/>
+          <p:cNvSpPr/>
+          <p:nvPr/>
+        </p:nvSpPr>
+        <p:spPr>
+          <a:xfrm>
+            <a:off x="386230" y="3370729"/>
+            <a:ext cx="7278594" cy="385483"/>
+          </a:xfrm>
+          <a:prstGeom prst="rect">
+            <a:avLst/>
+          </a:prstGeom>
+          <a:noFill/>
+          <a:ln>
+            <a:solidFill>
+              <a:srgbClr val="FF0000"/>
+            </a:solidFill>
+          </a:ln>
+        </p:spPr>
+        <p:style>
+          <a:lnRef idx="2">
+            <a:schemeClr val="accent1">
+              <a:shade val="50000"/>
+            </a:schemeClr>
+          </a:lnRef>
+          <a:fillRef idx="1">
+            <a:schemeClr val="accent1"/>
+          </a:fillRef>
+          <a:effectRef idx="0">
+            <a:schemeClr val="accent1"/>
+          </a:effectRef>
+          <a:fontRef idx="minor">
+            <a:schemeClr val="lt1"/>
+          </a:fontRef>
+        </p:style>
+        <p:txBody>
+          <a:bodyPr rtlCol="0" anchor="ctr"/>
+          <a:lstStyle/>
+          <a:p>
+            <a:pPr algn="ctr"/>
+            <a:endParaRPr lang="en-US"/>
+          </a:p>
+        </p:txBody>
+      </p:sp>
+      <p:sp>
+        <p:nvSpPr>
+          <p:cNvPr id="12" name="TextBox 11"/>
+          <p:cNvSpPr txBox="1"/>
+          <p:nvPr/>
+        </p:nvSpPr>
+        <p:spPr>
+          <a:xfrm>
+            <a:off x="7897906" y="1093694"/>
+            <a:ext cx="4204447" cy="3416320"/>
+          </a:xfrm>
+          <a:prstGeom prst="rect">
+            <a:avLst/>
+          </a:prstGeom>
+          <a:noFill/>
+        </p:spPr>
+        <p:txBody>
+          <a:bodyPr wrap="square" rtlCol="0">
+            <a:spAutoFit/>
+          </a:bodyPr>
+          <a:lstStyle/>
+          <a:p>
+            <a:pPr marL="285750" indent="-285750">
+              <a:buFont typeface="Arial" panose="020B0604020202020204" pitchFamily="34" charset="0"/>
+              <a:buChar char="•"/>
+            </a:pPr>
+            <a:r>
+              <a:rPr lang="en-US" dirty="0" smtClean="0"/>
+              <a:t>Neither of these effects is significant, but nonetheless the effects were estimated and can be interpreted as saying that “on average when compared with those of the </a:t>
+            </a:r>
+            <a:r>
+              <a:rPr lang="en-US" dirty="0" err="1" smtClean="0"/>
+              <a:t>setosa</a:t>
+            </a:r>
+            <a:r>
+              <a:rPr lang="en-US" dirty="0" smtClean="0"/>
+              <a:t> species, irises of the versicolor species had sepal lengths that were 0.2804 cm shorter, and those of </a:t>
+            </a:r>
+            <a:r>
+              <a:rPr lang="en-US" dirty="0" err="1" smtClean="0"/>
+              <a:t>virginica</a:t>
+            </a:r>
+            <a:r>
+              <a:rPr lang="en-US" dirty="0" smtClean="0"/>
+              <a:t> had 0.63456 cm shorter lengths”. </a:t>
+            </a:r>
+          </a:p>
+          <a:p>
+            <a:pPr marL="285750" indent="-285750">
+              <a:buFont typeface="Arial" panose="020B0604020202020204" pitchFamily="34" charset="0"/>
+              <a:buChar char="•"/>
+            </a:pPr>
+            <a:endParaRPr lang="en-US" dirty="0"/>
+          </a:p>
+          <a:p>
+            <a:pPr marL="285750" indent="-285750">
+              <a:buFont typeface="Arial" panose="020B0604020202020204" pitchFamily="34" charset="0"/>
+              <a:buChar char="•"/>
+            </a:pPr>
+            <a:r>
+              <a:rPr lang="en-US" dirty="0" smtClean="0"/>
+              <a:t>Note that the interpretation depends on the reference level.</a:t>
+            </a:r>
+          </a:p>
+        </p:txBody>
+      </p:sp>
+    </p:spTree>
+    <p:extLst>
+      <p:ext uri="{BB962C8B-B14F-4D97-AF65-F5344CB8AC3E}">
+        <p14:creationId xmlns:p14="http://schemas.microsoft.com/office/powerpoint/2010/main" val="2508615127"/>
+      </p:ext>
+    </p:extLst>
+  </p:cSld>
+  <p:clrMapOvr>
+    <a:masterClrMapping/>
+  </p:clrMapOvr>
+</p:sld>
+</file>
+
+<file path=ppt/slides/slide24.xml><?xml version="1.0" encoding="utf-8"?>
+<p:sld xmlns:a="http://schemas.openxmlformats.org/drawingml/2006/main" xmlns:r="http://schemas.openxmlformats.org/officeDocument/2006/relationships" xmlns:p="http://schemas.openxmlformats.org/presentationml/2006/main">
+  <p:cSld>
+    <p:spTree>
+      <p:nvGrpSpPr>
+        <p:cNvPr id="1" name=""/>
+        <p:cNvGrpSpPr/>
+        <p:nvPr/>
+      </p:nvGrpSpPr>
+      <p:grpSpPr>
+        <a:xfrm>
+          <a:off x="0" y="0"/>
+          <a:ext cx="0" cy="0"/>
+          <a:chOff x="0" y="0"/>
+          <a:chExt cx="0" cy="0"/>
+        </a:xfrm>
+      </p:grpSpPr>
+      <p:sp>
+        <p:nvSpPr>
+          <p:cNvPr id="2" name="Title 1">
+            <a:extLst>
+              <a:ext uri="{FF2B5EF4-FFF2-40B4-BE49-F238E27FC236}">
+                <a16:creationId xmlns:a16="http://schemas.microsoft.com/office/drawing/2014/main" id="{636FB483-8A01-854E-9BBE-55E0C355A79B}"/>
+              </a:ext>
+            </a:extLst>
+          </p:cNvPr>
+          <p:cNvSpPr txBox="1">
+            <a:spLocks/>
+          </p:cNvSpPr>
+          <p:nvPr/>
+        </p:nvSpPr>
+        <p:spPr>
+          <a:xfrm>
+            <a:off x="292557" y="283221"/>
+            <a:ext cx="11316737" cy="656493"/>
+          </a:xfrm>
+          <a:prstGeom prst="rect">
+            <a:avLst/>
+          </a:prstGeom>
+        </p:spPr>
+        <p:txBody>
+          <a:bodyPr/>
+          <a:lstStyle>
+            <a:lvl1pPr algn="l" defTabSz="914400" rtl="0" eaLnBrk="1" latinLnBrk="0" hangingPunct="1">
+              <a:lnSpc>
+                <a:spcPct val="90000"/>
+              </a:lnSpc>
+              <a:spcBef>
+                <a:spcPct val="0"/>
+              </a:spcBef>
+              <a:buNone/>
+              <a:defRPr sz="2800" b="1" kern="1200">
+                <a:solidFill>
+                  <a:schemeClr val="tx1"/>
+                </a:solidFill>
+                <a:latin typeface="Helvetica" pitchFamily="2" charset="0"/>
+                <a:ea typeface="+mj-ea"/>
+                <a:cs typeface="+mj-cs"/>
+              </a:defRPr>
+            </a:lvl1pPr>
+          </a:lstStyle>
+          <a:p>
+            <a:r>
+              <a:rPr lang="en-US" dirty="0" smtClean="0">
+                <a:latin typeface="Times New Roman" panose="02020603050405020304" pitchFamily="18" charset="0"/>
+                <a:cs typeface="Times New Roman" panose="02020603050405020304" pitchFamily="18" charset="0"/>
+              </a:rPr>
               <a:t>Changing the reference for a categorical effect in R (Iris Data)</a:t>
             </a:r>
             <a:endParaRPr lang="en-US" dirty="0">
@@ -20926,367 +21357,6 @@
     <p:extLst>
       <p:ext uri="{BB962C8B-B14F-4D97-AF65-F5344CB8AC3E}">
         <p14:creationId xmlns:p14="http://schemas.microsoft.com/office/powerpoint/2010/main" val="2974441488"/>
-      </p:ext>
-    </p:extLst>
-  </p:cSld>
-  <p:clrMapOvr>
-    <a:masterClrMapping/>
-  </p:clrMapOvr>
-</p:sld>
-</file>
-
-<file path=ppt/slides/slide24.xml><?xml version="1.0" encoding="utf-8"?>
-<p:sld xmlns:a="http://schemas.openxmlformats.org/drawingml/2006/main" xmlns:r="http://schemas.openxmlformats.org/officeDocument/2006/relationships" xmlns:p="http://schemas.openxmlformats.org/presentationml/2006/main">
-  <p:cSld>
-    <p:spTree>
-      <p:nvGrpSpPr>
-        <p:cNvPr id="1" name=""/>
-        <p:cNvGrpSpPr/>
-        <p:nvPr/>
-      </p:nvGrpSpPr>
-      <p:grpSpPr>
-        <a:xfrm>
-          <a:off x="0" y="0"/>
-          <a:ext cx="0" cy="0"/>
-          <a:chOff x="0" y="0"/>
-          <a:chExt cx="0" cy="0"/>
-        </a:xfrm>
-      </p:grpSpPr>
-      <p:sp>
-        <p:nvSpPr>
-          <p:cNvPr id="2" name="Title 1">
-            <a:extLst>
-              <a:ext uri="{FF2B5EF4-FFF2-40B4-BE49-F238E27FC236}">
-                <a16:creationId xmlns:a16="http://schemas.microsoft.com/office/drawing/2014/main" id="{636FB483-8A01-854E-9BBE-55E0C355A79B}"/>
-              </a:ext>
-            </a:extLst>
-          </p:cNvPr>
-          <p:cNvSpPr txBox="1">
-            <a:spLocks/>
-          </p:cNvSpPr>
-          <p:nvPr/>
-        </p:nvSpPr>
-        <p:spPr>
-          <a:xfrm>
-            <a:off x="292557" y="283221"/>
-            <a:ext cx="10017369" cy="656493"/>
-          </a:xfrm>
-          <a:prstGeom prst="rect">
-            <a:avLst/>
-          </a:prstGeom>
-        </p:spPr>
-        <p:txBody>
-          <a:bodyPr/>
-          <a:lstStyle>
-            <a:lvl1pPr algn="l" defTabSz="914400" rtl="0" eaLnBrk="1" latinLnBrk="0" hangingPunct="1">
-              <a:lnSpc>
-                <a:spcPct val="90000"/>
-              </a:lnSpc>
-              <a:spcBef>
-                <a:spcPct val="0"/>
-              </a:spcBef>
-              <a:buNone/>
-              <a:defRPr sz="2800" b="1" kern="1200">
-                <a:solidFill>
-                  <a:schemeClr val="tx1"/>
-                </a:solidFill>
-                <a:latin typeface="Helvetica" pitchFamily="2" charset="0"/>
-                <a:ea typeface="+mj-ea"/>
-                <a:cs typeface="+mj-cs"/>
-              </a:defRPr>
-            </a:lvl1pPr>
-          </a:lstStyle>
-          <a:p>
-            <a:r>
-              <a:rPr lang="en-US" dirty="0" smtClean="0">
-                <a:latin typeface="Times New Roman" panose="02020603050405020304" pitchFamily="18" charset="0"/>
-                <a:cs typeface="Times New Roman" panose="02020603050405020304" pitchFamily="18" charset="0"/>
-              </a:rPr>
-              <a:t>Plots and Interpretations associated with the </a:t>
-            </a:r>
-            <a:r>
-              <a:rPr lang="en-US" dirty="0" err="1" smtClean="0">
-                <a:latin typeface="Times New Roman" panose="02020603050405020304" pitchFamily="18" charset="0"/>
-                <a:cs typeface="Times New Roman" panose="02020603050405020304" pitchFamily="18" charset="0"/>
-              </a:rPr>
-              <a:t>glm</a:t>
-            </a:r>
-            <a:r>
-              <a:rPr lang="en-US" dirty="0" smtClean="0">
-                <a:latin typeface="Times New Roman" panose="02020603050405020304" pitchFamily="18" charset="0"/>
-                <a:cs typeface="Times New Roman" panose="02020603050405020304" pitchFamily="18" charset="0"/>
-              </a:rPr>
-              <a:t>() object (1)</a:t>
-            </a:r>
-            <a:endParaRPr lang="en-US" dirty="0">
-              <a:latin typeface="Times New Roman" panose="02020603050405020304" pitchFamily="18" charset="0"/>
-              <a:cs typeface="Times New Roman" panose="02020603050405020304" pitchFamily="18" charset="0"/>
-            </a:endParaRPr>
-          </a:p>
-        </p:txBody>
-      </p:sp>
-      <p:pic>
-        <p:nvPicPr>
-          <p:cNvPr id="4" name="Picture 3"/>
-          <p:cNvPicPr>
-            <a:picLocks noChangeAspect="1"/>
-          </p:cNvPicPr>
-          <p:nvPr/>
-        </p:nvPicPr>
-        <p:blipFill>
-          <a:blip r:embed="rId2"/>
-          <a:stretch>
-            <a:fillRect/>
-          </a:stretch>
-        </p:blipFill>
-        <p:spPr>
-          <a:xfrm>
-            <a:off x="292557" y="1618513"/>
-            <a:ext cx="5933675" cy="5057108"/>
-          </a:xfrm>
-          <a:prstGeom prst="rect">
-            <a:avLst/>
-          </a:prstGeom>
-        </p:spPr>
-      </p:pic>
-      <p:sp>
-        <p:nvSpPr>
-          <p:cNvPr id="6" name="TextBox 5"/>
-          <p:cNvSpPr txBox="1"/>
-          <p:nvPr/>
-        </p:nvSpPr>
-        <p:spPr>
-          <a:xfrm>
-            <a:off x="396172" y="817421"/>
-            <a:ext cx="10120406" cy="738664"/>
-          </a:xfrm>
-          <a:prstGeom prst="rect">
-            <a:avLst/>
-          </a:prstGeom>
-          <a:noFill/>
-          <a:ln>
-            <a:solidFill>
-              <a:schemeClr val="tx1"/>
-            </a:solidFill>
-          </a:ln>
-        </p:spPr>
-        <p:txBody>
-          <a:bodyPr wrap="square" rtlCol="0">
-            <a:spAutoFit/>
-          </a:bodyPr>
-          <a:lstStyle/>
-          <a:p>
-            <a:r>
-              <a:rPr lang="en-US" sz="1400" b="1" dirty="0" smtClean="0">
-                <a:latin typeface="Courier New" panose="02070309020205020404" pitchFamily="49" charset="0"/>
-                <a:cs typeface="Courier New" panose="02070309020205020404" pitchFamily="49" charset="0"/>
-              </a:rPr>
-              <a:t>R</a:t>
-            </a:r>
-            <a:r>
-              <a:rPr lang="en-US" sz="1400" b="1" dirty="0">
-                <a:latin typeface="Courier New" panose="02070309020205020404" pitchFamily="49" charset="0"/>
-                <a:cs typeface="Courier New" panose="02070309020205020404" pitchFamily="49" charset="0"/>
-              </a:rPr>
-              <a:t>&gt; </a:t>
-            </a:r>
-            <a:r>
-              <a:rPr lang="en-US" sz="1400" b="1" dirty="0">
-                <a:latin typeface="Courier New" panose="02070309020205020404" pitchFamily="49" charset="0"/>
-                <a:cs typeface="Courier New" panose="02070309020205020404" pitchFamily="49" charset="0"/>
-              </a:rPr>
-              <a:t>iris.form.1 &lt;- formula(</a:t>
-            </a:r>
-            <a:r>
-              <a:rPr lang="en-US" sz="1400" b="1" dirty="0" err="1">
-                <a:latin typeface="Courier New" panose="02070309020205020404" pitchFamily="49" charset="0"/>
-                <a:cs typeface="Courier New" panose="02070309020205020404" pitchFamily="49" charset="0"/>
-              </a:rPr>
-              <a:t>Sepal.Length~Sepal.Width</a:t>
-            </a:r>
-            <a:r>
-              <a:rPr lang="en-US" sz="1400" b="1" dirty="0">
-                <a:latin typeface="Courier New" panose="02070309020205020404" pitchFamily="49" charset="0"/>
-                <a:cs typeface="Courier New" panose="02070309020205020404" pitchFamily="49" charset="0"/>
-              </a:rPr>
-              <a:t>*</a:t>
-            </a:r>
-            <a:r>
-              <a:rPr lang="en-US" sz="1400" b="1" dirty="0" err="1">
-                <a:latin typeface="Courier New" panose="02070309020205020404" pitchFamily="49" charset="0"/>
-                <a:cs typeface="Courier New" panose="02070309020205020404" pitchFamily="49" charset="0"/>
-              </a:rPr>
-              <a:t>Petal.Length</a:t>
-            </a:r>
-            <a:r>
-              <a:rPr lang="en-US" sz="1400" b="1" dirty="0">
-                <a:latin typeface="Courier New" panose="02070309020205020404" pitchFamily="49" charset="0"/>
-                <a:cs typeface="Courier New" panose="02070309020205020404" pitchFamily="49" charset="0"/>
-              </a:rPr>
-              <a:t>*</a:t>
-            </a:r>
-            <a:r>
-              <a:rPr lang="en-US" sz="1400" b="1" dirty="0" err="1">
-                <a:latin typeface="Courier New" panose="02070309020205020404" pitchFamily="49" charset="0"/>
-                <a:cs typeface="Courier New" panose="02070309020205020404" pitchFamily="49" charset="0"/>
-              </a:rPr>
-              <a:t>Petal.Width+Species</a:t>
-            </a:r>
-            <a:r>
-              <a:rPr lang="en-US" sz="1400" b="1" dirty="0">
-                <a:latin typeface="Courier New" panose="02070309020205020404" pitchFamily="49" charset="0"/>
-                <a:cs typeface="Courier New" panose="02070309020205020404" pitchFamily="49" charset="0"/>
-              </a:rPr>
-              <a:t>);</a:t>
-            </a:r>
-          </a:p>
-          <a:p>
-            <a:r>
-              <a:rPr lang="en-US" sz="1400" b="1" dirty="0">
-                <a:latin typeface="Courier New" panose="02070309020205020404" pitchFamily="49" charset="0"/>
-                <a:cs typeface="Courier New" panose="02070309020205020404" pitchFamily="49" charset="0"/>
-              </a:rPr>
-              <a:t>R&gt; </a:t>
-            </a:r>
-            <a:r>
-              <a:rPr lang="en-US" sz="1400" b="1" dirty="0" smtClean="0">
-                <a:latin typeface="Courier New" panose="02070309020205020404" pitchFamily="49" charset="0"/>
-                <a:cs typeface="Courier New" panose="02070309020205020404" pitchFamily="49" charset="0"/>
-              </a:rPr>
-              <a:t>iris.mod.1 </a:t>
-            </a:r>
-            <a:r>
-              <a:rPr lang="en-US" sz="1400" b="1" dirty="0">
-                <a:latin typeface="Courier New" panose="02070309020205020404" pitchFamily="49" charset="0"/>
-                <a:cs typeface="Courier New" panose="02070309020205020404" pitchFamily="49" charset="0"/>
-              </a:rPr>
-              <a:t>&lt;- </a:t>
-            </a:r>
-            <a:r>
-              <a:rPr lang="en-US" sz="1400" b="1" dirty="0" err="1">
-                <a:latin typeface="Courier New" panose="02070309020205020404" pitchFamily="49" charset="0"/>
-                <a:cs typeface="Courier New" panose="02070309020205020404" pitchFamily="49" charset="0"/>
-              </a:rPr>
-              <a:t>glm</a:t>
-            </a:r>
-            <a:r>
-              <a:rPr lang="en-US" sz="1400" b="1" dirty="0">
-                <a:latin typeface="Courier New" panose="02070309020205020404" pitchFamily="49" charset="0"/>
-                <a:cs typeface="Courier New" panose="02070309020205020404" pitchFamily="49" charset="0"/>
-              </a:rPr>
-              <a:t>(iris.form.1,data=iris); </a:t>
-            </a:r>
-          </a:p>
-          <a:p>
-            <a:r>
-              <a:rPr lang="en-US" sz="1400" b="1" dirty="0">
-                <a:latin typeface="Courier New" panose="02070309020205020404" pitchFamily="49" charset="0"/>
-                <a:cs typeface="Courier New" panose="02070309020205020404" pitchFamily="49" charset="0"/>
-              </a:rPr>
-              <a:t>R&gt; </a:t>
-            </a:r>
-            <a:r>
-              <a:rPr lang="en-US" sz="1400" b="1" dirty="0" smtClean="0">
-                <a:latin typeface="Courier New" panose="02070309020205020404" pitchFamily="49" charset="0"/>
-                <a:cs typeface="Courier New" panose="02070309020205020404" pitchFamily="49" charset="0"/>
-              </a:rPr>
-              <a:t>plot(iris.mod.1);</a:t>
-            </a:r>
-            <a:endParaRPr lang="en-US" sz="1400" b="1" dirty="0" smtClean="0">
-              <a:latin typeface="Courier New" panose="02070309020205020404" pitchFamily="49" charset="0"/>
-              <a:cs typeface="Courier New" panose="02070309020205020404" pitchFamily="49" charset="0"/>
-            </a:endParaRPr>
-          </a:p>
-        </p:txBody>
-      </p:sp>
-      <p:sp>
-        <p:nvSpPr>
-          <p:cNvPr id="8" name="TextBox 7"/>
-          <p:cNvSpPr txBox="1"/>
-          <p:nvPr/>
-        </p:nvSpPr>
-        <p:spPr>
-          <a:xfrm>
-            <a:off x="6508865" y="1618513"/>
-            <a:ext cx="5278582" cy="3693319"/>
-          </a:xfrm>
-          <a:prstGeom prst="rect">
-            <a:avLst/>
-          </a:prstGeom>
-          <a:noFill/>
-        </p:spPr>
-        <p:txBody>
-          <a:bodyPr wrap="square" rtlCol="0">
-            <a:spAutoFit/>
-          </a:bodyPr>
-          <a:lstStyle/>
-          <a:p>
-            <a:pPr marL="285750" indent="-285750">
-              <a:buFont typeface="Arial" panose="020B0604020202020204" pitchFamily="34" charset="0"/>
-              <a:buChar char="•"/>
-            </a:pPr>
-            <a:r>
-              <a:rPr lang="en-US" dirty="0" smtClean="0"/>
-              <a:t>Using plot() on a </a:t>
-            </a:r>
-            <a:r>
-              <a:rPr lang="en-US" dirty="0" err="1" smtClean="0"/>
-              <a:t>glm</a:t>
-            </a:r>
-            <a:r>
-              <a:rPr lang="en-US" dirty="0" smtClean="0"/>
-              <a:t> object will give useful information and diagnostics for validating and assessing the validity of the assumptions for using a generalized linear model.</a:t>
-            </a:r>
-          </a:p>
-          <a:p>
-            <a:pPr marL="285750" indent="-285750">
-              <a:buFont typeface="Arial" panose="020B0604020202020204" pitchFamily="34" charset="0"/>
-              <a:buChar char="•"/>
-            </a:pPr>
-            <a:r>
-              <a:rPr lang="en-US" dirty="0" smtClean="0"/>
-              <a:t>The first plot gives the actual predicted value from the model for each </a:t>
-            </a:r>
-            <a:r>
-              <a:rPr lang="en-US" dirty="0" err="1" smtClean="0"/>
-              <a:t>datapoint</a:t>
-            </a:r>
-            <a:r>
-              <a:rPr lang="en-US" dirty="0"/>
-              <a:t> </a:t>
-            </a:r>
-            <a:r>
-              <a:rPr lang="en-US" dirty="0" smtClean="0"/>
-              <a:t>on the x-axis, and the associated residual on the y-axis. </a:t>
-            </a:r>
-          </a:p>
-          <a:p>
-            <a:pPr marL="285750" indent="-285750">
-              <a:buFont typeface="Arial" panose="020B0604020202020204" pitchFamily="34" charset="0"/>
-              <a:buChar char="•"/>
-            </a:pPr>
-            <a:r>
-              <a:rPr lang="en-US" dirty="0" smtClean="0"/>
-              <a:t>This gives the user the ability to determine whether the residuals tended to depend in any obvious or meaningful way on the actual value that is predicted. </a:t>
-            </a:r>
-          </a:p>
-          <a:p>
-            <a:pPr marL="285750" indent="-285750">
-              <a:buFont typeface="Arial" panose="020B0604020202020204" pitchFamily="34" charset="0"/>
-              <a:buChar char="•"/>
-            </a:pPr>
-            <a:r>
-              <a:rPr lang="en-US" dirty="0" smtClean="0"/>
-              <a:t>All points which produce a particularly high residual value will be labeled on this plot.</a:t>
-            </a:r>
-            <a:endParaRPr lang="en-US" dirty="0"/>
-          </a:p>
-        </p:txBody>
-      </p:sp>
-    </p:spTree>
-    <p:extLst>
-      <p:ext uri="{BB962C8B-B14F-4D97-AF65-F5344CB8AC3E}">
-        <p14:creationId xmlns:p14="http://schemas.microsoft.com/office/powerpoint/2010/main" val="2825324524"/>
       </p:ext>
     </p:extLst>
   </p:cSld>
@@ -21377,7 +21447,7 @@
                 <a:latin typeface="Times New Roman" panose="02020603050405020304" pitchFamily="18" charset="0"/>
                 <a:cs typeface="Times New Roman" panose="02020603050405020304" pitchFamily="18" charset="0"/>
               </a:rPr>
-              <a:t>() object (2)</a:t>
+              <a:t>() object (1)</a:t>
             </a:r>
             <a:endParaRPr lang="en-US" dirty="0">
               <a:latin typeface="Times New Roman" panose="02020603050405020304" pitchFamily="18" charset="0"/>
@@ -21386,6 +21456,30 @@
           </a:p>
         </p:txBody>
       </p:sp>
+      <p:pic>
+        <p:nvPicPr>
+          <p:cNvPr id="4" name="Picture 3"/>
+          <p:cNvPicPr>
+            <a:picLocks noChangeAspect="1"/>
+          </p:cNvPicPr>
+          <p:nvPr/>
+        </p:nvPicPr>
+        <p:blipFill>
+          <a:blip r:embed="rId2"/>
+          <a:stretch>
+            <a:fillRect/>
+          </a:stretch>
+        </p:blipFill>
+        <p:spPr>
+          <a:xfrm>
+            <a:off x="292557" y="1618513"/>
+            <a:ext cx="5933675" cy="5057108"/>
+          </a:xfrm>
+          <a:prstGeom prst="rect">
+            <a:avLst/>
+          </a:prstGeom>
+        </p:spPr>
+      </p:pic>
       <p:sp>
         <p:nvSpPr>
           <p:cNvPr id="6" name="TextBox 5"/>
@@ -21425,21 +21519,28 @@
                 <a:latin typeface="Courier New" panose="02070309020205020404" pitchFamily="49" charset="0"/>
                 <a:cs typeface="Courier New" panose="02070309020205020404" pitchFamily="49" charset="0"/>
               </a:rPr>
-              <a:t>&gt; </a:t>
+              <a:t>&gt; iris.form.1 &lt;- formula(</a:t>
+            </a:r>
+            <a:r>
+              <a:rPr lang="en-US" sz="1400" b="1" dirty="0" err="1">
+                <a:latin typeface="Courier New" panose="02070309020205020404" pitchFamily="49" charset="0"/>
+                <a:cs typeface="Courier New" panose="02070309020205020404" pitchFamily="49" charset="0"/>
+              </a:rPr>
+              <a:t>Sepal.Length~Sepal.Width</a:t>
             </a:r>
             <a:r>
               <a:rPr lang="en-US" sz="1400" b="1" dirty="0">
                 <a:latin typeface="Courier New" panose="02070309020205020404" pitchFamily="49" charset="0"/>
                 <a:cs typeface="Courier New" panose="02070309020205020404" pitchFamily="49" charset="0"/>
               </a:rPr>
-              <a:t>iris.form.1 &lt;- formula(</a:t>
+              <a:t>*</a:t>
             </a:r>
             <a:r>
               <a:rPr lang="en-US" sz="1400" b="1" dirty="0" err="1">
                 <a:latin typeface="Courier New" panose="02070309020205020404" pitchFamily="49" charset="0"/>
                 <a:cs typeface="Courier New" panose="02070309020205020404" pitchFamily="49" charset="0"/>
               </a:rPr>
-              <a:t>Sepal.Length~Sepal.Width</a:t>
+              <a:t>Petal.Length</a:t>
             </a:r>
             <a:r>
               <a:rPr lang="en-US" sz="1400" b="1" dirty="0">
@@ -21453,28 +21554,51 @@
                 <a:latin typeface="Courier New" panose="02070309020205020404" pitchFamily="49" charset="0"/>
                 <a:cs typeface="Courier New" panose="02070309020205020404" pitchFamily="49" charset="0"/>
               </a:rPr>
-              <a:t>Petal.Length</a:t>
+              <a:t>Petal.Width+Species</a:t>
             </a:r>
             <a:r>
               <a:rPr lang="en-US" sz="1400" b="1" dirty="0">
                 <a:latin typeface="Courier New" panose="02070309020205020404" pitchFamily="49" charset="0"/>
                 <a:cs typeface="Courier New" panose="02070309020205020404" pitchFamily="49" charset="0"/>
               </a:rPr>
-              <a:t>*</a:t>
+              <a:t>);</a:t>
+            </a:r>
+          </a:p>
+          <a:p>
+            <a:r>
+              <a:rPr lang="en-US" sz="1400" b="1" dirty="0">
+                <a:latin typeface="Courier New" panose="02070309020205020404" pitchFamily="49" charset="0"/>
+                <a:cs typeface="Courier New" panose="02070309020205020404" pitchFamily="49" charset="0"/>
+              </a:rPr>
+              <a:t>R&gt; </a:t>
+            </a:r>
+            <a:r>
+              <a:rPr lang="en-US" sz="1400" b="1" dirty="0" smtClean="0">
+                <a:latin typeface="Courier New" panose="02070309020205020404" pitchFamily="49" charset="0"/>
+                <a:cs typeface="Courier New" panose="02070309020205020404" pitchFamily="49" charset="0"/>
+              </a:rPr>
+              <a:t>iris.mod.1 </a:t>
+            </a:r>
+            <a:r>
+              <a:rPr lang="en-US" sz="1400" b="1" dirty="0">
+                <a:latin typeface="Courier New" panose="02070309020205020404" pitchFamily="49" charset="0"/>
+                <a:cs typeface="Courier New" panose="02070309020205020404" pitchFamily="49" charset="0"/>
+              </a:rPr>
+              <a:t>&lt;- </a:t>
             </a:r>
             <a:r>
               <a:rPr lang="en-US" sz="1400" b="1" dirty="0" err="1">
                 <a:latin typeface="Courier New" panose="02070309020205020404" pitchFamily="49" charset="0"/>
                 <a:cs typeface="Courier New" panose="02070309020205020404" pitchFamily="49" charset="0"/>
               </a:rPr>
-              <a:t>Petal.Width+Species</a:t>
+              <a:t>glm</a:t>
             </a:r>
             <a:r>
               <a:rPr lang="en-US" sz="1400" b="1" dirty="0">
                 <a:latin typeface="Courier New" panose="02070309020205020404" pitchFamily="49" charset="0"/>
                 <a:cs typeface="Courier New" panose="02070309020205020404" pitchFamily="49" charset="0"/>
               </a:rPr>
-              <a:t>);</a:t>
+              <a:t>(iris.form.1,data=iris); </a:t>
             </a:r>
           </a:p>
           <a:p>
@@ -21490,49 +21614,8 @@
                 <a:latin typeface="Courier New" panose="02070309020205020404" pitchFamily="49" charset="0"/>
                 <a:cs typeface="Courier New" panose="02070309020205020404" pitchFamily="49" charset="0"/>
               </a:rPr>
-              <a:t>iris.mod.1 </a:t>
-            </a:r>
-            <a:r>
-              <a:rPr lang="en-US" sz="1400" b="1" dirty="0">
-                <a:latin typeface="Courier New" panose="02070309020205020404" pitchFamily="49" charset="0"/>
-                <a:cs typeface="Courier New" panose="02070309020205020404" pitchFamily="49" charset="0"/>
-              </a:rPr>
-              <a:t>&lt;- </a:t>
-            </a:r>
-            <a:r>
-              <a:rPr lang="en-US" sz="1400" b="1" dirty="0" err="1">
-                <a:latin typeface="Courier New" panose="02070309020205020404" pitchFamily="49" charset="0"/>
-                <a:cs typeface="Courier New" panose="02070309020205020404" pitchFamily="49" charset="0"/>
-              </a:rPr>
-              <a:t>glm</a:t>
-            </a:r>
-            <a:r>
-              <a:rPr lang="en-US" sz="1400" b="1" dirty="0">
-                <a:latin typeface="Courier New" panose="02070309020205020404" pitchFamily="49" charset="0"/>
-                <a:cs typeface="Courier New" panose="02070309020205020404" pitchFamily="49" charset="0"/>
-              </a:rPr>
-              <a:t>(iris.form.1,data=iris); </a:t>
-            </a:r>
-          </a:p>
-          <a:p>
-            <a:r>
-              <a:rPr lang="en-US" sz="1400" b="1" dirty="0">
-                <a:latin typeface="Courier New" panose="02070309020205020404" pitchFamily="49" charset="0"/>
-                <a:cs typeface="Courier New" panose="02070309020205020404" pitchFamily="49" charset="0"/>
-              </a:rPr>
-              <a:t>R&gt; </a:t>
-            </a:r>
-            <a:r>
-              <a:rPr lang="en-US" sz="1400" b="1" dirty="0" smtClean="0">
-                <a:latin typeface="Courier New" panose="02070309020205020404" pitchFamily="49" charset="0"/>
-                <a:cs typeface="Courier New" panose="02070309020205020404" pitchFamily="49" charset="0"/>
-              </a:rPr>
               <a:t>plot(iris.mod.1);</a:t>
             </a:r>
-            <a:endParaRPr lang="en-US" sz="1400" b="1" dirty="0" smtClean="0">
-              <a:latin typeface="Courier New" panose="02070309020205020404" pitchFamily="49" charset="0"/>
-              <a:cs typeface="Courier New" panose="02070309020205020404" pitchFamily="49" charset="0"/>
-            </a:endParaRPr>
           </a:p>
         </p:txBody>
       </p:sp>
@@ -21545,7 +21628,7 @@
         <p:spPr>
           <a:xfrm>
             <a:off x="6508865" y="1618513"/>
-            <a:ext cx="5278582" cy="3970318"/>
+            <a:ext cx="5278582" cy="3693319"/>
           </a:xfrm>
           <a:prstGeom prst="rect">
             <a:avLst/>
@@ -21564,7 +21647,15 @@
             </a:pPr>
             <a:r>
               <a:rPr lang="en-US" dirty="0" smtClean="0"/>
-              <a:t>In the next plot, the standardized Pearson Residuals from the model (Observed-Expected/Standard Error) are plotted against what would be expected from the standard normal distribution for specific quantiles. </a:t>
+              <a:t>Using plot() on a </a:t>
+            </a:r>
+            <a:r>
+              <a:rPr lang="en-US" dirty="0" err="1" smtClean="0"/>
+              <a:t>glm</a:t>
+            </a:r>
+            <a:r>
+              <a:rPr lang="en-US" dirty="0" smtClean="0"/>
+              <a:t> object will give useful information and diagnostics for validating and assessing the validity of the assumptions for using a generalized linear model.</a:t>
             </a:r>
           </a:p>
           <a:p>
@@ -21574,7 +21665,19 @@
             </a:pPr>
             <a:r>
               <a:rPr lang="en-US" dirty="0" smtClean="0"/>
-              <a:t>In this plot we can determine whether the models residuals tend to follow the normal distribution (a key assumption for the multivariate Linear Model – which assumes the Gaussian distribution for the errors) or whether and by how much they diverge. </a:t>
+              <a:t>The first plot gives the actual predicted value from the model for each </a:t>
+            </a:r>
+            <a:r>
+              <a:rPr lang="en-US" dirty="0" err="1" smtClean="0"/>
+              <a:t>datapoint</a:t>
+            </a:r>
+            <a:r>
+              <a:rPr lang="en-US" dirty="0"/>
+              <a:t> </a:t>
+            </a:r>
+            <a:r>
+              <a:rPr lang="en-US" dirty="0" smtClean="0"/>
+              <a:t>on the x-axis, and the associated residual on the y-axis. </a:t>
             </a:r>
           </a:p>
           <a:p>
@@ -21584,7 +21687,7 @@
             </a:pPr>
             <a:r>
               <a:rPr lang="en-US" dirty="0" smtClean="0"/>
-              <a:t>Again, the extreme observations of the data here are labeled by their ID.</a:t>
+              <a:t>This gives the user the ability to determine whether the residuals tended to depend in any obvious or meaningful way on the actual value that is predicted. </a:t>
             </a:r>
           </a:p>
           <a:p>
@@ -21594,39 +21697,16 @@
             </a:pPr>
             <a:r>
               <a:rPr lang="en-US" dirty="0" smtClean="0"/>
-              <a:t>The diagonal line indicates perfect correspondence to the normal distribution. </a:t>
-            </a:r>
+              <a:t>All points which produce a particularly high residual value will be labeled on this plot.</a:t>
+            </a:r>
+            <a:endParaRPr lang="en-US" dirty="0"/>
           </a:p>
         </p:txBody>
       </p:sp>
-      <p:pic>
-        <p:nvPicPr>
-          <p:cNvPr id="5" name="Picture 4"/>
-          <p:cNvPicPr>
-            <a:picLocks noChangeAspect="1"/>
-          </p:cNvPicPr>
-          <p:nvPr/>
-        </p:nvPicPr>
-        <p:blipFill>
-          <a:blip r:embed="rId2"/>
-          <a:stretch>
-            <a:fillRect/>
-          </a:stretch>
-        </p:blipFill>
-        <p:spPr>
-          <a:xfrm>
-            <a:off x="396172" y="1618513"/>
-            <a:ext cx="5389486" cy="4976674"/>
-          </a:xfrm>
-          <a:prstGeom prst="rect">
-            <a:avLst/>
-          </a:prstGeom>
-        </p:spPr>
-      </p:pic>
     </p:spTree>
     <p:extLst>
       <p:ext uri="{BB962C8B-B14F-4D97-AF65-F5344CB8AC3E}">
-        <p14:creationId xmlns:p14="http://schemas.microsoft.com/office/powerpoint/2010/main" val="1040134562"/>
+        <p14:creationId xmlns:p14="http://schemas.microsoft.com/office/powerpoint/2010/main" val="2825324524"/>
       </p:ext>
     </p:extLst>
   </p:cSld>
@@ -21765,21 +21845,28 @@
                 <a:latin typeface="Courier New" panose="02070309020205020404" pitchFamily="49" charset="0"/>
                 <a:cs typeface="Courier New" panose="02070309020205020404" pitchFamily="49" charset="0"/>
               </a:rPr>
-              <a:t>&gt; </a:t>
+              <a:t>&gt; iris.form.1 &lt;- formula(</a:t>
+            </a:r>
+            <a:r>
+              <a:rPr lang="en-US" sz="1400" b="1" dirty="0" err="1">
+                <a:latin typeface="Courier New" panose="02070309020205020404" pitchFamily="49" charset="0"/>
+                <a:cs typeface="Courier New" panose="02070309020205020404" pitchFamily="49" charset="0"/>
+              </a:rPr>
+              <a:t>Sepal.Length~Sepal.Width</a:t>
             </a:r>
             <a:r>
               <a:rPr lang="en-US" sz="1400" b="1" dirty="0">
                 <a:latin typeface="Courier New" panose="02070309020205020404" pitchFamily="49" charset="0"/>
                 <a:cs typeface="Courier New" panose="02070309020205020404" pitchFamily="49" charset="0"/>
               </a:rPr>
-              <a:t>iris.form.1 &lt;- formula(</a:t>
+              <a:t>*</a:t>
             </a:r>
             <a:r>
               <a:rPr lang="en-US" sz="1400" b="1" dirty="0" err="1">
                 <a:latin typeface="Courier New" panose="02070309020205020404" pitchFamily="49" charset="0"/>
                 <a:cs typeface="Courier New" panose="02070309020205020404" pitchFamily="49" charset="0"/>
               </a:rPr>
-              <a:t>Sepal.Length~Sepal.Width</a:t>
+              <a:t>Petal.Length</a:t>
             </a:r>
             <a:r>
               <a:rPr lang="en-US" sz="1400" b="1" dirty="0">
@@ -21793,28 +21880,51 @@
                 <a:latin typeface="Courier New" panose="02070309020205020404" pitchFamily="49" charset="0"/>
                 <a:cs typeface="Courier New" panose="02070309020205020404" pitchFamily="49" charset="0"/>
               </a:rPr>
-              <a:t>Petal.Length</a:t>
+              <a:t>Petal.Width+Species</a:t>
             </a:r>
             <a:r>
               <a:rPr lang="en-US" sz="1400" b="1" dirty="0">
                 <a:latin typeface="Courier New" panose="02070309020205020404" pitchFamily="49" charset="0"/>
                 <a:cs typeface="Courier New" panose="02070309020205020404" pitchFamily="49" charset="0"/>
               </a:rPr>
-              <a:t>*</a:t>
+              <a:t>);</a:t>
+            </a:r>
+          </a:p>
+          <a:p>
+            <a:r>
+              <a:rPr lang="en-US" sz="1400" b="1" dirty="0">
+                <a:latin typeface="Courier New" panose="02070309020205020404" pitchFamily="49" charset="0"/>
+                <a:cs typeface="Courier New" panose="02070309020205020404" pitchFamily="49" charset="0"/>
+              </a:rPr>
+              <a:t>R&gt; </a:t>
+            </a:r>
+            <a:r>
+              <a:rPr lang="en-US" sz="1400" b="1" dirty="0" smtClean="0">
+                <a:latin typeface="Courier New" panose="02070309020205020404" pitchFamily="49" charset="0"/>
+                <a:cs typeface="Courier New" panose="02070309020205020404" pitchFamily="49" charset="0"/>
+              </a:rPr>
+              <a:t>iris.mod.1 </a:t>
+            </a:r>
+            <a:r>
+              <a:rPr lang="en-US" sz="1400" b="1" dirty="0">
+                <a:latin typeface="Courier New" panose="02070309020205020404" pitchFamily="49" charset="0"/>
+                <a:cs typeface="Courier New" panose="02070309020205020404" pitchFamily="49" charset="0"/>
+              </a:rPr>
+              <a:t>&lt;- </a:t>
             </a:r>
             <a:r>
               <a:rPr lang="en-US" sz="1400" b="1" dirty="0" err="1">
                 <a:latin typeface="Courier New" panose="02070309020205020404" pitchFamily="49" charset="0"/>
                 <a:cs typeface="Courier New" panose="02070309020205020404" pitchFamily="49" charset="0"/>
               </a:rPr>
-              <a:t>Petal.Width+Species</a:t>
+              <a:t>glm</a:t>
             </a:r>
             <a:r>
               <a:rPr lang="en-US" sz="1400" b="1" dirty="0">
                 <a:latin typeface="Courier New" panose="02070309020205020404" pitchFamily="49" charset="0"/>
                 <a:cs typeface="Courier New" panose="02070309020205020404" pitchFamily="49" charset="0"/>
               </a:rPr>
-              <a:t>);</a:t>
+              <a:t>(iris.form.1,data=iris); </a:t>
             </a:r>
           </a:p>
           <a:p>
@@ -21830,49 +21940,8 @@
                 <a:latin typeface="Courier New" panose="02070309020205020404" pitchFamily="49" charset="0"/>
                 <a:cs typeface="Courier New" panose="02070309020205020404" pitchFamily="49" charset="0"/>
               </a:rPr>
-              <a:t>iris.mod.1 </a:t>
-            </a:r>
-            <a:r>
-              <a:rPr lang="en-US" sz="1400" b="1" dirty="0">
-                <a:latin typeface="Courier New" panose="02070309020205020404" pitchFamily="49" charset="0"/>
-                <a:cs typeface="Courier New" panose="02070309020205020404" pitchFamily="49" charset="0"/>
-              </a:rPr>
-              <a:t>&lt;- </a:t>
-            </a:r>
-            <a:r>
-              <a:rPr lang="en-US" sz="1400" b="1" dirty="0" err="1">
-                <a:latin typeface="Courier New" panose="02070309020205020404" pitchFamily="49" charset="0"/>
-                <a:cs typeface="Courier New" panose="02070309020205020404" pitchFamily="49" charset="0"/>
-              </a:rPr>
-              <a:t>glm</a:t>
-            </a:r>
-            <a:r>
-              <a:rPr lang="en-US" sz="1400" b="1" dirty="0">
-                <a:latin typeface="Courier New" panose="02070309020205020404" pitchFamily="49" charset="0"/>
-                <a:cs typeface="Courier New" panose="02070309020205020404" pitchFamily="49" charset="0"/>
-              </a:rPr>
-              <a:t>(iris.form.1,data=iris); </a:t>
-            </a:r>
-          </a:p>
-          <a:p>
-            <a:r>
-              <a:rPr lang="en-US" sz="1400" b="1" dirty="0">
-                <a:latin typeface="Courier New" panose="02070309020205020404" pitchFamily="49" charset="0"/>
-                <a:cs typeface="Courier New" panose="02070309020205020404" pitchFamily="49" charset="0"/>
-              </a:rPr>
-              <a:t>R&gt; </a:t>
-            </a:r>
-            <a:r>
-              <a:rPr lang="en-US" sz="1400" b="1" dirty="0" smtClean="0">
-                <a:latin typeface="Courier New" panose="02070309020205020404" pitchFamily="49" charset="0"/>
-                <a:cs typeface="Courier New" panose="02070309020205020404" pitchFamily="49" charset="0"/>
-              </a:rPr>
               <a:t>plot(iris.mod.1);</a:t>
             </a:r>
-            <a:endParaRPr lang="en-US" sz="1400" b="1" dirty="0" smtClean="0">
-              <a:latin typeface="Courier New" panose="02070309020205020404" pitchFamily="49" charset="0"/>
-              <a:cs typeface="Courier New" panose="02070309020205020404" pitchFamily="49" charset="0"/>
-            </a:endParaRPr>
           </a:p>
         </p:txBody>
       </p:sp>
@@ -21885,7 +21954,7 @@
         <p:spPr>
           <a:xfrm>
             <a:off x="6508865" y="1618513"/>
-            <a:ext cx="5278582" cy="4247317"/>
+            <a:ext cx="5278582" cy="3970318"/>
           </a:xfrm>
           <a:prstGeom prst="rect">
             <a:avLst/>
@@ -21904,15 +21973,7 @@
             </a:pPr>
             <a:r>
               <a:rPr lang="en-US" dirty="0" smtClean="0"/>
-              <a:t>Next the user gets the opportunity to assess the heteroscedasticity of the errors again (the dependence of the errors – in this case represented as the square root of the standard </a:t>
-            </a:r>
-            <a:r>
-              <a:rPr lang="en-US" dirty="0" err="1" smtClean="0"/>
-              <a:t>pearson</a:t>
-            </a:r>
-            <a:r>
-              <a:rPr lang="en-US" dirty="0" smtClean="0"/>
-              <a:t> residual, a quantity expected to be roughly normally distributed – on the actual predicted value).</a:t>
+              <a:t>In the next plot, the standardized Pearson Residuals from the model (Observed-Expected/Standard Error) are plotted against what would be expected from the standard normal distribution for specific quantiles. </a:t>
             </a:r>
           </a:p>
           <a:p>
@@ -21922,7 +21983,7 @@
             </a:pPr>
             <a:r>
               <a:rPr lang="en-US" dirty="0" smtClean="0"/>
-              <a:t>The distribution should tend to show more observations nearer the moving average (indicated by the read line) and fewer observations as the residual moves away from the mean.</a:t>
+              <a:t>In this plot we can determine whether the models residuals tend to follow the normal distribution (a key assumption for the multivariate Linear Model – which assumes the Gaussian distribution for the errors) or whether and by how much they diverge. </a:t>
             </a:r>
           </a:p>
           <a:p>
@@ -21932,14 +21993,24 @@
             </a:pPr>
             <a:r>
               <a:rPr lang="en-US" dirty="0" smtClean="0"/>
-              <a:t>This plot also allows the assessment of the distribution of the errors across the predicted values (the scale and location across predicted values is visualized). </a:t>
+              <a:t>Again, the extreme observations of the data here are labeled by their ID.</a:t>
+            </a:r>
+          </a:p>
+          <a:p>
+            <a:pPr marL="285750" indent="-285750">
+              <a:buFont typeface="Arial" panose="020B0604020202020204" pitchFamily="34" charset="0"/>
+              <a:buChar char="•"/>
+            </a:pPr>
+            <a:r>
+              <a:rPr lang="en-US" dirty="0" smtClean="0"/>
+              <a:t>The diagonal line indicates perfect correspondence to the normal distribution. </a:t>
             </a:r>
           </a:p>
         </p:txBody>
       </p:sp>
       <p:pic>
         <p:nvPicPr>
-          <p:cNvPr id="4" name="Picture 3"/>
+          <p:cNvPr id="5" name="Picture 4"/>
           <p:cNvPicPr>
             <a:picLocks noChangeAspect="1"/>
           </p:cNvPicPr>
@@ -21953,8 +22024,8 @@
         </p:blipFill>
         <p:spPr>
           <a:xfrm>
-            <a:off x="396172" y="1853738"/>
-            <a:ext cx="5063072" cy="4675262"/>
+            <a:off x="396172" y="1618513"/>
+            <a:ext cx="5389486" cy="4976674"/>
           </a:xfrm>
           <a:prstGeom prst="rect">
             <a:avLst/>
@@ -21964,7 +22035,7 @@
     </p:spTree>
     <p:extLst>
       <p:ext uri="{BB962C8B-B14F-4D97-AF65-F5344CB8AC3E}">
-        <p14:creationId xmlns:p14="http://schemas.microsoft.com/office/powerpoint/2010/main" val="1756211560"/>
+        <p14:creationId xmlns:p14="http://schemas.microsoft.com/office/powerpoint/2010/main" val="1040134562"/>
       </p:ext>
     </p:extLst>
   </p:cSld>
@@ -22103,21 +22174,28 @@
                 <a:latin typeface="Courier New" panose="02070309020205020404" pitchFamily="49" charset="0"/>
                 <a:cs typeface="Courier New" panose="02070309020205020404" pitchFamily="49" charset="0"/>
               </a:rPr>
-              <a:t>&gt; </a:t>
+              <a:t>&gt; iris.form.1 &lt;- formula(</a:t>
+            </a:r>
+            <a:r>
+              <a:rPr lang="en-US" sz="1400" b="1" dirty="0" err="1">
+                <a:latin typeface="Courier New" panose="02070309020205020404" pitchFamily="49" charset="0"/>
+                <a:cs typeface="Courier New" panose="02070309020205020404" pitchFamily="49" charset="0"/>
+              </a:rPr>
+              <a:t>Sepal.Length~Sepal.Width</a:t>
             </a:r>
             <a:r>
               <a:rPr lang="en-US" sz="1400" b="1" dirty="0">
                 <a:latin typeface="Courier New" panose="02070309020205020404" pitchFamily="49" charset="0"/>
                 <a:cs typeface="Courier New" panose="02070309020205020404" pitchFamily="49" charset="0"/>
               </a:rPr>
-              <a:t>iris.form.1 &lt;- formula(</a:t>
+              <a:t>*</a:t>
             </a:r>
             <a:r>
               <a:rPr lang="en-US" sz="1400" b="1" dirty="0" err="1">
                 <a:latin typeface="Courier New" panose="02070309020205020404" pitchFamily="49" charset="0"/>
                 <a:cs typeface="Courier New" panose="02070309020205020404" pitchFamily="49" charset="0"/>
               </a:rPr>
-              <a:t>Sepal.Length~Sepal.Width</a:t>
+              <a:t>Petal.Length</a:t>
             </a:r>
             <a:r>
               <a:rPr lang="en-US" sz="1400" b="1" dirty="0">
@@ -22131,28 +22209,51 @@
                 <a:latin typeface="Courier New" panose="02070309020205020404" pitchFamily="49" charset="0"/>
                 <a:cs typeface="Courier New" panose="02070309020205020404" pitchFamily="49" charset="0"/>
               </a:rPr>
-              <a:t>Petal.Length</a:t>
+              <a:t>Petal.Width+Species</a:t>
             </a:r>
             <a:r>
               <a:rPr lang="en-US" sz="1400" b="1" dirty="0">
                 <a:latin typeface="Courier New" panose="02070309020205020404" pitchFamily="49" charset="0"/>
                 <a:cs typeface="Courier New" panose="02070309020205020404" pitchFamily="49" charset="0"/>
               </a:rPr>
-              <a:t>*</a:t>
+              <a:t>);</a:t>
+            </a:r>
+          </a:p>
+          <a:p>
+            <a:r>
+              <a:rPr lang="en-US" sz="1400" b="1" dirty="0">
+                <a:latin typeface="Courier New" panose="02070309020205020404" pitchFamily="49" charset="0"/>
+                <a:cs typeface="Courier New" panose="02070309020205020404" pitchFamily="49" charset="0"/>
+              </a:rPr>
+              <a:t>R&gt; </a:t>
+            </a:r>
+            <a:r>
+              <a:rPr lang="en-US" sz="1400" b="1" dirty="0" smtClean="0">
+                <a:latin typeface="Courier New" panose="02070309020205020404" pitchFamily="49" charset="0"/>
+                <a:cs typeface="Courier New" panose="02070309020205020404" pitchFamily="49" charset="0"/>
+              </a:rPr>
+              <a:t>iris.mod.1 </a:t>
+            </a:r>
+            <a:r>
+              <a:rPr lang="en-US" sz="1400" b="1" dirty="0">
+                <a:latin typeface="Courier New" panose="02070309020205020404" pitchFamily="49" charset="0"/>
+                <a:cs typeface="Courier New" panose="02070309020205020404" pitchFamily="49" charset="0"/>
+              </a:rPr>
+              <a:t>&lt;- </a:t>
             </a:r>
             <a:r>
               <a:rPr lang="en-US" sz="1400" b="1" dirty="0" err="1">
                 <a:latin typeface="Courier New" panose="02070309020205020404" pitchFamily="49" charset="0"/>
                 <a:cs typeface="Courier New" panose="02070309020205020404" pitchFamily="49" charset="0"/>
               </a:rPr>
-              <a:t>Petal.Width+Species</a:t>
+              <a:t>glm</a:t>
             </a:r>
             <a:r>
               <a:rPr lang="en-US" sz="1400" b="1" dirty="0">
                 <a:latin typeface="Courier New" panose="02070309020205020404" pitchFamily="49" charset="0"/>
                 <a:cs typeface="Courier New" panose="02070309020205020404" pitchFamily="49" charset="0"/>
               </a:rPr>
-              <a:t>);</a:t>
+              <a:t>(iris.form.1,data=iris); </a:t>
             </a:r>
           </a:p>
           <a:p>
@@ -22168,49 +22269,8 @@
                 <a:latin typeface="Courier New" panose="02070309020205020404" pitchFamily="49" charset="0"/>
                 <a:cs typeface="Courier New" panose="02070309020205020404" pitchFamily="49" charset="0"/>
               </a:rPr>
-              <a:t>iris.mod.1 </a:t>
-            </a:r>
-            <a:r>
-              <a:rPr lang="en-US" sz="1400" b="1" dirty="0">
-                <a:latin typeface="Courier New" panose="02070309020205020404" pitchFamily="49" charset="0"/>
-                <a:cs typeface="Courier New" panose="02070309020205020404" pitchFamily="49" charset="0"/>
-              </a:rPr>
-              <a:t>&lt;- </a:t>
-            </a:r>
-            <a:r>
-              <a:rPr lang="en-US" sz="1400" b="1" dirty="0" err="1">
-                <a:latin typeface="Courier New" panose="02070309020205020404" pitchFamily="49" charset="0"/>
-                <a:cs typeface="Courier New" panose="02070309020205020404" pitchFamily="49" charset="0"/>
-              </a:rPr>
-              <a:t>glm</a:t>
-            </a:r>
-            <a:r>
-              <a:rPr lang="en-US" sz="1400" b="1" dirty="0">
-                <a:latin typeface="Courier New" panose="02070309020205020404" pitchFamily="49" charset="0"/>
-                <a:cs typeface="Courier New" panose="02070309020205020404" pitchFamily="49" charset="0"/>
-              </a:rPr>
-              <a:t>(iris.form.1,data=iris); </a:t>
-            </a:r>
-          </a:p>
-          <a:p>
-            <a:r>
-              <a:rPr lang="en-US" sz="1400" b="1" dirty="0">
-                <a:latin typeface="Courier New" panose="02070309020205020404" pitchFamily="49" charset="0"/>
-                <a:cs typeface="Courier New" panose="02070309020205020404" pitchFamily="49" charset="0"/>
-              </a:rPr>
-              <a:t>R&gt; </a:t>
-            </a:r>
-            <a:r>
-              <a:rPr lang="en-US" sz="1400" b="1" dirty="0" smtClean="0">
-                <a:latin typeface="Courier New" panose="02070309020205020404" pitchFamily="49" charset="0"/>
-                <a:cs typeface="Courier New" panose="02070309020205020404" pitchFamily="49" charset="0"/>
-              </a:rPr>
               <a:t>plot(iris.mod.1);</a:t>
             </a:r>
-            <a:endParaRPr lang="en-US" sz="1400" b="1" dirty="0" smtClean="0">
-              <a:latin typeface="Courier New" panose="02070309020205020404" pitchFamily="49" charset="0"/>
-              <a:cs typeface="Courier New" panose="02070309020205020404" pitchFamily="49" charset="0"/>
-            </a:endParaRPr>
           </a:p>
         </p:txBody>
       </p:sp>
@@ -22222,8 +22282,8 @@
         </p:nvSpPr>
         <p:spPr>
           <a:xfrm>
-            <a:off x="6508865" y="1485509"/>
-            <a:ext cx="5278582" cy="4524315"/>
+            <a:off x="6508865" y="1618513"/>
+            <a:ext cx="5278582" cy="4247317"/>
           </a:xfrm>
           <a:prstGeom prst="rect">
             <a:avLst/>
@@ -22242,15 +22302,15 @@
             </a:pPr>
             <a:r>
               <a:rPr lang="en-US" dirty="0" smtClean="0"/>
-              <a:t>The final of the four plots produced by using plot() on a </a:t>
+              <a:t>Next the user gets the opportunity to assess the heteroscedasticity of the errors again (the dependence of the errors – in this case represented as the square root of the standard </a:t>
             </a:r>
             <a:r>
               <a:rPr lang="en-US" dirty="0" err="1" smtClean="0"/>
-              <a:t>glm</a:t>
+              <a:t>pearson</a:t>
             </a:r>
             <a:r>
               <a:rPr lang="en-US" dirty="0" smtClean="0"/>
-              <a:t> object shows a plot of the residuals vs. the leverage of an observation. </a:t>
+              <a:t> residual, a quantity expected to be roughly normally distributed – on the actual predicted value).</a:t>
             </a:r>
           </a:p>
           <a:p>
@@ -22260,7 +22320,7 @@
             </a:pPr>
             <a:r>
               <a:rPr lang="en-US" dirty="0" smtClean="0"/>
-              <a:t>The leverage is a measure of how influential an observation is on the estimation of the parameters in the model, such that the higher the leverage the more influence the observation has on the final estimation of the model effects. </a:t>
+              <a:t>The distribution should tend to show more observations nearer the moving average (indicated by the read line) and fewer observations as the residual moves away from the mean.</a:t>
             </a:r>
           </a:p>
           <a:p>
@@ -22270,24 +22330,14 @@
             </a:pPr>
             <a:r>
               <a:rPr lang="en-US" dirty="0" smtClean="0"/>
-              <a:t>In this plot we can determine whether there are any outlying values which have a large influence on the parameter estimation, while retaining a large error. </a:t>
-            </a:r>
-          </a:p>
-          <a:p>
-            <a:pPr marL="285750" indent="-285750">
-              <a:buFont typeface="Arial" panose="020B0604020202020204" pitchFamily="34" charset="0"/>
-              <a:buChar char="•"/>
-            </a:pPr>
-            <a:r>
-              <a:rPr lang="en-US" dirty="0" smtClean="0"/>
-              <a:t>Such observations could stand to be removed when generalizing the model, as these indicate special-case observations not appropriate for use in forming general models.</a:t>
+              <a:t>This plot also allows the assessment of the distribution of the errors across the predicted values (the scale and location across predicted values is visualized). </a:t>
             </a:r>
           </a:p>
         </p:txBody>
       </p:sp>
       <p:pic>
         <p:nvPicPr>
-          <p:cNvPr id="5" name="Picture 4"/>
+          <p:cNvPr id="4" name="Picture 3"/>
           <p:cNvPicPr>
             <a:picLocks noChangeAspect="1"/>
           </p:cNvPicPr>
@@ -22301,8 +22351,8 @@
         </p:blipFill>
         <p:spPr>
           <a:xfrm>
-            <a:off x="519358" y="1618513"/>
-            <a:ext cx="5459172" cy="5041022"/>
+            <a:off x="396172" y="1853738"/>
+            <a:ext cx="5063072" cy="4675262"/>
           </a:xfrm>
           <a:prstGeom prst="rect">
             <a:avLst/>
@@ -22312,7 +22362,7 @@
     </p:spTree>
     <p:extLst>
       <p:ext uri="{BB962C8B-B14F-4D97-AF65-F5344CB8AC3E}">
-        <p14:creationId xmlns:p14="http://schemas.microsoft.com/office/powerpoint/2010/main" val="2486657242"/>
+        <p14:creationId xmlns:p14="http://schemas.microsoft.com/office/powerpoint/2010/main" val="1756211560"/>
       </p:ext>
     </p:extLst>
   </p:cSld>
@@ -22389,7 +22439,21 @@
                 <a:latin typeface="Times New Roman" panose="02020603050405020304" pitchFamily="18" charset="0"/>
                 <a:cs typeface="Times New Roman" panose="02020603050405020304" pitchFamily="18" charset="0"/>
               </a:rPr>
-              <a:t>Using an estimated Linear Model for Prediction (Interpolation)</a:t>
+              <a:t>Plots and Interpretations associated with the </a:t>
+            </a:r>
+            <a:r>
+              <a:rPr lang="en-US" dirty="0" err="1" smtClean="0">
+                <a:latin typeface="Times New Roman" panose="02020603050405020304" pitchFamily="18" charset="0"/>
+                <a:cs typeface="Times New Roman" panose="02020603050405020304" pitchFamily="18" charset="0"/>
+              </a:rPr>
+              <a:t>glm</a:t>
+            </a:r>
+            <a:r>
+              <a:rPr lang="en-US" dirty="0" smtClean="0">
+                <a:latin typeface="Times New Roman" panose="02020603050405020304" pitchFamily="18" charset="0"/>
+                <a:cs typeface="Times New Roman" panose="02020603050405020304" pitchFamily="18" charset="0"/>
+              </a:rPr>
+              <a:t>() object (2)</a:t>
             </a:r>
             <a:endParaRPr lang="en-US" dirty="0">
               <a:latin typeface="Times New Roman" panose="02020603050405020304" pitchFamily="18" charset="0"/>
@@ -22400,14 +22464,153 @@
       </p:sp>
       <p:sp>
         <p:nvSpPr>
-          <p:cNvPr id="3" name="TextBox 2"/>
+          <p:cNvPr id="6" name="TextBox 5"/>
           <p:cNvSpPr txBox="1"/>
           <p:nvPr/>
         </p:nvSpPr>
         <p:spPr>
           <a:xfrm>
-            <a:off x="548640" y="781396"/>
-            <a:ext cx="11355185" cy="646331"/>
+            <a:off x="396172" y="817421"/>
+            <a:ext cx="10120406" cy="738664"/>
+          </a:xfrm>
+          <a:prstGeom prst="rect">
+            <a:avLst/>
+          </a:prstGeom>
+          <a:noFill/>
+          <a:ln>
+            <a:solidFill>
+              <a:schemeClr val="tx1"/>
+            </a:solidFill>
+          </a:ln>
+        </p:spPr>
+        <p:txBody>
+          <a:bodyPr wrap="square" rtlCol="0">
+            <a:spAutoFit/>
+          </a:bodyPr>
+          <a:lstStyle/>
+          <a:p>
+            <a:r>
+              <a:rPr lang="en-US" sz="1400" b="1" dirty="0" smtClean="0">
+                <a:latin typeface="Courier New" panose="02070309020205020404" pitchFamily="49" charset="0"/>
+                <a:cs typeface="Courier New" panose="02070309020205020404" pitchFamily="49" charset="0"/>
+              </a:rPr>
+              <a:t>R</a:t>
+            </a:r>
+            <a:r>
+              <a:rPr lang="en-US" sz="1400" b="1" dirty="0">
+                <a:latin typeface="Courier New" panose="02070309020205020404" pitchFamily="49" charset="0"/>
+                <a:cs typeface="Courier New" panose="02070309020205020404" pitchFamily="49" charset="0"/>
+              </a:rPr>
+              <a:t>&gt; iris.form.1 &lt;- formula(</a:t>
+            </a:r>
+            <a:r>
+              <a:rPr lang="en-US" sz="1400" b="1" dirty="0" err="1">
+                <a:latin typeface="Courier New" panose="02070309020205020404" pitchFamily="49" charset="0"/>
+                <a:cs typeface="Courier New" panose="02070309020205020404" pitchFamily="49" charset="0"/>
+              </a:rPr>
+              <a:t>Sepal.Length~Sepal.Width</a:t>
+            </a:r>
+            <a:r>
+              <a:rPr lang="en-US" sz="1400" b="1" dirty="0">
+                <a:latin typeface="Courier New" panose="02070309020205020404" pitchFamily="49" charset="0"/>
+                <a:cs typeface="Courier New" panose="02070309020205020404" pitchFamily="49" charset="0"/>
+              </a:rPr>
+              <a:t>*</a:t>
+            </a:r>
+            <a:r>
+              <a:rPr lang="en-US" sz="1400" b="1" dirty="0" err="1">
+                <a:latin typeface="Courier New" panose="02070309020205020404" pitchFamily="49" charset="0"/>
+                <a:cs typeface="Courier New" panose="02070309020205020404" pitchFamily="49" charset="0"/>
+              </a:rPr>
+              <a:t>Petal.Length</a:t>
+            </a:r>
+            <a:r>
+              <a:rPr lang="en-US" sz="1400" b="1" dirty="0">
+                <a:latin typeface="Courier New" panose="02070309020205020404" pitchFamily="49" charset="0"/>
+                <a:cs typeface="Courier New" panose="02070309020205020404" pitchFamily="49" charset="0"/>
+              </a:rPr>
+              <a:t>*</a:t>
+            </a:r>
+            <a:r>
+              <a:rPr lang="en-US" sz="1400" b="1" dirty="0" err="1">
+                <a:latin typeface="Courier New" panose="02070309020205020404" pitchFamily="49" charset="0"/>
+                <a:cs typeface="Courier New" panose="02070309020205020404" pitchFamily="49" charset="0"/>
+              </a:rPr>
+              <a:t>Petal.Width+Species</a:t>
+            </a:r>
+            <a:r>
+              <a:rPr lang="en-US" sz="1400" b="1" dirty="0">
+                <a:latin typeface="Courier New" panose="02070309020205020404" pitchFamily="49" charset="0"/>
+                <a:cs typeface="Courier New" panose="02070309020205020404" pitchFamily="49" charset="0"/>
+              </a:rPr>
+              <a:t>);</a:t>
+            </a:r>
+          </a:p>
+          <a:p>
+            <a:r>
+              <a:rPr lang="en-US" sz="1400" b="1" dirty="0">
+                <a:latin typeface="Courier New" panose="02070309020205020404" pitchFamily="49" charset="0"/>
+                <a:cs typeface="Courier New" panose="02070309020205020404" pitchFamily="49" charset="0"/>
+              </a:rPr>
+              <a:t>R&gt; </a:t>
+            </a:r>
+            <a:r>
+              <a:rPr lang="en-US" sz="1400" b="1" dirty="0" smtClean="0">
+                <a:latin typeface="Courier New" panose="02070309020205020404" pitchFamily="49" charset="0"/>
+                <a:cs typeface="Courier New" panose="02070309020205020404" pitchFamily="49" charset="0"/>
+              </a:rPr>
+              <a:t>iris.mod.1 </a:t>
+            </a:r>
+            <a:r>
+              <a:rPr lang="en-US" sz="1400" b="1" dirty="0">
+                <a:latin typeface="Courier New" panose="02070309020205020404" pitchFamily="49" charset="0"/>
+                <a:cs typeface="Courier New" panose="02070309020205020404" pitchFamily="49" charset="0"/>
+              </a:rPr>
+              <a:t>&lt;- </a:t>
+            </a:r>
+            <a:r>
+              <a:rPr lang="en-US" sz="1400" b="1" dirty="0" err="1">
+                <a:latin typeface="Courier New" panose="02070309020205020404" pitchFamily="49" charset="0"/>
+                <a:cs typeface="Courier New" panose="02070309020205020404" pitchFamily="49" charset="0"/>
+              </a:rPr>
+              <a:t>glm</a:t>
+            </a:r>
+            <a:r>
+              <a:rPr lang="en-US" sz="1400" b="1" dirty="0">
+                <a:latin typeface="Courier New" panose="02070309020205020404" pitchFamily="49" charset="0"/>
+                <a:cs typeface="Courier New" panose="02070309020205020404" pitchFamily="49" charset="0"/>
+              </a:rPr>
+              <a:t>(iris.form.1,data=iris); </a:t>
+            </a:r>
+          </a:p>
+          <a:p>
+            <a:r>
+              <a:rPr lang="en-US" sz="1400" b="1" dirty="0">
+                <a:latin typeface="Courier New" panose="02070309020205020404" pitchFamily="49" charset="0"/>
+                <a:cs typeface="Courier New" panose="02070309020205020404" pitchFamily="49" charset="0"/>
+              </a:rPr>
+              <a:t>R&gt; </a:t>
+            </a:r>
+            <a:r>
+              <a:rPr lang="en-US" sz="1400" b="1" dirty="0" smtClean="0">
+                <a:latin typeface="Courier New" panose="02070309020205020404" pitchFamily="49" charset="0"/>
+                <a:cs typeface="Courier New" panose="02070309020205020404" pitchFamily="49" charset="0"/>
+              </a:rPr>
+              <a:t>plot(iris.mod.1);</a:t>
+            </a:r>
+          </a:p>
+        </p:txBody>
+      </p:sp>
+      <p:sp>
+        <p:nvSpPr>
+          <p:cNvPr id="8" name="TextBox 7"/>
+          <p:cNvSpPr txBox="1"/>
+          <p:nvPr/>
+        </p:nvSpPr>
+        <p:spPr>
+          <a:xfrm>
+            <a:off x="6508865" y="1485509"/>
+            <a:ext cx="5278582" cy="4524315"/>
           </a:xfrm>
           <a:prstGeom prst="rect">
             <a:avLst/>
@@ -22426,16 +22629,77 @@
             </a:pPr>
             <a:r>
               <a:rPr lang="en-US" dirty="0" smtClean="0"/>
-              <a:t>We can use a fitted model in R to predicted outcome variables for new data (or data held out, or included in the original model effect estimation). </a:t>
-            </a:r>
-            <a:endParaRPr lang="en-US" dirty="0"/>
+              <a:t>The final of the four plots produced by using plot() on a </a:t>
+            </a:r>
+            <a:r>
+              <a:rPr lang="en-US" dirty="0" err="1" smtClean="0"/>
+              <a:t>glm</a:t>
+            </a:r>
+            <a:r>
+              <a:rPr lang="en-US" dirty="0" smtClean="0"/>
+              <a:t> object shows a plot of the residuals vs. the leverage of an observation. </a:t>
+            </a:r>
+          </a:p>
+          <a:p>
+            <a:pPr marL="285750" indent="-285750">
+              <a:buFont typeface="Arial" panose="020B0604020202020204" pitchFamily="34" charset="0"/>
+              <a:buChar char="•"/>
+            </a:pPr>
+            <a:r>
+              <a:rPr lang="en-US" dirty="0" smtClean="0"/>
+              <a:t>The leverage is a measure of how influential an observation is on the estimation of the parameters in the model, such that the higher the leverage the more influence the observation has on the final estimation of the model effects. </a:t>
+            </a:r>
+          </a:p>
+          <a:p>
+            <a:pPr marL="285750" indent="-285750">
+              <a:buFont typeface="Arial" panose="020B0604020202020204" pitchFamily="34" charset="0"/>
+              <a:buChar char="•"/>
+            </a:pPr>
+            <a:r>
+              <a:rPr lang="en-US" dirty="0" smtClean="0"/>
+              <a:t>In this plot we can determine whether there are any outlying values which have a large influence on the parameter estimation, while retaining a large error. </a:t>
+            </a:r>
+          </a:p>
+          <a:p>
+            <a:pPr marL="285750" indent="-285750">
+              <a:buFont typeface="Arial" panose="020B0604020202020204" pitchFamily="34" charset="0"/>
+              <a:buChar char="•"/>
+            </a:pPr>
+            <a:r>
+              <a:rPr lang="en-US" dirty="0" smtClean="0"/>
+              <a:t>Such observations could stand to be removed when generalizing the model, as these indicate special-case observations not appropriate for use in forming general models.</a:t>
+            </a:r>
           </a:p>
         </p:txBody>
       </p:sp>
+      <p:pic>
+        <p:nvPicPr>
+          <p:cNvPr id="5" name="Picture 4"/>
+          <p:cNvPicPr>
+            <a:picLocks noChangeAspect="1"/>
+          </p:cNvPicPr>
+          <p:nvPr/>
+        </p:nvPicPr>
+        <p:blipFill>
+          <a:blip r:embed="rId2"/>
+          <a:stretch>
+            <a:fillRect/>
+          </a:stretch>
+        </p:blipFill>
+        <p:spPr>
+          <a:xfrm>
+            <a:off x="519358" y="1618513"/>
+            <a:ext cx="5459172" cy="5041022"/>
+          </a:xfrm>
+          <a:prstGeom prst="rect">
+            <a:avLst/>
+          </a:prstGeom>
+        </p:spPr>
+      </p:pic>
     </p:spTree>
     <p:extLst>
       <p:ext uri="{BB962C8B-B14F-4D97-AF65-F5344CB8AC3E}">
-        <p14:creationId xmlns:p14="http://schemas.microsoft.com/office/powerpoint/2010/main" val="2875339275"/>
+        <p14:creationId xmlns:p14="http://schemas.microsoft.com/office/powerpoint/2010/main" val="2486657242"/>
       </p:ext>
     </p:extLst>
   </p:cSld>
@@ -22512,21 +22776,7 @@
                 <a:latin typeface="Times New Roman" panose="02020603050405020304" pitchFamily="18" charset="0"/>
                 <a:cs typeface="Times New Roman" panose="02020603050405020304" pitchFamily="18" charset="0"/>
               </a:rPr>
-              <a:t>Introduction to R for Beginners Session III </a:t>
-            </a:r>
-            <a:r>
-              <a:rPr lang="en-US" dirty="0" smtClean="0">
-                <a:latin typeface="Times New Roman" panose="02020603050405020304" pitchFamily="18" charset="0"/>
-                <a:cs typeface="Times New Roman" panose="02020603050405020304" pitchFamily="18" charset="0"/>
-              </a:rPr>
-              <a:t>Part </a:t>
-            </a:r>
-            <a:r>
-              <a:rPr lang="en-US" dirty="0" smtClean="0">
-                <a:latin typeface="Times New Roman" panose="02020603050405020304" pitchFamily="18" charset="0"/>
-                <a:cs typeface="Times New Roman" panose="02020603050405020304" pitchFamily="18" charset="0"/>
-              </a:rPr>
-              <a:t>I Review</a:t>
+              <a:t>Using an estimated Linear Model for Prediction (Interpolation)</a:t>
             </a:r>
             <a:endParaRPr lang="en-US" dirty="0">
               <a:latin typeface="Times New Roman" panose="02020603050405020304" pitchFamily="18" charset="0"/>
@@ -22543,199 +22793,8 @@
         </p:nvSpPr>
         <p:spPr>
           <a:xfrm>
-            <a:off x="170329" y="1165045"/>
-            <a:ext cx="11098306" cy="1846659"/>
-          </a:xfrm>
-          <a:prstGeom prst="rect">
-            <a:avLst/>
-          </a:prstGeom>
-          <a:noFill/>
-          <a:ln>
-            <a:solidFill>
-              <a:schemeClr val="accent4"/>
-            </a:solidFill>
-          </a:ln>
-        </p:spPr>
-        <p:txBody>
-          <a:bodyPr wrap="square" rtlCol="0">
-            <a:spAutoFit/>
-          </a:bodyPr>
-          <a:lstStyle/>
-          <a:p>
-            <a:pPr marL="285750" indent="-285750">
-              <a:buFont typeface="Arial" panose="020B0604020202020204" pitchFamily="34" charset="0"/>
-              <a:buChar char="•"/>
-            </a:pPr>
-            <a:r>
-              <a:rPr lang="en-US" sz="1600" dirty="0" smtClean="0"/>
-              <a:t>How to setup formulas for describing model relationships in R’s formula language</a:t>
-            </a:r>
-          </a:p>
-          <a:p>
-            <a:pPr marL="742950" lvl="1" indent="-285750">
-              <a:buFont typeface="Arial" panose="020B0604020202020204" pitchFamily="34" charset="0"/>
-              <a:buChar char="•"/>
-            </a:pPr>
-            <a:r>
-              <a:rPr lang="en-US" sz="1600" b="1" dirty="0" smtClean="0"/>
-              <a:t>The zero-intercept vs. intercept models</a:t>
-            </a:r>
-          </a:p>
-          <a:p>
-            <a:pPr marL="742950" lvl="1" indent="-285750">
-              <a:buFont typeface="Arial" panose="020B0604020202020204" pitchFamily="34" charset="0"/>
-              <a:buChar char="•"/>
-            </a:pPr>
-            <a:r>
-              <a:rPr lang="en-US" sz="1600" b="1" dirty="0" smtClean="0"/>
-              <a:t>Adding Joint Effects</a:t>
-            </a:r>
-          </a:p>
-          <a:p>
-            <a:pPr marL="742950" lvl="1" indent="-285750">
-              <a:buFont typeface="Arial" panose="020B0604020202020204" pitchFamily="34" charset="0"/>
-              <a:buChar char="•"/>
-            </a:pPr>
-            <a:r>
-              <a:rPr lang="en-US" sz="1600" b="1" dirty="0" smtClean="0"/>
-              <a:t>Adding Categorical Effects</a:t>
-            </a:r>
-          </a:p>
-          <a:p>
-            <a:pPr marL="285750" indent="-285750">
-              <a:buFont typeface="Arial" panose="020B0604020202020204" pitchFamily="34" charset="0"/>
-              <a:buChar char="•"/>
-            </a:pPr>
-            <a:r>
-              <a:rPr lang="en-US" sz="1600" dirty="0" smtClean="0"/>
-              <a:t>What a linear model is.</a:t>
-            </a:r>
-          </a:p>
-          <a:p>
-            <a:pPr marL="285750" indent="-285750">
-              <a:buFont typeface="Arial" panose="020B0604020202020204" pitchFamily="34" charset="0"/>
-              <a:buChar char="•"/>
-            </a:pPr>
-            <a:r>
-              <a:rPr lang="en-US" sz="1600" dirty="0" smtClean="0"/>
-              <a:t>How to apply </a:t>
-            </a:r>
-            <a:r>
-              <a:rPr lang="en-US" sz="1600" dirty="0" err="1" smtClean="0"/>
-              <a:t>glm</a:t>
-            </a:r>
-            <a:r>
-              <a:rPr lang="en-US" sz="1600" dirty="0" smtClean="0"/>
-              <a:t>() to estimate model effects in linear models.</a:t>
-            </a:r>
-          </a:p>
-          <a:p>
-            <a:pPr marL="285750" indent="-285750">
-              <a:buFont typeface="Arial" panose="020B0604020202020204" pitchFamily="34" charset="0"/>
-              <a:buChar char="•"/>
-            </a:pPr>
-            <a:r>
-              <a:rPr lang="en-US" sz="1600" dirty="0" smtClean="0"/>
-              <a:t>How to view and interpret the output of the summary of the </a:t>
-            </a:r>
-            <a:r>
-              <a:rPr lang="en-US" sz="1600" dirty="0" err="1" smtClean="0"/>
-              <a:t>glm</a:t>
-            </a:r>
-            <a:r>
-              <a:rPr lang="en-US" sz="1600" dirty="0" smtClean="0"/>
-              <a:t> object.</a:t>
-            </a:r>
-            <a:endParaRPr lang="en-US" sz="1600" dirty="0"/>
-          </a:p>
-        </p:txBody>
-      </p:sp>
-      <p:sp>
-        <p:nvSpPr>
-          <p:cNvPr id="4" name="TextBox 3"/>
-          <p:cNvSpPr txBox="1"/>
-          <p:nvPr/>
-        </p:nvSpPr>
-        <p:spPr>
-          <a:xfrm>
-            <a:off x="170329" y="5172856"/>
-            <a:ext cx="8390965" cy="1569660"/>
-          </a:xfrm>
-          <a:prstGeom prst="rect">
-            <a:avLst/>
-          </a:prstGeom>
-          <a:noFill/>
-          <a:ln>
-            <a:solidFill>
-              <a:srgbClr val="FF0000"/>
-            </a:solidFill>
-          </a:ln>
-        </p:spPr>
-        <p:txBody>
-          <a:bodyPr wrap="square" rtlCol="0">
-            <a:spAutoFit/>
-          </a:bodyPr>
-          <a:lstStyle/>
-          <a:p>
-            <a:pPr marL="285750" indent="-285750">
-              <a:buFont typeface="Arial" panose="020B0604020202020204" pitchFamily="34" charset="0"/>
-              <a:buChar char="•"/>
-            </a:pPr>
-            <a:r>
-              <a:rPr lang="en-US" sz="1600" dirty="0"/>
-              <a:t>So far everything we have done can be done with `lm’ in R, `lm’ stands for linear model, and is used for fitting linear models (which include </a:t>
-            </a:r>
-            <a:r>
-              <a:rPr lang="en-US" sz="1600" dirty="0" err="1"/>
-              <a:t>anova</a:t>
-            </a:r>
-            <a:r>
-              <a:rPr lang="en-US" sz="1600" dirty="0"/>
-              <a:t>, </a:t>
-            </a:r>
-            <a:r>
-              <a:rPr lang="en-US" sz="1600" dirty="0" err="1"/>
-              <a:t>ancova</a:t>
-            </a:r>
-            <a:r>
-              <a:rPr lang="en-US" sz="1600" dirty="0"/>
-              <a:t>, and regression), it fits using ordinary least squares (that is minimizing the residual difference) this is why instead of deviance residuals, the actual residuals are reported by default when ‘lm’ is used</a:t>
-            </a:r>
-            <a:r>
-              <a:rPr lang="en-US" sz="1600" dirty="0" smtClean="0"/>
-              <a:t>.</a:t>
-            </a:r>
-          </a:p>
-          <a:p>
-            <a:pPr marL="285750" indent="-285750">
-              <a:buFont typeface="Arial" panose="020B0604020202020204" pitchFamily="34" charset="0"/>
-              <a:buChar char="•"/>
-            </a:pPr>
-            <a:r>
-              <a:rPr lang="en-US" sz="1600" dirty="0"/>
-              <a:t>‘</a:t>
-            </a:r>
-            <a:r>
-              <a:rPr lang="en-US" sz="1600" dirty="0" err="1"/>
-              <a:t>glm</a:t>
-            </a:r>
-            <a:r>
-              <a:rPr lang="en-US" sz="1600" dirty="0"/>
-              <a:t>’ is more general and implements what is known as the generalized linear model, of which the linear regression we have been doing is just one example. </a:t>
-            </a:r>
-          </a:p>
-        </p:txBody>
-      </p:sp>
-      <p:sp>
-        <p:nvSpPr>
-          <p:cNvPr id="5" name="TextBox 4"/>
-          <p:cNvSpPr txBox="1"/>
-          <p:nvPr/>
-        </p:nvSpPr>
-        <p:spPr>
-          <a:xfrm>
-            <a:off x="170329" y="4803524"/>
-            <a:ext cx="1909482" cy="369332"/>
+            <a:off x="548640" y="781396"/>
+            <a:ext cx="11355185" cy="646331"/>
           </a:xfrm>
           <a:prstGeom prst="rect">
             <a:avLst/>
@@ -22748,32 +22807,52 @@
           </a:bodyPr>
           <a:lstStyle/>
           <a:p>
-            <a:r>
-              <a:rPr lang="en-US" dirty="0" smtClean="0">
-                <a:solidFill>
-                  <a:srgbClr val="FF0000"/>
-                </a:solidFill>
-              </a:rPr>
-              <a:t>Notes!</a:t>
-            </a:r>
-            <a:endParaRPr lang="en-US" dirty="0">
-              <a:solidFill>
-                <a:srgbClr val="FF0000"/>
-              </a:solidFill>
-            </a:endParaRPr>
+            <a:pPr marL="285750" indent="-285750">
+              <a:buFont typeface="Arial" panose="020B0604020202020204" pitchFamily="34" charset="0"/>
+              <a:buChar char="•"/>
+            </a:pPr>
+            <a:r>
+              <a:rPr lang="en-US" dirty="0" smtClean="0"/>
+              <a:t>We can use a fitted model in R to predicted outcome variables for new data (or data held out, or included in the original model effect estimation). </a:t>
+            </a:r>
+            <a:endParaRPr lang="en-US" dirty="0"/>
           </a:p>
         </p:txBody>
       </p:sp>
+      <p:pic>
+        <p:nvPicPr>
+          <p:cNvPr id="4" name="Picture 3"/>
+          <p:cNvPicPr>
+            <a:picLocks noChangeAspect="1"/>
+          </p:cNvPicPr>
+          <p:nvPr/>
+        </p:nvPicPr>
+        <p:blipFill>
+          <a:blip r:embed="rId2"/>
+          <a:stretch>
+            <a:fillRect/>
+          </a:stretch>
+        </p:blipFill>
+        <p:spPr>
+          <a:xfrm>
+            <a:off x="292558" y="1978428"/>
+            <a:ext cx="4928038" cy="4550571"/>
+          </a:xfrm>
+          <a:prstGeom prst="rect">
+            <a:avLst/>
+          </a:prstGeom>
+        </p:spPr>
+      </p:pic>
       <p:sp>
         <p:nvSpPr>
-          <p:cNvPr id="6" name="TextBox 5"/>
+          <p:cNvPr id="5" name="TextBox 4"/>
           <p:cNvSpPr txBox="1"/>
           <p:nvPr/>
         </p:nvSpPr>
         <p:spPr>
           <a:xfrm>
-            <a:off x="170329" y="799922"/>
-            <a:ext cx="1909482" cy="369332"/>
+            <a:off x="5444836" y="2022348"/>
+            <a:ext cx="6159731" cy="1477328"/>
           </a:xfrm>
           <a:prstGeom prst="rect">
             <a:avLst/>
@@ -22786,19 +22865,188 @@
           </a:bodyPr>
           <a:lstStyle/>
           <a:p>
-            <a:r>
-              <a:rPr lang="en-US" dirty="0" smtClean="0">
-                <a:solidFill>
-                  <a:schemeClr val="accent4"/>
-                </a:solidFill>
-              </a:rPr>
-              <a:t>We have seen…</a:t>
-            </a:r>
-            <a:endParaRPr lang="en-US" dirty="0">
-              <a:solidFill>
-                <a:schemeClr val="accent4"/>
-              </a:solidFill>
+            <a:pPr marL="285750" indent="-285750">
+              <a:buFont typeface="Arial" panose="020B0604020202020204" pitchFamily="34" charset="0"/>
+              <a:buChar char="•"/>
+            </a:pPr>
+            <a:r>
+              <a:rPr lang="en-US" dirty="0" smtClean="0"/>
+              <a:t>We can use the predict() function on a </a:t>
+            </a:r>
+            <a:r>
+              <a:rPr lang="en-US" dirty="0" err="1" smtClean="0"/>
+              <a:t>glm</a:t>
+            </a:r>
+            <a:r>
+              <a:rPr lang="en-US" dirty="0" smtClean="0"/>
+              <a:t>() object, and some new data in order to make predictions about the dependent variable.</a:t>
+            </a:r>
+          </a:p>
+          <a:p>
+            <a:pPr marL="285750" indent="-285750">
+              <a:buFont typeface="Arial" panose="020B0604020202020204" pitchFamily="34" charset="0"/>
+              <a:buChar char="•"/>
+            </a:pPr>
+            <a:r>
+              <a:rPr lang="en-US" dirty="0" smtClean="0"/>
+              <a:t>For example in the R code below, replace 1,2, and 3 with the new data for prediction.</a:t>
+            </a:r>
+            <a:endParaRPr lang="en-US" dirty="0" smtClean="0"/>
+          </a:p>
+        </p:txBody>
+      </p:sp>
+      <p:sp>
+        <p:nvSpPr>
+          <p:cNvPr id="6" name="TextBox 5"/>
+          <p:cNvSpPr txBox="1"/>
+          <p:nvPr/>
+        </p:nvSpPr>
+        <p:spPr>
+          <a:xfrm>
+            <a:off x="1130530" y="1427727"/>
+            <a:ext cx="8817033" cy="523220"/>
+          </a:xfrm>
+          <a:prstGeom prst="rect">
+            <a:avLst/>
+          </a:prstGeom>
+          <a:noFill/>
+          <a:ln>
+            <a:solidFill>
+              <a:schemeClr val="tx1"/>
+            </a:solidFill>
+          </a:ln>
+        </p:spPr>
+        <p:txBody>
+          <a:bodyPr wrap="square" rtlCol="0">
+            <a:spAutoFit/>
+          </a:bodyPr>
+          <a:lstStyle/>
+          <a:p>
+            <a:r>
+              <a:rPr lang="en-US" sz="1400" b="1" dirty="0" smtClean="0">
+                <a:latin typeface="Courier New" panose="02070309020205020404" pitchFamily="49" charset="0"/>
+                <a:cs typeface="Courier New" panose="02070309020205020404" pitchFamily="49" charset="0"/>
+              </a:rPr>
+              <a:t>R</a:t>
+            </a:r>
+            <a:r>
+              <a:rPr lang="en-US" sz="1400" b="1" dirty="0">
+                <a:latin typeface="Courier New" panose="02070309020205020404" pitchFamily="49" charset="0"/>
+                <a:cs typeface="Courier New" panose="02070309020205020404" pitchFamily="49" charset="0"/>
+              </a:rPr>
+              <a:t>&gt; </a:t>
+            </a:r>
+            <a:r>
+              <a:rPr lang="en-US" sz="1400" b="1" dirty="0" err="1" smtClean="0">
+                <a:latin typeface="Courier New" panose="02070309020205020404" pitchFamily="49" charset="0"/>
+                <a:cs typeface="Courier New" panose="02070309020205020404" pitchFamily="49" charset="0"/>
+              </a:rPr>
+              <a:t>f.p</a:t>
+            </a:r>
+            <a:r>
+              <a:rPr lang="en-US" sz="1400" b="1" dirty="0" smtClean="0">
+                <a:latin typeface="Courier New" panose="02070309020205020404" pitchFamily="49" charset="0"/>
+                <a:cs typeface="Courier New" panose="02070309020205020404" pitchFamily="49" charset="0"/>
+              </a:rPr>
+              <a:t> &lt;- formula(</a:t>
+            </a:r>
+            <a:r>
+              <a:rPr lang="en-US" sz="1400" b="1" dirty="0" err="1" smtClean="0">
+                <a:latin typeface="Courier New" panose="02070309020205020404" pitchFamily="49" charset="0"/>
+                <a:cs typeface="Courier New" panose="02070309020205020404" pitchFamily="49" charset="0"/>
+              </a:rPr>
+              <a:t>Sepal.Length</a:t>
+            </a:r>
+            <a:r>
+              <a:rPr lang="en-US" sz="1400" b="1" dirty="0" smtClean="0">
+                <a:latin typeface="Courier New" panose="02070309020205020404" pitchFamily="49" charset="0"/>
+                <a:cs typeface="Courier New" panose="02070309020205020404" pitchFamily="49" charset="0"/>
+              </a:rPr>
+              <a:t> ~ </a:t>
+            </a:r>
+            <a:r>
+              <a:rPr lang="en-US" sz="1400" b="1" dirty="0" err="1" smtClean="0">
+                <a:latin typeface="Courier New" panose="02070309020205020404" pitchFamily="49" charset="0"/>
+                <a:cs typeface="Courier New" panose="02070309020205020404" pitchFamily="49" charset="0"/>
+              </a:rPr>
+              <a:t>Sepal.Width+Petal.Length+Petal.Width</a:t>
+            </a:r>
+            <a:r>
+              <a:rPr lang="en-US" sz="1400" b="1" dirty="0" smtClean="0">
+                <a:latin typeface="Courier New" panose="02070309020205020404" pitchFamily="49" charset="0"/>
+                <a:cs typeface="Courier New" panose="02070309020205020404" pitchFamily="49" charset="0"/>
+              </a:rPr>
+              <a:t>);</a:t>
+            </a:r>
+            <a:endParaRPr lang="en-US" sz="1400" b="1" dirty="0">
+              <a:latin typeface="Courier New" panose="02070309020205020404" pitchFamily="49" charset="0"/>
+              <a:cs typeface="Courier New" panose="02070309020205020404" pitchFamily="49" charset="0"/>
             </a:endParaRPr>
+          </a:p>
+          <a:p>
+            <a:r>
+              <a:rPr lang="en-US" sz="1400" b="1" dirty="0">
+                <a:latin typeface="Courier New" panose="02070309020205020404" pitchFamily="49" charset="0"/>
+                <a:cs typeface="Courier New" panose="02070309020205020404" pitchFamily="49" charset="0"/>
+              </a:rPr>
+              <a:t>R&gt; </a:t>
+            </a:r>
+            <a:r>
+              <a:rPr lang="en-US" sz="1400" b="1" dirty="0" err="1" smtClean="0">
+                <a:latin typeface="Courier New" panose="02070309020205020404" pitchFamily="49" charset="0"/>
+                <a:cs typeface="Courier New" panose="02070309020205020404" pitchFamily="49" charset="0"/>
+              </a:rPr>
+              <a:t>iris.pmod</a:t>
+            </a:r>
+            <a:r>
+              <a:rPr lang="en-US" sz="1400" b="1" dirty="0" smtClean="0">
+                <a:latin typeface="Courier New" panose="02070309020205020404" pitchFamily="49" charset="0"/>
+                <a:cs typeface="Courier New" panose="02070309020205020404" pitchFamily="49" charset="0"/>
+              </a:rPr>
+              <a:t> </a:t>
+            </a:r>
+            <a:r>
+              <a:rPr lang="en-US" sz="1400" b="1" dirty="0">
+                <a:latin typeface="Courier New" panose="02070309020205020404" pitchFamily="49" charset="0"/>
+                <a:cs typeface="Courier New" panose="02070309020205020404" pitchFamily="49" charset="0"/>
+              </a:rPr>
+              <a:t>&lt;- </a:t>
+            </a:r>
+            <a:r>
+              <a:rPr lang="en-US" sz="1400" b="1" dirty="0" err="1" smtClean="0">
+                <a:latin typeface="Courier New" panose="02070309020205020404" pitchFamily="49" charset="0"/>
+                <a:cs typeface="Courier New" panose="02070309020205020404" pitchFamily="49" charset="0"/>
+              </a:rPr>
+              <a:t>glm</a:t>
+            </a:r>
+            <a:r>
+              <a:rPr lang="en-US" sz="1400" b="1" dirty="0" smtClean="0">
+                <a:latin typeface="Courier New" panose="02070309020205020404" pitchFamily="49" charset="0"/>
+                <a:cs typeface="Courier New" panose="02070309020205020404" pitchFamily="49" charset="0"/>
+              </a:rPr>
+              <a:t>(</a:t>
+            </a:r>
+            <a:r>
+              <a:rPr lang="en-US" sz="1400" b="1" dirty="0" err="1" smtClean="0">
+                <a:latin typeface="Courier New" panose="02070309020205020404" pitchFamily="49" charset="0"/>
+                <a:cs typeface="Courier New" panose="02070309020205020404" pitchFamily="49" charset="0"/>
+              </a:rPr>
+              <a:t>f.p,data</a:t>
+            </a:r>
+            <a:r>
+              <a:rPr lang="en-US" sz="1400" b="1" dirty="0" smtClean="0">
+                <a:latin typeface="Courier New" panose="02070309020205020404" pitchFamily="49" charset="0"/>
+                <a:cs typeface="Courier New" panose="02070309020205020404" pitchFamily="49" charset="0"/>
+              </a:rPr>
+              <a:t>=iris</a:t>
+            </a:r>
+            <a:r>
+              <a:rPr lang="en-US" sz="1400" b="1" dirty="0">
+                <a:latin typeface="Courier New" panose="02070309020205020404" pitchFamily="49" charset="0"/>
+                <a:cs typeface="Courier New" panose="02070309020205020404" pitchFamily="49" charset="0"/>
+              </a:rPr>
+              <a:t>); </a:t>
+            </a:r>
           </a:p>
         </p:txBody>
       </p:sp>
@@ -22810,49 +23058,8 @@
         </p:nvSpPr>
         <p:spPr>
           <a:xfrm>
-            <a:off x="170329" y="2922056"/>
-            <a:ext cx="2352031" cy="369332"/>
-          </a:xfrm>
-          <a:prstGeom prst="rect">
-            <a:avLst/>
-          </a:prstGeom>
-          <a:noFill/>
-          <a:ln>
-            <a:noFill/>
-          </a:ln>
-        </p:spPr>
-        <p:txBody>
-          <a:bodyPr wrap="square" rtlCol="0">
-            <a:spAutoFit/>
-          </a:bodyPr>
-          <a:lstStyle/>
-          <a:p>
-            <a:r>
-              <a:rPr lang="en-US" dirty="0" smtClean="0">
-                <a:solidFill>
-                  <a:schemeClr val="accent1"/>
-                </a:solidFill>
-              </a:rPr>
-              <a:t>We are going to see…</a:t>
-            </a:r>
-            <a:endParaRPr lang="en-US" dirty="0">
-              <a:solidFill>
-                <a:schemeClr val="accent1"/>
-              </a:solidFill>
-            </a:endParaRPr>
-          </a:p>
-        </p:txBody>
-      </p:sp>
-      <p:sp>
-        <p:nvSpPr>
-          <p:cNvPr id="9" name="TextBox 8"/>
-          <p:cNvSpPr txBox="1"/>
-          <p:nvPr/>
-        </p:nvSpPr>
-        <p:spPr>
-          <a:xfrm>
-            <a:off x="170329" y="3274800"/>
-            <a:ext cx="11205883" cy="1600438"/>
+            <a:off x="5746866" y="3602384"/>
+            <a:ext cx="5608319" cy="738664"/>
           </a:xfrm>
           <a:prstGeom prst="rect">
             <a:avLst/>
@@ -22860,7 +23067,7 @@
           <a:noFill/>
           <a:ln>
             <a:solidFill>
-              <a:schemeClr val="tx2"/>
+              <a:schemeClr val="tx1"/>
             </a:solidFill>
           </a:ln>
         </p:spPr>
@@ -22870,82 +23077,152 @@
           </a:bodyPr>
           <a:lstStyle/>
           <a:p>
+            <a:r>
+              <a:rPr lang="en-US" sz="1400" b="1" dirty="0" smtClean="0">
+                <a:latin typeface="Courier New" panose="02070309020205020404" pitchFamily="49" charset="0"/>
+                <a:cs typeface="Courier New" panose="02070309020205020404" pitchFamily="49" charset="0"/>
+              </a:rPr>
+              <a:t>R</a:t>
+            </a:r>
+            <a:r>
+              <a:rPr lang="en-US" sz="1400" b="1" dirty="0" smtClean="0">
+                <a:latin typeface="Courier New" panose="02070309020205020404" pitchFamily="49" charset="0"/>
+                <a:cs typeface="Courier New" panose="02070309020205020404" pitchFamily="49" charset="0"/>
+              </a:rPr>
+              <a:t>&gt; predict(</a:t>
+            </a:r>
+            <a:r>
+              <a:rPr lang="en-US" sz="1400" b="1" dirty="0" err="1" smtClean="0">
+                <a:latin typeface="Courier New" panose="02070309020205020404" pitchFamily="49" charset="0"/>
+                <a:cs typeface="Courier New" panose="02070309020205020404" pitchFamily="49" charset="0"/>
+              </a:rPr>
+              <a:t>iris.pmod,data.frame</a:t>
+            </a:r>
+            <a:r>
+              <a:rPr lang="en-US" sz="1400" b="1" dirty="0" smtClean="0">
+                <a:latin typeface="Courier New" panose="02070309020205020404" pitchFamily="49" charset="0"/>
+                <a:cs typeface="Courier New" panose="02070309020205020404" pitchFamily="49" charset="0"/>
+              </a:rPr>
+              <a:t>(</a:t>
+            </a:r>
+            <a:r>
+              <a:rPr lang="en-US" sz="1400" b="1" dirty="0" err="1" smtClean="0">
+                <a:latin typeface="Courier New" panose="02070309020205020404" pitchFamily="49" charset="0"/>
+                <a:cs typeface="Courier New" panose="02070309020205020404" pitchFamily="49" charset="0"/>
+              </a:rPr>
+              <a:t>Sepal.Width</a:t>
+            </a:r>
+            <a:r>
+              <a:rPr lang="en-US" sz="1400" b="1" dirty="0" smtClean="0">
+                <a:latin typeface="Courier New" panose="02070309020205020404" pitchFamily="49" charset="0"/>
+                <a:cs typeface="Courier New" panose="02070309020205020404" pitchFamily="49" charset="0"/>
+              </a:rPr>
+              <a:t>=1,</a:t>
+            </a:r>
+          </a:p>
+          <a:p>
+            <a:r>
+              <a:rPr lang="en-US" sz="1400" b="1" dirty="0">
+                <a:latin typeface="Courier New" panose="02070309020205020404" pitchFamily="49" charset="0"/>
+                <a:cs typeface="Courier New" panose="02070309020205020404" pitchFamily="49" charset="0"/>
+              </a:rPr>
+              <a:t>	</a:t>
+            </a:r>
+            <a:r>
+              <a:rPr lang="en-US" sz="1400" b="1" dirty="0" smtClean="0">
+                <a:latin typeface="Courier New" panose="02070309020205020404" pitchFamily="49" charset="0"/>
+                <a:cs typeface="Courier New" panose="02070309020205020404" pitchFamily="49" charset="0"/>
+              </a:rPr>
+              <a:t>		       </a:t>
+            </a:r>
+            <a:r>
+              <a:rPr lang="en-US" sz="1400" b="1" dirty="0" err="1" smtClean="0">
+                <a:latin typeface="Courier New" panose="02070309020205020404" pitchFamily="49" charset="0"/>
+                <a:cs typeface="Courier New" panose="02070309020205020404" pitchFamily="49" charset="0"/>
+              </a:rPr>
+              <a:t>Petal.Length</a:t>
+            </a:r>
+            <a:r>
+              <a:rPr lang="en-US" sz="1400" b="1" dirty="0" smtClean="0">
+                <a:latin typeface="Courier New" panose="02070309020205020404" pitchFamily="49" charset="0"/>
+                <a:cs typeface="Courier New" panose="02070309020205020404" pitchFamily="49" charset="0"/>
+              </a:rPr>
+              <a:t>=2,</a:t>
+            </a:r>
+          </a:p>
+          <a:p>
+            <a:r>
+              <a:rPr lang="en-US" sz="1400" b="1" dirty="0">
+                <a:latin typeface="Courier New" panose="02070309020205020404" pitchFamily="49" charset="0"/>
+                <a:cs typeface="Courier New" panose="02070309020205020404" pitchFamily="49" charset="0"/>
+              </a:rPr>
+              <a:t> </a:t>
+            </a:r>
+            <a:r>
+              <a:rPr lang="en-US" sz="1400" b="1" dirty="0" smtClean="0">
+                <a:latin typeface="Courier New" panose="02070309020205020404" pitchFamily="49" charset="0"/>
+                <a:cs typeface="Courier New" panose="02070309020205020404" pitchFamily="49" charset="0"/>
+              </a:rPr>
+              <a:t>                                 </a:t>
+            </a:r>
+            <a:r>
+              <a:rPr lang="en-US" sz="1400" b="1" dirty="0" err="1" smtClean="0">
+                <a:latin typeface="Courier New" panose="02070309020205020404" pitchFamily="49" charset="0"/>
+                <a:cs typeface="Courier New" panose="02070309020205020404" pitchFamily="49" charset="0"/>
+              </a:rPr>
+              <a:t>Petal.Width</a:t>
+            </a:r>
+            <a:r>
+              <a:rPr lang="en-US" sz="1400" b="1" dirty="0" smtClean="0">
+                <a:latin typeface="Courier New" panose="02070309020205020404" pitchFamily="49" charset="0"/>
+                <a:cs typeface="Courier New" panose="02070309020205020404" pitchFamily="49" charset="0"/>
+              </a:rPr>
+              <a:t>=3)</a:t>
+            </a:r>
+            <a:endParaRPr lang="en-US" sz="1400" b="1" dirty="0">
+              <a:latin typeface="Courier New" panose="02070309020205020404" pitchFamily="49" charset="0"/>
+              <a:cs typeface="Courier New" panose="02070309020205020404" pitchFamily="49" charset="0"/>
+            </a:endParaRPr>
+          </a:p>
+        </p:txBody>
+      </p:sp>
+      <p:sp>
+        <p:nvSpPr>
+          <p:cNvPr id="8" name="TextBox 7"/>
+          <p:cNvSpPr txBox="1"/>
+          <p:nvPr/>
+        </p:nvSpPr>
+        <p:spPr>
+          <a:xfrm>
+            <a:off x="5444836" y="4341048"/>
+            <a:ext cx="6159731" cy="923330"/>
+          </a:xfrm>
+          <a:prstGeom prst="rect">
+            <a:avLst/>
+          </a:prstGeom>
+          <a:noFill/>
+        </p:spPr>
+        <p:txBody>
+          <a:bodyPr wrap="square" rtlCol="0">
+            <a:spAutoFit/>
+          </a:bodyPr>
+          <a:lstStyle/>
+          <a:p>
             <a:pPr marL="285750" indent="-285750">
               <a:buFont typeface="Arial" panose="020B0604020202020204" pitchFamily="34" charset="0"/>
               <a:buChar char="•"/>
             </a:pPr>
             <a:r>
-              <a:rPr lang="en-US" sz="1400" dirty="0" smtClean="0"/>
-              <a:t>How the generalized linear model contains these multivariate linear models, and extends them:</a:t>
-            </a:r>
-          </a:p>
-          <a:p>
-            <a:pPr marL="742950" lvl="1" indent="-285750">
-              <a:buFont typeface="Arial" panose="020B0604020202020204" pitchFamily="34" charset="0"/>
-              <a:buChar char="•"/>
-            </a:pPr>
-            <a:r>
-              <a:rPr lang="en-US" sz="1400" dirty="0" smtClean="0"/>
-              <a:t>Logistic &amp; Count Regression</a:t>
-            </a:r>
-          </a:p>
-          <a:p>
-            <a:pPr marL="285750" indent="-285750">
-              <a:buFont typeface="Arial" panose="020B0604020202020204" pitchFamily="34" charset="0"/>
-              <a:buChar char="•"/>
-            </a:pPr>
-            <a:r>
-              <a:rPr lang="en-US" sz="1400" dirty="0" smtClean="0"/>
-              <a:t>What does plotting the output provide</a:t>
-            </a:r>
-          </a:p>
-          <a:p>
-            <a:pPr marL="285750" indent="-285750">
-              <a:buFont typeface="Arial" panose="020B0604020202020204" pitchFamily="34" charset="0"/>
-              <a:buChar char="•"/>
-            </a:pPr>
-            <a:r>
-              <a:rPr lang="en-US" sz="1400" dirty="0" smtClean="0"/>
-              <a:t>What are the assumptions for using these models, and how can I assess them in R?</a:t>
-            </a:r>
-          </a:p>
-          <a:p>
-            <a:pPr marL="742950" lvl="1" indent="-285750">
-              <a:buFont typeface="Arial" panose="020B0604020202020204" pitchFamily="34" charset="0"/>
-              <a:buChar char="•"/>
-            </a:pPr>
-            <a:r>
-              <a:rPr lang="en-US" sz="1400" dirty="0" smtClean="0"/>
-              <a:t>Adjusting data through transforms to fit the data.</a:t>
-            </a:r>
-          </a:p>
-          <a:p>
-            <a:pPr marL="285750" indent="-285750">
-              <a:buFont typeface="Arial" panose="020B0604020202020204" pitchFamily="34" charset="0"/>
-              <a:buChar char="•"/>
-            </a:pPr>
-            <a:r>
-              <a:rPr lang="en-US" sz="1400" dirty="0" smtClean="0"/>
-              <a:t>How can we select the most useful variables for our models? </a:t>
-            </a:r>
-          </a:p>
-          <a:p>
-            <a:pPr marL="742950" lvl="1" indent="-285750">
-              <a:buFont typeface="Arial" panose="020B0604020202020204" pitchFamily="34" charset="0"/>
-              <a:buChar char="•"/>
-            </a:pPr>
-            <a:r>
-              <a:rPr lang="en-US" sz="1400" dirty="0" smtClean="0"/>
-              <a:t>Elastic-net (ridge/LASSO – shrinkage estimation), Stepwise selection based on AIC</a:t>
-            </a:r>
-            <a:endParaRPr lang="en-US" sz="1400" dirty="0"/>
+              <a:rPr lang="en-US" dirty="0" smtClean="0"/>
+              <a:t>Left we can see a plot of the Sepal Length predictions on 20 previously unseen observations from a LM trained on 130 observations, with the true values plotted on the Y-axis.</a:t>
+            </a:r>
           </a:p>
         </p:txBody>
       </p:sp>
     </p:spTree>
     <p:extLst>
       <p:ext uri="{BB962C8B-B14F-4D97-AF65-F5344CB8AC3E}">
-        <p14:creationId xmlns:p14="http://schemas.microsoft.com/office/powerpoint/2010/main" val="52612132"/>
+        <p14:creationId xmlns:p14="http://schemas.microsoft.com/office/powerpoint/2010/main" val="2875339275"/>
       </p:ext>
     </p:extLst>
   </p:cSld>
@@ -23426,11 +23703,18 @@
               <a:buChar char="•"/>
             </a:pPr>
             <a:r>
-              <a:rPr lang="en-US" dirty="0" smtClean="0">
+              <a:rPr lang="en-US" i="1" dirty="0" smtClean="0">
                 <a:latin typeface="Times New Roman" panose="02020603050405020304" pitchFamily="18" charset="0"/>
                 <a:cs typeface="Times New Roman" panose="02020603050405020304" pitchFamily="18" charset="0"/>
               </a:rPr>
-              <a:t>Survival Modeling:</a:t>
+              <a:t>Tentative Bonus - Survival </a:t>
+            </a:r>
+            <a:r>
+              <a:rPr lang="en-US" i="1" dirty="0" smtClean="0">
+                <a:latin typeface="Times New Roman" panose="02020603050405020304" pitchFamily="18" charset="0"/>
+                <a:cs typeface="Times New Roman" panose="02020603050405020304" pitchFamily="18" charset="0"/>
+              </a:rPr>
+              <a:t>Modeling:</a:t>
             </a:r>
           </a:p>
           <a:p>
@@ -23439,7 +23723,7 @@
               <a:buChar char="•"/>
             </a:pPr>
             <a:r>
-              <a:rPr lang="en-US" dirty="0" smtClean="0">
+              <a:rPr lang="en-US" i="1" dirty="0" smtClean="0">
                 <a:latin typeface="Times New Roman" panose="02020603050405020304" pitchFamily="18" charset="0"/>
                 <a:cs typeface="Times New Roman" panose="02020603050405020304" pitchFamily="18" charset="0"/>
               </a:rPr>
@@ -23449,21 +23733,21 @@
           <a:p>
             <a:pPr lvl="1"/>
             <a:r>
-              <a:rPr lang="en-US" dirty="0" smtClean="0">
+              <a:rPr lang="en-US" i="1" dirty="0" smtClean="0">
                 <a:latin typeface="Times New Roman" panose="02020603050405020304" pitchFamily="18" charset="0"/>
                 <a:cs typeface="Times New Roman" panose="02020603050405020304" pitchFamily="18" charset="0"/>
               </a:rPr>
               <a:t>	proportional hazards assumptions in </a:t>
             </a:r>
             <a:r>
-              <a:rPr lang="en-US" dirty="0" smtClean="0">
+              <a:rPr lang="en-US" i="1" dirty="0" smtClean="0">
                 <a:latin typeface="Courier New" panose="02070309020205020404" pitchFamily="49" charset="0"/>
                 <a:cs typeface="Courier New" panose="02070309020205020404" pitchFamily="49" charset="0"/>
               </a:rPr>
               <a:t>R</a:t>
             </a:r>
             <a:r>
-              <a:rPr lang="en-US" dirty="0" smtClean="0">
+              <a:rPr lang="en-US" i="1" dirty="0" smtClean="0">
                 <a:latin typeface="Times New Roman" panose="02020603050405020304" pitchFamily="18" charset="0"/>
                 <a:cs typeface="Times New Roman" panose="02020603050405020304" pitchFamily="18" charset="0"/>
               </a:rPr>
@@ -23496,6 +23780,2540 @@
 </file>
 
 <file path=ppt/slides/slide30.xml><?xml version="1.0" encoding="utf-8"?>
+<p:sld xmlns:a="http://schemas.openxmlformats.org/drawingml/2006/main" xmlns:r="http://schemas.openxmlformats.org/officeDocument/2006/relationships" xmlns:p="http://schemas.openxmlformats.org/presentationml/2006/main">
+  <p:cSld>
+    <p:spTree>
+      <p:nvGrpSpPr>
+        <p:cNvPr id="1" name=""/>
+        <p:cNvGrpSpPr/>
+        <p:nvPr/>
+      </p:nvGrpSpPr>
+      <p:grpSpPr>
+        <a:xfrm>
+          <a:off x="0" y="0"/>
+          <a:ext cx="0" cy="0"/>
+          <a:chOff x="0" y="0"/>
+          <a:chExt cx="0" cy="0"/>
+        </a:xfrm>
+      </p:grpSpPr>
+      <p:sp>
+        <p:nvSpPr>
+          <p:cNvPr id="2" name="Title 1">
+            <a:extLst>
+              <a:ext uri="{FF2B5EF4-FFF2-40B4-BE49-F238E27FC236}">
+                <a16:creationId xmlns:a16="http://schemas.microsoft.com/office/drawing/2014/main" id="{636FB483-8A01-854E-9BBE-55E0C355A79B}"/>
+              </a:ext>
+            </a:extLst>
+          </p:cNvPr>
+          <p:cNvSpPr txBox="1">
+            <a:spLocks/>
+          </p:cNvSpPr>
+          <p:nvPr/>
+        </p:nvSpPr>
+        <p:spPr>
+          <a:xfrm>
+            <a:off x="292557" y="283221"/>
+            <a:ext cx="10017369" cy="656493"/>
+          </a:xfrm>
+          <a:prstGeom prst="rect">
+            <a:avLst/>
+          </a:prstGeom>
+        </p:spPr>
+        <p:txBody>
+          <a:bodyPr/>
+          <a:lstStyle>
+            <a:lvl1pPr algn="l" defTabSz="914400" rtl="0" eaLnBrk="1" latinLnBrk="0" hangingPunct="1">
+              <a:lnSpc>
+                <a:spcPct val="90000"/>
+              </a:lnSpc>
+              <a:spcBef>
+                <a:spcPct val="0"/>
+              </a:spcBef>
+              <a:buNone/>
+              <a:defRPr sz="2800" b="1" kern="1200">
+                <a:solidFill>
+                  <a:schemeClr val="tx1"/>
+                </a:solidFill>
+                <a:latin typeface="Helvetica" pitchFamily="2" charset="0"/>
+                <a:ea typeface="+mj-ea"/>
+                <a:cs typeface="+mj-cs"/>
+              </a:defRPr>
+            </a:lvl1pPr>
+          </a:lstStyle>
+          <a:p>
+            <a:r>
+              <a:rPr lang="en-US" dirty="0" smtClean="0">
+                <a:latin typeface="Times New Roman" panose="02020603050405020304" pitchFamily="18" charset="0"/>
+                <a:cs typeface="Times New Roman" panose="02020603050405020304" pitchFamily="18" charset="0"/>
+              </a:rPr>
+              <a:t>Functions for Extracting Information from </a:t>
+            </a:r>
+            <a:r>
+              <a:rPr lang="en-US" dirty="0" err="1" smtClean="0">
+                <a:latin typeface="Times New Roman" panose="02020603050405020304" pitchFamily="18" charset="0"/>
+                <a:cs typeface="Times New Roman" panose="02020603050405020304" pitchFamily="18" charset="0"/>
+              </a:rPr>
+              <a:t>glm</a:t>
+            </a:r>
+            <a:r>
+              <a:rPr lang="en-US" dirty="0" smtClean="0">
+                <a:latin typeface="Times New Roman" panose="02020603050405020304" pitchFamily="18" charset="0"/>
+                <a:cs typeface="Times New Roman" panose="02020603050405020304" pitchFamily="18" charset="0"/>
+              </a:rPr>
+              <a:t> objects</a:t>
+            </a:r>
+            <a:endParaRPr lang="en-US" dirty="0">
+              <a:latin typeface="Times New Roman" panose="02020603050405020304" pitchFamily="18" charset="0"/>
+              <a:cs typeface="Times New Roman" panose="02020603050405020304" pitchFamily="18" charset="0"/>
+            </a:endParaRPr>
+          </a:p>
+        </p:txBody>
+      </p:sp>
+      <p:sp>
+        <p:nvSpPr>
+          <p:cNvPr id="3" name="TextBox 2"/>
+          <p:cNvSpPr txBox="1"/>
+          <p:nvPr/>
+        </p:nvSpPr>
+        <p:spPr>
+          <a:xfrm>
+            <a:off x="1554480" y="779335"/>
+            <a:ext cx="7797339" cy="523220"/>
+          </a:xfrm>
+          <a:prstGeom prst="rect">
+            <a:avLst/>
+          </a:prstGeom>
+          <a:noFill/>
+          <a:ln>
+            <a:solidFill>
+              <a:schemeClr val="tx1"/>
+            </a:solidFill>
+          </a:ln>
+        </p:spPr>
+        <p:txBody>
+          <a:bodyPr wrap="square" rtlCol="0">
+            <a:spAutoFit/>
+          </a:bodyPr>
+          <a:lstStyle/>
+          <a:p>
+            <a:r>
+              <a:rPr lang="en-US" sz="1400" b="1" dirty="0" smtClean="0">
+                <a:latin typeface="Courier New" panose="02070309020205020404" pitchFamily="49" charset="0"/>
+                <a:cs typeface="Courier New" panose="02070309020205020404" pitchFamily="49" charset="0"/>
+              </a:rPr>
+              <a:t>R</a:t>
+            </a:r>
+            <a:r>
+              <a:rPr lang="en-US" sz="1400" b="1" dirty="0">
+                <a:latin typeface="Courier New" panose="02070309020205020404" pitchFamily="49" charset="0"/>
+                <a:cs typeface="Courier New" panose="02070309020205020404" pitchFamily="49" charset="0"/>
+              </a:rPr>
+              <a:t>&gt; </a:t>
+            </a:r>
+            <a:r>
+              <a:rPr lang="en-US" sz="1400" b="1" dirty="0" err="1" smtClean="0">
+                <a:latin typeface="Courier New" panose="02070309020205020404" pitchFamily="49" charset="0"/>
+                <a:cs typeface="Courier New" panose="02070309020205020404" pitchFamily="49" charset="0"/>
+              </a:rPr>
+              <a:t>f.p</a:t>
+            </a:r>
+            <a:r>
+              <a:rPr lang="en-US" sz="1400" b="1" dirty="0" smtClean="0">
+                <a:latin typeface="Courier New" panose="02070309020205020404" pitchFamily="49" charset="0"/>
+                <a:cs typeface="Courier New" panose="02070309020205020404" pitchFamily="49" charset="0"/>
+              </a:rPr>
+              <a:t> &lt;- formula(</a:t>
+            </a:r>
+            <a:r>
+              <a:rPr lang="en-US" sz="1400" b="1" dirty="0" err="1" smtClean="0">
+                <a:latin typeface="Courier New" panose="02070309020205020404" pitchFamily="49" charset="0"/>
+                <a:cs typeface="Courier New" panose="02070309020205020404" pitchFamily="49" charset="0"/>
+              </a:rPr>
+              <a:t>Sepal.Length</a:t>
+            </a:r>
+            <a:r>
+              <a:rPr lang="en-US" sz="1400" b="1" dirty="0" smtClean="0">
+                <a:latin typeface="Courier New" panose="02070309020205020404" pitchFamily="49" charset="0"/>
+                <a:cs typeface="Courier New" panose="02070309020205020404" pitchFamily="49" charset="0"/>
+              </a:rPr>
+              <a:t> ~ </a:t>
+            </a:r>
+            <a:r>
+              <a:rPr lang="en-US" sz="1400" b="1" dirty="0" err="1" smtClean="0">
+                <a:latin typeface="Courier New" panose="02070309020205020404" pitchFamily="49" charset="0"/>
+                <a:cs typeface="Courier New" panose="02070309020205020404" pitchFamily="49" charset="0"/>
+              </a:rPr>
+              <a:t>Sepal.Width+Petal.Length+Petal.Width</a:t>
+            </a:r>
+            <a:r>
+              <a:rPr lang="en-US" sz="1400" b="1" dirty="0" smtClean="0">
+                <a:latin typeface="Courier New" panose="02070309020205020404" pitchFamily="49" charset="0"/>
+                <a:cs typeface="Courier New" panose="02070309020205020404" pitchFamily="49" charset="0"/>
+              </a:rPr>
+              <a:t>);</a:t>
+            </a:r>
+            <a:endParaRPr lang="en-US" sz="1400" b="1" dirty="0">
+              <a:latin typeface="Courier New" panose="02070309020205020404" pitchFamily="49" charset="0"/>
+              <a:cs typeface="Courier New" panose="02070309020205020404" pitchFamily="49" charset="0"/>
+            </a:endParaRPr>
+          </a:p>
+          <a:p>
+            <a:r>
+              <a:rPr lang="en-US" sz="1400" b="1" dirty="0">
+                <a:latin typeface="Courier New" panose="02070309020205020404" pitchFamily="49" charset="0"/>
+                <a:cs typeface="Courier New" panose="02070309020205020404" pitchFamily="49" charset="0"/>
+              </a:rPr>
+              <a:t>R&gt; </a:t>
+            </a:r>
+            <a:r>
+              <a:rPr lang="en-US" sz="1400" b="1" dirty="0" err="1" smtClean="0">
+                <a:latin typeface="Courier New" panose="02070309020205020404" pitchFamily="49" charset="0"/>
+                <a:cs typeface="Courier New" panose="02070309020205020404" pitchFamily="49" charset="0"/>
+              </a:rPr>
+              <a:t>iris.pmod</a:t>
+            </a:r>
+            <a:r>
+              <a:rPr lang="en-US" sz="1400" b="1" dirty="0" smtClean="0">
+                <a:latin typeface="Courier New" panose="02070309020205020404" pitchFamily="49" charset="0"/>
+                <a:cs typeface="Courier New" panose="02070309020205020404" pitchFamily="49" charset="0"/>
+              </a:rPr>
+              <a:t> </a:t>
+            </a:r>
+            <a:r>
+              <a:rPr lang="en-US" sz="1400" b="1" dirty="0">
+                <a:latin typeface="Courier New" panose="02070309020205020404" pitchFamily="49" charset="0"/>
+                <a:cs typeface="Courier New" panose="02070309020205020404" pitchFamily="49" charset="0"/>
+              </a:rPr>
+              <a:t>&lt;- </a:t>
+            </a:r>
+            <a:r>
+              <a:rPr lang="en-US" sz="1400" b="1" dirty="0" err="1" smtClean="0">
+                <a:latin typeface="Courier New" panose="02070309020205020404" pitchFamily="49" charset="0"/>
+                <a:cs typeface="Courier New" panose="02070309020205020404" pitchFamily="49" charset="0"/>
+              </a:rPr>
+              <a:t>glm</a:t>
+            </a:r>
+            <a:r>
+              <a:rPr lang="en-US" sz="1400" b="1" dirty="0" smtClean="0">
+                <a:latin typeface="Courier New" panose="02070309020205020404" pitchFamily="49" charset="0"/>
+                <a:cs typeface="Courier New" panose="02070309020205020404" pitchFamily="49" charset="0"/>
+              </a:rPr>
+              <a:t>(</a:t>
+            </a:r>
+            <a:r>
+              <a:rPr lang="en-US" sz="1400" b="1" dirty="0" err="1" smtClean="0">
+                <a:latin typeface="Courier New" panose="02070309020205020404" pitchFamily="49" charset="0"/>
+                <a:cs typeface="Courier New" panose="02070309020205020404" pitchFamily="49" charset="0"/>
+              </a:rPr>
+              <a:t>f.p,data</a:t>
+            </a:r>
+            <a:r>
+              <a:rPr lang="en-US" sz="1400" b="1" dirty="0" smtClean="0">
+                <a:latin typeface="Courier New" panose="02070309020205020404" pitchFamily="49" charset="0"/>
+                <a:cs typeface="Courier New" panose="02070309020205020404" pitchFamily="49" charset="0"/>
+              </a:rPr>
+              <a:t>=iris</a:t>
+            </a:r>
+            <a:r>
+              <a:rPr lang="en-US" sz="1400" b="1" dirty="0">
+                <a:latin typeface="Courier New" panose="02070309020205020404" pitchFamily="49" charset="0"/>
+                <a:cs typeface="Courier New" panose="02070309020205020404" pitchFamily="49" charset="0"/>
+              </a:rPr>
+              <a:t>); </a:t>
+            </a:r>
+          </a:p>
+        </p:txBody>
+      </p:sp>
+      <p:sp>
+        <p:nvSpPr>
+          <p:cNvPr id="4" name="TextBox 3"/>
+          <p:cNvSpPr txBox="1"/>
+          <p:nvPr/>
+        </p:nvSpPr>
+        <p:spPr>
+          <a:xfrm>
+            <a:off x="407323" y="1377369"/>
+            <a:ext cx="11105804" cy="369332"/>
+          </a:xfrm>
+          <a:prstGeom prst="rect">
+            <a:avLst/>
+          </a:prstGeom>
+          <a:noFill/>
+        </p:spPr>
+        <p:txBody>
+          <a:bodyPr wrap="square" rtlCol="0">
+            <a:spAutoFit/>
+          </a:bodyPr>
+          <a:lstStyle/>
+          <a:p>
+            <a:pPr marL="285750" indent="-285750">
+              <a:buFont typeface="Arial" panose="020B0604020202020204" pitchFamily="34" charset="0"/>
+              <a:buChar char="•"/>
+            </a:pPr>
+            <a:r>
+              <a:rPr lang="en-US" dirty="0" err="1" smtClean="0"/>
+              <a:t>Coef</a:t>
+            </a:r>
+            <a:r>
+              <a:rPr lang="en-US" dirty="0" smtClean="0"/>
+              <a:t>(), coefficients() – Will return vector with numerical coefficient estimates (including intercept).</a:t>
+            </a:r>
+            <a:endParaRPr lang="en-US" dirty="0"/>
+          </a:p>
+        </p:txBody>
+      </p:sp>
+      <p:sp>
+        <p:nvSpPr>
+          <p:cNvPr id="5" name="TextBox 4"/>
+          <p:cNvSpPr txBox="1"/>
+          <p:nvPr/>
+        </p:nvSpPr>
+        <p:spPr>
+          <a:xfrm>
+            <a:off x="681643" y="1862761"/>
+            <a:ext cx="2252750" cy="307777"/>
+          </a:xfrm>
+          <a:prstGeom prst="rect">
+            <a:avLst/>
+          </a:prstGeom>
+          <a:noFill/>
+          <a:ln>
+            <a:solidFill>
+              <a:schemeClr val="tx1"/>
+            </a:solidFill>
+          </a:ln>
+        </p:spPr>
+        <p:txBody>
+          <a:bodyPr wrap="square" rtlCol="0">
+            <a:spAutoFit/>
+          </a:bodyPr>
+          <a:lstStyle/>
+          <a:p>
+            <a:r>
+              <a:rPr lang="en-US" sz="1400" b="1" dirty="0" smtClean="0">
+                <a:latin typeface="Courier New" panose="02070309020205020404" pitchFamily="49" charset="0"/>
+                <a:cs typeface="Courier New" panose="02070309020205020404" pitchFamily="49" charset="0"/>
+              </a:rPr>
+              <a:t>R</a:t>
+            </a:r>
+            <a:r>
+              <a:rPr lang="en-US" sz="1400" b="1" dirty="0">
+                <a:latin typeface="Courier New" panose="02070309020205020404" pitchFamily="49" charset="0"/>
+                <a:cs typeface="Courier New" panose="02070309020205020404" pitchFamily="49" charset="0"/>
+              </a:rPr>
+              <a:t>&gt; </a:t>
+            </a:r>
+            <a:r>
+              <a:rPr lang="en-US" sz="1400" b="1" dirty="0" err="1" smtClean="0">
+                <a:latin typeface="Courier New" panose="02070309020205020404" pitchFamily="49" charset="0"/>
+                <a:cs typeface="Courier New" panose="02070309020205020404" pitchFamily="49" charset="0"/>
+              </a:rPr>
+              <a:t>coef</a:t>
+            </a:r>
+            <a:r>
+              <a:rPr lang="en-US" sz="1400" b="1" dirty="0" smtClean="0">
+                <a:latin typeface="Courier New" panose="02070309020205020404" pitchFamily="49" charset="0"/>
+                <a:cs typeface="Courier New" panose="02070309020205020404" pitchFamily="49" charset="0"/>
+              </a:rPr>
+              <a:t>(</a:t>
+            </a:r>
+            <a:r>
+              <a:rPr lang="en-US" sz="1400" b="1" dirty="0" err="1" smtClean="0">
+                <a:latin typeface="Courier New" panose="02070309020205020404" pitchFamily="49" charset="0"/>
+                <a:cs typeface="Courier New" panose="02070309020205020404" pitchFamily="49" charset="0"/>
+              </a:rPr>
+              <a:t>iris.pmod</a:t>
+            </a:r>
+            <a:r>
+              <a:rPr lang="en-US" sz="1400" b="1" dirty="0" smtClean="0">
+                <a:latin typeface="Courier New" panose="02070309020205020404" pitchFamily="49" charset="0"/>
+                <a:cs typeface="Courier New" panose="02070309020205020404" pitchFamily="49" charset="0"/>
+              </a:rPr>
+              <a:t>)</a:t>
+            </a:r>
+            <a:endParaRPr lang="en-US" sz="1400" b="1" dirty="0">
+              <a:latin typeface="Courier New" panose="02070309020205020404" pitchFamily="49" charset="0"/>
+              <a:cs typeface="Courier New" panose="02070309020205020404" pitchFamily="49" charset="0"/>
+            </a:endParaRPr>
+          </a:p>
+        </p:txBody>
+      </p:sp>
+      <p:pic>
+        <p:nvPicPr>
+          <p:cNvPr id="6" name="Picture 5"/>
+          <p:cNvPicPr>
+            <a:picLocks noChangeAspect="1"/>
+          </p:cNvPicPr>
+          <p:nvPr/>
+        </p:nvPicPr>
+        <p:blipFill>
+          <a:blip r:embed="rId2"/>
+          <a:stretch>
+            <a:fillRect/>
+          </a:stretch>
+        </p:blipFill>
+        <p:spPr>
+          <a:xfrm>
+            <a:off x="4565159" y="1788050"/>
+            <a:ext cx="5572125" cy="457200"/>
+          </a:xfrm>
+          <a:prstGeom prst="rect">
+            <a:avLst/>
+          </a:prstGeom>
+        </p:spPr>
+      </p:pic>
+      <p:cxnSp>
+        <p:nvCxnSpPr>
+          <p:cNvPr id="8" name="Straight Arrow Connector 7"/>
+          <p:cNvCxnSpPr>
+            <a:stCxn id="5" idx="3"/>
+            <a:endCxn id="6" idx="1"/>
+          </p:cNvCxnSpPr>
+          <p:nvPr/>
+        </p:nvCxnSpPr>
+        <p:spPr>
+          <a:xfrm>
+            <a:off x="2934393" y="2016650"/>
+            <a:ext cx="1630766" cy="0"/>
+          </a:xfrm>
+          <a:prstGeom prst="straightConnector1">
+            <a:avLst/>
+          </a:prstGeom>
+          <a:ln>
+            <a:solidFill>
+              <a:schemeClr val="bg1">
+                <a:lumMod val="10000"/>
+              </a:schemeClr>
+            </a:solidFill>
+            <a:tailEnd type="triangle"/>
+          </a:ln>
+        </p:spPr>
+        <p:style>
+          <a:lnRef idx="1">
+            <a:schemeClr val="accent1"/>
+          </a:lnRef>
+          <a:fillRef idx="0">
+            <a:schemeClr val="accent1"/>
+          </a:fillRef>
+          <a:effectRef idx="0">
+            <a:schemeClr val="accent1"/>
+          </a:effectRef>
+          <a:fontRef idx="minor">
+            <a:schemeClr val="tx1"/>
+          </a:fontRef>
+        </p:style>
+      </p:cxnSp>
+      <p:sp>
+        <p:nvSpPr>
+          <p:cNvPr id="12" name="TextBox 11"/>
+          <p:cNvSpPr txBox="1"/>
+          <p:nvPr/>
+        </p:nvSpPr>
+        <p:spPr>
+          <a:xfrm>
+            <a:off x="407323" y="2319478"/>
+            <a:ext cx="11105804" cy="369332"/>
+          </a:xfrm>
+          <a:prstGeom prst="rect">
+            <a:avLst/>
+          </a:prstGeom>
+          <a:noFill/>
+        </p:spPr>
+        <p:txBody>
+          <a:bodyPr wrap="square" rtlCol="0">
+            <a:spAutoFit/>
+          </a:bodyPr>
+          <a:lstStyle/>
+          <a:p>
+            <a:pPr marL="285750" indent="-285750">
+              <a:buFont typeface="Arial" panose="020B0604020202020204" pitchFamily="34" charset="0"/>
+              <a:buChar char="•"/>
+            </a:pPr>
+            <a:r>
+              <a:rPr lang="en-US" dirty="0" smtClean="0"/>
+              <a:t>AIC(), BIC(), deviance(), and </a:t>
+            </a:r>
+            <a:r>
+              <a:rPr lang="en-US" dirty="0" err="1" smtClean="0"/>
+              <a:t>logLik</a:t>
+            </a:r>
+            <a:r>
+              <a:rPr lang="en-US" dirty="0" smtClean="0"/>
+              <a:t>() – Will return each of these values for the model.</a:t>
+            </a:r>
+            <a:endParaRPr lang="en-US" dirty="0"/>
+          </a:p>
+        </p:txBody>
+      </p:sp>
+      <p:sp>
+        <p:nvSpPr>
+          <p:cNvPr id="13" name="TextBox 12"/>
+          <p:cNvSpPr txBox="1"/>
+          <p:nvPr/>
+        </p:nvSpPr>
+        <p:spPr>
+          <a:xfrm>
+            <a:off x="681643" y="2791727"/>
+            <a:ext cx="7980218" cy="307777"/>
+          </a:xfrm>
+          <a:prstGeom prst="rect">
+            <a:avLst/>
+          </a:prstGeom>
+          <a:noFill/>
+          <a:ln>
+            <a:solidFill>
+              <a:schemeClr val="tx1"/>
+            </a:solidFill>
+          </a:ln>
+        </p:spPr>
+        <p:txBody>
+          <a:bodyPr wrap="square" rtlCol="0">
+            <a:spAutoFit/>
+          </a:bodyPr>
+          <a:lstStyle/>
+          <a:p>
+            <a:r>
+              <a:rPr lang="en-US" sz="1400" b="1" dirty="0" smtClean="0">
+                <a:latin typeface="Courier New" panose="02070309020205020404" pitchFamily="49" charset="0"/>
+                <a:cs typeface="Courier New" panose="02070309020205020404" pitchFamily="49" charset="0"/>
+              </a:rPr>
+              <a:t>R</a:t>
+            </a:r>
+            <a:r>
+              <a:rPr lang="en-US" sz="1400" b="1" dirty="0">
+                <a:latin typeface="Courier New" panose="02070309020205020404" pitchFamily="49" charset="0"/>
+                <a:cs typeface="Courier New" panose="02070309020205020404" pitchFamily="49" charset="0"/>
+              </a:rPr>
+              <a:t>&gt; </a:t>
+            </a:r>
+            <a:r>
+              <a:rPr lang="en-US" sz="1400" b="1" dirty="0" smtClean="0">
+                <a:latin typeface="Courier New" panose="02070309020205020404" pitchFamily="49" charset="0"/>
+                <a:cs typeface="Courier New" panose="02070309020205020404" pitchFamily="49" charset="0"/>
+              </a:rPr>
+              <a:t>c(AIC(</a:t>
+            </a:r>
+            <a:r>
+              <a:rPr lang="en-US" sz="1400" b="1" dirty="0" err="1" smtClean="0">
+                <a:latin typeface="Courier New" panose="02070309020205020404" pitchFamily="49" charset="0"/>
+                <a:cs typeface="Courier New" panose="02070309020205020404" pitchFamily="49" charset="0"/>
+              </a:rPr>
+              <a:t>iris.pmod</a:t>
+            </a:r>
+            <a:r>
+              <a:rPr lang="en-US" sz="1400" b="1" dirty="0" smtClean="0">
+                <a:latin typeface="Courier New" panose="02070309020205020404" pitchFamily="49" charset="0"/>
+                <a:cs typeface="Courier New" panose="02070309020205020404" pitchFamily="49" charset="0"/>
+              </a:rPr>
+              <a:t>),BIC(</a:t>
+            </a:r>
+            <a:r>
+              <a:rPr lang="en-US" sz="1400" b="1" dirty="0" err="1" smtClean="0">
+                <a:latin typeface="Courier New" panose="02070309020205020404" pitchFamily="49" charset="0"/>
+                <a:cs typeface="Courier New" panose="02070309020205020404" pitchFamily="49" charset="0"/>
+              </a:rPr>
+              <a:t>iris.pmod</a:t>
+            </a:r>
+            <a:r>
+              <a:rPr lang="en-US" sz="1400" b="1" dirty="0" smtClean="0">
+                <a:latin typeface="Courier New" panose="02070309020205020404" pitchFamily="49" charset="0"/>
+                <a:cs typeface="Courier New" panose="02070309020205020404" pitchFamily="49" charset="0"/>
+              </a:rPr>
+              <a:t>),deviance(</a:t>
+            </a:r>
+            <a:r>
+              <a:rPr lang="en-US" sz="1400" b="1" dirty="0" err="1" smtClean="0">
+                <a:latin typeface="Courier New" panose="02070309020205020404" pitchFamily="49" charset="0"/>
+                <a:cs typeface="Courier New" panose="02070309020205020404" pitchFamily="49" charset="0"/>
+              </a:rPr>
+              <a:t>iris.pmod</a:t>
+            </a:r>
+            <a:r>
+              <a:rPr lang="en-US" sz="1400" b="1" dirty="0" smtClean="0">
+                <a:latin typeface="Courier New" panose="02070309020205020404" pitchFamily="49" charset="0"/>
+                <a:cs typeface="Courier New" panose="02070309020205020404" pitchFamily="49" charset="0"/>
+              </a:rPr>
+              <a:t>),</a:t>
+            </a:r>
+            <a:r>
+              <a:rPr lang="en-US" sz="1400" b="1" dirty="0" err="1" smtClean="0">
+                <a:latin typeface="Courier New" panose="02070309020205020404" pitchFamily="49" charset="0"/>
+                <a:cs typeface="Courier New" panose="02070309020205020404" pitchFamily="49" charset="0"/>
+              </a:rPr>
+              <a:t>logLik</a:t>
+            </a:r>
+            <a:r>
+              <a:rPr lang="en-US" sz="1400" b="1" dirty="0" smtClean="0">
+                <a:latin typeface="Courier New" panose="02070309020205020404" pitchFamily="49" charset="0"/>
+                <a:cs typeface="Courier New" panose="02070309020205020404" pitchFamily="49" charset="0"/>
+              </a:rPr>
+              <a:t>(</a:t>
+            </a:r>
+            <a:r>
+              <a:rPr lang="en-US" sz="1400" b="1" dirty="0" err="1" smtClean="0">
+                <a:latin typeface="Courier New" panose="02070309020205020404" pitchFamily="49" charset="0"/>
+                <a:cs typeface="Courier New" panose="02070309020205020404" pitchFamily="49" charset="0"/>
+              </a:rPr>
+              <a:t>iris.pmod</a:t>
+            </a:r>
+            <a:r>
+              <a:rPr lang="en-US" sz="1400" b="1" dirty="0" smtClean="0">
+                <a:latin typeface="Courier New" panose="02070309020205020404" pitchFamily="49" charset="0"/>
+                <a:cs typeface="Courier New" panose="02070309020205020404" pitchFamily="49" charset="0"/>
+              </a:rPr>
+              <a:t>))</a:t>
+            </a:r>
+            <a:endParaRPr lang="en-US" sz="1400" b="1" dirty="0">
+              <a:latin typeface="Courier New" panose="02070309020205020404" pitchFamily="49" charset="0"/>
+              <a:cs typeface="Courier New" panose="02070309020205020404" pitchFamily="49" charset="0"/>
+            </a:endParaRPr>
+          </a:p>
+        </p:txBody>
+      </p:sp>
+      <p:pic>
+        <p:nvPicPr>
+          <p:cNvPr id="15" name="Picture 14"/>
+          <p:cNvPicPr>
+            <a:picLocks noChangeAspect="1"/>
+          </p:cNvPicPr>
+          <p:nvPr/>
+        </p:nvPicPr>
+        <p:blipFill>
+          <a:blip r:embed="rId3"/>
+          <a:stretch>
+            <a:fillRect/>
+          </a:stretch>
+        </p:blipFill>
+        <p:spPr>
+          <a:xfrm>
+            <a:off x="9163743" y="2700337"/>
+            <a:ext cx="2476500" cy="485775"/>
+          </a:xfrm>
+          <a:prstGeom prst="rect">
+            <a:avLst/>
+          </a:prstGeom>
+        </p:spPr>
+      </p:pic>
+      <p:cxnSp>
+        <p:nvCxnSpPr>
+          <p:cNvPr id="17" name="Straight Arrow Connector 16"/>
+          <p:cNvCxnSpPr>
+            <a:stCxn id="13" idx="3"/>
+            <a:endCxn id="15" idx="1"/>
+          </p:cNvCxnSpPr>
+          <p:nvPr/>
+        </p:nvCxnSpPr>
+        <p:spPr>
+          <a:xfrm flipV="1">
+            <a:off x="8661861" y="2943225"/>
+            <a:ext cx="501882" cy="2391"/>
+          </a:xfrm>
+          <a:prstGeom prst="straightConnector1">
+            <a:avLst/>
+          </a:prstGeom>
+          <a:ln>
+            <a:solidFill>
+              <a:schemeClr val="bg1">
+                <a:lumMod val="10000"/>
+              </a:schemeClr>
+            </a:solidFill>
+            <a:tailEnd type="triangle"/>
+          </a:ln>
+        </p:spPr>
+        <p:style>
+          <a:lnRef idx="1">
+            <a:schemeClr val="accent1"/>
+          </a:lnRef>
+          <a:fillRef idx="0">
+            <a:schemeClr val="accent1"/>
+          </a:fillRef>
+          <a:effectRef idx="0">
+            <a:schemeClr val="accent1"/>
+          </a:effectRef>
+          <a:fontRef idx="minor">
+            <a:schemeClr val="tx1"/>
+          </a:fontRef>
+        </p:style>
+      </p:cxnSp>
+      <p:sp>
+        <p:nvSpPr>
+          <p:cNvPr id="20" name="TextBox 19"/>
+          <p:cNvSpPr txBox="1"/>
+          <p:nvPr/>
+        </p:nvSpPr>
+        <p:spPr>
+          <a:xfrm>
+            <a:off x="407323" y="3352366"/>
+            <a:ext cx="11488190" cy="2585323"/>
+          </a:xfrm>
+          <a:prstGeom prst="rect">
+            <a:avLst/>
+          </a:prstGeom>
+          <a:noFill/>
+        </p:spPr>
+        <p:txBody>
+          <a:bodyPr wrap="square" rtlCol="0">
+            <a:spAutoFit/>
+          </a:bodyPr>
+          <a:lstStyle/>
+          <a:p>
+            <a:pPr marL="285750" indent="-285750">
+              <a:buFont typeface="Arial" panose="020B0604020202020204" pitchFamily="34" charset="0"/>
+              <a:buChar char="•"/>
+            </a:pPr>
+            <a:r>
+              <a:rPr lang="en-US" dirty="0" err="1" smtClean="0"/>
+              <a:t>Aov</a:t>
+            </a:r>
+            <a:r>
+              <a:rPr lang="en-US" dirty="0" smtClean="0"/>
+              <a:t>(), </a:t>
+            </a:r>
+            <a:r>
+              <a:rPr lang="en-US" dirty="0" err="1" smtClean="0"/>
+              <a:t>anova</a:t>
+            </a:r>
+            <a:r>
+              <a:rPr lang="en-US" dirty="0" smtClean="0"/>
+              <a:t>(). – give information about the analysis of variance (or deviance) in the model.</a:t>
+            </a:r>
+          </a:p>
+          <a:p>
+            <a:pPr marL="285750" indent="-285750">
+              <a:buFont typeface="Arial" panose="020B0604020202020204" pitchFamily="34" charset="0"/>
+              <a:buChar char="•"/>
+            </a:pPr>
+            <a:r>
+              <a:rPr lang="en-US" dirty="0" err="1" smtClean="0"/>
+              <a:t>fitted.values</a:t>
+            </a:r>
+            <a:r>
+              <a:rPr lang="en-US" dirty="0" smtClean="0"/>
+              <a:t>(). – provides a vector with estimates of the dependent effect for each observation used in estimation.</a:t>
+            </a:r>
+          </a:p>
+          <a:p>
+            <a:pPr marL="285750" indent="-285750">
+              <a:buFont typeface="Arial" panose="020B0604020202020204" pitchFamily="34" charset="0"/>
+              <a:buChar char="•"/>
+            </a:pPr>
+            <a:r>
+              <a:rPr lang="en-US" dirty="0" err="1" smtClean="0"/>
+              <a:t>Resid</a:t>
+            </a:r>
+            <a:r>
+              <a:rPr lang="en-US" dirty="0" smtClean="0"/>
+              <a:t>(), residuals(). – gives the true value minus the predicted value for all observations used in the estimation. </a:t>
+            </a:r>
+          </a:p>
+          <a:p>
+            <a:pPr marL="285750" indent="-285750">
+              <a:buFont typeface="Arial" panose="020B0604020202020204" pitchFamily="34" charset="0"/>
+              <a:buChar char="•"/>
+            </a:pPr>
+            <a:r>
+              <a:rPr lang="en-US" dirty="0" err="1" smtClean="0"/>
+              <a:t>Confint</a:t>
+            </a:r>
+            <a:r>
+              <a:rPr lang="en-US" dirty="0" smtClean="0"/>
+              <a:t>(). – produce confidence intervals for estimated effects using profile likelihood</a:t>
+            </a:r>
+          </a:p>
+          <a:p>
+            <a:pPr marL="285750" indent="-285750">
+              <a:buFont typeface="Arial" panose="020B0604020202020204" pitchFamily="34" charset="0"/>
+              <a:buChar char="•"/>
+            </a:pPr>
+            <a:r>
+              <a:rPr lang="en-US" dirty="0" err="1" smtClean="0"/>
+              <a:t>Case.names</a:t>
+            </a:r>
+            <a:r>
+              <a:rPr lang="en-US" dirty="0" smtClean="0"/>
+              <a:t>(), </a:t>
+            </a:r>
+            <a:r>
+              <a:rPr lang="en-US" dirty="0" err="1" smtClean="0"/>
+              <a:t>variable.names</a:t>
+            </a:r>
+            <a:r>
+              <a:rPr lang="en-US" dirty="0" smtClean="0"/>
+              <a:t>() – retrieve the row and column names used in training the model. </a:t>
+            </a:r>
+          </a:p>
+          <a:p>
+            <a:pPr marL="285750" indent="-285750">
+              <a:buFont typeface="Arial" panose="020B0604020202020204" pitchFamily="34" charset="0"/>
+              <a:buChar char="•"/>
+            </a:pPr>
+            <a:r>
+              <a:rPr lang="en-US" dirty="0" err="1" smtClean="0"/>
+              <a:t>Influence.measures</a:t>
+            </a:r>
+            <a:r>
+              <a:rPr lang="en-US" dirty="0" smtClean="0"/>
+              <a:t>() – Retrieve matrix with measures of how influential each observation was on overall estimation</a:t>
+            </a:r>
+          </a:p>
+          <a:p>
+            <a:pPr marL="285750" indent="-285750">
+              <a:buFont typeface="Arial" panose="020B0604020202020204" pitchFamily="34" charset="0"/>
+              <a:buChar char="•"/>
+            </a:pPr>
+            <a:r>
+              <a:rPr lang="en-US" dirty="0" err="1" smtClean="0"/>
+              <a:t>Model.frame</a:t>
+            </a:r>
+            <a:r>
+              <a:rPr lang="en-US" dirty="0" smtClean="0"/>
+              <a:t>(), - </a:t>
+            </a:r>
+            <a:r>
+              <a:rPr lang="en-US" dirty="0" err="1" smtClean="0"/>
+              <a:t>dataframe</a:t>
+            </a:r>
+            <a:r>
+              <a:rPr lang="en-US" dirty="0" smtClean="0"/>
+              <a:t> originally used to train model </a:t>
+            </a:r>
+          </a:p>
+          <a:p>
+            <a:pPr marL="285750" indent="-285750">
+              <a:buFont typeface="Arial" panose="020B0604020202020204" pitchFamily="34" charset="0"/>
+              <a:buChar char="•"/>
+            </a:pPr>
+            <a:r>
+              <a:rPr lang="en-US" dirty="0" err="1" smtClean="0"/>
+              <a:t>Model.matrix</a:t>
+            </a:r>
+            <a:r>
+              <a:rPr lang="en-US" dirty="0" smtClean="0"/>
+              <a:t>(),- </a:t>
+            </a:r>
+            <a:r>
+              <a:rPr lang="en-US" dirty="0" err="1" smtClean="0"/>
+              <a:t>dataframe</a:t>
+            </a:r>
+            <a:r>
+              <a:rPr lang="en-US" dirty="0" smtClean="0"/>
+              <a:t> with training variables (and all 1’s column for intercept – </a:t>
+            </a:r>
+            <a:r>
+              <a:rPr lang="en-US" dirty="0" err="1" smtClean="0"/>
+              <a:t>desing</a:t>
+            </a:r>
+            <a:r>
+              <a:rPr lang="en-US" dirty="0" smtClean="0"/>
+              <a:t> matrix) </a:t>
+            </a:r>
+          </a:p>
+          <a:p>
+            <a:pPr marL="285750" indent="-285750">
+              <a:buFont typeface="Arial" panose="020B0604020202020204" pitchFamily="34" charset="0"/>
+              <a:buChar char="•"/>
+            </a:pPr>
+            <a:endParaRPr lang="en-US" dirty="0"/>
+          </a:p>
+        </p:txBody>
+      </p:sp>
+    </p:spTree>
+    <p:extLst>
+      <p:ext uri="{BB962C8B-B14F-4D97-AF65-F5344CB8AC3E}">
+        <p14:creationId xmlns:p14="http://schemas.microsoft.com/office/powerpoint/2010/main" val="2964897334"/>
+      </p:ext>
+    </p:extLst>
+  </p:cSld>
+  <p:clrMapOvr>
+    <a:masterClrMapping/>
+  </p:clrMapOvr>
+</p:sld>
+</file>
+
+<file path=ppt/slides/slide31.xml><?xml version="1.0" encoding="utf-8"?>
+<p:sld xmlns:a="http://schemas.openxmlformats.org/drawingml/2006/main" xmlns:r="http://schemas.openxmlformats.org/officeDocument/2006/relationships" xmlns:p="http://schemas.openxmlformats.org/presentationml/2006/main">
+  <p:cSld>
+    <p:spTree>
+      <p:nvGrpSpPr>
+        <p:cNvPr id="1" name=""/>
+        <p:cNvGrpSpPr/>
+        <p:nvPr/>
+      </p:nvGrpSpPr>
+      <p:grpSpPr>
+        <a:xfrm>
+          <a:off x="0" y="0"/>
+          <a:ext cx="0" cy="0"/>
+          <a:chOff x="0" y="0"/>
+          <a:chExt cx="0" cy="0"/>
+        </a:xfrm>
+      </p:grpSpPr>
+      <p:sp>
+        <p:nvSpPr>
+          <p:cNvPr id="2" name="Title 1">
+            <a:extLst>
+              <a:ext uri="{FF2B5EF4-FFF2-40B4-BE49-F238E27FC236}">
+                <a16:creationId xmlns:a16="http://schemas.microsoft.com/office/drawing/2014/main" id="{636FB483-8A01-854E-9BBE-55E0C355A79B}"/>
+              </a:ext>
+            </a:extLst>
+          </p:cNvPr>
+          <p:cNvSpPr txBox="1">
+            <a:spLocks/>
+          </p:cNvSpPr>
+          <p:nvPr/>
+        </p:nvSpPr>
+        <p:spPr>
+          <a:xfrm>
+            <a:off x="292557" y="283221"/>
+            <a:ext cx="11445014" cy="656493"/>
+          </a:xfrm>
+          <a:prstGeom prst="rect">
+            <a:avLst/>
+          </a:prstGeom>
+        </p:spPr>
+        <p:txBody>
+          <a:bodyPr/>
+          <a:lstStyle>
+            <a:lvl1pPr algn="l" defTabSz="914400" rtl="0" eaLnBrk="1" latinLnBrk="0" hangingPunct="1">
+              <a:lnSpc>
+                <a:spcPct val="90000"/>
+              </a:lnSpc>
+              <a:spcBef>
+                <a:spcPct val="0"/>
+              </a:spcBef>
+              <a:buNone/>
+              <a:defRPr sz="2800" b="1" kern="1200">
+                <a:solidFill>
+                  <a:schemeClr val="tx1"/>
+                </a:solidFill>
+                <a:latin typeface="Helvetica" pitchFamily="2" charset="0"/>
+                <a:ea typeface="+mj-ea"/>
+                <a:cs typeface="+mj-cs"/>
+              </a:defRPr>
+            </a:lvl1pPr>
+          </a:lstStyle>
+          <a:p>
+            <a:r>
+              <a:rPr lang="en-US" dirty="0" smtClean="0">
+                <a:latin typeface="Times New Roman" panose="02020603050405020304" pitchFamily="18" charset="0"/>
+                <a:cs typeface="Times New Roman" panose="02020603050405020304" pitchFamily="18" charset="0"/>
+              </a:rPr>
+              <a:t>Functions for Extracting Information from </a:t>
+            </a:r>
+            <a:r>
+              <a:rPr lang="en-US" dirty="0" err="1" smtClean="0">
+                <a:latin typeface="Times New Roman" panose="02020603050405020304" pitchFamily="18" charset="0"/>
+                <a:cs typeface="Times New Roman" panose="02020603050405020304" pitchFamily="18" charset="0"/>
+              </a:rPr>
+              <a:t>glm</a:t>
+            </a:r>
+            <a:r>
+              <a:rPr lang="en-US" dirty="0" smtClean="0">
+                <a:latin typeface="Times New Roman" panose="02020603050405020304" pitchFamily="18" charset="0"/>
+                <a:cs typeface="Times New Roman" panose="02020603050405020304" pitchFamily="18" charset="0"/>
+              </a:rPr>
+              <a:t> objects (continued)</a:t>
+            </a:r>
+            <a:endParaRPr lang="en-US" dirty="0">
+              <a:latin typeface="Times New Roman" panose="02020603050405020304" pitchFamily="18" charset="0"/>
+              <a:cs typeface="Times New Roman" panose="02020603050405020304" pitchFamily="18" charset="0"/>
+            </a:endParaRPr>
+          </a:p>
+        </p:txBody>
+      </p:sp>
+      <p:sp>
+        <p:nvSpPr>
+          <p:cNvPr id="20" name="TextBox 19"/>
+          <p:cNvSpPr txBox="1"/>
+          <p:nvPr/>
+        </p:nvSpPr>
+        <p:spPr>
+          <a:xfrm>
+            <a:off x="407323" y="841923"/>
+            <a:ext cx="11488190" cy="2031325"/>
+          </a:xfrm>
+          <a:prstGeom prst="rect">
+            <a:avLst/>
+          </a:prstGeom>
+          <a:noFill/>
+        </p:spPr>
+        <p:txBody>
+          <a:bodyPr wrap="square" rtlCol="0">
+            <a:spAutoFit/>
+          </a:bodyPr>
+          <a:lstStyle/>
+          <a:p>
+            <a:pPr marL="285750" indent="-285750">
+              <a:buFont typeface="Arial" panose="020B0604020202020204" pitchFamily="34" charset="0"/>
+              <a:buChar char="•"/>
+            </a:pPr>
+            <a:r>
+              <a:rPr lang="en-US" dirty="0" smtClean="0"/>
+              <a:t>Effects(), - get the effects (for all terms in the model, and the resulting orthogonal effects (for residuals))</a:t>
+            </a:r>
+          </a:p>
+          <a:p>
+            <a:pPr marL="285750" indent="-285750">
+              <a:buFont typeface="Arial" panose="020B0604020202020204" pitchFamily="34" charset="0"/>
+              <a:buChar char="•"/>
+            </a:pPr>
+            <a:r>
+              <a:rPr lang="en-US" dirty="0" err="1" smtClean="0"/>
+              <a:t>Proj</a:t>
+            </a:r>
+            <a:r>
+              <a:rPr lang="en-US" dirty="0" smtClean="0"/>
+              <a:t>(), - Will produce projections (evaluated or </a:t>
+            </a:r>
+            <a:r>
+              <a:rPr lang="en-US" dirty="0" err="1" smtClean="0"/>
+              <a:t>fitted.values</a:t>
+            </a:r>
+            <a:r>
+              <a:rPr lang="en-US" dirty="0" smtClean="0"/>
+              <a:t> in </a:t>
+            </a:r>
+            <a:r>
+              <a:rPr lang="en-US" dirty="0" err="1" smtClean="0"/>
+              <a:t>glm</a:t>
+            </a:r>
+            <a:r>
+              <a:rPr lang="en-US" dirty="0" smtClean="0"/>
+              <a:t>) for all modeled data. </a:t>
+            </a:r>
+          </a:p>
+          <a:p>
+            <a:pPr marL="285750" indent="-285750">
+              <a:buFont typeface="Arial" panose="020B0604020202020204" pitchFamily="34" charset="0"/>
+              <a:buChar char="•"/>
+            </a:pPr>
+            <a:r>
+              <a:rPr lang="en-US" dirty="0" err="1" smtClean="0"/>
+              <a:t>Vcov</a:t>
+            </a:r>
+            <a:r>
+              <a:rPr lang="en-US" dirty="0" smtClean="0"/>
+              <a:t>(), - Get the variance covariance matrix for the model terms. </a:t>
+            </a:r>
+          </a:p>
+          <a:p>
+            <a:pPr marL="285750" indent="-285750">
+              <a:buFont typeface="Arial" panose="020B0604020202020204" pitchFamily="34" charset="0"/>
+              <a:buChar char="•"/>
+            </a:pPr>
+            <a:r>
+              <a:rPr lang="en-US" dirty="0" smtClean="0"/>
+              <a:t>Weights(), - extract weights (should be all ones in linear models such as this). </a:t>
+            </a:r>
+          </a:p>
+          <a:p>
+            <a:pPr marL="285750" indent="-285750">
+              <a:buFont typeface="Arial" panose="020B0604020202020204" pitchFamily="34" charset="0"/>
+              <a:buChar char="•"/>
+            </a:pPr>
+            <a:r>
+              <a:rPr lang="en-US" dirty="0" err="1" smtClean="0"/>
+              <a:t>Confint</a:t>
+            </a:r>
+            <a:r>
+              <a:rPr lang="en-US" dirty="0" smtClean="0"/>
+              <a:t>(),- assumes normality + builds confidence intervals correspondingly if </a:t>
+            </a:r>
+            <a:r>
+              <a:rPr lang="en-US" dirty="0" err="1" smtClean="0"/>
+              <a:t>vcov</a:t>
+            </a:r>
+            <a:r>
+              <a:rPr lang="en-US" dirty="0" smtClean="0"/>
+              <a:t> and </a:t>
+            </a:r>
+            <a:r>
+              <a:rPr lang="en-US" dirty="0" err="1" smtClean="0"/>
+              <a:t>coef</a:t>
+            </a:r>
+            <a:r>
+              <a:rPr lang="en-US" dirty="0" smtClean="0"/>
+              <a:t> functions available for object.</a:t>
+            </a:r>
+          </a:p>
+          <a:p>
+            <a:pPr marL="285750" indent="-285750">
+              <a:buFont typeface="Arial" panose="020B0604020202020204" pitchFamily="34" charset="0"/>
+              <a:buChar char="•"/>
+            </a:pPr>
+            <a:endParaRPr lang="en-US" dirty="0"/>
+          </a:p>
+        </p:txBody>
+      </p:sp>
+      <p:sp>
+        <p:nvSpPr>
+          <p:cNvPr id="14" name="TextBox 13"/>
+          <p:cNvSpPr txBox="1"/>
+          <p:nvPr/>
+        </p:nvSpPr>
+        <p:spPr>
+          <a:xfrm>
+            <a:off x="1088966" y="2914218"/>
+            <a:ext cx="2427317" cy="307777"/>
+          </a:xfrm>
+          <a:prstGeom prst="rect">
+            <a:avLst/>
+          </a:prstGeom>
+          <a:noFill/>
+          <a:ln>
+            <a:solidFill>
+              <a:schemeClr val="tx1"/>
+            </a:solidFill>
+          </a:ln>
+        </p:spPr>
+        <p:txBody>
+          <a:bodyPr wrap="square" rtlCol="0">
+            <a:spAutoFit/>
+          </a:bodyPr>
+          <a:lstStyle/>
+          <a:p>
+            <a:r>
+              <a:rPr lang="en-US" sz="1400" b="1" dirty="0" smtClean="0">
+                <a:latin typeface="Courier New" panose="02070309020205020404" pitchFamily="49" charset="0"/>
+                <a:cs typeface="Courier New" panose="02070309020205020404" pitchFamily="49" charset="0"/>
+              </a:rPr>
+              <a:t>R</a:t>
+            </a:r>
+            <a:r>
+              <a:rPr lang="en-US" sz="1400" b="1" dirty="0" smtClean="0">
+                <a:latin typeface="Courier New" panose="02070309020205020404" pitchFamily="49" charset="0"/>
+                <a:cs typeface="Courier New" panose="02070309020205020404" pitchFamily="49" charset="0"/>
+              </a:rPr>
+              <a:t>&gt; </a:t>
+            </a:r>
+            <a:r>
+              <a:rPr lang="en-US" sz="1400" b="1" dirty="0" err="1" smtClean="0">
+                <a:latin typeface="Courier New" panose="02070309020205020404" pitchFamily="49" charset="0"/>
+                <a:cs typeface="Courier New" panose="02070309020205020404" pitchFamily="49" charset="0"/>
+              </a:rPr>
+              <a:t>confint</a:t>
+            </a:r>
+            <a:r>
+              <a:rPr lang="en-US" sz="1400" b="1" dirty="0" smtClean="0">
+                <a:latin typeface="Courier New" panose="02070309020205020404" pitchFamily="49" charset="0"/>
+                <a:cs typeface="Courier New" panose="02070309020205020404" pitchFamily="49" charset="0"/>
+              </a:rPr>
+              <a:t>(</a:t>
+            </a:r>
+            <a:r>
+              <a:rPr lang="en-US" sz="1400" b="1" dirty="0" err="1" smtClean="0">
+                <a:latin typeface="Courier New" panose="02070309020205020404" pitchFamily="49" charset="0"/>
+                <a:cs typeface="Courier New" panose="02070309020205020404" pitchFamily="49" charset="0"/>
+              </a:rPr>
+              <a:t>iris.pmod</a:t>
+            </a:r>
+            <a:r>
+              <a:rPr lang="en-US" sz="1400" b="1" dirty="0" smtClean="0">
+                <a:latin typeface="Courier New" panose="02070309020205020404" pitchFamily="49" charset="0"/>
+                <a:cs typeface="Courier New" panose="02070309020205020404" pitchFamily="49" charset="0"/>
+              </a:rPr>
+              <a:t>)</a:t>
+            </a:r>
+            <a:endParaRPr lang="en-US" sz="1400" b="1" dirty="0">
+              <a:latin typeface="Courier New" panose="02070309020205020404" pitchFamily="49" charset="0"/>
+              <a:cs typeface="Courier New" panose="02070309020205020404" pitchFamily="49" charset="0"/>
+            </a:endParaRPr>
+          </a:p>
+        </p:txBody>
+      </p:sp>
+      <p:pic>
+        <p:nvPicPr>
+          <p:cNvPr id="7" name="Picture 6"/>
+          <p:cNvPicPr>
+            <a:picLocks noChangeAspect="1"/>
+          </p:cNvPicPr>
+          <p:nvPr/>
+        </p:nvPicPr>
+        <p:blipFill>
+          <a:blip r:embed="rId2"/>
+          <a:stretch>
+            <a:fillRect/>
+          </a:stretch>
+        </p:blipFill>
+        <p:spPr>
+          <a:xfrm>
+            <a:off x="4252912" y="2548994"/>
+            <a:ext cx="3686175" cy="1038225"/>
+          </a:xfrm>
+          <a:prstGeom prst="rect">
+            <a:avLst/>
+          </a:prstGeom>
+        </p:spPr>
+      </p:pic>
+      <p:cxnSp>
+        <p:nvCxnSpPr>
+          <p:cNvPr id="10" name="Straight Arrow Connector 9"/>
+          <p:cNvCxnSpPr>
+            <a:stCxn id="14" idx="3"/>
+            <a:endCxn id="7" idx="1"/>
+          </p:cNvCxnSpPr>
+          <p:nvPr/>
+        </p:nvCxnSpPr>
+        <p:spPr>
+          <a:xfrm>
+            <a:off x="3516283" y="3068107"/>
+            <a:ext cx="736629" cy="0"/>
+          </a:xfrm>
+          <a:prstGeom prst="straightConnector1">
+            <a:avLst/>
+          </a:prstGeom>
+          <a:ln>
+            <a:solidFill>
+              <a:schemeClr val="bg1">
+                <a:lumMod val="10000"/>
+              </a:schemeClr>
+            </a:solidFill>
+            <a:tailEnd type="triangle"/>
+          </a:ln>
+        </p:spPr>
+        <p:style>
+          <a:lnRef idx="1">
+            <a:schemeClr val="accent1"/>
+          </a:lnRef>
+          <a:fillRef idx="0">
+            <a:schemeClr val="accent1"/>
+          </a:fillRef>
+          <a:effectRef idx="0">
+            <a:schemeClr val="accent1"/>
+          </a:effectRef>
+          <a:fontRef idx="minor">
+            <a:schemeClr val="tx1"/>
+          </a:fontRef>
+        </p:style>
+      </p:cxnSp>
+      <p:pic>
+        <p:nvPicPr>
+          <p:cNvPr id="11" name="Picture 10"/>
+          <p:cNvPicPr>
+            <a:picLocks noChangeAspect="1"/>
+          </p:cNvPicPr>
+          <p:nvPr/>
+        </p:nvPicPr>
+        <p:blipFill>
+          <a:blip r:embed="rId3"/>
+          <a:stretch>
+            <a:fillRect/>
+          </a:stretch>
+        </p:blipFill>
+        <p:spPr>
+          <a:xfrm>
+            <a:off x="4252912" y="4708379"/>
+            <a:ext cx="6924675" cy="1057275"/>
+          </a:xfrm>
+          <a:prstGeom prst="rect">
+            <a:avLst/>
+          </a:prstGeom>
+        </p:spPr>
+      </p:pic>
+      <p:sp>
+        <p:nvSpPr>
+          <p:cNvPr id="18" name="TextBox 17"/>
+          <p:cNvSpPr txBox="1"/>
+          <p:nvPr/>
+        </p:nvSpPr>
+        <p:spPr>
+          <a:xfrm>
+            <a:off x="1199803" y="5083128"/>
+            <a:ext cx="2116976" cy="307777"/>
+          </a:xfrm>
+          <a:prstGeom prst="rect">
+            <a:avLst/>
+          </a:prstGeom>
+          <a:noFill/>
+          <a:ln>
+            <a:solidFill>
+              <a:schemeClr val="tx1"/>
+            </a:solidFill>
+          </a:ln>
+        </p:spPr>
+        <p:txBody>
+          <a:bodyPr wrap="square" rtlCol="0">
+            <a:spAutoFit/>
+          </a:bodyPr>
+          <a:lstStyle/>
+          <a:p>
+            <a:r>
+              <a:rPr lang="en-US" sz="1400" b="1" dirty="0" smtClean="0">
+                <a:latin typeface="Courier New" panose="02070309020205020404" pitchFamily="49" charset="0"/>
+                <a:cs typeface="Courier New" panose="02070309020205020404" pitchFamily="49" charset="0"/>
+              </a:rPr>
+              <a:t>R</a:t>
+            </a:r>
+            <a:r>
+              <a:rPr lang="en-US" sz="1400" b="1" dirty="0" smtClean="0">
+                <a:latin typeface="Courier New" panose="02070309020205020404" pitchFamily="49" charset="0"/>
+                <a:cs typeface="Courier New" panose="02070309020205020404" pitchFamily="49" charset="0"/>
+              </a:rPr>
+              <a:t>&gt; </a:t>
+            </a:r>
+            <a:r>
+              <a:rPr lang="en-US" sz="1400" b="1" dirty="0" err="1" smtClean="0">
+                <a:latin typeface="Courier New" panose="02070309020205020404" pitchFamily="49" charset="0"/>
+                <a:cs typeface="Courier New" panose="02070309020205020404" pitchFamily="49" charset="0"/>
+              </a:rPr>
+              <a:t>vcov</a:t>
+            </a:r>
+            <a:r>
+              <a:rPr lang="en-US" sz="1400" b="1" dirty="0" smtClean="0">
+                <a:latin typeface="Courier New" panose="02070309020205020404" pitchFamily="49" charset="0"/>
+                <a:cs typeface="Courier New" panose="02070309020205020404" pitchFamily="49" charset="0"/>
+              </a:rPr>
+              <a:t>(</a:t>
+            </a:r>
+            <a:r>
+              <a:rPr lang="en-US" sz="1400" b="1" dirty="0" err="1" smtClean="0">
+                <a:latin typeface="Courier New" panose="02070309020205020404" pitchFamily="49" charset="0"/>
+                <a:cs typeface="Courier New" panose="02070309020205020404" pitchFamily="49" charset="0"/>
+              </a:rPr>
+              <a:t>iris.pmod</a:t>
+            </a:r>
+            <a:r>
+              <a:rPr lang="en-US" sz="1400" b="1" dirty="0" smtClean="0">
+                <a:latin typeface="Courier New" panose="02070309020205020404" pitchFamily="49" charset="0"/>
+                <a:cs typeface="Courier New" panose="02070309020205020404" pitchFamily="49" charset="0"/>
+              </a:rPr>
+              <a:t>)</a:t>
+            </a:r>
+            <a:endParaRPr lang="en-US" sz="1400" b="1" dirty="0">
+              <a:latin typeface="Courier New" panose="02070309020205020404" pitchFamily="49" charset="0"/>
+              <a:cs typeface="Courier New" panose="02070309020205020404" pitchFamily="49" charset="0"/>
+            </a:endParaRPr>
+          </a:p>
+        </p:txBody>
+      </p:sp>
+      <p:cxnSp>
+        <p:nvCxnSpPr>
+          <p:cNvPr id="19" name="Straight Arrow Connector 18"/>
+          <p:cNvCxnSpPr>
+            <a:stCxn id="18" idx="3"/>
+            <a:endCxn id="11" idx="1"/>
+          </p:cNvCxnSpPr>
+          <p:nvPr/>
+        </p:nvCxnSpPr>
+        <p:spPr>
+          <a:xfrm>
+            <a:off x="3316779" y="5237017"/>
+            <a:ext cx="936133" cy="0"/>
+          </a:xfrm>
+          <a:prstGeom prst="straightConnector1">
+            <a:avLst/>
+          </a:prstGeom>
+          <a:ln>
+            <a:solidFill>
+              <a:schemeClr val="bg1">
+                <a:lumMod val="10000"/>
+              </a:schemeClr>
+            </a:solidFill>
+            <a:tailEnd type="triangle"/>
+          </a:ln>
+        </p:spPr>
+        <p:style>
+          <a:lnRef idx="1">
+            <a:schemeClr val="accent1"/>
+          </a:lnRef>
+          <a:fillRef idx="0">
+            <a:schemeClr val="accent1"/>
+          </a:fillRef>
+          <a:effectRef idx="0">
+            <a:schemeClr val="accent1"/>
+          </a:effectRef>
+          <a:fontRef idx="minor">
+            <a:schemeClr val="tx1"/>
+          </a:fontRef>
+        </p:style>
+      </p:cxnSp>
+      <p:sp>
+        <p:nvSpPr>
+          <p:cNvPr id="26" name="TextBox 25"/>
+          <p:cNvSpPr txBox="1"/>
+          <p:nvPr/>
+        </p:nvSpPr>
+        <p:spPr>
+          <a:xfrm>
+            <a:off x="540327" y="3699720"/>
+            <a:ext cx="11421688" cy="923330"/>
+          </a:xfrm>
+          <a:prstGeom prst="rect">
+            <a:avLst/>
+          </a:prstGeom>
+          <a:noFill/>
+        </p:spPr>
+        <p:txBody>
+          <a:bodyPr wrap="square" rtlCol="0">
+            <a:spAutoFit/>
+          </a:bodyPr>
+          <a:lstStyle/>
+          <a:p>
+            <a:r>
+              <a:rPr lang="en-US" i="1" dirty="0" smtClean="0">
+                <a:solidFill>
+                  <a:schemeClr val="accent1"/>
+                </a:solidFill>
+              </a:rPr>
+              <a:t>“We are 95% confident for irises the true average change in Sepal Length will be an increase of between 0.598 and 0.820 cm per centimeter of Petal Length”</a:t>
+            </a:r>
+          </a:p>
+          <a:p>
+            <a:r>
+              <a:rPr lang="en-US" dirty="0" smtClean="0"/>
+              <a:t>-- Confidence is in the procedure used to arrive at the interval estimates. </a:t>
+            </a:r>
+            <a:endParaRPr lang="en-US" dirty="0"/>
+          </a:p>
+        </p:txBody>
+      </p:sp>
+    </p:spTree>
+    <p:extLst>
+      <p:ext uri="{BB962C8B-B14F-4D97-AF65-F5344CB8AC3E}">
+        <p14:creationId xmlns:p14="http://schemas.microsoft.com/office/powerpoint/2010/main" val="2455549234"/>
+      </p:ext>
+    </p:extLst>
+  </p:cSld>
+  <p:clrMapOvr>
+    <a:masterClrMapping/>
+  </p:clrMapOvr>
+</p:sld>
+</file>
+
+<file path=ppt/slides/slide32.xml><?xml version="1.0" encoding="utf-8"?>
+<p:sld xmlns:a="http://schemas.openxmlformats.org/drawingml/2006/main" xmlns:r="http://schemas.openxmlformats.org/officeDocument/2006/relationships" xmlns:p="http://schemas.openxmlformats.org/presentationml/2006/main">
+  <p:cSld>
+    <p:spTree>
+      <p:nvGrpSpPr>
+        <p:cNvPr id="1" name=""/>
+        <p:cNvGrpSpPr/>
+        <p:nvPr/>
+      </p:nvGrpSpPr>
+      <p:grpSpPr>
+        <a:xfrm>
+          <a:off x="0" y="0"/>
+          <a:ext cx="0" cy="0"/>
+          <a:chOff x="0" y="0"/>
+          <a:chExt cx="0" cy="0"/>
+        </a:xfrm>
+      </p:grpSpPr>
+      <p:sp>
+        <p:nvSpPr>
+          <p:cNvPr id="2" name="Title 1">
+            <a:extLst>
+              <a:ext uri="{FF2B5EF4-FFF2-40B4-BE49-F238E27FC236}">
+                <a16:creationId xmlns:a16="http://schemas.microsoft.com/office/drawing/2014/main" id="{636FB483-8A01-854E-9BBE-55E0C355A79B}"/>
+              </a:ext>
+            </a:extLst>
+          </p:cNvPr>
+          <p:cNvSpPr txBox="1">
+            <a:spLocks/>
+          </p:cNvSpPr>
+          <p:nvPr/>
+        </p:nvSpPr>
+        <p:spPr>
+          <a:xfrm>
+            <a:off x="292557" y="283221"/>
+            <a:ext cx="11445014" cy="656493"/>
+          </a:xfrm>
+          <a:prstGeom prst="rect">
+            <a:avLst/>
+          </a:prstGeom>
+        </p:spPr>
+        <p:txBody>
+          <a:bodyPr/>
+          <a:lstStyle>
+            <a:lvl1pPr algn="l" defTabSz="914400" rtl="0" eaLnBrk="1" latinLnBrk="0" hangingPunct="1">
+              <a:lnSpc>
+                <a:spcPct val="90000"/>
+              </a:lnSpc>
+              <a:spcBef>
+                <a:spcPct val="0"/>
+              </a:spcBef>
+              <a:buNone/>
+              <a:defRPr sz="2800" b="1" kern="1200">
+                <a:solidFill>
+                  <a:schemeClr val="tx1"/>
+                </a:solidFill>
+                <a:latin typeface="Helvetica" pitchFamily="2" charset="0"/>
+                <a:ea typeface="+mj-ea"/>
+                <a:cs typeface="+mj-cs"/>
+              </a:defRPr>
+            </a:lvl1pPr>
+          </a:lstStyle>
+          <a:p>
+            <a:r>
+              <a:rPr lang="en-US" dirty="0" smtClean="0">
+                <a:latin typeface="Times New Roman" panose="02020603050405020304" pitchFamily="18" charset="0"/>
+                <a:cs typeface="Times New Roman" panose="02020603050405020304" pitchFamily="18" charset="0"/>
+              </a:rPr>
+              <a:t>Getting Effect-Specific T-Test Result Data from GLM </a:t>
+            </a:r>
+            <a:endParaRPr lang="en-US" dirty="0">
+              <a:latin typeface="Times New Roman" panose="02020603050405020304" pitchFamily="18" charset="0"/>
+              <a:cs typeface="Times New Roman" panose="02020603050405020304" pitchFamily="18" charset="0"/>
+            </a:endParaRPr>
+          </a:p>
+        </p:txBody>
+      </p:sp>
+      <p:sp>
+        <p:nvSpPr>
+          <p:cNvPr id="12" name="TextBox 11"/>
+          <p:cNvSpPr txBox="1"/>
+          <p:nvPr/>
+        </p:nvSpPr>
+        <p:spPr>
+          <a:xfrm>
+            <a:off x="407323" y="841923"/>
+            <a:ext cx="11488190" cy="2031325"/>
+          </a:xfrm>
+          <a:prstGeom prst="rect">
+            <a:avLst/>
+          </a:prstGeom>
+          <a:noFill/>
+        </p:spPr>
+        <p:txBody>
+          <a:bodyPr wrap="square" rtlCol="0">
+            <a:spAutoFit/>
+          </a:bodyPr>
+          <a:lstStyle/>
+          <a:p>
+            <a:pPr marL="285750" indent="-285750">
+              <a:buFont typeface="Arial" panose="020B0604020202020204" pitchFamily="34" charset="0"/>
+              <a:buChar char="•"/>
+            </a:pPr>
+            <a:r>
+              <a:rPr lang="en-US" dirty="0" smtClean="0"/>
+              <a:t>To get the information regarding the specifics of the t-tests for each of the effects separately, we need to use the coefficients of the summary of the </a:t>
+            </a:r>
+            <a:r>
+              <a:rPr lang="en-US" dirty="0" err="1" smtClean="0"/>
+              <a:t>glm</a:t>
+            </a:r>
+            <a:r>
+              <a:rPr lang="en-US" dirty="0" smtClean="0"/>
+              <a:t> object.</a:t>
+            </a:r>
+          </a:p>
+          <a:p>
+            <a:pPr marL="285750" indent="-285750">
+              <a:buFont typeface="Arial" panose="020B0604020202020204" pitchFamily="34" charset="0"/>
+              <a:buChar char="•"/>
+            </a:pPr>
+            <a:endParaRPr lang="en-US" dirty="0"/>
+          </a:p>
+          <a:p>
+            <a:pPr marL="285750" indent="-285750">
+              <a:buFont typeface="Arial" panose="020B0604020202020204" pitchFamily="34" charset="0"/>
+              <a:buChar char="•"/>
+            </a:pPr>
+            <a:r>
+              <a:rPr lang="en-US" dirty="0" smtClean="0"/>
+              <a:t>For instance, to get the coefficients, and their associated p-values, we and adjust these p-values using the </a:t>
+            </a:r>
+            <a:r>
+              <a:rPr lang="en-US" dirty="0" err="1" smtClean="0"/>
+              <a:t>bonferroni</a:t>
+            </a:r>
+            <a:r>
+              <a:rPr lang="en-US" dirty="0" smtClean="0"/>
+              <a:t> correction, finally displaying the three (coefficients, unadjusted, and adjusted p-values) together in a table we can use the following: </a:t>
+            </a:r>
+          </a:p>
+          <a:p>
+            <a:pPr marL="285750" indent="-285750">
+              <a:buFont typeface="Arial" panose="020B0604020202020204" pitchFamily="34" charset="0"/>
+              <a:buChar char="•"/>
+            </a:pPr>
+            <a:endParaRPr lang="en-US" dirty="0"/>
+          </a:p>
+        </p:txBody>
+      </p:sp>
+      <p:sp>
+        <p:nvSpPr>
+          <p:cNvPr id="13" name="TextBox 12"/>
+          <p:cNvSpPr txBox="1"/>
+          <p:nvPr/>
+        </p:nvSpPr>
+        <p:spPr>
+          <a:xfrm>
+            <a:off x="407323" y="2707889"/>
+            <a:ext cx="8113220" cy="1384995"/>
+          </a:xfrm>
+          <a:prstGeom prst="rect">
+            <a:avLst/>
+          </a:prstGeom>
+          <a:noFill/>
+          <a:ln>
+            <a:solidFill>
+              <a:schemeClr val="tx1"/>
+            </a:solidFill>
+          </a:ln>
+        </p:spPr>
+        <p:txBody>
+          <a:bodyPr wrap="square" rtlCol="0">
+            <a:spAutoFit/>
+          </a:bodyPr>
+          <a:lstStyle/>
+          <a:p>
+            <a:r>
+              <a:rPr lang="en-US" sz="1400" b="1" dirty="0" smtClean="0">
+                <a:latin typeface="Courier New" panose="02070309020205020404" pitchFamily="49" charset="0"/>
+                <a:cs typeface="Courier New" panose="02070309020205020404" pitchFamily="49" charset="0"/>
+              </a:rPr>
+              <a:t>R</a:t>
+            </a:r>
+            <a:r>
+              <a:rPr lang="en-US" sz="1400" b="1" dirty="0">
+                <a:latin typeface="Courier New" panose="02070309020205020404" pitchFamily="49" charset="0"/>
+                <a:cs typeface="Courier New" panose="02070309020205020404" pitchFamily="49" charset="0"/>
+              </a:rPr>
+              <a:t>&gt; </a:t>
+            </a:r>
+            <a:r>
+              <a:rPr lang="en-US" sz="1400" b="1" dirty="0" err="1" smtClean="0">
+                <a:latin typeface="Courier New" panose="02070309020205020404" pitchFamily="49" charset="0"/>
+                <a:cs typeface="Courier New" panose="02070309020205020404" pitchFamily="49" charset="0"/>
+              </a:rPr>
+              <a:t>f.p</a:t>
+            </a:r>
+            <a:r>
+              <a:rPr lang="en-US" sz="1400" b="1" dirty="0" smtClean="0">
+                <a:latin typeface="Courier New" panose="02070309020205020404" pitchFamily="49" charset="0"/>
+                <a:cs typeface="Courier New" panose="02070309020205020404" pitchFamily="49" charset="0"/>
+              </a:rPr>
+              <a:t> &lt;- formula(</a:t>
+            </a:r>
+            <a:r>
+              <a:rPr lang="en-US" sz="1400" b="1" dirty="0" err="1" smtClean="0">
+                <a:latin typeface="Courier New" panose="02070309020205020404" pitchFamily="49" charset="0"/>
+                <a:cs typeface="Courier New" panose="02070309020205020404" pitchFamily="49" charset="0"/>
+              </a:rPr>
+              <a:t>Sepal.Length</a:t>
+            </a:r>
+            <a:r>
+              <a:rPr lang="en-US" sz="1400" b="1" dirty="0" smtClean="0">
+                <a:latin typeface="Courier New" panose="02070309020205020404" pitchFamily="49" charset="0"/>
+                <a:cs typeface="Courier New" panose="02070309020205020404" pitchFamily="49" charset="0"/>
+              </a:rPr>
+              <a:t> ~ </a:t>
+            </a:r>
+            <a:r>
+              <a:rPr lang="en-US" sz="1400" b="1" dirty="0" err="1" smtClean="0">
+                <a:latin typeface="Courier New" panose="02070309020205020404" pitchFamily="49" charset="0"/>
+                <a:cs typeface="Courier New" panose="02070309020205020404" pitchFamily="49" charset="0"/>
+              </a:rPr>
+              <a:t>Sepal.Width+Petal.Length+Petal.Width</a:t>
+            </a:r>
+            <a:r>
+              <a:rPr lang="en-US" sz="1400" b="1" dirty="0" smtClean="0">
+                <a:latin typeface="Courier New" panose="02070309020205020404" pitchFamily="49" charset="0"/>
+                <a:cs typeface="Courier New" panose="02070309020205020404" pitchFamily="49" charset="0"/>
+              </a:rPr>
+              <a:t>);</a:t>
+            </a:r>
+            <a:endParaRPr lang="en-US" sz="1400" b="1" dirty="0">
+              <a:latin typeface="Courier New" panose="02070309020205020404" pitchFamily="49" charset="0"/>
+              <a:cs typeface="Courier New" panose="02070309020205020404" pitchFamily="49" charset="0"/>
+            </a:endParaRPr>
+          </a:p>
+          <a:p>
+            <a:r>
+              <a:rPr lang="en-US" sz="1400" b="1" dirty="0">
+                <a:latin typeface="Courier New" panose="02070309020205020404" pitchFamily="49" charset="0"/>
+                <a:cs typeface="Courier New" panose="02070309020205020404" pitchFamily="49" charset="0"/>
+              </a:rPr>
+              <a:t>R&gt; </a:t>
+            </a:r>
+            <a:r>
+              <a:rPr lang="en-US" sz="1400" b="1" dirty="0" err="1" smtClean="0">
+                <a:latin typeface="Courier New" panose="02070309020205020404" pitchFamily="49" charset="0"/>
+                <a:cs typeface="Courier New" panose="02070309020205020404" pitchFamily="49" charset="0"/>
+              </a:rPr>
+              <a:t>iris.pmod</a:t>
+            </a:r>
+            <a:r>
+              <a:rPr lang="en-US" sz="1400" b="1" dirty="0" smtClean="0">
+                <a:latin typeface="Courier New" panose="02070309020205020404" pitchFamily="49" charset="0"/>
+                <a:cs typeface="Courier New" panose="02070309020205020404" pitchFamily="49" charset="0"/>
+              </a:rPr>
+              <a:t> </a:t>
+            </a:r>
+            <a:r>
+              <a:rPr lang="en-US" sz="1400" b="1" dirty="0">
+                <a:latin typeface="Courier New" panose="02070309020205020404" pitchFamily="49" charset="0"/>
+                <a:cs typeface="Courier New" panose="02070309020205020404" pitchFamily="49" charset="0"/>
+              </a:rPr>
+              <a:t>&lt;- </a:t>
+            </a:r>
+            <a:r>
+              <a:rPr lang="en-US" sz="1400" b="1" dirty="0" err="1" smtClean="0">
+                <a:latin typeface="Courier New" panose="02070309020205020404" pitchFamily="49" charset="0"/>
+                <a:cs typeface="Courier New" panose="02070309020205020404" pitchFamily="49" charset="0"/>
+              </a:rPr>
+              <a:t>glm</a:t>
+            </a:r>
+            <a:r>
+              <a:rPr lang="en-US" sz="1400" b="1" dirty="0" smtClean="0">
+                <a:latin typeface="Courier New" panose="02070309020205020404" pitchFamily="49" charset="0"/>
+                <a:cs typeface="Courier New" panose="02070309020205020404" pitchFamily="49" charset="0"/>
+              </a:rPr>
+              <a:t>(</a:t>
+            </a:r>
+            <a:r>
+              <a:rPr lang="en-US" sz="1400" b="1" dirty="0" err="1" smtClean="0">
+                <a:latin typeface="Courier New" panose="02070309020205020404" pitchFamily="49" charset="0"/>
+                <a:cs typeface="Courier New" panose="02070309020205020404" pitchFamily="49" charset="0"/>
+              </a:rPr>
+              <a:t>f.p,data</a:t>
+            </a:r>
+            <a:r>
+              <a:rPr lang="en-US" sz="1400" b="1" dirty="0" smtClean="0">
+                <a:latin typeface="Courier New" panose="02070309020205020404" pitchFamily="49" charset="0"/>
+                <a:cs typeface="Courier New" panose="02070309020205020404" pitchFamily="49" charset="0"/>
+              </a:rPr>
+              <a:t>=iris</a:t>
+            </a:r>
+            <a:r>
+              <a:rPr lang="en-US" sz="1400" b="1" dirty="0">
+                <a:latin typeface="Courier New" panose="02070309020205020404" pitchFamily="49" charset="0"/>
+                <a:cs typeface="Courier New" panose="02070309020205020404" pitchFamily="49" charset="0"/>
+              </a:rPr>
+              <a:t>); </a:t>
+            </a:r>
+            <a:endParaRPr lang="en-US" sz="1400" b="1" dirty="0" smtClean="0">
+              <a:latin typeface="Courier New" panose="02070309020205020404" pitchFamily="49" charset="0"/>
+              <a:cs typeface="Courier New" panose="02070309020205020404" pitchFamily="49" charset="0"/>
+            </a:endParaRPr>
+          </a:p>
+          <a:p>
+            <a:r>
+              <a:rPr lang="en-US" sz="1400" b="1" dirty="0" smtClean="0">
+                <a:latin typeface="Courier New" panose="02070309020205020404" pitchFamily="49" charset="0"/>
+                <a:cs typeface="Courier New" panose="02070309020205020404" pitchFamily="49" charset="0"/>
+              </a:rPr>
+              <a:t>R&gt; </a:t>
+            </a:r>
+            <a:r>
+              <a:rPr lang="en-US" sz="1400" b="1" dirty="0" err="1" smtClean="0">
+                <a:latin typeface="Courier New" panose="02070309020205020404" pitchFamily="49" charset="0"/>
+                <a:cs typeface="Courier New" panose="02070309020205020404" pitchFamily="49" charset="0"/>
+              </a:rPr>
+              <a:t>iris.pmod.estim</a:t>
+            </a:r>
+            <a:r>
+              <a:rPr lang="en-US" sz="1400" b="1" dirty="0" smtClean="0">
+                <a:latin typeface="Courier New" panose="02070309020205020404" pitchFamily="49" charset="0"/>
+                <a:cs typeface="Courier New" panose="02070309020205020404" pitchFamily="49" charset="0"/>
+              </a:rPr>
+              <a:t> &lt;- coefficients(summary(</a:t>
+            </a:r>
+            <a:r>
+              <a:rPr lang="en-US" sz="1400" b="1" dirty="0" err="1" smtClean="0">
+                <a:latin typeface="Courier New" panose="02070309020205020404" pitchFamily="49" charset="0"/>
+                <a:cs typeface="Courier New" panose="02070309020205020404" pitchFamily="49" charset="0"/>
+              </a:rPr>
+              <a:t>iris.pmod</a:t>
+            </a:r>
+            <a:r>
+              <a:rPr lang="en-US" sz="1400" b="1" dirty="0" smtClean="0">
+                <a:latin typeface="Courier New" panose="02070309020205020404" pitchFamily="49" charset="0"/>
+                <a:cs typeface="Courier New" panose="02070309020205020404" pitchFamily="49" charset="0"/>
+              </a:rPr>
+              <a:t>))[,1];</a:t>
+            </a:r>
+          </a:p>
+          <a:p>
+            <a:r>
+              <a:rPr lang="en-US" sz="1400" b="1" dirty="0" smtClean="0">
+                <a:latin typeface="Courier New" panose="02070309020205020404" pitchFamily="49" charset="0"/>
+                <a:cs typeface="Courier New" panose="02070309020205020404" pitchFamily="49" charset="0"/>
+              </a:rPr>
+              <a:t>R&gt; </a:t>
+            </a:r>
+            <a:r>
+              <a:rPr lang="en-US" sz="1400" b="1" dirty="0" err="1" smtClean="0">
+                <a:latin typeface="Courier New" panose="02070309020205020404" pitchFamily="49" charset="0"/>
+                <a:cs typeface="Courier New" panose="02070309020205020404" pitchFamily="49" charset="0"/>
+              </a:rPr>
+              <a:t>iris.pmod.pvals</a:t>
+            </a:r>
+            <a:r>
+              <a:rPr lang="en-US" sz="1400" b="1" dirty="0" smtClean="0">
+                <a:latin typeface="Courier New" panose="02070309020205020404" pitchFamily="49" charset="0"/>
+                <a:cs typeface="Courier New" panose="02070309020205020404" pitchFamily="49" charset="0"/>
+              </a:rPr>
+              <a:t> &lt;- coefficients(summary(</a:t>
+            </a:r>
+            <a:r>
+              <a:rPr lang="en-US" sz="1400" b="1" dirty="0" err="1" smtClean="0">
+                <a:latin typeface="Courier New" panose="02070309020205020404" pitchFamily="49" charset="0"/>
+                <a:cs typeface="Courier New" panose="02070309020205020404" pitchFamily="49" charset="0"/>
+              </a:rPr>
+              <a:t>iris.pmod</a:t>
+            </a:r>
+            <a:r>
+              <a:rPr lang="en-US" sz="1400" b="1" dirty="0" smtClean="0">
+                <a:latin typeface="Courier New" panose="02070309020205020404" pitchFamily="49" charset="0"/>
+                <a:cs typeface="Courier New" panose="02070309020205020404" pitchFamily="49" charset="0"/>
+              </a:rPr>
+              <a:t>))[,4];</a:t>
+            </a:r>
+          </a:p>
+          <a:p>
+            <a:r>
+              <a:rPr lang="en-US" sz="1400" b="1" dirty="0" smtClean="0">
+                <a:latin typeface="Courier New" panose="02070309020205020404" pitchFamily="49" charset="0"/>
+                <a:cs typeface="Courier New" panose="02070309020205020404" pitchFamily="49" charset="0"/>
+              </a:rPr>
+              <a:t>R&gt; </a:t>
+            </a:r>
+            <a:r>
+              <a:rPr lang="en-US" sz="1400" b="1" dirty="0" err="1" smtClean="0">
+                <a:latin typeface="Courier New" panose="02070309020205020404" pitchFamily="49" charset="0"/>
+                <a:cs typeface="Courier New" panose="02070309020205020404" pitchFamily="49" charset="0"/>
+              </a:rPr>
+              <a:t>iris.pmod.pvals.adj</a:t>
+            </a:r>
+            <a:r>
+              <a:rPr lang="en-US" sz="1400" b="1" dirty="0" smtClean="0">
+                <a:latin typeface="Courier New" panose="02070309020205020404" pitchFamily="49" charset="0"/>
+                <a:cs typeface="Courier New" panose="02070309020205020404" pitchFamily="49" charset="0"/>
+              </a:rPr>
+              <a:t> &lt;- </a:t>
+            </a:r>
+            <a:r>
+              <a:rPr lang="en-US" sz="1400" b="1" dirty="0" err="1" smtClean="0">
+                <a:latin typeface="Courier New" panose="02070309020205020404" pitchFamily="49" charset="0"/>
+                <a:cs typeface="Courier New" panose="02070309020205020404" pitchFamily="49" charset="0"/>
+              </a:rPr>
+              <a:t>p.adjust</a:t>
+            </a:r>
+            <a:r>
+              <a:rPr lang="en-US" sz="1400" b="1" dirty="0" smtClean="0">
+                <a:latin typeface="Courier New" panose="02070309020205020404" pitchFamily="49" charset="0"/>
+                <a:cs typeface="Courier New" panose="02070309020205020404" pitchFamily="49" charset="0"/>
+              </a:rPr>
+              <a:t>(</a:t>
+            </a:r>
+            <a:r>
+              <a:rPr lang="en-US" sz="1400" b="1" dirty="0" err="1" smtClean="0">
+                <a:latin typeface="Courier New" panose="02070309020205020404" pitchFamily="49" charset="0"/>
+                <a:cs typeface="Courier New" panose="02070309020205020404" pitchFamily="49" charset="0"/>
+              </a:rPr>
+              <a:t>iris.pmod.pvals,method</a:t>
+            </a:r>
+            <a:r>
+              <a:rPr lang="en-US" sz="1400" b="1" dirty="0" smtClean="0">
+                <a:latin typeface="Courier New" panose="02070309020205020404" pitchFamily="49" charset="0"/>
+                <a:cs typeface="Courier New" panose="02070309020205020404" pitchFamily="49" charset="0"/>
+              </a:rPr>
+              <a:t> = “</a:t>
+            </a:r>
+            <a:r>
+              <a:rPr lang="en-US" sz="1400" b="1" dirty="0" err="1" smtClean="0">
+                <a:latin typeface="Courier New" panose="02070309020205020404" pitchFamily="49" charset="0"/>
+                <a:cs typeface="Courier New" panose="02070309020205020404" pitchFamily="49" charset="0"/>
+              </a:rPr>
+              <a:t>bonferroni</a:t>
+            </a:r>
+            <a:r>
+              <a:rPr lang="en-US" sz="1400" b="1" dirty="0" smtClean="0">
+                <a:latin typeface="Courier New" panose="02070309020205020404" pitchFamily="49" charset="0"/>
+                <a:cs typeface="Courier New" panose="02070309020205020404" pitchFamily="49" charset="0"/>
+              </a:rPr>
+              <a:t>”);</a:t>
+            </a:r>
+          </a:p>
+          <a:p>
+            <a:r>
+              <a:rPr lang="en-US" sz="1400" b="1" dirty="0" smtClean="0">
+                <a:latin typeface="Courier New" panose="02070309020205020404" pitchFamily="49" charset="0"/>
+                <a:cs typeface="Courier New" panose="02070309020205020404" pitchFamily="49" charset="0"/>
+              </a:rPr>
+              <a:t>R&gt; </a:t>
+            </a:r>
+            <a:r>
+              <a:rPr lang="en-US" sz="1400" b="1" dirty="0" err="1" smtClean="0">
+                <a:latin typeface="Courier New" panose="02070309020205020404" pitchFamily="49" charset="0"/>
+                <a:cs typeface="Courier New" panose="02070309020205020404" pitchFamily="49" charset="0"/>
+              </a:rPr>
+              <a:t>cbind</a:t>
+            </a:r>
+            <a:r>
+              <a:rPr lang="en-US" sz="1400" b="1" dirty="0" smtClean="0">
+                <a:latin typeface="Courier New" panose="02070309020205020404" pitchFamily="49" charset="0"/>
+                <a:cs typeface="Courier New" panose="02070309020205020404" pitchFamily="49" charset="0"/>
+              </a:rPr>
+              <a:t>(</a:t>
+            </a:r>
+            <a:r>
+              <a:rPr lang="en-US" sz="1400" b="1" dirty="0" err="1" smtClean="0">
+                <a:latin typeface="Courier New" panose="02070309020205020404" pitchFamily="49" charset="0"/>
+                <a:cs typeface="Courier New" panose="02070309020205020404" pitchFamily="49" charset="0"/>
+              </a:rPr>
+              <a:t>iris.pmod.estim,iris.pmod.pvals,iris.pmod.pvals.adj</a:t>
+            </a:r>
+            <a:r>
+              <a:rPr lang="en-US" sz="1400" b="1" dirty="0" smtClean="0">
+                <a:latin typeface="Courier New" panose="02070309020205020404" pitchFamily="49" charset="0"/>
+                <a:cs typeface="Courier New" panose="02070309020205020404" pitchFamily="49" charset="0"/>
+              </a:rPr>
+              <a:t>);</a:t>
+            </a:r>
+            <a:endParaRPr lang="en-US" sz="1400" b="1" dirty="0">
+              <a:latin typeface="Courier New" panose="02070309020205020404" pitchFamily="49" charset="0"/>
+              <a:cs typeface="Courier New" panose="02070309020205020404" pitchFamily="49" charset="0"/>
+            </a:endParaRPr>
+          </a:p>
+        </p:txBody>
+      </p:sp>
+      <p:pic>
+        <p:nvPicPr>
+          <p:cNvPr id="3" name="Picture 2"/>
+          <p:cNvPicPr>
+            <a:picLocks noChangeAspect="1"/>
+          </p:cNvPicPr>
+          <p:nvPr/>
+        </p:nvPicPr>
+        <p:blipFill>
+          <a:blip r:embed="rId2"/>
+          <a:stretch>
+            <a:fillRect/>
+          </a:stretch>
+        </p:blipFill>
+        <p:spPr>
+          <a:xfrm>
+            <a:off x="4561002" y="4509482"/>
+            <a:ext cx="6943725" cy="1047750"/>
+          </a:xfrm>
+          <a:prstGeom prst="rect">
+            <a:avLst/>
+          </a:prstGeom>
+        </p:spPr>
+      </p:pic>
+      <p:cxnSp>
+        <p:nvCxnSpPr>
+          <p:cNvPr id="8" name="Elbow Connector 7"/>
+          <p:cNvCxnSpPr>
+            <a:stCxn id="13" idx="2"/>
+            <a:endCxn id="3" idx="0"/>
+          </p:cNvCxnSpPr>
+          <p:nvPr/>
+        </p:nvCxnSpPr>
+        <p:spPr>
+          <a:xfrm rot="16200000" flipH="1">
+            <a:off x="6040100" y="2516717"/>
+            <a:ext cx="416598" cy="3568932"/>
+          </a:xfrm>
+          <a:prstGeom prst="bentConnector3">
+            <a:avLst/>
+          </a:prstGeom>
+          <a:ln>
+            <a:solidFill>
+              <a:schemeClr val="bg1">
+                <a:lumMod val="10000"/>
+              </a:schemeClr>
+            </a:solidFill>
+            <a:tailEnd type="triangle"/>
+          </a:ln>
+        </p:spPr>
+        <p:style>
+          <a:lnRef idx="1">
+            <a:schemeClr val="accent1"/>
+          </a:lnRef>
+          <a:fillRef idx="0">
+            <a:schemeClr val="accent1"/>
+          </a:fillRef>
+          <a:effectRef idx="0">
+            <a:schemeClr val="accent1"/>
+          </a:effectRef>
+          <a:fontRef idx="minor">
+            <a:schemeClr val="tx1"/>
+          </a:fontRef>
+        </p:style>
+      </p:cxnSp>
+      <p:sp>
+        <p:nvSpPr>
+          <p:cNvPr id="15" name="TextBox 14"/>
+          <p:cNvSpPr txBox="1"/>
+          <p:nvPr/>
+        </p:nvSpPr>
+        <p:spPr>
+          <a:xfrm>
+            <a:off x="407323" y="4343227"/>
+            <a:ext cx="3857106" cy="2031325"/>
+          </a:xfrm>
+          <a:prstGeom prst="rect">
+            <a:avLst/>
+          </a:prstGeom>
+          <a:solidFill>
+            <a:schemeClr val="accent6">
+              <a:lumMod val="90000"/>
+            </a:schemeClr>
+          </a:solidFill>
+          <a:ln>
+            <a:solidFill>
+              <a:srgbClr val="7030A0"/>
+            </a:solidFill>
+          </a:ln>
+        </p:spPr>
+        <p:txBody>
+          <a:bodyPr wrap="square" rtlCol="0">
+            <a:spAutoFit/>
+          </a:bodyPr>
+          <a:lstStyle/>
+          <a:p>
+            <a:r>
+              <a:rPr lang="en-US" b="1" u="sng" dirty="0" smtClean="0"/>
+              <a:t>Current Multiple Adjustment Methods Available in R (4.1.1) [use </a:t>
+            </a:r>
+            <a:r>
+              <a:rPr lang="en-US" b="1" u="sng" dirty="0" err="1" smtClean="0"/>
+              <a:t>p.adjust.methods</a:t>
+            </a:r>
+            <a:r>
+              <a:rPr lang="en-US" b="1" u="sng" dirty="0" smtClean="0"/>
+              <a:t>() to see]</a:t>
+            </a:r>
+          </a:p>
+          <a:p>
+            <a:endParaRPr lang="en-US" b="1" u="sng" dirty="0"/>
+          </a:p>
+          <a:p>
+            <a:r>
+              <a:rPr lang="en-US" dirty="0" smtClean="0"/>
+              <a:t>“holm”, “Hochberg”, “</a:t>
+            </a:r>
+            <a:r>
+              <a:rPr lang="en-US" dirty="0" err="1" smtClean="0"/>
+              <a:t>Hommel</a:t>
+            </a:r>
+            <a:r>
+              <a:rPr lang="en-US" dirty="0" smtClean="0"/>
+              <a:t>”, “</a:t>
+            </a:r>
+            <a:r>
+              <a:rPr lang="en-US" dirty="0" err="1" smtClean="0"/>
+              <a:t>Bonferroni</a:t>
+            </a:r>
+            <a:r>
+              <a:rPr lang="en-US" dirty="0" smtClean="0"/>
+              <a:t>”, “BH”, “BY”, “FDR”, “none”.</a:t>
+            </a:r>
+            <a:endParaRPr lang="en-US" dirty="0"/>
+          </a:p>
+        </p:txBody>
+      </p:sp>
+    </p:spTree>
+    <p:extLst>
+      <p:ext uri="{BB962C8B-B14F-4D97-AF65-F5344CB8AC3E}">
+        <p14:creationId xmlns:p14="http://schemas.microsoft.com/office/powerpoint/2010/main" val="1613299723"/>
+      </p:ext>
+    </p:extLst>
+  </p:cSld>
+  <p:clrMapOvr>
+    <a:masterClrMapping/>
+  </p:clrMapOvr>
+</p:sld>
+</file>
+
+<file path=ppt/slides/slide33.xml><?xml version="1.0" encoding="utf-8"?>
+<p:sld xmlns:a="http://schemas.openxmlformats.org/drawingml/2006/main" xmlns:r="http://schemas.openxmlformats.org/officeDocument/2006/relationships" xmlns:p="http://schemas.openxmlformats.org/presentationml/2006/main">
+  <p:cSld>
+    <p:spTree>
+      <p:nvGrpSpPr>
+        <p:cNvPr id="1" name=""/>
+        <p:cNvGrpSpPr/>
+        <p:nvPr/>
+      </p:nvGrpSpPr>
+      <p:grpSpPr>
+        <a:xfrm>
+          <a:off x="0" y="0"/>
+          <a:ext cx="0" cy="0"/>
+          <a:chOff x="0" y="0"/>
+          <a:chExt cx="0" cy="0"/>
+        </a:xfrm>
+      </p:grpSpPr>
+      <p:sp>
+        <p:nvSpPr>
+          <p:cNvPr id="2" name="Title 1">
+            <a:extLst>
+              <a:ext uri="{FF2B5EF4-FFF2-40B4-BE49-F238E27FC236}">
+                <a16:creationId xmlns:a16="http://schemas.microsoft.com/office/drawing/2014/main" id="{636FB483-8A01-854E-9BBE-55E0C355A79B}"/>
+              </a:ext>
+            </a:extLst>
+          </p:cNvPr>
+          <p:cNvSpPr txBox="1">
+            <a:spLocks/>
+          </p:cNvSpPr>
+          <p:nvPr/>
+        </p:nvSpPr>
+        <p:spPr>
+          <a:xfrm>
+            <a:off x="292557" y="283221"/>
+            <a:ext cx="10017369" cy="656493"/>
+          </a:xfrm>
+          <a:prstGeom prst="rect">
+            <a:avLst/>
+          </a:prstGeom>
+        </p:spPr>
+        <p:txBody>
+          <a:bodyPr/>
+          <a:lstStyle>
+            <a:lvl1pPr algn="l" defTabSz="914400" rtl="0" eaLnBrk="1" latinLnBrk="0" hangingPunct="1">
+              <a:lnSpc>
+                <a:spcPct val="90000"/>
+              </a:lnSpc>
+              <a:spcBef>
+                <a:spcPct val="0"/>
+              </a:spcBef>
+              <a:buNone/>
+              <a:defRPr sz="2800" b="1" kern="1200">
+                <a:solidFill>
+                  <a:schemeClr val="tx1"/>
+                </a:solidFill>
+                <a:latin typeface="Helvetica" pitchFamily="2" charset="0"/>
+                <a:ea typeface="+mj-ea"/>
+                <a:cs typeface="+mj-cs"/>
+              </a:defRPr>
+            </a:lvl1pPr>
+          </a:lstStyle>
+          <a:p>
+            <a:r>
+              <a:rPr lang="en-US" dirty="0" smtClean="0">
+                <a:latin typeface="Times New Roman" panose="02020603050405020304" pitchFamily="18" charset="0"/>
+                <a:cs typeface="Times New Roman" panose="02020603050405020304" pitchFamily="18" charset="0"/>
+              </a:rPr>
+              <a:t>Introduction to R for Beginners Session III Part I Review</a:t>
+            </a:r>
+            <a:endParaRPr lang="en-US" dirty="0">
+              <a:latin typeface="Times New Roman" panose="02020603050405020304" pitchFamily="18" charset="0"/>
+              <a:cs typeface="Times New Roman" panose="02020603050405020304" pitchFamily="18" charset="0"/>
+            </a:endParaRPr>
+          </a:p>
+        </p:txBody>
+      </p:sp>
+      <p:sp>
+        <p:nvSpPr>
+          <p:cNvPr id="3" name="TextBox 2"/>
+          <p:cNvSpPr txBox="1"/>
+          <p:nvPr/>
+        </p:nvSpPr>
+        <p:spPr>
+          <a:xfrm>
+            <a:off x="170329" y="1165045"/>
+            <a:ext cx="11098306" cy="1846659"/>
+          </a:xfrm>
+          <a:prstGeom prst="rect">
+            <a:avLst/>
+          </a:prstGeom>
+          <a:noFill/>
+          <a:ln>
+            <a:solidFill>
+              <a:schemeClr val="accent4"/>
+            </a:solidFill>
+          </a:ln>
+        </p:spPr>
+        <p:txBody>
+          <a:bodyPr wrap="square" rtlCol="0">
+            <a:spAutoFit/>
+          </a:bodyPr>
+          <a:lstStyle/>
+          <a:p>
+            <a:pPr marL="285750" indent="-285750">
+              <a:buFont typeface="Arial" panose="020B0604020202020204" pitchFamily="34" charset="0"/>
+              <a:buChar char="•"/>
+            </a:pPr>
+            <a:r>
+              <a:rPr lang="en-US" sz="1600" dirty="0" smtClean="0"/>
+              <a:t>How to setup formulas for describing model relationships in R’s formula language</a:t>
+            </a:r>
+          </a:p>
+          <a:p>
+            <a:pPr marL="742950" lvl="1" indent="-285750">
+              <a:buFont typeface="Arial" panose="020B0604020202020204" pitchFamily="34" charset="0"/>
+              <a:buChar char="•"/>
+            </a:pPr>
+            <a:r>
+              <a:rPr lang="en-US" sz="1600" b="1" dirty="0" smtClean="0"/>
+              <a:t>The zero-intercept vs. intercept models</a:t>
+            </a:r>
+          </a:p>
+          <a:p>
+            <a:pPr marL="742950" lvl="1" indent="-285750">
+              <a:buFont typeface="Arial" panose="020B0604020202020204" pitchFamily="34" charset="0"/>
+              <a:buChar char="•"/>
+            </a:pPr>
+            <a:r>
+              <a:rPr lang="en-US" sz="1600" b="1" dirty="0" smtClean="0"/>
+              <a:t>Adding Joint Effects</a:t>
+            </a:r>
+          </a:p>
+          <a:p>
+            <a:pPr marL="742950" lvl="1" indent="-285750">
+              <a:buFont typeface="Arial" panose="020B0604020202020204" pitchFamily="34" charset="0"/>
+              <a:buChar char="•"/>
+            </a:pPr>
+            <a:r>
+              <a:rPr lang="en-US" sz="1600" b="1" dirty="0" smtClean="0"/>
+              <a:t>Adding Categorical Effects</a:t>
+            </a:r>
+          </a:p>
+          <a:p>
+            <a:pPr marL="285750" indent="-285750">
+              <a:buFont typeface="Arial" panose="020B0604020202020204" pitchFamily="34" charset="0"/>
+              <a:buChar char="•"/>
+            </a:pPr>
+            <a:r>
+              <a:rPr lang="en-US" sz="1600" dirty="0" smtClean="0"/>
+              <a:t>What a linear model is.</a:t>
+            </a:r>
+          </a:p>
+          <a:p>
+            <a:pPr marL="285750" indent="-285750">
+              <a:buFont typeface="Arial" panose="020B0604020202020204" pitchFamily="34" charset="0"/>
+              <a:buChar char="•"/>
+            </a:pPr>
+            <a:r>
+              <a:rPr lang="en-US" sz="1600" dirty="0" smtClean="0"/>
+              <a:t>How to apply </a:t>
+            </a:r>
+            <a:r>
+              <a:rPr lang="en-US" sz="1600" dirty="0" err="1" smtClean="0"/>
+              <a:t>glm</a:t>
+            </a:r>
+            <a:r>
+              <a:rPr lang="en-US" sz="1600" dirty="0" smtClean="0"/>
+              <a:t>() to estimate model effects in linear models.</a:t>
+            </a:r>
+          </a:p>
+          <a:p>
+            <a:pPr marL="285750" indent="-285750">
+              <a:buFont typeface="Arial" panose="020B0604020202020204" pitchFamily="34" charset="0"/>
+              <a:buChar char="•"/>
+            </a:pPr>
+            <a:r>
+              <a:rPr lang="en-US" sz="1600" dirty="0" smtClean="0"/>
+              <a:t>How to view and interpret the output of the summary of the </a:t>
+            </a:r>
+            <a:r>
+              <a:rPr lang="en-US" sz="1600" dirty="0" err="1" smtClean="0"/>
+              <a:t>glm</a:t>
+            </a:r>
+            <a:r>
+              <a:rPr lang="en-US" sz="1600" dirty="0" smtClean="0"/>
+              <a:t> object.</a:t>
+            </a:r>
+            <a:endParaRPr lang="en-US" sz="1600" dirty="0"/>
+          </a:p>
+        </p:txBody>
+      </p:sp>
+      <p:sp>
+        <p:nvSpPr>
+          <p:cNvPr id="4" name="TextBox 3"/>
+          <p:cNvSpPr txBox="1"/>
+          <p:nvPr/>
+        </p:nvSpPr>
+        <p:spPr>
+          <a:xfrm>
+            <a:off x="170329" y="5172856"/>
+            <a:ext cx="8390965" cy="1569660"/>
+          </a:xfrm>
+          <a:prstGeom prst="rect">
+            <a:avLst/>
+          </a:prstGeom>
+          <a:noFill/>
+          <a:ln>
+            <a:solidFill>
+              <a:srgbClr val="FF0000"/>
+            </a:solidFill>
+          </a:ln>
+        </p:spPr>
+        <p:txBody>
+          <a:bodyPr wrap="square" rtlCol="0">
+            <a:spAutoFit/>
+          </a:bodyPr>
+          <a:lstStyle/>
+          <a:p>
+            <a:pPr marL="285750" indent="-285750">
+              <a:buFont typeface="Arial" panose="020B0604020202020204" pitchFamily="34" charset="0"/>
+              <a:buChar char="•"/>
+            </a:pPr>
+            <a:r>
+              <a:rPr lang="en-US" sz="1600" dirty="0"/>
+              <a:t>So far everything we have done can be done with `lm’ in R, `lm’ stands for linear model, and is used for fitting linear models (which include </a:t>
+            </a:r>
+            <a:r>
+              <a:rPr lang="en-US" sz="1600" dirty="0" err="1"/>
+              <a:t>anova</a:t>
+            </a:r>
+            <a:r>
+              <a:rPr lang="en-US" sz="1600" dirty="0"/>
+              <a:t>, </a:t>
+            </a:r>
+            <a:r>
+              <a:rPr lang="en-US" sz="1600" dirty="0" err="1"/>
+              <a:t>ancova</a:t>
+            </a:r>
+            <a:r>
+              <a:rPr lang="en-US" sz="1600" dirty="0"/>
+              <a:t>, and regression), it fits using ordinary least squares (that is minimizing the residual difference) this is why instead of deviance residuals, the actual residuals are reported by default when ‘lm’ is used</a:t>
+            </a:r>
+            <a:r>
+              <a:rPr lang="en-US" sz="1600" dirty="0" smtClean="0"/>
+              <a:t>.</a:t>
+            </a:r>
+          </a:p>
+          <a:p>
+            <a:pPr marL="285750" indent="-285750">
+              <a:buFont typeface="Arial" panose="020B0604020202020204" pitchFamily="34" charset="0"/>
+              <a:buChar char="•"/>
+            </a:pPr>
+            <a:r>
+              <a:rPr lang="en-US" sz="1600" dirty="0"/>
+              <a:t>‘</a:t>
+            </a:r>
+            <a:r>
+              <a:rPr lang="en-US" sz="1600" dirty="0" err="1"/>
+              <a:t>glm</a:t>
+            </a:r>
+            <a:r>
+              <a:rPr lang="en-US" sz="1600" dirty="0"/>
+              <a:t>’ is more general and implements what is known as the generalized linear model, of which the linear regression we have been doing is just one example. </a:t>
+            </a:r>
+          </a:p>
+        </p:txBody>
+      </p:sp>
+      <p:sp>
+        <p:nvSpPr>
+          <p:cNvPr id="5" name="TextBox 4"/>
+          <p:cNvSpPr txBox="1"/>
+          <p:nvPr/>
+        </p:nvSpPr>
+        <p:spPr>
+          <a:xfrm>
+            <a:off x="170329" y="4803524"/>
+            <a:ext cx="1909482" cy="369332"/>
+          </a:xfrm>
+          <a:prstGeom prst="rect">
+            <a:avLst/>
+          </a:prstGeom>
+          <a:noFill/>
+        </p:spPr>
+        <p:txBody>
+          <a:bodyPr wrap="square" rtlCol="0">
+            <a:spAutoFit/>
+          </a:bodyPr>
+          <a:lstStyle/>
+          <a:p>
+            <a:r>
+              <a:rPr lang="en-US" dirty="0" smtClean="0">
+                <a:solidFill>
+                  <a:srgbClr val="FF0000"/>
+                </a:solidFill>
+              </a:rPr>
+              <a:t>Notes!</a:t>
+            </a:r>
+            <a:endParaRPr lang="en-US" dirty="0">
+              <a:solidFill>
+                <a:srgbClr val="FF0000"/>
+              </a:solidFill>
+            </a:endParaRPr>
+          </a:p>
+        </p:txBody>
+      </p:sp>
+      <p:sp>
+        <p:nvSpPr>
+          <p:cNvPr id="6" name="TextBox 5"/>
+          <p:cNvSpPr txBox="1"/>
+          <p:nvPr/>
+        </p:nvSpPr>
+        <p:spPr>
+          <a:xfrm>
+            <a:off x="170329" y="799922"/>
+            <a:ext cx="1909482" cy="369332"/>
+          </a:xfrm>
+          <a:prstGeom prst="rect">
+            <a:avLst/>
+          </a:prstGeom>
+          <a:noFill/>
+        </p:spPr>
+        <p:txBody>
+          <a:bodyPr wrap="square" rtlCol="0">
+            <a:spAutoFit/>
+          </a:bodyPr>
+          <a:lstStyle/>
+          <a:p>
+            <a:r>
+              <a:rPr lang="en-US" dirty="0" smtClean="0">
+                <a:solidFill>
+                  <a:schemeClr val="accent4"/>
+                </a:solidFill>
+              </a:rPr>
+              <a:t>We have seen…</a:t>
+            </a:r>
+            <a:endParaRPr lang="en-US" dirty="0">
+              <a:solidFill>
+                <a:schemeClr val="accent4"/>
+              </a:solidFill>
+            </a:endParaRPr>
+          </a:p>
+        </p:txBody>
+      </p:sp>
+      <p:sp>
+        <p:nvSpPr>
+          <p:cNvPr id="7" name="TextBox 6"/>
+          <p:cNvSpPr txBox="1"/>
+          <p:nvPr/>
+        </p:nvSpPr>
+        <p:spPr>
+          <a:xfrm>
+            <a:off x="170329" y="2922056"/>
+            <a:ext cx="2352031" cy="369332"/>
+          </a:xfrm>
+          <a:prstGeom prst="rect">
+            <a:avLst/>
+          </a:prstGeom>
+          <a:noFill/>
+          <a:ln>
+            <a:noFill/>
+          </a:ln>
+        </p:spPr>
+        <p:txBody>
+          <a:bodyPr wrap="square" rtlCol="0">
+            <a:spAutoFit/>
+          </a:bodyPr>
+          <a:lstStyle/>
+          <a:p>
+            <a:r>
+              <a:rPr lang="en-US" dirty="0" smtClean="0">
+                <a:solidFill>
+                  <a:schemeClr val="accent1"/>
+                </a:solidFill>
+              </a:rPr>
+              <a:t>We are going to see…</a:t>
+            </a:r>
+            <a:endParaRPr lang="en-US" dirty="0">
+              <a:solidFill>
+                <a:schemeClr val="accent1"/>
+              </a:solidFill>
+            </a:endParaRPr>
+          </a:p>
+        </p:txBody>
+      </p:sp>
+      <p:sp>
+        <p:nvSpPr>
+          <p:cNvPr id="9" name="TextBox 8"/>
+          <p:cNvSpPr txBox="1"/>
+          <p:nvPr/>
+        </p:nvSpPr>
+        <p:spPr>
+          <a:xfrm>
+            <a:off x="170329" y="3274800"/>
+            <a:ext cx="11205883" cy="1600438"/>
+          </a:xfrm>
+          <a:prstGeom prst="rect">
+            <a:avLst/>
+          </a:prstGeom>
+          <a:noFill/>
+          <a:ln>
+            <a:solidFill>
+              <a:schemeClr val="tx2"/>
+            </a:solidFill>
+          </a:ln>
+        </p:spPr>
+        <p:txBody>
+          <a:bodyPr wrap="square" rtlCol="0">
+            <a:spAutoFit/>
+          </a:bodyPr>
+          <a:lstStyle/>
+          <a:p>
+            <a:pPr marL="285750" indent="-285750">
+              <a:buFont typeface="Arial" panose="020B0604020202020204" pitchFamily="34" charset="0"/>
+              <a:buChar char="•"/>
+            </a:pPr>
+            <a:r>
+              <a:rPr lang="en-US" sz="1400" dirty="0" smtClean="0"/>
+              <a:t>How the generalized linear model contains these multivariate linear models, and extends them:</a:t>
+            </a:r>
+          </a:p>
+          <a:p>
+            <a:pPr marL="742950" lvl="1" indent="-285750">
+              <a:buFont typeface="Arial" panose="020B0604020202020204" pitchFamily="34" charset="0"/>
+              <a:buChar char="•"/>
+            </a:pPr>
+            <a:r>
+              <a:rPr lang="en-US" sz="1400" dirty="0" smtClean="0"/>
+              <a:t>Logistic &amp; Count Regression</a:t>
+            </a:r>
+          </a:p>
+          <a:p>
+            <a:pPr marL="285750" indent="-285750">
+              <a:buFont typeface="Arial" panose="020B0604020202020204" pitchFamily="34" charset="0"/>
+              <a:buChar char="•"/>
+            </a:pPr>
+            <a:r>
+              <a:rPr lang="en-US" sz="1400" dirty="0" smtClean="0"/>
+              <a:t>What does plotting the output provide</a:t>
+            </a:r>
+          </a:p>
+          <a:p>
+            <a:pPr marL="285750" indent="-285750">
+              <a:buFont typeface="Arial" panose="020B0604020202020204" pitchFamily="34" charset="0"/>
+              <a:buChar char="•"/>
+            </a:pPr>
+            <a:r>
+              <a:rPr lang="en-US" sz="1400" dirty="0" smtClean="0"/>
+              <a:t>What are the assumptions for using these models, and how can I assess them in R?</a:t>
+            </a:r>
+          </a:p>
+          <a:p>
+            <a:pPr marL="742950" lvl="1" indent="-285750">
+              <a:buFont typeface="Arial" panose="020B0604020202020204" pitchFamily="34" charset="0"/>
+              <a:buChar char="•"/>
+            </a:pPr>
+            <a:r>
+              <a:rPr lang="en-US" sz="1400" dirty="0" smtClean="0"/>
+              <a:t>Adjusting data through transforms to fit the data.</a:t>
+            </a:r>
+          </a:p>
+          <a:p>
+            <a:pPr marL="285750" indent="-285750">
+              <a:buFont typeface="Arial" panose="020B0604020202020204" pitchFamily="34" charset="0"/>
+              <a:buChar char="•"/>
+            </a:pPr>
+            <a:r>
+              <a:rPr lang="en-US" sz="1400" dirty="0" smtClean="0"/>
+              <a:t>How can we select the most useful variables for our models? </a:t>
+            </a:r>
+          </a:p>
+          <a:p>
+            <a:pPr marL="742950" lvl="1" indent="-285750">
+              <a:buFont typeface="Arial" panose="020B0604020202020204" pitchFamily="34" charset="0"/>
+              <a:buChar char="•"/>
+            </a:pPr>
+            <a:r>
+              <a:rPr lang="en-US" sz="1400" dirty="0" smtClean="0"/>
+              <a:t>Elastic-net (ridge/LASSO – shrinkage estimation), Stepwise selection based on AIC</a:t>
+            </a:r>
+            <a:endParaRPr lang="en-US" sz="1400" dirty="0"/>
+          </a:p>
+        </p:txBody>
+      </p:sp>
+    </p:spTree>
+    <p:extLst>
+      <p:ext uri="{BB962C8B-B14F-4D97-AF65-F5344CB8AC3E}">
+        <p14:creationId xmlns:p14="http://schemas.microsoft.com/office/powerpoint/2010/main" val="52612132"/>
+      </p:ext>
+    </p:extLst>
+  </p:cSld>
+  <p:clrMapOvr>
+    <a:masterClrMapping/>
+  </p:clrMapOvr>
+</p:sld>
+</file>
+
+<file path=ppt/slides/slide34.xml><?xml version="1.0" encoding="utf-8"?>
 <p:sld xmlns:a="http://schemas.openxmlformats.org/drawingml/2006/main" xmlns:r="http://schemas.openxmlformats.org/officeDocument/2006/relationships" xmlns:p="http://schemas.openxmlformats.org/presentationml/2006/main">
   <p:cSld>
     <p:spTree>
@@ -23839,19 +26657,8 @@
                 <a:latin typeface="Times New Roman" panose="02020603050405020304" pitchFamily="18" charset="0"/>
                 <a:cs typeface="Times New Roman" panose="02020603050405020304" pitchFamily="18" charset="0"/>
               </a:rPr>
-              <a:t> with three levels: low (less than 18.936), medium (between 18.936 and 20.708), and high (greater than 20.708), and regress Fertility on this variable alone, using high as the reference.  What is the interpretation of the value </a:t>
-            </a:r>
-            <a:r>
-              <a:rPr lang="en-US" dirty="0" smtClean="0">
-                <a:latin typeface="Times New Roman" panose="02020603050405020304" pitchFamily="18" charset="0"/>
-                <a:cs typeface="Times New Roman" panose="02020603050405020304" pitchFamily="18" charset="0"/>
-              </a:rPr>
-              <a:t>-10.495 in the Estimate Column? </a:t>
-            </a:r>
-            <a:endParaRPr lang="en-US" dirty="0" smtClean="0">
-              <a:latin typeface="Times New Roman" panose="02020603050405020304" pitchFamily="18" charset="0"/>
-              <a:cs typeface="Times New Roman" panose="02020603050405020304" pitchFamily="18" charset="0"/>
-            </a:endParaRPr>
+              <a:t> with three levels: low (less than 18.936), medium (between 18.936 and 20.708), and high (greater than 20.708), and regress Fertility on this variable alone, using high as the reference.  What is the interpretation of the value -10.495 in the Estimate Column? </a:t>
+            </a:r>
           </a:p>
           <a:p>
             <a:pPr marL="914400" lvl="1" indent="-457200">
@@ -23895,7 +26702,1165 @@
 </p:sld>
 </file>
 
+<file path=ppt/slides/slide35.xml><?xml version="1.0" encoding="utf-8"?>
+<p:sld xmlns:a="http://schemas.openxmlformats.org/drawingml/2006/main" xmlns:r="http://schemas.openxmlformats.org/officeDocument/2006/relationships" xmlns:p="http://schemas.openxmlformats.org/presentationml/2006/main">
+  <p:cSld>
+    <p:spTree>
+      <p:nvGrpSpPr>
+        <p:cNvPr id="1" name=""/>
+        <p:cNvGrpSpPr/>
+        <p:nvPr/>
+      </p:nvGrpSpPr>
+      <p:grpSpPr>
+        <a:xfrm>
+          <a:off x="0" y="0"/>
+          <a:ext cx="0" cy="0"/>
+          <a:chOff x="0" y="0"/>
+          <a:chExt cx="0" cy="0"/>
+        </a:xfrm>
+      </p:grpSpPr>
+      <p:sp>
+        <p:nvSpPr>
+          <p:cNvPr id="2" name="TextBox 1"/>
+          <p:cNvSpPr txBox="1"/>
+          <p:nvPr/>
+        </p:nvSpPr>
+        <p:spPr>
+          <a:xfrm>
+            <a:off x="157942" y="1596046"/>
+            <a:ext cx="11671069" cy="2800767"/>
+          </a:xfrm>
+          <a:prstGeom prst="rect">
+            <a:avLst/>
+          </a:prstGeom>
+          <a:noFill/>
+        </p:spPr>
+        <p:txBody>
+          <a:bodyPr wrap="square" rtlCol="0">
+            <a:spAutoFit/>
+          </a:bodyPr>
+          <a:lstStyle/>
+          <a:p>
+            <a:pPr algn="ctr"/>
+            <a:r>
+              <a:rPr lang="en-US" sz="4000" b="1" dirty="0" smtClean="0">
+                <a:latin typeface="Times New Roman" panose="02020603050405020304" pitchFamily="18" charset="0"/>
+                <a:cs typeface="Times New Roman" panose="02020603050405020304" pitchFamily="18" charset="0"/>
+              </a:rPr>
+              <a:t>Part </a:t>
+            </a:r>
+            <a:r>
+              <a:rPr lang="en-US" sz="4000" b="1" dirty="0" smtClean="0">
+                <a:latin typeface="Times New Roman" panose="02020603050405020304" pitchFamily="18" charset="0"/>
+                <a:cs typeface="Times New Roman" panose="02020603050405020304" pitchFamily="18" charset="0"/>
+              </a:rPr>
+              <a:t>II: </a:t>
+            </a:r>
+            <a:endParaRPr lang="en-US" sz="4000" b="1" dirty="0" smtClean="0">
+              <a:latin typeface="Times New Roman" panose="02020603050405020304" pitchFamily="18" charset="0"/>
+              <a:cs typeface="Times New Roman" panose="02020603050405020304" pitchFamily="18" charset="0"/>
+            </a:endParaRPr>
+          </a:p>
+          <a:p>
+            <a:pPr algn="ctr"/>
+            <a:r>
+              <a:rPr lang="en-US" sz="4000" b="1" dirty="0" smtClean="0">
+                <a:latin typeface="Times New Roman" panose="02020603050405020304" pitchFamily="18" charset="0"/>
+                <a:cs typeface="Times New Roman" panose="02020603050405020304" pitchFamily="18" charset="0"/>
+              </a:rPr>
+              <a:t>The Generalized Linear Model and Its </a:t>
+            </a:r>
+            <a:r>
+              <a:rPr lang="en-US" sz="4000" b="1" dirty="0" smtClean="0">
+                <a:latin typeface="Times New Roman" panose="02020603050405020304" pitchFamily="18" charset="0"/>
+                <a:cs typeface="Times New Roman" panose="02020603050405020304" pitchFamily="18" charset="0"/>
+              </a:rPr>
+              <a:t>A</a:t>
+            </a:r>
+            <a:r>
+              <a:rPr lang="en-US" sz="4000" b="1" dirty="0" smtClean="0">
+                <a:latin typeface="Times New Roman" panose="02020603050405020304" pitchFamily="18" charset="0"/>
+                <a:cs typeface="Times New Roman" panose="02020603050405020304" pitchFamily="18" charset="0"/>
+              </a:rPr>
+              <a:t>ssumptions: </a:t>
+            </a:r>
+            <a:endParaRPr lang="en-US" sz="4000" b="1" dirty="0" smtClean="0">
+              <a:latin typeface="Times New Roman" panose="02020603050405020304" pitchFamily="18" charset="0"/>
+              <a:cs typeface="Times New Roman" panose="02020603050405020304" pitchFamily="18" charset="0"/>
+            </a:endParaRPr>
+          </a:p>
+          <a:p>
+            <a:pPr algn="ctr"/>
+            <a:r>
+              <a:rPr lang="en-US" sz="3200" b="1" dirty="0" smtClean="0">
+                <a:latin typeface="Times New Roman" panose="02020603050405020304" pitchFamily="18" charset="0"/>
+                <a:cs typeface="Times New Roman" panose="02020603050405020304" pitchFamily="18" charset="0"/>
+              </a:rPr>
+              <a:t>Logistic, </a:t>
+            </a:r>
+            <a:r>
+              <a:rPr lang="en-US" sz="3200" b="1" dirty="0" err="1" smtClean="0">
+                <a:latin typeface="Times New Roman" panose="02020603050405020304" pitchFamily="18" charset="0"/>
+                <a:cs typeface="Times New Roman" panose="02020603050405020304" pitchFamily="18" charset="0"/>
+              </a:rPr>
+              <a:t>Probit</a:t>
+            </a:r>
+            <a:r>
+              <a:rPr lang="en-US" sz="3200" b="1" dirty="0" smtClean="0">
+                <a:latin typeface="Times New Roman" panose="02020603050405020304" pitchFamily="18" charset="0"/>
+                <a:cs typeface="Times New Roman" panose="02020603050405020304" pitchFamily="18" charset="0"/>
+              </a:rPr>
+              <a:t>, and Count Regressions</a:t>
+            </a:r>
+          </a:p>
+          <a:p>
+            <a:pPr algn="ctr"/>
+            <a:r>
+              <a:rPr lang="en-US" sz="3200" b="1" dirty="0" smtClean="0">
+                <a:latin typeface="Times New Roman" panose="02020603050405020304" pitchFamily="18" charset="0"/>
+                <a:cs typeface="Times New Roman" panose="02020603050405020304" pitchFamily="18" charset="0"/>
+              </a:rPr>
+              <a:t>&amp;</a:t>
+            </a:r>
+          </a:p>
+          <a:p>
+            <a:pPr algn="ctr"/>
+            <a:r>
+              <a:rPr lang="en-US" sz="3200" b="1" dirty="0" smtClean="0">
+                <a:latin typeface="Times New Roman" panose="02020603050405020304" pitchFamily="18" charset="0"/>
+                <a:cs typeface="Times New Roman" panose="02020603050405020304" pitchFamily="18" charset="0"/>
+              </a:rPr>
+              <a:t>Predictor Assessment, Transform, and Selection</a:t>
+            </a:r>
+            <a:endParaRPr lang="en-US" sz="3200" b="1" dirty="0">
+              <a:latin typeface="Times New Roman" panose="02020603050405020304" pitchFamily="18" charset="0"/>
+              <a:cs typeface="Times New Roman" panose="02020603050405020304" pitchFamily="18" charset="0"/>
+            </a:endParaRPr>
+          </a:p>
+        </p:txBody>
+      </p:sp>
+    </p:spTree>
+    <p:extLst>
+      <p:ext uri="{BB962C8B-B14F-4D97-AF65-F5344CB8AC3E}">
+        <p14:creationId xmlns:p14="http://schemas.microsoft.com/office/powerpoint/2010/main" val="3368963365"/>
+      </p:ext>
+    </p:extLst>
+  </p:cSld>
+  <p:clrMapOvr>
+    <a:masterClrMapping/>
+  </p:clrMapOvr>
+</p:sld>
+</file>
+
+<file path=ppt/slides/slide36.xml><?xml version="1.0" encoding="utf-8"?>
+<p:sld xmlns:a="http://schemas.openxmlformats.org/drawingml/2006/main" xmlns:r="http://schemas.openxmlformats.org/officeDocument/2006/relationships" xmlns:p="http://schemas.openxmlformats.org/presentationml/2006/main">
+  <p:cSld>
+    <p:spTree>
+      <p:nvGrpSpPr>
+        <p:cNvPr id="1" name=""/>
+        <p:cNvGrpSpPr/>
+        <p:nvPr/>
+      </p:nvGrpSpPr>
+      <p:grpSpPr>
+        <a:xfrm>
+          <a:off x="0" y="0"/>
+          <a:ext cx="0" cy="0"/>
+          <a:chOff x="0" y="0"/>
+          <a:chExt cx="0" cy="0"/>
+        </a:xfrm>
+      </p:grpSpPr>
+      <p:sp>
+        <p:nvSpPr>
+          <p:cNvPr id="2" name="Title 1">
+            <a:extLst>
+              <a:ext uri="{FF2B5EF4-FFF2-40B4-BE49-F238E27FC236}">
+                <a16:creationId xmlns:a16="http://schemas.microsoft.com/office/drawing/2014/main" id="{636FB483-8A01-854E-9BBE-55E0C355A79B}"/>
+              </a:ext>
+            </a:extLst>
+          </p:cNvPr>
+          <p:cNvSpPr txBox="1">
+            <a:spLocks/>
+          </p:cNvSpPr>
+          <p:nvPr/>
+        </p:nvSpPr>
+        <p:spPr>
+          <a:xfrm>
+            <a:off x="292557" y="283221"/>
+            <a:ext cx="11756484" cy="656493"/>
+          </a:xfrm>
+          <a:prstGeom prst="rect">
+            <a:avLst/>
+          </a:prstGeom>
+        </p:spPr>
+        <p:txBody>
+          <a:bodyPr/>
+          <a:lstStyle>
+            <a:lvl1pPr algn="l" defTabSz="914400" rtl="0" eaLnBrk="1" latinLnBrk="0" hangingPunct="1">
+              <a:lnSpc>
+                <a:spcPct val="90000"/>
+              </a:lnSpc>
+              <a:spcBef>
+                <a:spcPct val="0"/>
+              </a:spcBef>
+              <a:buNone/>
+              <a:defRPr sz="2800" b="1" kern="1200">
+                <a:solidFill>
+                  <a:schemeClr val="tx1"/>
+                </a:solidFill>
+                <a:latin typeface="Helvetica" pitchFamily="2" charset="0"/>
+                <a:ea typeface="+mj-ea"/>
+                <a:cs typeface="+mj-cs"/>
+              </a:defRPr>
+            </a:lvl1pPr>
+          </a:lstStyle>
+          <a:p>
+            <a:r>
+              <a:rPr lang="en-US" dirty="0" smtClean="0">
+                <a:latin typeface="Times New Roman" panose="02020603050405020304" pitchFamily="18" charset="0"/>
+                <a:cs typeface="Times New Roman" panose="02020603050405020304" pitchFamily="18" charset="0"/>
+              </a:rPr>
+              <a:t>The Generalized Linear Model</a:t>
+            </a:r>
+            <a:endParaRPr lang="en-US" dirty="0">
+              <a:latin typeface="Times New Roman" panose="02020603050405020304" pitchFamily="18" charset="0"/>
+              <a:cs typeface="Times New Roman" panose="02020603050405020304" pitchFamily="18" charset="0"/>
+            </a:endParaRPr>
+          </a:p>
+        </p:txBody>
+      </p:sp>
+    </p:spTree>
+    <p:extLst>
+      <p:ext uri="{BB962C8B-B14F-4D97-AF65-F5344CB8AC3E}">
+        <p14:creationId xmlns:p14="http://schemas.microsoft.com/office/powerpoint/2010/main" val="4240559859"/>
+      </p:ext>
+    </p:extLst>
+  </p:cSld>
+  <p:clrMapOvr>
+    <a:masterClrMapping/>
+  </p:clrMapOvr>
+</p:sld>
+</file>
+
+<file path=ppt/slides/slide37.xml><?xml version="1.0" encoding="utf-8"?>
+<p:sld xmlns:a="http://schemas.openxmlformats.org/drawingml/2006/main" xmlns:r="http://schemas.openxmlformats.org/officeDocument/2006/relationships" xmlns:p="http://schemas.openxmlformats.org/presentationml/2006/main">
+  <p:cSld>
+    <p:spTree>
+      <p:nvGrpSpPr>
+        <p:cNvPr id="1" name=""/>
+        <p:cNvGrpSpPr/>
+        <p:nvPr/>
+      </p:nvGrpSpPr>
+      <p:grpSpPr>
+        <a:xfrm>
+          <a:off x="0" y="0"/>
+          <a:ext cx="0" cy="0"/>
+          <a:chOff x="0" y="0"/>
+          <a:chExt cx="0" cy="0"/>
+        </a:xfrm>
+      </p:grpSpPr>
+      <p:sp>
+        <p:nvSpPr>
+          <p:cNvPr id="2" name="Rectangle 1"/>
+          <p:cNvSpPr/>
+          <p:nvPr/>
+        </p:nvSpPr>
+        <p:spPr>
+          <a:xfrm>
+            <a:off x="1090092" y="676101"/>
+            <a:ext cx="10204441" cy="5909310"/>
+          </a:xfrm>
+          <a:prstGeom prst="rect">
+            <a:avLst/>
+          </a:prstGeom>
+        </p:spPr>
+        <p:txBody>
+          <a:bodyPr wrap="square">
+            <a:spAutoFit/>
+          </a:bodyPr>
+          <a:lstStyle/>
+          <a:p>
+            <a:r>
+              <a:rPr lang="en-US" b="1" dirty="0" smtClean="0"/>
+              <a:t>Statistical Analysis of Genomics Data Course Penn State (STAT 555) [Includes RNA-</a:t>
+            </a:r>
+            <a:r>
+              <a:rPr lang="en-US" b="1" dirty="0" err="1" smtClean="0"/>
+              <a:t>Seq</a:t>
+            </a:r>
+            <a:r>
+              <a:rPr lang="en-US" b="1" dirty="0" smtClean="0"/>
+              <a:t> Data]: </a:t>
+            </a:r>
+          </a:p>
+          <a:p>
+            <a:pPr marL="285750" indent="-285750">
+              <a:buFont typeface="Arial" panose="020B0604020202020204" pitchFamily="34" charset="0"/>
+              <a:buChar char="•"/>
+            </a:pPr>
+            <a:r>
+              <a:rPr lang="en-US" dirty="0" smtClean="0">
+                <a:hlinkClick r:id="rId2"/>
+              </a:rPr>
+              <a:t>https</a:t>
+            </a:r>
+            <a:r>
+              <a:rPr lang="en-US" dirty="0">
+                <a:hlinkClick r:id="rId2"/>
+              </a:rPr>
+              <a:t>://online.stat.psu.edu/stat555</a:t>
+            </a:r>
+            <a:r>
+              <a:rPr lang="en-US" dirty="0" smtClean="0">
+                <a:hlinkClick r:id="rId2"/>
+              </a:rPr>
+              <a:t>/</a:t>
+            </a:r>
+            <a:endParaRPr lang="en-US" dirty="0" smtClean="0"/>
+          </a:p>
+          <a:p>
+            <a:r>
+              <a:rPr lang="en-US" b="1" dirty="0" smtClean="0"/>
+              <a:t>Penn State University Introduction to R (STAT 484) Textbook, Resources, and Course Notes: </a:t>
+            </a:r>
+          </a:p>
+          <a:p>
+            <a:pPr marL="285750" indent="-285750">
+              <a:buFont typeface="Arial" panose="020B0604020202020204" pitchFamily="34" charset="0"/>
+              <a:buChar char="•"/>
+            </a:pPr>
+            <a:r>
+              <a:rPr lang="en-US" dirty="0"/>
+              <a:t>Textbook: </a:t>
+            </a:r>
+            <a:r>
+              <a:rPr lang="en-US" dirty="0">
+                <a:hlinkClick r:id="rId3"/>
+              </a:rPr>
+              <a:t>https://</a:t>
+            </a:r>
+            <a:r>
+              <a:rPr lang="en-US" dirty="0" smtClean="0">
+                <a:hlinkClick r:id="rId3"/>
+              </a:rPr>
+              <a:t>online.stat.psu.edu/statprogram/sites/statprogram/files/EssentialR.pdf</a:t>
+            </a:r>
+            <a:endParaRPr lang="en-US" dirty="0" smtClean="0"/>
+          </a:p>
+          <a:p>
+            <a:pPr marL="285750" indent="-285750">
+              <a:buFont typeface="Arial" panose="020B0604020202020204" pitchFamily="34" charset="0"/>
+              <a:buChar char="•"/>
+            </a:pPr>
+            <a:r>
+              <a:rPr lang="en-US" dirty="0"/>
+              <a:t>Resources</a:t>
+            </a:r>
+            <a:r>
+              <a:rPr lang="en-US" dirty="0" smtClean="0"/>
+              <a:t>: </a:t>
+            </a:r>
+            <a:r>
+              <a:rPr lang="en-US" dirty="0" smtClean="0">
+                <a:hlinkClick r:id="rId4"/>
+              </a:rPr>
+              <a:t>https</a:t>
+            </a:r>
+            <a:r>
+              <a:rPr lang="en-US" dirty="0">
+                <a:hlinkClick r:id="rId4"/>
+              </a:rPr>
+              <a:t>://</a:t>
+            </a:r>
+            <a:r>
+              <a:rPr lang="en-US" dirty="0" smtClean="0">
+                <a:hlinkClick r:id="rId4"/>
+              </a:rPr>
+              <a:t>online.stat.psu.edu/statprogram/sites/statprogram/files/EssentialRfiles.zip</a:t>
+            </a:r>
+            <a:endParaRPr lang="en-US" dirty="0" smtClean="0"/>
+          </a:p>
+          <a:p>
+            <a:pPr marL="285750" indent="-285750">
+              <a:buFont typeface="Arial" panose="020B0604020202020204" pitchFamily="34" charset="0"/>
+              <a:buChar char="•"/>
+            </a:pPr>
+            <a:r>
+              <a:rPr lang="en-US" dirty="0"/>
+              <a:t>Course Notes: </a:t>
+            </a:r>
+            <a:r>
+              <a:rPr lang="en-US" dirty="0">
+                <a:hlinkClick r:id="rId5"/>
+              </a:rPr>
+              <a:t>https://online.stat.psu.edu/stat484</a:t>
+            </a:r>
+            <a:r>
+              <a:rPr lang="en-US" dirty="0" smtClean="0">
+                <a:hlinkClick r:id="rId5"/>
+              </a:rPr>
+              <a:t>/</a:t>
+            </a:r>
+            <a:r>
+              <a:rPr lang="en-US" dirty="0" smtClean="0"/>
+              <a:t> </a:t>
+            </a:r>
+          </a:p>
+          <a:p>
+            <a:r>
+              <a:rPr lang="en-US" b="1" dirty="0" smtClean="0"/>
+              <a:t>Penn State University Intermediate R (STAT 485) Course Notes: </a:t>
+            </a:r>
+          </a:p>
+          <a:p>
+            <a:pPr marL="285750" indent="-285750">
+              <a:buFont typeface="Arial" panose="020B0604020202020204" pitchFamily="34" charset="0"/>
+              <a:buChar char="•"/>
+            </a:pPr>
+            <a:r>
+              <a:rPr lang="en-US" dirty="0"/>
+              <a:t>Course Notes: </a:t>
+            </a:r>
+            <a:r>
+              <a:rPr lang="en-US" dirty="0">
+                <a:hlinkClick r:id="rId6"/>
+              </a:rPr>
+              <a:t>https://online.stat.psu.edu/stat485</a:t>
+            </a:r>
+            <a:r>
+              <a:rPr lang="en-US" dirty="0" smtClean="0">
+                <a:hlinkClick r:id="rId6"/>
+              </a:rPr>
+              <a:t>/</a:t>
+            </a:r>
+            <a:endParaRPr lang="en-US" dirty="0" smtClean="0"/>
+          </a:p>
+          <a:p>
+            <a:endParaRPr lang="en-US" dirty="0" smtClean="0"/>
+          </a:p>
+          <a:p>
+            <a:r>
+              <a:rPr lang="en-US" b="1" dirty="0" smtClean="0"/>
+              <a:t>Some Basic R Exercises for Practice from geeksforgeeks.org:</a:t>
+            </a:r>
+          </a:p>
+          <a:p>
+            <a:pPr marL="285750" indent="-285750">
+              <a:buFont typeface="Arial" panose="020B0604020202020204" pitchFamily="34" charset="0"/>
+              <a:buChar char="•"/>
+            </a:pPr>
+            <a:r>
+              <a:rPr lang="en-US" dirty="0">
+                <a:hlinkClick r:id="rId7"/>
+              </a:rPr>
+              <a:t>https://www.geeksforgeeks.org/r-programming-exercises-practice-questions-and-solutions</a:t>
+            </a:r>
+            <a:r>
+              <a:rPr lang="en-US" dirty="0" smtClean="0">
+                <a:hlinkClick r:id="rId7"/>
+              </a:rPr>
+              <a:t>/</a:t>
+            </a:r>
+            <a:endParaRPr lang="en-US" dirty="0" smtClean="0"/>
+          </a:p>
+          <a:p>
+            <a:r>
+              <a:rPr lang="en-US" b="1" dirty="0" smtClean="0"/>
+              <a:t>Some Basic R Exercises for Practicing using the DAAG package </a:t>
+            </a:r>
+          </a:p>
+          <a:p>
+            <a:r>
+              <a:rPr lang="en-US" b="1" dirty="0"/>
+              <a:t>	</a:t>
+            </a:r>
+            <a:r>
+              <a:rPr lang="en-US" b="1" dirty="0" smtClean="0"/>
+              <a:t>(Associated with the textbook “Data Analysis and Graphics Using R”):</a:t>
+            </a:r>
+          </a:p>
+          <a:p>
+            <a:pPr marL="285750" indent="-285750">
+              <a:buFont typeface="Arial" panose="020B0604020202020204" pitchFamily="34" charset="0"/>
+              <a:buChar char="•"/>
+            </a:pPr>
+            <a:r>
+              <a:rPr lang="en-US" dirty="0">
+                <a:hlinkClick r:id="rId8"/>
+              </a:rPr>
+              <a:t>https://maths-people.anu.edu.au/~</a:t>
+            </a:r>
+            <a:r>
+              <a:rPr lang="en-US" dirty="0" smtClean="0">
+                <a:hlinkClick r:id="rId8"/>
+              </a:rPr>
+              <a:t>johnm/courses/r/exercises/pdf/r-exercises.pdf</a:t>
+            </a:r>
+            <a:endParaRPr lang="en-US" dirty="0" smtClean="0"/>
+          </a:p>
+          <a:p>
+            <a:r>
+              <a:rPr lang="en-US" b="1" dirty="0" smtClean="0"/>
+              <a:t>Some Basic Mathematical Exercises that will strengthen skills in any language including R:</a:t>
+            </a:r>
+          </a:p>
+          <a:p>
+            <a:pPr marL="285750" indent="-285750">
+              <a:buFont typeface="Arial" panose="020B0604020202020204" pitchFamily="34" charset="0"/>
+              <a:buChar char="•"/>
+            </a:pPr>
+            <a:r>
+              <a:rPr lang="en-US" b="1" dirty="0">
+                <a:hlinkClick r:id="rId9"/>
+              </a:rPr>
+              <a:t>https://</a:t>
+            </a:r>
+            <a:r>
+              <a:rPr lang="en-US" b="1" dirty="0" smtClean="0">
+                <a:hlinkClick r:id="rId9"/>
+              </a:rPr>
+              <a:t>projecteuler.net/</a:t>
+            </a:r>
+            <a:endParaRPr lang="en-US" b="1" dirty="0" smtClean="0"/>
+          </a:p>
+          <a:p>
+            <a:pPr marL="285750" indent="-285750">
+              <a:buFont typeface="Arial" panose="020B0604020202020204" pitchFamily="34" charset="0"/>
+              <a:buChar char="•"/>
+            </a:pPr>
+            <a:endParaRPr lang="en-US" b="1" dirty="0"/>
+          </a:p>
+          <a:p>
+            <a:r>
+              <a:rPr lang="en-US" b="1" dirty="0" smtClean="0"/>
+              <a:t>Some Good Books for Helping to Learn R:</a:t>
+            </a:r>
+          </a:p>
+          <a:p>
+            <a:endParaRPr lang="en-US" dirty="0" smtClean="0"/>
+          </a:p>
+          <a:p>
+            <a:endParaRPr lang="en-US" dirty="0" smtClean="0"/>
+          </a:p>
+          <a:p>
+            <a:pPr marL="285750" indent="-285750">
+              <a:buFont typeface="Arial" panose="020B0604020202020204" pitchFamily="34" charset="0"/>
+              <a:buChar char="•"/>
+            </a:pPr>
+            <a:endParaRPr lang="en-US" dirty="0" smtClean="0"/>
+          </a:p>
+        </p:txBody>
+      </p:sp>
+      <p:sp>
+        <p:nvSpPr>
+          <p:cNvPr id="3" name="Title 1">
+            <a:extLst>
+              <a:ext uri="{FF2B5EF4-FFF2-40B4-BE49-F238E27FC236}">
+                <a16:creationId xmlns:a16="http://schemas.microsoft.com/office/drawing/2014/main" id="{636FB483-8A01-854E-9BBE-55E0C355A79B}"/>
+              </a:ext>
+            </a:extLst>
+          </p:cNvPr>
+          <p:cNvSpPr txBox="1">
+            <a:spLocks/>
+          </p:cNvSpPr>
+          <p:nvPr/>
+        </p:nvSpPr>
+        <p:spPr>
+          <a:xfrm>
+            <a:off x="292557" y="283221"/>
+            <a:ext cx="11756484" cy="656493"/>
+          </a:xfrm>
+          <a:prstGeom prst="rect">
+            <a:avLst/>
+          </a:prstGeom>
+        </p:spPr>
+        <p:txBody>
+          <a:bodyPr/>
+          <a:lstStyle>
+            <a:lvl1pPr algn="l" defTabSz="914400" rtl="0" eaLnBrk="1" latinLnBrk="0" hangingPunct="1">
+              <a:lnSpc>
+                <a:spcPct val="90000"/>
+              </a:lnSpc>
+              <a:spcBef>
+                <a:spcPct val="0"/>
+              </a:spcBef>
+              <a:buNone/>
+              <a:defRPr sz="2800" b="1" kern="1200">
+                <a:solidFill>
+                  <a:schemeClr val="tx1"/>
+                </a:solidFill>
+                <a:latin typeface="Helvetica" pitchFamily="2" charset="0"/>
+                <a:ea typeface="+mj-ea"/>
+                <a:cs typeface="+mj-cs"/>
+              </a:defRPr>
+            </a:lvl1pPr>
+          </a:lstStyle>
+          <a:p>
+            <a:r>
+              <a:rPr lang="en-US" sz="2400" dirty="0" smtClean="0">
+                <a:latin typeface="Times New Roman" panose="02020603050405020304" pitchFamily="18" charset="0"/>
+                <a:cs typeface="Times New Roman" panose="02020603050405020304" pitchFamily="18" charset="0"/>
+              </a:rPr>
+              <a:t>Additional Resources for Learning Statistics &amp; The R Programming Language.</a:t>
+            </a:r>
+            <a:endParaRPr lang="en-US" sz="2400" dirty="0">
+              <a:latin typeface="Times New Roman" panose="02020603050405020304" pitchFamily="18" charset="0"/>
+              <a:cs typeface="Times New Roman" panose="02020603050405020304" pitchFamily="18" charset="0"/>
+            </a:endParaRPr>
+          </a:p>
+        </p:txBody>
+      </p:sp>
+    </p:spTree>
+    <p:extLst>
+      <p:ext uri="{BB962C8B-B14F-4D97-AF65-F5344CB8AC3E}">
+        <p14:creationId xmlns:p14="http://schemas.microsoft.com/office/powerpoint/2010/main" val="1509743409"/>
+      </p:ext>
+    </p:extLst>
+  </p:cSld>
+  <p:clrMapOvr>
+    <a:masterClrMapping/>
+  </p:clrMapOvr>
+</p:sld>
+</file>
+
 <file path=ppt/slides/slide4.xml><?xml version="1.0" encoding="utf-8"?>
+<p:sld xmlns:a="http://schemas.openxmlformats.org/drawingml/2006/main" xmlns:r="http://schemas.openxmlformats.org/officeDocument/2006/relationships" xmlns:p="http://schemas.openxmlformats.org/presentationml/2006/main">
+  <p:cSld>
+    <p:spTree>
+      <p:nvGrpSpPr>
+        <p:cNvPr id="1" name=""/>
+        <p:cNvGrpSpPr/>
+        <p:nvPr/>
+      </p:nvGrpSpPr>
+      <p:grpSpPr>
+        <a:xfrm>
+          <a:off x="0" y="0"/>
+          <a:ext cx="0" cy="0"/>
+          <a:chOff x="0" y="0"/>
+          <a:chExt cx="0" cy="0"/>
+        </a:xfrm>
+      </p:grpSpPr>
+      <p:sp>
+        <p:nvSpPr>
+          <p:cNvPr id="2" name="Title 1">
+            <a:extLst>
+              <a:ext uri="{FF2B5EF4-FFF2-40B4-BE49-F238E27FC236}">
+                <a16:creationId xmlns:a16="http://schemas.microsoft.com/office/drawing/2014/main" id="{636FB483-8A01-854E-9BBE-55E0C355A79B}"/>
+              </a:ext>
+            </a:extLst>
+          </p:cNvPr>
+          <p:cNvSpPr txBox="1">
+            <a:spLocks/>
+          </p:cNvSpPr>
+          <p:nvPr/>
+        </p:nvSpPr>
+        <p:spPr>
+          <a:xfrm>
+            <a:off x="292557" y="283221"/>
+            <a:ext cx="10017369" cy="656493"/>
+          </a:xfrm>
+          <a:prstGeom prst="rect">
+            <a:avLst/>
+          </a:prstGeom>
+        </p:spPr>
+        <p:txBody>
+          <a:bodyPr/>
+          <a:lstStyle>
+            <a:lvl1pPr algn="l" defTabSz="914400" rtl="0" eaLnBrk="1" latinLnBrk="0" hangingPunct="1">
+              <a:lnSpc>
+                <a:spcPct val="90000"/>
+              </a:lnSpc>
+              <a:spcBef>
+                <a:spcPct val="0"/>
+              </a:spcBef>
+              <a:buNone/>
+              <a:defRPr sz="2800" b="1" kern="1200">
+                <a:solidFill>
+                  <a:schemeClr val="tx1"/>
+                </a:solidFill>
+                <a:latin typeface="Helvetica" pitchFamily="2" charset="0"/>
+                <a:ea typeface="+mj-ea"/>
+                <a:cs typeface="+mj-cs"/>
+              </a:defRPr>
+            </a:lvl1pPr>
+          </a:lstStyle>
+          <a:p>
+            <a:r>
+              <a:rPr lang="en-US" dirty="0" smtClean="0">
+                <a:latin typeface="Times New Roman" panose="02020603050405020304" pitchFamily="18" charset="0"/>
+                <a:cs typeface="Times New Roman" panose="02020603050405020304" pitchFamily="18" charset="0"/>
+              </a:rPr>
+              <a:t>What you will </a:t>
+            </a:r>
+            <a:r>
+              <a:rPr lang="en-US" i="1" u="sng" dirty="0" smtClean="0">
+                <a:latin typeface="Times New Roman" panose="02020603050405020304" pitchFamily="18" charset="0"/>
+                <a:cs typeface="Times New Roman" panose="02020603050405020304" pitchFamily="18" charset="0"/>
+              </a:rPr>
+              <a:t>NOT</a:t>
+            </a:r>
+            <a:r>
+              <a:rPr lang="en-US" dirty="0" smtClean="0">
+                <a:latin typeface="Times New Roman" panose="02020603050405020304" pitchFamily="18" charset="0"/>
+                <a:cs typeface="Times New Roman" panose="02020603050405020304" pitchFamily="18" charset="0"/>
+              </a:rPr>
+              <a:t> learn </a:t>
+            </a:r>
+            <a:r>
+              <a:rPr lang="en-US" dirty="0" smtClean="0">
+                <a:latin typeface="Times New Roman" panose="02020603050405020304" pitchFamily="18" charset="0"/>
+                <a:cs typeface="Times New Roman" panose="02020603050405020304" pitchFamily="18" charset="0"/>
+              </a:rPr>
+              <a:t>in this </a:t>
+            </a:r>
+            <a:r>
+              <a:rPr lang="en-US" dirty="0" smtClean="0">
+                <a:latin typeface="Times New Roman" panose="02020603050405020304" pitchFamily="18" charset="0"/>
+                <a:cs typeface="Times New Roman" panose="02020603050405020304" pitchFamily="18" charset="0"/>
+              </a:rPr>
+              <a:t>section but have available in R!</a:t>
+            </a:r>
+            <a:endParaRPr lang="en-US" dirty="0">
+              <a:latin typeface="Times New Roman" panose="02020603050405020304" pitchFamily="18" charset="0"/>
+              <a:cs typeface="Times New Roman" panose="02020603050405020304" pitchFamily="18" charset="0"/>
+            </a:endParaRPr>
+          </a:p>
+        </p:txBody>
+      </p:sp>
+      <p:sp>
+        <p:nvSpPr>
+          <p:cNvPr id="3" name="TextBox 2"/>
+          <p:cNvSpPr txBox="1"/>
+          <p:nvPr/>
+        </p:nvSpPr>
+        <p:spPr>
+          <a:xfrm>
+            <a:off x="292557" y="960241"/>
+            <a:ext cx="11578459" cy="5047536"/>
+          </a:xfrm>
+          <a:prstGeom prst="rect">
+            <a:avLst/>
+          </a:prstGeom>
+          <a:noFill/>
+        </p:spPr>
+        <p:txBody>
+          <a:bodyPr wrap="square" rtlCol="0">
+            <a:spAutoFit/>
+          </a:bodyPr>
+          <a:lstStyle/>
+          <a:p>
+            <a:pPr marL="285750" indent="-285750">
+              <a:buFont typeface="Arial" panose="020B0604020202020204" pitchFamily="34" charset="0"/>
+              <a:buChar char="•"/>
+            </a:pPr>
+            <a:r>
+              <a:rPr lang="en-US" sz="1400" dirty="0" smtClean="0">
+                <a:latin typeface="Times New Roman" panose="02020603050405020304" pitchFamily="18" charset="0"/>
+                <a:cs typeface="Times New Roman" panose="02020603050405020304" pitchFamily="18" charset="0"/>
+              </a:rPr>
+              <a:t>What are the differences between fixed effects and random effects</a:t>
+            </a:r>
+          </a:p>
+          <a:p>
+            <a:pPr marL="742950" lvl="1" indent="-285750">
+              <a:buFont typeface="Arial" panose="020B0604020202020204" pitchFamily="34" charset="0"/>
+              <a:buChar char="•"/>
+            </a:pPr>
+            <a:r>
+              <a:rPr lang="en-US" sz="1400" dirty="0" smtClean="0">
+                <a:latin typeface="Times New Roman" panose="02020603050405020304" pitchFamily="18" charset="0"/>
+                <a:cs typeface="Times New Roman" panose="02020603050405020304" pitchFamily="18" charset="0"/>
+              </a:rPr>
+              <a:t>Can I produce Random Effects models using the R Languages </a:t>
+            </a:r>
+            <a:r>
+              <a:rPr lang="en-US" sz="1400" b="1" dirty="0" err="1" smtClean="0">
+                <a:latin typeface="Times New Roman" panose="02020603050405020304" pitchFamily="18" charset="0"/>
+                <a:cs typeface="Times New Roman" panose="02020603050405020304" pitchFamily="18" charset="0"/>
+              </a:rPr>
+              <a:t>lmer</a:t>
+            </a:r>
+            <a:r>
+              <a:rPr lang="en-US" sz="1400" b="1" dirty="0" smtClean="0">
+                <a:latin typeface="Times New Roman" panose="02020603050405020304" pitchFamily="18" charset="0"/>
+                <a:cs typeface="Times New Roman" panose="02020603050405020304" pitchFamily="18" charset="0"/>
+              </a:rPr>
+              <a:t> package</a:t>
+            </a:r>
+            <a:r>
+              <a:rPr lang="en-US" sz="1400" dirty="0" smtClean="0">
+                <a:latin typeface="Times New Roman" panose="02020603050405020304" pitchFamily="18" charset="0"/>
+                <a:cs typeface="Times New Roman" panose="02020603050405020304" pitchFamily="18" charset="0"/>
+              </a:rPr>
+              <a:t>? </a:t>
+            </a:r>
+          </a:p>
+          <a:p>
+            <a:pPr marL="742950" lvl="1" indent="-285750">
+              <a:buFont typeface="Arial" panose="020B0604020202020204" pitchFamily="34" charset="0"/>
+              <a:buChar char="•"/>
+            </a:pPr>
+            <a:r>
+              <a:rPr lang="en-US" sz="1400" dirty="0" smtClean="0">
+                <a:latin typeface="Times New Roman" panose="02020603050405020304" pitchFamily="18" charset="0"/>
+                <a:cs typeface="Times New Roman" panose="02020603050405020304" pitchFamily="18" charset="0"/>
+              </a:rPr>
+              <a:t>Can I put random effects and mixed effects in the same model for a </a:t>
+            </a:r>
+            <a:r>
+              <a:rPr lang="en-US" sz="1400" b="1" i="1" dirty="0" smtClean="0">
+                <a:latin typeface="Times New Roman" panose="02020603050405020304" pitchFamily="18" charset="0"/>
+                <a:cs typeface="Times New Roman" panose="02020603050405020304" pitchFamily="18" charset="0"/>
+              </a:rPr>
+              <a:t>mixed </a:t>
+            </a:r>
+            <a:r>
+              <a:rPr lang="en-US" sz="1400" b="1" dirty="0" smtClean="0">
+                <a:latin typeface="Times New Roman" panose="02020603050405020304" pitchFamily="18" charset="0"/>
+                <a:cs typeface="Times New Roman" panose="02020603050405020304" pitchFamily="18" charset="0"/>
+              </a:rPr>
+              <a:t>effects model?</a:t>
+            </a:r>
+          </a:p>
+          <a:p>
+            <a:pPr marL="742950" lvl="1" indent="-285750">
+              <a:buFont typeface="Arial" panose="020B0604020202020204" pitchFamily="34" charset="0"/>
+              <a:buChar char="•"/>
+            </a:pPr>
+            <a:r>
+              <a:rPr lang="en-US" sz="1400" dirty="0" smtClean="0">
+                <a:latin typeface="Times New Roman" panose="02020603050405020304" pitchFamily="18" charset="0"/>
+                <a:cs typeface="Times New Roman" panose="02020603050405020304" pitchFamily="18" charset="0"/>
+              </a:rPr>
+              <a:t>How can I tell if an effect should be modeled as </a:t>
+            </a:r>
+            <a:r>
+              <a:rPr lang="en-US" sz="1400" b="1" dirty="0" smtClean="0">
+                <a:latin typeface="Times New Roman" panose="02020603050405020304" pitchFamily="18" charset="0"/>
+                <a:cs typeface="Times New Roman" panose="02020603050405020304" pitchFamily="18" charset="0"/>
+              </a:rPr>
+              <a:t>fixed vs. random</a:t>
+            </a:r>
+            <a:r>
+              <a:rPr lang="en-US" sz="1400" dirty="0" smtClean="0">
+                <a:latin typeface="Times New Roman" panose="02020603050405020304" pitchFamily="18" charset="0"/>
+                <a:cs typeface="Times New Roman" panose="02020603050405020304" pitchFamily="18" charset="0"/>
+              </a:rPr>
+              <a:t>.</a:t>
+            </a:r>
+          </a:p>
+          <a:p>
+            <a:pPr marL="285750" indent="-285750">
+              <a:buFont typeface="Arial" panose="020B0604020202020204" pitchFamily="34" charset="0"/>
+              <a:buChar char="•"/>
+            </a:pPr>
+            <a:r>
+              <a:rPr lang="en-US" sz="1400" dirty="0" smtClean="0">
+                <a:latin typeface="Times New Roman" panose="02020603050405020304" pitchFamily="18" charset="0"/>
+                <a:cs typeface="Times New Roman" panose="02020603050405020304" pitchFamily="18" charset="0"/>
+              </a:rPr>
+              <a:t>What are principal components and how can they be used in regression? </a:t>
+            </a:r>
+          </a:p>
+          <a:p>
+            <a:pPr marL="742950" lvl="1" indent="-285750">
+              <a:buFont typeface="Arial" panose="020B0604020202020204" pitchFamily="34" charset="0"/>
+              <a:buChar char="•"/>
+            </a:pPr>
+            <a:r>
+              <a:rPr lang="en-US" sz="1400" dirty="0" smtClean="0">
+                <a:latin typeface="Times New Roman" panose="02020603050405020304" pitchFamily="18" charset="0"/>
+                <a:cs typeface="Times New Roman" panose="02020603050405020304" pitchFamily="18" charset="0"/>
+              </a:rPr>
+              <a:t>The </a:t>
+            </a:r>
+            <a:r>
+              <a:rPr lang="en-US" sz="1400" b="1" dirty="0" smtClean="0">
+                <a:latin typeface="Times New Roman" panose="02020603050405020304" pitchFamily="18" charset="0"/>
+                <a:cs typeface="Times New Roman" panose="02020603050405020304" pitchFamily="18" charset="0"/>
+              </a:rPr>
+              <a:t>principal components regression</a:t>
+            </a:r>
+            <a:r>
+              <a:rPr lang="en-US" sz="1400" dirty="0" smtClean="0">
+                <a:latin typeface="Times New Roman" panose="02020603050405020304" pitchFamily="18" charset="0"/>
+                <a:cs typeface="Times New Roman" panose="02020603050405020304" pitchFamily="18" charset="0"/>
+              </a:rPr>
+              <a:t> approach.</a:t>
+            </a:r>
+          </a:p>
+          <a:p>
+            <a:pPr marL="742950" lvl="1" indent="-285750">
+              <a:buFont typeface="Arial" panose="020B0604020202020204" pitchFamily="34" charset="0"/>
+              <a:buChar char="•"/>
+            </a:pPr>
+            <a:r>
+              <a:rPr lang="en-US" sz="1400" dirty="0" smtClean="0">
+                <a:latin typeface="Times New Roman" panose="02020603050405020304" pitchFamily="18" charset="0"/>
+                <a:cs typeface="Times New Roman" panose="02020603050405020304" pitchFamily="18" charset="0"/>
+              </a:rPr>
+              <a:t>Assessment of principal components.</a:t>
+            </a:r>
+          </a:p>
+          <a:p>
+            <a:pPr marL="285750" indent="-285750">
+              <a:buFont typeface="Arial" panose="020B0604020202020204" pitchFamily="34" charset="0"/>
+              <a:buChar char="•"/>
+            </a:pPr>
+            <a:r>
+              <a:rPr lang="en-US" sz="1400" dirty="0" smtClean="0">
+                <a:latin typeface="Times New Roman" panose="02020603050405020304" pitchFamily="18" charset="0"/>
+                <a:cs typeface="Times New Roman" panose="02020603050405020304" pitchFamily="18" charset="0"/>
+              </a:rPr>
+              <a:t>Alternative kinds of regression available in R: </a:t>
+            </a:r>
+          </a:p>
+          <a:p>
+            <a:pPr marL="742950" lvl="1" indent="-285750">
+              <a:buFont typeface="Arial" panose="020B0604020202020204" pitchFamily="34" charset="0"/>
+              <a:buChar char="•"/>
+            </a:pPr>
+            <a:r>
+              <a:rPr lang="en-US" sz="1400" dirty="0" smtClean="0">
+                <a:latin typeface="Times New Roman" panose="02020603050405020304" pitchFamily="18" charset="0"/>
+                <a:cs typeface="Times New Roman" panose="02020603050405020304" pitchFamily="18" charset="0"/>
+              </a:rPr>
+              <a:t>Isotonic Regression (Monotonic Regression) </a:t>
+            </a:r>
+          </a:p>
+          <a:p>
+            <a:pPr marL="742950" lvl="1" indent="-285750">
+              <a:buFont typeface="Arial" panose="020B0604020202020204" pitchFamily="34" charset="0"/>
+              <a:buChar char="•"/>
+            </a:pPr>
+            <a:r>
+              <a:rPr lang="en-US" sz="1400" dirty="0" smtClean="0">
+                <a:latin typeface="Times New Roman" panose="02020603050405020304" pitchFamily="18" charset="0"/>
+                <a:cs typeface="Times New Roman" panose="02020603050405020304" pitchFamily="18" charset="0"/>
+              </a:rPr>
+              <a:t>AR-type models (Auto-Regressive models for time series data)</a:t>
+            </a:r>
+          </a:p>
+          <a:p>
+            <a:pPr marL="742950" lvl="1" indent="-285750">
+              <a:buFont typeface="Arial" panose="020B0604020202020204" pitchFamily="34" charset="0"/>
+              <a:buChar char="•"/>
+            </a:pPr>
+            <a:r>
+              <a:rPr lang="en-US" sz="1400" dirty="0" smtClean="0">
+                <a:latin typeface="Times New Roman" panose="02020603050405020304" pitchFamily="18" charset="0"/>
+                <a:cs typeface="Times New Roman" panose="02020603050405020304" pitchFamily="18" charset="0"/>
+              </a:rPr>
+              <a:t>Projection Pursuit Regression (Generalization of Additive model) </a:t>
+            </a:r>
+          </a:p>
+          <a:p>
+            <a:pPr marL="742950" lvl="1" indent="-285750">
+              <a:buFont typeface="Arial" panose="020B0604020202020204" pitchFamily="34" charset="0"/>
+              <a:buChar char="•"/>
+            </a:pPr>
+            <a:r>
+              <a:rPr lang="en-US" sz="1400" dirty="0" smtClean="0">
+                <a:latin typeface="Times New Roman" panose="02020603050405020304" pitchFamily="18" charset="0"/>
+                <a:cs typeface="Times New Roman" panose="02020603050405020304" pitchFamily="18" charset="0"/>
+              </a:rPr>
+              <a:t>Nonlinear regression and modeling (</a:t>
+            </a:r>
+            <a:r>
+              <a:rPr lang="en-US" sz="1400" dirty="0" err="1" smtClean="0">
+                <a:latin typeface="Times New Roman" panose="02020603050405020304" pitchFamily="18" charset="0"/>
+                <a:cs typeface="Times New Roman" panose="02020603050405020304" pitchFamily="18" charset="0"/>
+              </a:rPr>
+              <a:t>nlm</a:t>
+            </a:r>
+            <a:r>
+              <a:rPr lang="en-US" sz="1400" dirty="0" smtClean="0">
+                <a:latin typeface="Times New Roman" panose="02020603050405020304" pitchFamily="18" charset="0"/>
+                <a:cs typeface="Times New Roman" panose="02020603050405020304" pitchFamily="18" charset="0"/>
+              </a:rPr>
+              <a:t>() in R)</a:t>
+            </a:r>
+          </a:p>
+          <a:p>
+            <a:pPr marL="742950" lvl="1" indent="-285750">
+              <a:buFont typeface="Arial" panose="020B0604020202020204" pitchFamily="34" charset="0"/>
+              <a:buChar char="•"/>
+            </a:pPr>
+            <a:r>
+              <a:rPr lang="en-US" sz="1400" dirty="0" smtClean="0">
+                <a:latin typeface="Times New Roman" panose="02020603050405020304" pitchFamily="18" charset="0"/>
+                <a:cs typeface="Times New Roman" panose="02020603050405020304" pitchFamily="18" charset="0"/>
+              </a:rPr>
+              <a:t>Partial Least Squares Regression (or Discriminant Analysis)</a:t>
+            </a:r>
+          </a:p>
+          <a:p>
+            <a:pPr marL="742950" lvl="1" indent="-285750">
+              <a:buFont typeface="Arial" panose="020B0604020202020204" pitchFamily="34" charset="0"/>
+              <a:buChar char="•"/>
+            </a:pPr>
+            <a:r>
+              <a:rPr lang="en-US" sz="1400" dirty="0" smtClean="0">
+                <a:latin typeface="Times New Roman" panose="02020603050405020304" pitchFamily="18" charset="0"/>
+                <a:cs typeface="Times New Roman" panose="02020603050405020304" pitchFamily="18" charset="0"/>
+              </a:rPr>
+              <a:t>Machine Learning (Perceptron Modeling, Random Forests, Naïve Bayes, etc…) </a:t>
+            </a:r>
+            <a:endParaRPr lang="en-US" sz="1400" dirty="0" smtClean="0">
+              <a:latin typeface="Times New Roman" panose="02020603050405020304" pitchFamily="18" charset="0"/>
+              <a:cs typeface="Times New Roman" panose="02020603050405020304" pitchFamily="18" charset="0"/>
+            </a:endParaRPr>
+          </a:p>
+          <a:p>
+            <a:pPr marL="285750" indent="-285750">
+              <a:buFont typeface="Arial" panose="020B0604020202020204" pitchFamily="34" charset="0"/>
+              <a:buChar char="•"/>
+            </a:pPr>
+            <a:r>
+              <a:rPr lang="en-US" sz="1400" dirty="0" smtClean="0">
+                <a:latin typeface="Times New Roman" panose="02020603050405020304" pitchFamily="18" charset="0"/>
+                <a:cs typeface="Times New Roman" panose="02020603050405020304" pitchFamily="18" charset="0"/>
+              </a:rPr>
+              <a:t>Bayesian + Hierarchical (Random Effects) Modeling approaches</a:t>
+            </a:r>
+          </a:p>
+          <a:p>
+            <a:pPr marL="742950" lvl="1" indent="-285750">
+              <a:buFont typeface="Arial" panose="020B0604020202020204" pitchFamily="34" charset="0"/>
+              <a:buChar char="•"/>
+            </a:pPr>
+            <a:r>
+              <a:rPr lang="en-US" sz="1400" dirty="0" smtClean="0">
+                <a:latin typeface="Times New Roman" panose="02020603050405020304" pitchFamily="18" charset="0"/>
+                <a:cs typeface="Times New Roman" panose="02020603050405020304" pitchFamily="18" charset="0"/>
+              </a:rPr>
+              <a:t>How to effectively select prior distribution models </a:t>
+            </a:r>
+          </a:p>
+          <a:p>
+            <a:pPr marL="1200150" lvl="2" indent="-285750">
+              <a:buFont typeface="Arial" panose="020B0604020202020204" pitchFamily="34" charset="0"/>
+              <a:buChar char="•"/>
+            </a:pPr>
+            <a:r>
+              <a:rPr lang="en-US" sz="1400" dirty="0" smtClean="0">
+                <a:latin typeface="Times New Roman" panose="02020603050405020304" pitchFamily="18" charset="0"/>
+                <a:cs typeface="Times New Roman" panose="02020603050405020304" pitchFamily="18" charset="0"/>
+              </a:rPr>
+              <a:t>What are uninformative priors? </a:t>
+            </a:r>
+          </a:p>
+          <a:p>
+            <a:pPr marL="1200150" lvl="2" indent="-285750">
+              <a:buFont typeface="Arial" panose="020B0604020202020204" pitchFamily="34" charset="0"/>
+              <a:buChar char="•"/>
+            </a:pPr>
+            <a:r>
+              <a:rPr lang="en-US" sz="1400" dirty="0" smtClean="0">
+                <a:latin typeface="Times New Roman" panose="02020603050405020304" pitchFamily="18" charset="0"/>
+                <a:cs typeface="Times New Roman" panose="02020603050405020304" pitchFamily="18" charset="0"/>
+              </a:rPr>
+              <a:t>What are conjugate priors? </a:t>
+            </a:r>
+          </a:p>
+          <a:p>
+            <a:pPr marL="1200150" lvl="2" indent="-285750">
+              <a:buFont typeface="Arial" panose="020B0604020202020204" pitchFamily="34" charset="0"/>
+              <a:buChar char="•"/>
+            </a:pPr>
+            <a:r>
+              <a:rPr lang="en-US" sz="1400" dirty="0" smtClean="0">
+                <a:latin typeface="Times New Roman" panose="02020603050405020304" pitchFamily="18" charset="0"/>
+                <a:cs typeface="Times New Roman" panose="02020603050405020304" pitchFamily="18" charset="0"/>
+              </a:rPr>
+              <a:t>What is Jeffries Prior?</a:t>
+            </a:r>
+          </a:p>
+          <a:p>
+            <a:pPr marL="742950" lvl="1" indent="-285750">
+              <a:buFont typeface="Arial" panose="020B0604020202020204" pitchFamily="34" charset="0"/>
+              <a:buChar char="•"/>
+            </a:pPr>
+            <a:r>
+              <a:rPr lang="en-US" sz="1400" dirty="0" smtClean="0">
+                <a:latin typeface="Times New Roman" panose="02020603050405020304" pitchFamily="18" charset="0"/>
+                <a:cs typeface="Times New Roman" panose="02020603050405020304" pitchFamily="18" charset="0"/>
+              </a:rPr>
+              <a:t>How to determine the likelihood model, and posterior distribution/ posterior probable intervals etc…</a:t>
+            </a:r>
+          </a:p>
+          <a:p>
+            <a:pPr marL="285750" indent="-285750">
+              <a:buFont typeface="Arial" panose="020B0604020202020204" pitchFamily="34" charset="0"/>
+              <a:buChar char="•"/>
+            </a:pPr>
+            <a:r>
+              <a:rPr lang="en-US" sz="1400" dirty="0" smtClean="0">
+                <a:latin typeface="Times New Roman" panose="02020603050405020304" pitchFamily="18" charset="0"/>
+                <a:cs typeface="Times New Roman" panose="02020603050405020304" pitchFamily="18" charset="0"/>
+              </a:rPr>
+              <a:t>Time Series/Longitudinal Data Modeling Approaches </a:t>
+            </a:r>
+          </a:p>
+          <a:p>
+            <a:pPr marL="285750" indent="-285750">
+              <a:buFont typeface="Arial" panose="020B0604020202020204" pitchFamily="34" charset="0"/>
+              <a:buChar char="•"/>
+            </a:pPr>
+            <a:r>
+              <a:rPr lang="en-US" sz="1400" dirty="0" smtClean="0">
+                <a:latin typeface="Times New Roman" panose="02020603050405020304" pitchFamily="18" charset="0"/>
+                <a:cs typeface="Times New Roman" panose="02020603050405020304" pitchFamily="18" charset="0"/>
+              </a:rPr>
+              <a:t>Causal Inference + Exact Testing.</a:t>
+            </a:r>
+          </a:p>
+          <a:p>
+            <a:pPr marL="285750" indent="-285750">
+              <a:buFont typeface="Arial" panose="020B0604020202020204" pitchFamily="34" charset="0"/>
+              <a:buChar char="•"/>
+            </a:pPr>
+            <a:r>
+              <a:rPr lang="en-US" sz="1400" dirty="0" smtClean="0">
+                <a:latin typeface="Times New Roman" panose="02020603050405020304" pitchFamily="18" charset="0"/>
+                <a:cs typeface="Times New Roman" panose="02020603050405020304" pitchFamily="18" charset="0"/>
+              </a:rPr>
+              <a:t>Much </a:t>
+            </a:r>
+            <a:r>
+              <a:rPr lang="en-US" sz="1400" dirty="0" err="1" smtClean="0">
+                <a:latin typeface="Times New Roman" panose="02020603050405020304" pitchFamily="18" charset="0"/>
+                <a:cs typeface="Times New Roman" panose="02020603050405020304" pitchFamily="18" charset="0"/>
+              </a:rPr>
+              <a:t>much</a:t>
+            </a:r>
+            <a:r>
+              <a:rPr lang="en-US" sz="1400" dirty="0" smtClean="0">
+                <a:latin typeface="Times New Roman" panose="02020603050405020304" pitchFamily="18" charset="0"/>
+                <a:cs typeface="Times New Roman" panose="02020603050405020304" pitchFamily="18" charset="0"/>
+              </a:rPr>
+              <a:t> more…</a:t>
+            </a:r>
+            <a:endParaRPr lang="en-US" sz="1400" dirty="0">
+              <a:latin typeface="Times New Roman" panose="02020603050405020304" pitchFamily="18" charset="0"/>
+              <a:cs typeface="Times New Roman" panose="02020603050405020304" pitchFamily="18" charset="0"/>
+            </a:endParaRPr>
+          </a:p>
+        </p:txBody>
+      </p:sp>
+    </p:spTree>
+    <p:extLst>
+      <p:ext uri="{BB962C8B-B14F-4D97-AF65-F5344CB8AC3E}">
+        <p14:creationId xmlns:p14="http://schemas.microsoft.com/office/powerpoint/2010/main" val="2574424074"/>
+      </p:ext>
+    </p:extLst>
+  </p:cSld>
+  <p:clrMapOvr>
+    <a:masterClrMapping/>
+  </p:clrMapOvr>
+</p:sld>
+</file>
+
+<file path=ppt/slides/slide5.xml><?xml version="1.0" encoding="utf-8"?>
 <p:sld xmlns:a="http://schemas.openxmlformats.org/drawingml/2006/main" xmlns:r="http://schemas.openxmlformats.org/officeDocument/2006/relationships" xmlns:p="http://schemas.openxmlformats.org/presentationml/2006/main">
   <p:cSld>
     <p:spTree>
@@ -23982,7 +27947,7 @@
 </p:sld>
 </file>
 
-<file path=ppt/slides/slide5.xml><?xml version="1.0" encoding="utf-8"?>
+<file path=ppt/slides/slide6.xml><?xml version="1.0" encoding="utf-8"?>
 <p:sld xmlns:a="http://schemas.openxmlformats.org/drawingml/2006/main" xmlns:r="http://schemas.openxmlformats.org/officeDocument/2006/relationships" xmlns:p="http://schemas.openxmlformats.org/presentationml/2006/main">
   <p:cSld>
     <p:spTree>
@@ -25143,7 +29108,7 @@
 </p:sld>
 </file>
 
-<file path=ppt/slides/slide6.xml><?xml version="1.0" encoding="utf-8"?>
+<file path=ppt/slides/slide7.xml><?xml version="1.0" encoding="utf-8"?>
 <p:sld xmlns:a="http://schemas.openxmlformats.org/drawingml/2006/main" xmlns:r="http://schemas.openxmlformats.org/officeDocument/2006/relationships" xmlns:p="http://schemas.openxmlformats.org/presentationml/2006/main">
   <p:cSld>
     <p:spTree>
@@ -25564,7 +29529,7 @@
 </p:sld>
 </file>
 
-<file path=ppt/slides/slide7.xml><?xml version="1.0" encoding="utf-8"?>
+<file path=ppt/slides/slide8.xml><?xml version="1.0" encoding="utf-8"?>
 <p:sld xmlns:a="http://schemas.openxmlformats.org/drawingml/2006/main" xmlns:r="http://schemas.openxmlformats.org/officeDocument/2006/relationships" xmlns:p="http://schemas.openxmlformats.org/presentationml/2006/main">
   <p:cSld>
     <p:spTree>
@@ -26097,7 +30062,7 @@
 </p:sld>
 </file>
 
-<file path=ppt/slides/slide8.xml><?xml version="1.0" encoding="utf-8"?>
+<file path=ppt/slides/slide9.xml><?xml version="1.0" encoding="utf-8"?>
 <p:sld xmlns:a="http://schemas.openxmlformats.org/drawingml/2006/main" xmlns:r="http://schemas.openxmlformats.org/officeDocument/2006/relationships" xmlns:p="http://schemas.openxmlformats.org/presentationml/2006/main">
   <p:cSld>
     <p:spTree>
@@ -27249,417 +31214,6 @@
 </p:sld>
 </file>
 
-<file path=ppt/slides/slide9.xml><?xml version="1.0" encoding="utf-8"?>
-<p:sld xmlns:a="http://schemas.openxmlformats.org/drawingml/2006/main" xmlns:r="http://schemas.openxmlformats.org/officeDocument/2006/relationships" xmlns:p="http://schemas.openxmlformats.org/presentationml/2006/main">
-  <p:cSld>
-    <p:spTree>
-      <p:nvGrpSpPr>
-        <p:cNvPr id="1" name=""/>
-        <p:cNvGrpSpPr/>
-        <p:nvPr/>
-      </p:nvGrpSpPr>
-      <p:grpSpPr>
-        <a:xfrm>
-          <a:off x="0" y="0"/>
-          <a:ext cx="0" cy="0"/>
-          <a:chOff x="0" y="0"/>
-          <a:chExt cx="0" cy="0"/>
-        </a:xfrm>
-      </p:grpSpPr>
-      <p:sp>
-        <p:nvSpPr>
-          <p:cNvPr id="5" name="TextBox 4"/>
-          <p:cNvSpPr txBox="1"/>
-          <p:nvPr/>
-        </p:nvSpPr>
-        <p:spPr>
-          <a:xfrm>
-            <a:off x="509798" y="890652"/>
-            <a:ext cx="11409770" cy="2308324"/>
-          </a:xfrm>
-          <a:prstGeom prst="rect">
-            <a:avLst/>
-          </a:prstGeom>
-          <a:noFill/>
-        </p:spPr>
-        <p:txBody>
-          <a:bodyPr wrap="square" rtlCol="0">
-            <a:spAutoFit/>
-          </a:bodyPr>
-          <a:lstStyle/>
-          <a:p>
-            <a:pPr marL="285750" indent="-285750">
-              <a:buFont typeface="Arial" panose="020B0604020202020204" pitchFamily="34" charset="0"/>
-              <a:buChar char="•"/>
-            </a:pPr>
-            <a:r>
-              <a:rPr lang="en-US" dirty="0" smtClean="0">
-                <a:latin typeface="Times New Roman" panose="02020603050405020304" pitchFamily="18" charset="0"/>
-                <a:cs typeface="Times New Roman" panose="02020603050405020304" pitchFamily="18" charset="0"/>
-              </a:rPr>
-              <a:t>To finally estimate the parameters of the model, and store the resulting calculations in an R object for easy retrieval later use the </a:t>
-            </a:r>
-            <a:r>
-              <a:rPr lang="en-US" dirty="0" err="1" smtClean="0">
-                <a:latin typeface="Times New Roman" panose="02020603050405020304" pitchFamily="18" charset="0"/>
-                <a:cs typeface="Times New Roman" panose="02020603050405020304" pitchFamily="18" charset="0"/>
-              </a:rPr>
-              <a:t>glm</a:t>
-            </a:r>
-            <a:r>
-              <a:rPr lang="en-US" dirty="0" smtClean="0">
-                <a:latin typeface="Times New Roman" panose="02020603050405020304" pitchFamily="18" charset="0"/>
-                <a:cs typeface="Times New Roman" panose="02020603050405020304" pitchFamily="18" charset="0"/>
-              </a:rPr>
-              <a:t>() function in R.</a:t>
-            </a:r>
-          </a:p>
-          <a:p>
-            <a:pPr marL="285750" indent="-285750">
-              <a:buFont typeface="Arial" panose="020B0604020202020204" pitchFamily="34" charset="0"/>
-              <a:buChar char="•"/>
-            </a:pPr>
-            <a:endParaRPr lang="en-US" dirty="0">
-              <a:latin typeface="Times New Roman" panose="02020603050405020304" pitchFamily="18" charset="0"/>
-              <a:cs typeface="Times New Roman" panose="02020603050405020304" pitchFamily="18" charset="0"/>
-            </a:endParaRPr>
-          </a:p>
-          <a:p>
-            <a:pPr marL="285750" indent="-285750">
-              <a:buFont typeface="Arial" panose="020B0604020202020204" pitchFamily="34" charset="0"/>
-              <a:buChar char="•"/>
-            </a:pPr>
-            <a:endParaRPr lang="en-US" dirty="0" smtClean="0">
-              <a:latin typeface="Times New Roman" panose="02020603050405020304" pitchFamily="18" charset="0"/>
-              <a:cs typeface="Times New Roman" panose="02020603050405020304" pitchFamily="18" charset="0"/>
-            </a:endParaRPr>
-          </a:p>
-          <a:p>
-            <a:pPr marL="285750" indent="-285750">
-              <a:buFont typeface="Arial" panose="020B0604020202020204" pitchFamily="34" charset="0"/>
-              <a:buChar char="•"/>
-            </a:pPr>
-            <a:endParaRPr lang="en-US" dirty="0">
-              <a:latin typeface="Times New Roman" panose="02020603050405020304" pitchFamily="18" charset="0"/>
-              <a:cs typeface="Times New Roman" panose="02020603050405020304" pitchFamily="18" charset="0"/>
-            </a:endParaRPr>
-          </a:p>
-          <a:p>
-            <a:pPr marL="285750" indent="-285750">
-              <a:buFont typeface="Arial" panose="020B0604020202020204" pitchFamily="34" charset="0"/>
-              <a:buChar char="•"/>
-            </a:pPr>
-            <a:r>
-              <a:rPr lang="en-US" dirty="0" smtClean="0">
-                <a:latin typeface="Times New Roman" panose="02020603050405020304" pitchFamily="18" charset="0"/>
-                <a:cs typeface="Times New Roman" panose="02020603050405020304" pitchFamily="18" charset="0"/>
-              </a:rPr>
-              <a:t>To get a text-based summary of the results of the model estimation procedure (stored in irisn.mod1) do either:</a:t>
-            </a:r>
-          </a:p>
-          <a:p>
-            <a:pPr marL="285750" indent="-285750">
-              <a:buFont typeface="Arial" panose="020B0604020202020204" pitchFamily="34" charset="0"/>
-              <a:buChar char="•"/>
-            </a:pPr>
-            <a:endParaRPr lang="en-US" dirty="0" smtClean="0">
-              <a:latin typeface="Times New Roman" panose="02020603050405020304" pitchFamily="18" charset="0"/>
-              <a:cs typeface="Times New Roman" panose="02020603050405020304" pitchFamily="18" charset="0"/>
-            </a:endParaRPr>
-          </a:p>
-          <a:p>
-            <a:endParaRPr lang="en-US" dirty="0">
-              <a:latin typeface="Times New Roman" panose="02020603050405020304" pitchFamily="18" charset="0"/>
-              <a:cs typeface="Times New Roman" panose="02020603050405020304" pitchFamily="18" charset="0"/>
-            </a:endParaRPr>
-          </a:p>
-        </p:txBody>
-      </p:sp>
-      <p:sp>
-        <p:nvSpPr>
-          <p:cNvPr id="2" name="Title 1">
-            <a:extLst>
-              <a:ext uri="{FF2B5EF4-FFF2-40B4-BE49-F238E27FC236}">
-                <a16:creationId xmlns:a16="http://schemas.microsoft.com/office/drawing/2014/main" id="{636FB483-8A01-854E-9BBE-55E0C355A79B}"/>
-              </a:ext>
-            </a:extLst>
-          </p:cNvPr>
-          <p:cNvSpPr txBox="1">
-            <a:spLocks/>
-          </p:cNvSpPr>
-          <p:nvPr/>
-        </p:nvSpPr>
-        <p:spPr>
-          <a:xfrm>
-            <a:off x="292557" y="283221"/>
-            <a:ext cx="10017369" cy="656493"/>
-          </a:xfrm>
-          <a:prstGeom prst="rect">
-            <a:avLst/>
-          </a:prstGeom>
-        </p:spPr>
-        <p:txBody>
-          <a:bodyPr/>
-          <a:lstStyle>
-            <a:lvl1pPr algn="l" defTabSz="914400" rtl="0" eaLnBrk="1" latinLnBrk="0" hangingPunct="1">
-              <a:lnSpc>
-                <a:spcPct val="90000"/>
-              </a:lnSpc>
-              <a:spcBef>
-                <a:spcPct val="0"/>
-              </a:spcBef>
-              <a:buNone/>
-              <a:defRPr sz="2800" b="1" kern="1200">
-                <a:solidFill>
-                  <a:schemeClr val="tx1"/>
-                </a:solidFill>
-                <a:latin typeface="Helvetica" pitchFamily="2" charset="0"/>
-                <a:ea typeface="+mj-ea"/>
-                <a:cs typeface="+mj-cs"/>
-              </a:defRPr>
-            </a:lvl1pPr>
-          </a:lstStyle>
-          <a:p>
-            <a:r>
-              <a:rPr lang="en-US" dirty="0" smtClean="0">
-                <a:latin typeface="Times New Roman" panose="02020603050405020304" pitchFamily="18" charset="0"/>
-                <a:cs typeface="Times New Roman" panose="02020603050405020304" pitchFamily="18" charset="0"/>
-              </a:rPr>
-              <a:t>The Multivariate Linear Model in R Example (Iris Data)</a:t>
-            </a:r>
-            <a:endParaRPr lang="en-US" dirty="0">
-              <a:latin typeface="Times New Roman" panose="02020603050405020304" pitchFamily="18" charset="0"/>
-              <a:cs typeface="Times New Roman" panose="02020603050405020304" pitchFamily="18" charset="0"/>
-            </a:endParaRPr>
-          </a:p>
-        </p:txBody>
-      </p:sp>
-      <p:sp>
-        <p:nvSpPr>
-          <p:cNvPr id="12" name="TextBox 11"/>
-          <p:cNvSpPr txBox="1"/>
-          <p:nvPr/>
-        </p:nvSpPr>
-        <p:spPr>
-          <a:xfrm>
-            <a:off x="2071561" y="1697944"/>
-            <a:ext cx="6853954" cy="369332"/>
-          </a:xfrm>
-          <a:prstGeom prst="rect">
-            <a:avLst/>
-          </a:prstGeom>
-          <a:noFill/>
-          <a:ln>
-            <a:solidFill>
-              <a:schemeClr val="tx1"/>
-            </a:solidFill>
-          </a:ln>
-        </p:spPr>
-        <p:txBody>
-          <a:bodyPr wrap="square" rtlCol="0">
-            <a:spAutoFit/>
-          </a:bodyPr>
-          <a:lstStyle/>
-          <a:p>
-            <a:r>
-              <a:rPr lang="en-US" b="1" dirty="0" smtClean="0">
-                <a:latin typeface="Courier New" panose="02070309020205020404" pitchFamily="49" charset="0"/>
-                <a:cs typeface="Courier New" panose="02070309020205020404" pitchFamily="49" charset="0"/>
-              </a:rPr>
-              <a:t>R&gt; </a:t>
-            </a:r>
-            <a:r>
-              <a:rPr lang="en-US" dirty="0" err="1" smtClean="0">
-                <a:latin typeface="Courier New" panose="02070309020205020404" pitchFamily="49" charset="0"/>
-                <a:cs typeface="Courier New" panose="02070309020205020404" pitchFamily="49" charset="0"/>
-              </a:rPr>
-              <a:t>glm</a:t>
-            </a:r>
-            <a:r>
-              <a:rPr lang="en-US" dirty="0" smtClean="0">
-                <a:latin typeface="Courier New" panose="02070309020205020404" pitchFamily="49" charset="0"/>
-                <a:cs typeface="Courier New" panose="02070309020205020404" pitchFamily="49" charset="0"/>
-              </a:rPr>
-              <a:t>(irisn.form1,data=</a:t>
-            </a:r>
-            <a:r>
-              <a:rPr lang="en-US" dirty="0" err="1" smtClean="0">
-                <a:latin typeface="Courier New" panose="02070309020205020404" pitchFamily="49" charset="0"/>
-                <a:cs typeface="Courier New" panose="02070309020205020404" pitchFamily="49" charset="0"/>
-              </a:rPr>
-              <a:t>irisn</a:t>
-            </a:r>
-            <a:r>
-              <a:rPr lang="en-US" dirty="0" smtClean="0">
-                <a:latin typeface="Courier New" panose="02070309020205020404" pitchFamily="49" charset="0"/>
-                <a:cs typeface="Courier New" panose="02070309020205020404" pitchFamily="49" charset="0"/>
-              </a:rPr>
-              <a:t>) -&gt; irisn.mod1;</a:t>
-            </a:r>
-            <a:endParaRPr lang="en-US" dirty="0">
-              <a:latin typeface="Courier New" panose="02070309020205020404" pitchFamily="49" charset="0"/>
-              <a:cs typeface="Courier New" panose="02070309020205020404" pitchFamily="49" charset="0"/>
-            </a:endParaRPr>
-          </a:p>
-        </p:txBody>
-      </p:sp>
-      <p:pic>
-        <p:nvPicPr>
-          <p:cNvPr id="3" name="Picture 2"/>
-          <p:cNvPicPr>
-            <a:picLocks noChangeAspect="1"/>
-          </p:cNvPicPr>
-          <p:nvPr/>
-        </p:nvPicPr>
-        <p:blipFill>
-          <a:blip r:embed="rId2"/>
-          <a:stretch>
-            <a:fillRect/>
-          </a:stretch>
-        </p:blipFill>
-        <p:spPr>
-          <a:xfrm>
-            <a:off x="6392707" y="3721228"/>
-            <a:ext cx="5458498" cy="1805631"/>
-          </a:xfrm>
-          <a:prstGeom prst="rect">
-            <a:avLst/>
-          </a:prstGeom>
-        </p:spPr>
-      </p:pic>
-      <p:pic>
-        <p:nvPicPr>
-          <p:cNvPr id="4" name="Picture 3"/>
-          <p:cNvPicPr>
-            <a:picLocks noChangeAspect="1"/>
-          </p:cNvPicPr>
-          <p:nvPr/>
-        </p:nvPicPr>
-        <p:blipFill>
-          <a:blip r:embed="rId3"/>
-          <a:stretch>
-            <a:fillRect/>
-          </a:stretch>
-        </p:blipFill>
-        <p:spPr>
-          <a:xfrm>
-            <a:off x="509798" y="3198976"/>
-            <a:ext cx="5186995" cy="3480481"/>
-          </a:xfrm>
-          <a:prstGeom prst="rect">
-            <a:avLst/>
-          </a:prstGeom>
-        </p:spPr>
-      </p:pic>
-      <p:sp>
-        <p:nvSpPr>
-          <p:cNvPr id="8" name="TextBox 7"/>
-          <p:cNvSpPr txBox="1"/>
-          <p:nvPr/>
-        </p:nvSpPr>
-        <p:spPr>
-          <a:xfrm>
-            <a:off x="1350022" y="2738064"/>
-            <a:ext cx="3335267" cy="369332"/>
-          </a:xfrm>
-          <a:prstGeom prst="rect">
-            <a:avLst/>
-          </a:prstGeom>
-          <a:noFill/>
-          <a:ln>
-            <a:solidFill>
-              <a:schemeClr val="tx1"/>
-            </a:solidFill>
-          </a:ln>
-        </p:spPr>
-        <p:txBody>
-          <a:bodyPr wrap="square" rtlCol="0">
-            <a:spAutoFit/>
-          </a:bodyPr>
-          <a:lstStyle/>
-          <a:p>
-            <a:r>
-              <a:rPr lang="en-US" b="1" dirty="0" smtClean="0">
-                <a:latin typeface="Courier New" panose="02070309020205020404" pitchFamily="49" charset="0"/>
-                <a:cs typeface="Courier New" panose="02070309020205020404" pitchFamily="49" charset="0"/>
-              </a:rPr>
-              <a:t>R&gt; </a:t>
-            </a:r>
-            <a:r>
-              <a:rPr lang="en-US" dirty="0" smtClean="0">
-                <a:latin typeface="Courier New" panose="02070309020205020404" pitchFamily="49" charset="0"/>
-                <a:cs typeface="Courier New" panose="02070309020205020404" pitchFamily="49" charset="0"/>
-              </a:rPr>
-              <a:t>summary(irisn.mod1);</a:t>
-            </a:r>
-            <a:endParaRPr lang="en-US" dirty="0">
-              <a:latin typeface="Courier New" panose="02070309020205020404" pitchFamily="49" charset="0"/>
-              <a:cs typeface="Courier New" panose="02070309020205020404" pitchFamily="49" charset="0"/>
-            </a:endParaRPr>
-          </a:p>
-        </p:txBody>
-      </p:sp>
-      <p:sp>
-        <p:nvSpPr>
-          <p:cNvPr id="9" name="TextBox 8"/>
-          <p:cNvSpPr txBox="1"/>
-          <p:nvPr/>
-        </p:nvSpPr>
-        <p:spPr>
-          <a:xfrm>
-            <a:off x="8042808" y="3107396"/>
-            <a:ext cx="2153155" cy="369332"/>
-          </a:xfrm>
-          <a:prstGeom prst="rect">
-            <a:avLst/>
-          </a:prstGeom>
-          <a:noFill/>
-          <a:ln>
-            <a:solidFill>
-              <a:schemeClr val="tx1"/>
-            </a:solidFill>
-          </a:ln>
-        </p:spPr>
-        <p:txBody>
-          <a:bodyPr wrap="square" rtlCol="0">
-            <a:spAutoFit/>
-          </a:bodyPr>
-          <a:lstStyle/>
-          <a:p>
-            <a:r>
-              <a:rPr lang="en-US" b="1" dirty="0" smtClean="0">
-                <a:latin typeface="Courier New" panose="02070309020205020404" pitchFamily="49" charset="0"/>
-                <a:cs typeface="Courier New" panose="02070309020205020404" pitchFamily="49" charset="0"/>
-              </a:rPr>
-              <a:t>R&gt; </a:t>
-            </a:r>
-            <a:r>
-              <a:rPr lang="en-US" dirty="0" smtClean="0">
-                <a:latin typeface="Courier New" panose="02070309020205020404" pitchFamily="49" charset="0"/>
-                <a:cs typeface="Courier New" panose="02070309020205020404" pitchFamily="49" charset="0"/>
-              </a:rPr>
-              <a:t>irisn.mod1;</a:t>
-            </a:r>
-            <a:endParaRPr lang="en-US" dirty="0">
-              <a:latin typeface="Courier New" panose="02070309020205020404" pitchFamily="49" charset="0"/>
-              <a:cs typeface="Courier New" panose="02070309020205020404" pitchFamily="49" charset="0"/>
-            </a:endParaRPr>
-          </a:p>
-        </p:txBody>
-      </p:sp>
-    </p:spTree>
-    <p:extLst>
-      <p:ext uri="{BB962C8B-B14F-4D97-AF65-F5344CB8AC3E}">
-        <p14:creationId xmlns:p14="http://schemas.microsoft.com/office/powerpoint/2010/main" val="1696536782"/>
-      </p:ext>
-    </p:extLst>
-  </p:cSld>
-  <p:clrMapOvr>
-    <a:masterClrMapping/>
-  </p:clrMapOvr>
-</p:sld>
-</file>
-
 <file path=ppt/theme/theme1.xml><?xml version="1.0" encoding="utf-8"?>
 <a:theme xmlns:a="http://schemas.openxmlformats.org/drawingml/2006/main" name="Office Theme">
   <a:themeElements>

--- a/Slides/IntroductionToRForBeginners_DayII_MT.pptx
+++ b/Slides/IntroductionToRForBeginners_DayII_MT.pptx
@@ -5,7 +5,7 @@
     <p:sldMasterId id="2147483648" r:id="rId1"/>
   </p:sldMasterIdLst>
   <p:notesMasterIdLst>
-    <p:notesMasterId r:id="rId39"/>
+    <p:notesMasterId r:id="rId42"/>
   </p:notesMasterIdLst>
   <p:sldIdLst>
     <p:sldId id="256" r:id="rId2"/>
@@ -27,24 +27,27 @@
     <p:sldId id="278" r:id="rId18"/>
     <p:sldId id="279" r:id="rId19"/>
     <p:sldId id="280" r:id="rId20"/>
-    <p:sldId id="281" r:id="rId21"/>
-    <p:sldId id="282" r:id="rId22"/>
-    <p:sldId id="283" r:id="rId23"/>
-    <p:sldId id="284" r:id="rId24"/>
-    <p:sldId id="285" r:id="rId25"/>
-    <p:sldId id="264" r:id="rId26"/>
-    <p:sldId id="288" r:id="rId27"/>
-    <p:sldId id="289" r:id="rId28"/>
-    <p:sldId id="290" r:id="rId29"/>
-    <p:sldId id="287" r:id="rId30"/>
-    <p:sldId id="291" r:id="rId31"/>
-    <p:sldId id="292" r:id="rId32"/>
-    <p:sldId id="296" r:id="rId33"/>
-    <p:sldId id="276" r:id="rId34"/>
-    <p:sldId id="270" r:id="rId35"/>
-    <p:sldId id="293" r:id="rId36"/>
-    <p:sldId id="294" r:id="rId37"/>
-    <p:sldId id="297" r:id="rId38"/>
+    <p:sldId id="298" r:id="rId21"/>
+    <p:sldId id="281" r:id="rId22"/>
+    <p:sldId id="282" r:id="rId23"/>
+    <p:sldId id="283" r:id="rId24"/>
+    <p:sldId id="284" r:id="rId25"/>
+    <p:sldId id="285" r:id="rId26"/>
+    <p:sldId id="300" r:id="rId27"/>
+    <p:sldId id="264" r:id="rId28"/>
+    <p:sldId id="288" r:id="rId29"/>
+    <p:sldId id="289" r:id="rId30"/>
+    <p:sldId id="290" r:id="rId31"/>
+    <p:sldId id="287" r:id="rId32"/>
+    <p:sldId id="291" r:id="rId33"/>
+    <p:sldId id="292" r:id="rId34"/>
+    <p:sldId id="296" r:id="rId35"/>
+    <p:sldId id="276" r:id="rId36"/>
+    <p:sldId id="270" r:id="rId37"/>
+    <p:sldId id="299" r:id="rId38"/>
+    <p:sldId id="293" r:id="rId39"/>
+    <p:sldId id="294" r:id="rId40"/>
+    <p:sldId id="297" r:id="rId41"/>
   </p:sldIdLst>
   <p:sldSz cx="12192000" cy="6858000"/>
   <p:notesSz cx="6858000" cy="9144000"/>
@@ -470,7 +473,7 @@
           <a:p>
             <a:fld id="{5A7C8C98-4CB3-174D-B081-3039D0753C62}" type="datetimeFigureOut">
               <a:rPr lang="en-US" smtClean="0"/>
-              <a:t>5/4/2022</a:t>
+              <a:t>5/5/2022</a:t>
             </a:fld>
             <a:endParaRPr lang="en-US" dirty="0"/>
           </a:p>
@@ -959,7 +962,7 @@
             <a:fld id="{32338A89-9E82-4046-8247-794AEC633712}" type="datetimeFigureOut">
               <a:rPr lang="en-US" smtClean="0"/>
               <a:pPr/>
-              <a:t>5/4/2022</a:t>
+              <a:t>5/5/2022</a:t>
             </a:fld>
             <a:endParaRPr lang="en-US" dirty="0"/>
           </a:p>
@@ -1345,7 +1348,7 @@
           <a:p>
             <a:fld id="{32338A89-9E82-4046-8247-794AEC633712}" type="datetimeFigureOut">
               <a:rPr lang="en-US" smtClean="0"/>
-              <a:t>5/4/2022</a:t>
+              <a:t>5/5/2022</a:t>
             </a:fld>
             <a:endParaRPr lang="en-US" dirty="0"/>
           </a:p>
@@ -1995,7 +1998,7 @@
           <a:p>
             <a:fld id="{32338A89-9E82-4046-8247-794AEC633712}" type="datetimeFigureOut">
               <a:rPr lang="en-US" smtClean="0"/>
-              <a:t>5/4/2022</a:t>
+              <a:t>5/5/2022</a:t>
             </a:fld>
             <a:endParaRPr lang="en-US" dirty="0"/>
           </a:p>
@@ -2569,7 +2572,7 @@
           <a:p>
             <a:fld id="{32338A89-9E82-4046-8247-794AEC633712}" type="datetimeFigureOut">
               <a:rPr lang="en-US" smtClean="0"/>
-              <a:t>5/4/2022</a:t>
+              <a:t>5/5/2022</a:t>
             </a:fld>
             <a:endParaRPr lang="en-US" dirty="0"/>
           </a:p>
@@ -2795,7 +2798,7 @@
           <a:p>
             <a:fld id="{32338A89-9E82-4046-8247-794AEC633712}" type="datetimeFigureOut">
               <a:rPr lang="en-US" smtClean="0"/>
-              <a:t>5/4/2022</a:t>
+              <a:t>5/5/2022</a:t>
             </a:fld>
             <a:endParaRPr lang="en-US" dirty="0"/>
           </a:p>
@@ -3093,7 +3096,7 @@
             <a:fld id="{32338A89-9E82-4046-8247-794AEC633712}" type="datetimeFigureOut">
               <a:rPr lang="en-US" smtClean="0"/>
               <a:pPr/>
-              <a:t>5/4/2022</a:t>
+              <a:t>5/5/2022</a:t>
             </a:fld>
             <a:endParaRPr lang="en-US" dirty="0"/>
           </a:p>
@@ -18054,6 +18057,46 @@
       </p:grpSpPr>
       <p:sp>
         <p:nvSpPr>
+          <p:cNvPr id="5" name="TextBox 4"/>
+          <p:cNvSpPr txBox="1"/>
+          <p:nvPr/>
+        </p:nvSpPr>
+        <p:spPr>
+          <a:xfrm>
+            <a:off x="448235" y="1454122"/>
+            <a:ext cx="11376212" cy="584775"/>
+          </a:xfrm>
+          <a:prstGeom prst="rect">
+            <a:avLst/>
+          </a:prstGeom>
+          <a:noFill/>
+        </p:spPr>
+        <p:txBody>
+          <a:bodyPr wrap="square" rtlCol="0">
+            <a:spAutoFit/>
+          </a:bodyPr>
+          <a:lstStyle/>
+          <a:p>
+            <a:pPr marL="285750" indent="-285750">
+              <a:buFont typeface="Arial" panose="020B0604020202020204" pitchFamily="34" charset="0"/>
+              <a:buChar char="•"/>
+            </a:pPr>
+            <a:r>
+              <a:rPr lang="en-US" sz="1600" dirty="0" smtClean="0">
+                <a:latin typeface="Times New Roman" panose="02020603050405020304" pitchFamily="18" charset="0"/>
+                <a:cs typeface="Times New Roman" panose="02020603050405020304" pitchFamily="18" charset="0"/>
+              </a:rPr>
+              <a:t>We Also can ‘set fixed values’ for the coefficients ahead of time (to remove their estimation from the model by effectively reducing the degrees of freedom. We can do this using the offset() function in R as follows:</a:t>
+            </a:r>
+            <a:endParaRPr lang="en-US" sz="1600" dirty="0">
+              <a:latin typeface="Times New Roman" panose="02020603050405020304" pitchFamily="18" charset="0"/>
+              <a:cs typeface="Times New Roman" panose="02020603050405020304" pitchFamily="18" charset="0"/>
+            </a:endParaRPr>
+          </a:p>
+        </p:txBody>
+      </p:sp>
+      <p:sp>
+        <p:nvSpPr>
           <p:cNvPr id="2" name="Title 1">
             <a:extLst>
               <a:ext uri="{FF2B5EF4-FFF2-40B4-BE49-F238E27FC236}">
@@ -18102,7 +18145,7 @@
                 <a:latin typeface="Times New Roman" panose="02020603050405020304" pitchFamily="18" charset="0"/>
                 <a:cs typeface="Times New Roman" panose="02020603050405020304" pitchFamily="18" charset="0"/>
               </a:rPr>
-              <a:t>Including categorical predictors in model (Iris Data)</a:t>
+              <a:t>The Multivariate Joint Effects Linear Model in R Example (Iris Data)</a:t>
             </a:r>
             <a:endParaRPr lang="en-US" dirty="0">
               <a:latin typeface="Times New Roman" panose="02020603050405020304" pitchFamily="18" charset="0"/>
@@ -19729,62 +19772,14 @@
       </mc:AlternateContent>
       <p:sp>
         <p:nvSpPr>
-          <p:cNvPr id="3" name="TextBox 2"/>
+          <p:cNvPr id="9" name="TextBox 8"/>
           <p:cNvSpPr txBox="1"/>
           <p:nvPr/>
         </p:nvSpPr>
         <p:spPr>
           <a:xfrm>
-            <a:off x="636494" y="1515035"/>
-            <a:ext cx="11098306" cy="2308324"/>
-          </a:xfrm>
-          <a:prstGeom prst="rect">
-            <a:avLst/>
-          </a:prstGeom>
-          <a:noFill/>
-        </p:spPr>
-        <p:txBody>
-          <a:bodyPr wrap="square" rtlCol="0">
-            <a:spAutoFit/>
-          </a:bodyPr>
-          <a:lstStyle/>
-          <a:p>
-            <a:r>
-              <a:rPr lang="en-US" dirty="0" smtClean="0"/>
-              <a:t>Suppose that the species of the iris (of three known species) is also identified for the data, and we would like to include this information in our model for predicting the Sepal Length.</a:t>
-            </a:r>
-          </a:p>
-          <a:p>
-            <a:endParaRPr lang="en-US" dirty="0"/>
-          </a:p>
-          <a:p>
-            <a:r>
-              <a:rPr lang="en-US" dirty="0" smtClean="0"/>
-              <a:t>The `species’ can be thought of as potentially having an effect on every one of the model terms involved in the original model above, to the point where we might consider three separate models (the above estimated within each species)</a:t>
-            </a:r>
-          </a:p>
-          <a:p>
-            <a:endParaRPr lang="en-US" dirty="0"/>
-          </a:p>
-          <a:p>
-            <a:r>
-              <a:rPr lang="en-US" dirty="0" smtClean="0"/>
-              <a:t>We can easily do this, and store the results separately for comparison. </a:t>
-            </a:r>
-            <a:endParaRPr lang="en-US" dirty="0"/>
-          </a:p>
-        </p:txBody>
-      </p:sp>
-      <p:sp>
-        <p:nvSpPr>
-          <p:cNvPr id="10" name="TextBox 9"/>
-          <p:cNvSpPr txBox="1"/>
-          <p:nvPr/>
-        </p:nvSpPr>
-        <p:spPr>
-          <a:xfrm>
-            <a:off x="521937" y="4091420"/>
-            <a:ext cx="11212863" cy="738664"/>
+            <a:off x="611584" y="2203551"/>
+            <a:ext cx="11212863" cy="1169551"/>
           </a:xfrm>
           <a:prstGeom prst="rect">
             <a:avLst/>
@@ -19810,180 +19805,353 @@
               <a:t>R&gt; </a:t>
             </a:r>
             <a:r>
+              <a:rPr lang="en-US" sz="1400" dirty="0" smtClean="0">
+                <a:latin typeface="Courier New" panose="02070309020205020404" pitchFamily="49" charset="0"/>
+                <a:cs typeface="Courier New" panose="02070309020205020404" pitchFamily="49" charset="0"/>
+              </a:rPr>
+              <a:t>formula(Sepal.Length~</a:t>
+            </a:r>
+            <a:r>
+              <a:rPr lang="en-US" sz="1400" b="1" dirty="0" smtClean="0">
+                <a:latin typeface="Courier New" panose="02070309020205020404" pitchFamily="49" charset="0"/>
+                <a:cs typeface="Courier New" panose="02070309020205020404" pitchFamily="49" charset="0"/>
+              </a:rPr>
+              <a:t>0+offset(1.3*</a:t>
+            </a:r>
+            <a:r>
               <a:rPr lang="en-US" sz="1400" dirty="0" err="1" smtClean="0">
                 <a:latin typeface="Courier New" panose="02070309020205020404" pitchFamily="49" charset="0"/>
                 <a:cs typeface="Courier New" panose="02070309020205020404" pitchFamily="49" charset="0"/>
               </a:rPr>
-              <a:t>glm</a:t>
+              <a:t>Sepal.Width</a:t>
             </a:r>
             <a:r>
               <a:rPr lang="en-US" sz="1400" dirty="0" smtClean="0">
                 <a:latin typeface="Courier New" panose="02070309020205020404" pitchFamily="49" charset="0"/>
                 <a:cs typeface="Courier New" panose="02070309020205020404" pitchFamily="49" charset="0"/>
               </a:rPr>
-              <a:t>(irisn.form3.a,data=iris[</a:t>
+              <a:t>)+</a:t>
             </a:r>
             <a:r>
               <a:rPr lang="en-US" sz="1400" dirty="0" err="1" smtClean="0">
                 <a:latin typeface="Courier New" panose="02070309020205020404" pitchFamily="49" charset="0"/>
                 <a:cs typeface="Courier New" panose="02070309020205020404" pitchFamily="49" charset="0"/>
               </a:rPr>
-              <a:t>iris$Species</a:t>
+              <a:t>Petal.Length+Petal.Width</a:t>
             </a:r>
             <a:r>
               <a:rPr lang="en-US" sz="1400" dirty="0" smtClean="0">
                 <a:latin typeface="Courier New" panose="02070309020205020404" pitchFamily="49" charset="0"/>
                 <a:cs typeface="Courier New" panose="02070309020205020404" pitchFamily="49" charset="0"/>
               </a:rPr>
-              <a:t>==“</a:t>
+              <a:t>+</a:t>
+            </a:r>
+          </a:p>
+          <a:p>
+            <a:r>
+              <a:rPr lang="en-US" sz="1400" dirty="0">
+                <a:latin typeface="Courier New" panose="02070309020205020404" pitchFamily="49" charset="0"/>
+                <a:cs typeface="Courier New" panose="02070309020205020404" pitchFamily="49" charset="0"/>
+              </a:rPr>
+              <a:t>	</a:t>
+            </a:r>
+            <a:r>
+              <a:rPr lang="en-US" sz="1400" dirty="0" smtClean="0">
+                <a:latin typeface="Courier New" panose="02070309020205020404" pitchFamily="49" charset="0"/>
+                <a:cs typeface="Courier New" panose="02070309020205020404" pitchFamily="49" charset="0"/>
+              </a:rPr>
+              <a:t>				</a:t>
             </a:r>
             <a:r>
               <a:rPr lang="en-US" sz="1400" dirty="0" err="1" smtClean="0">
                 <a:latin typeface="Courier New" panose="02070309020205020404" pitchFamily="49" charset="0"/>
                 <a:cs typeface="Courier New" panose="02070309020205020404" pitchFamily="49" charset="0"/>
               </a:rPr>
-              <a:t>setosa</a:t>
+              <a:t>Sepal.Width:Petal.Length</a:t>
             </a:r>
             <a:r>
               <a:rPr lang="en-US" sz="1400" dirty="0" smtClean="0">
                 <a:latin typeface="Courier New" panose="02070309020205020404" pitchFamily="49" charset="0"/>
                 <a:cs typeface="Courier New" panose="02070309020205020404" pitchFamily="49" charset="0"/>
               </a:rPr>
-              <a:t>”,])-&gt; </a:t>
+              <a:t> + </a:t>
+            </a:r>
+          </a:p>
+          <a:p>
+            <a:r>
+              <a:rPr lang="en-US" sz="1400" dirty="0">
+                <a:latin typeface="Courier New" panose="02070309020205020404" pitchFamily="49" charset="0"/>
+                <a:cs typeface="Courier New" panose="02070309020205020404" pitchFamily="49" charset="0"/>
+              </a:rPr>
+              <a:t>	</a:t>
+            </a:r>
+            <a:r>
+              <a:rPr lang="en-US" sz="1400" dirty="0" smtClean="0">
+                <a:latin typeface="Courier New" panose="02070309020205020404" pitchFamily="49" charset="0"/>
+                <a:cs typeface="Courier New" panose="02070309020205020404" pitchFamily="49" charset="0"/>
+              </a:rPr>
+              <a:t>				</a:t>
             </a:r>
             <a:r>
               <a:rPr lang="en-US" sz="1400" dirty="0" err="1" smtClean="0">
                 <a:latin typeface="Courier New" panose="02070309020205020404" pitchFamily="49" charset="0"/>
                 <a:cs typeface="Courier New" panose="02070309020205020404" pitchFamily="49" charset="0"/>
               </a:rPr>
-              <a:t>irisn.setosa.full</a:t>
+              <a:t>Sepal.Width:Petal.Width</a:t>
             </a:r>
             <a:r>
               <a:rPr lang="en-US" sz="1400" dirty="0" smtClean="0">
                 <a:latin typeface="Courier New" panose="02070309020205020404" pitchFamily="49" charset="0"/>
                 <a:cs typeface="Courier New" panose="02070309020205020404" pitchFamily="49" charset="0"/>
               </a:rPr>
-              <a:t>;</a:t>
-            </a:r>
-          </a:p>
-          <a:p>
-            <a:r>
-              <a:rPr lang="en-US" sz="1400" b="1" dirty="0">
+              <a:t> + 									</a:t>
+            </a:r>
+            <a:r>
+              <a:rPr lang="en-US" sz="1400" dirty="0" err="1" smtClean="0">
                 <a:latin typeface="Courier New" panose="02070309020205020404" pitchFamily="49" charset="0"/>
                 <a:cs typeface="Courier New" panose="02070309020205020404" pitchFamily="49" charset="0"/>
               </a:rPr>
-              <a:t>R&gt; </a:t>
-            </a:r>
-            <a:r>
-              <a:rPr lang="en-US" sz="1400" dirty="0" err="1">
+              <a:t>Petal.Length:Petal.Width</a:t>
+            </a:r>
+            <a:r>
+              <a:rPr lang="en-US" sz="1400" dirty="0" smtClean="0">
                 <a:latin typeface="Courier New" panose="02070309020205020404" pitchFamily="49" charset="0"/>
                 <a:cs typeface="Courier New" panose="02070309020205020404" pitchFamily="49" charset="0"/>
               </a:rPr>
-              <a:t>glm</a:t>
+              <a:t> + 			</a:t>
+            </a:r>
+          </a:p>
+          <a:p>
+            <a:r>
+              <a:rPr lang="en-US" sz="1400" dirty="0" smtClean="0">
+                <a:latin typeface="Courier New" panose="02070309020205020404" pitchFamily="49" charset="0"/>
+                <a:cs typeface="Courier New" panose="02070309020205020404" pitchFamily="49" charset="0"/>
+              </a:rPr>
+              <a:t>					</a:t>
+            </a:r>
+            <a:r>
+              <a:rPr lang="en-US" sz="1400" dirty="0" err="1" smtClean="0">
+                <a:latin typeface="Courier New" panose="02070309020205020404" pitchFamily="49" charset="0"/>
+                <a:cs typeface="Courier New" panose="02070309020205020404" pitchFamily="49" charset="0"/>
+              </a:rPr>
+              <a:t>Sepal.Width:Petal.Length:Petal.Width</a:t>
+            </a:r>
+            <a:r>
+              <a:rPr lang="en-US" sz="1400" dirty="0" smtClean="0">
+                <a:latin typeface="Courier New" panose="02070309020205020404" pitchFamily="49" charset="0"/>
+                <a:cs typeface="Courier New" panose="02070309020205020404" pitchFamily="49" charset="0"/>
+              </a:rPr>
+              <a:t>) </a:t>
             </a:r>
             <a:r>
               <a:rPr lang="en-US" sz="1400" dirty="0">
                 <a:latin typeface="Courier New" panose="02070309020205020404" pitchFamily="49" charset="0"/>
                 <a:cs typeface="Courier New" panose="02070309020205020404" pitchFamily="49" charset="0"/>
               </a:rPr>
-              <a:t>(irisn.form3.a,data=iris[</a:t>
-            </a:r>
-            <a:r>
-              <a:rPr lang="en-US" sz="1400" dirty="0" err="1">
-                <a:latin typeface="Courier New" panose="02070309020205020404" pitchFamily="49" charset="0"/>
-                <a:cs typeface="Courier New" panose="02070309020205020404" pitchFamily="49" charset="0"/>
-              </a:rPr>
-              <a:t>iris$Species</a:t>
+              <a:t>-&gt; </a:t>
             </a:r>
             <a:r>
               <a:rPr lang="en-US" sz="1400" dirty="0" smtClean="0">
                 <a:latin typeface="Courier New" panose="02070309020205020404" pitchFamily="49" charset="0"/>
                 <a:cs typeface="Courier New" panose="02070309020205020404" pitchFamily="49" charset="0"/>
               </a:rPr>
-              <a:t>==“versicolor”,])-&gt; </a:t>
-            </a:r>
-            <a:r>
-              <a:rPr lang="en-US" sz="1400" dirty="0" err="1" smtClean="0">
-                <a:latin typeface="Courier New" panose="02070309020205020404" pitchFamily="49" charset="0"/>
-                <a:cs typeface="Courier New" panose="02070309020205020404" pitchFamily="49" charset="0"/>
-              </a:rPr>
-              <a:t>irisn.versicolor.full</a:t>
-            </a:r>
-            <a:r>
-              <a:rPr lang="en-US" sz="1400" dirty="0">
-                <a:latin typeface="Courier New" panose="02070309020205020404" pitchFamily="49" charset="0"/>
-                <a:cs typeface="Courier New" panose="02070309020205020404" pitchFamily="49" charset="0"/>
-              </a:rPr>
-              <a:t>;</a:t>
-            </a:r>
-          </a:p>
-          <a:p>
-            <a:r>
-              <a:rPr lang="en-US" sz="1400" b="1" dirty="0">
-                <a:latin typeface="Courier New" panose="02070309020205020404" pitchFamily="49" charset="0"/>
-                <a:cs typeface="Courier New" panose="02070309020205020404" pitchFamily="49" charset="0"/>
-              </a:rPr>
-              <a:t>R&gt; </a:t>
-            </a:r>
-            <a:r>
-              <a:rPr lang="en-US" sz="1400" dirty="0" err="1">
-                <a:latin typeface="Courier New" panose="02070309020205020404" pitchFamily="49" charset="0"/>
-                <a:cs typeface="Courier New" panose="02070309020205020404" pitchFamily="49" charset="0"/>
-              </a:rPr>
-              <a:t>glm</a:t>
-            </a:r>
-            <a:r>
-              <a:rPr lang="en-US" sz="1400" dirty="0">
-                <a:latin typeface="Courier New" panose="02070309020205020404" pitchFamily="49" charset="0"/>
-                <a:cs typeface="Courier New" panose="02070309020205020404" pitchFamily="49" charset="0"/>
-              </a:rPr>
-              <a:t>(irisn.form3.a,data=iris[</a:t>
-            </a:r>
-            <a:r>
-              <a:rPr lang="en-US" sz="1400" dirty="0" err="1">
-                <a:latin typeface="Courier New" panose="02070309020205020404" pitchFamily="49" charset="0"/>
-                <a:cs typeface="Courier New" panose="02070309020205020404" pitchFamily="49" charset="0"/>
-              </a:rPr>
-              <a:t>iris$Species</a:t>
-            </a:r>
-            <a:r>
-              <a:rPr lang="en-US" sz="1400" dirty="0" smtClean="0">
-                <a:latin typeface="Courier New" panose="02070309020205020404" pitchFamily="49" charset="0"/>
-                <a:cs typeface="Courier New" panose="02070309020205020404" pitchFamily="49" charset="0"/>
-              </a:rPr>
-              <a:t>==“</a:t>
-            </a:r>
-            <a:r>
-              <a:rPr lang="en-US" sz="1400" dirty="0" err="1" smtClean="0">
-                <a:latin typeface="Courier New" panose="02070309020205020404" pitchFamily="49" charset="0"/>
-                <a:cs typeface="Courier New" panose="02070309020205020404" pitchFamily="49" charset="0"/>
-              </a:rPr>
-              <a:t>virginica</a:t>
-            </a:r>
-            <a:r>
-              <a:rPr lang="en-US" sz="1400" dirty="0" smtClean="0">
-                <a:latin typeface="Courier New" panose="02070309020205020404" pitchFamily="49" charset="0"/>
-                <a:cs typeface="Courier New" panose="02070309020205020404" pitchFamily="49" charset="0"/>
-              </a:rPr>
-              <a:t>”,])-&gt; </a:t>
-            </a:r>
-            <a:r>
-              <a:rPr lang="en-US" sz="1400" dirty="0" err="1" smtClean="0">
-                <a:latin typeface="Courier New" panose="02070309020205020404" pitchFamily="49" charset="0"/>
-                <a:cs typeface="Courier New" panose="02070309020205020404" pitchFamily="49" charset="0"/>
-              </a:rPr>
-              <a:t>irisn.virginica.full</a:t>
-            </a:r>
-            <a:r>
-              <a:rPr lang="en-US" sz="1400" dirty="0" smtClean="0">
-                <a:latin typeface="Courier New" panose="02070309020205020404" pitchFamily="49" charset="0"/>
-                <a:cs typeface="Courier New" panose="02070309020205020404" pitchFamily="49" charset="0"/>
-              </a:rPr>
-              <a:t>;</a:t>
+              <a:t>irisn.form5;</a:t>
             </a:r>
             <a:endParaRPr lang="en-US" sz="1400" dirty="0">
               <a:latin typeface="Courier New" panose="02070309020205020404" pitchFamily="49" charset="0"/>
               <a:cs typeface="Courier New" panose="02070309020205020404" pitchFamily="49" charset="0"/>
+            </a:endParaRPr>
+          </a:p>
+        </p:txBody>
+      </p:sp>
+      <p:sp>
+        <p:nvSpPr>
+          <p:cNvPr id="10" name="TextBox 9"/>
+          <p:cNvSpPr txBox="1"/>
+          <p:nvPr/>
+        </p:nvSpPr>
+        <p:spPr>
+          <a:xfrm>
+            <a:off x="448235" y="3411403"/>
+            <a:ext cx="11376212" cy="338554"/>
+          </a:xfrm>
+          <a:prstGeom prst="rect">
+            <a:avLst/>
+          </a:prstGeom>
+          <a:noFill/>
+        </p:spPr>
+        <p:txBody>
+          <a:bodyPr wrap="square" rtlCol="0">
+            <a:spAutoFit/>
+          </a:bodyPr>
+          <a:lstStyle/>
+          <a:p>
+            <a:pPr marL="285750" indent="-285750">
+              <a:buFont typeface="Arial" panose="020B0604020202020204" pitchFamily="34" charset="0"/>
+              <a:buChar char="•"/>
+            </a:pPr>
+            <a:r>
+              <a:rPr lang="en-US" sz="1600" dirty="0" smtClean="0">
+                <a:latin typeface="Times New Roman" panose="02020603050405020304" pitchFamily="18" charset="0"/>
+                <a:cs typeface="Times New Roman" panose="02020603050405020304" pitchFamily="18" charset="0"/>
+              </a:rPr>
+              <a:t>This will fix the estimate of Sepal Width’s effect in the model at 1.3 (recall from earlier that 1.27703 wa</a:t>
+            </a:r>
+            <a:r>
+              <a:rPr lang="en-US" sz="1600" dirty="0" smtClean="0">
+                <a:latin typeface="Times New Roman" panose="02020603050405020304" pitchFamily="18" charset="0"/>
+                <a:cs typeface="Times New Roman" panose="02020603050405020304" pitchFamily="18" charset="0"/>
+              </a:rPr>
+              <a:t>s the </a:t>
+            </a:r>
+            <a:r>
+              <a:rPr lang="en-US" sz="1600" dirty="0" err="1" smtClean="0">
+                <a:latin typeface="Times New Roman" panose="02020603050405020304" pitchFamily="18" charset="0"/>
+                <a:cs typeface="Times New Roman" panose="02020603050405020304" pitchFamily="18" charset="0"/>
+              </a:rPr>
+              <a:t>mle</a:t>
+            </a:r>
+            <a:r>
+              <a:rPr lang="en-US" sz="1600" dirty="0" smtClean="0">
+                <a:latin typeface="Times New Roman" panose="02020603050405020304" pitchFamily="18" charset="0"/>
+                <a:cs typeface="Times New Roman" panose="02020603050405020304" pitchFamily="18" charset="0"/>
+              </a:rPr>
+              <a:t>).</a:t>
+            </a:r>
+            <a:endParaRPr lang="en-US" sz="1600" dirty="0">
+              <a:latin typeface="Times New Roman" panose="02020603050405020304" pitchFamily="18" charset="0"/>
+              <a:cs typeface="Times New Roman" panose="02020603050405020304" pitchFamily="18" charset="0"/>
+            </a:endParaRPr>
+          </a:p>
+        </p:txBody>
+      </p:sp>
+      <p:pic>
+        <p:nvPicPr>
+          <p:cNvPr id="3" name="Picture 2"/>
+          <p:cNvPicPr>
+            <a:picLocks noChangeAspect="1"/>
+          </p:cNvPicPr>
+          <p:nvPr/>
+        </p:nvPicPr>
+        <p:blipFill>
+          <a:blip r:embed="rId3"/>
+          <a:stretch>
+            <a:fillRect/>
+          </a:stretch>
+        </p:blipFill>
+        <p:spPr>
+          <a:xfrm>
+            <a:off x="847246" y="3749957"/>
+            <a:ext cx="4456274" cy="2809282"/>
+          </a:xfrm>
+          <a:prstGeom prst="rect">
+            <a:avLst/>
+          </a:prstGeom>
+        </p:spPr>
+      </p:pic>
+      <p:sp>
+        <p:nvSpPr>
+          <p:cNvPr id="12" name="TextBox 11"/>
+          <p:cNvSpPr txBox="1"/>
+          <p:nvPr/>
+        </p:nvSpPr>
+        <p:spPr>
+          <a:xfrm>
+            <a:off x="5402295" y="3621992"/>
+            <a:ext cx="6789705" cy="2308324"/>
+          </a:xfrm>
+          <a:prstGeom prst="rect">
+            <a:avLst/>
+          </a:prstGeom>
+          <a:noFill/>
+        </p:spPr>
+        <p:txBody>
+          <a:bodyPr wrap="square" rtlCol="0">
+            <a:spAutoFit/>
+          </a:bodyPr>
+          <a:lstStyle/>
+          <a:p>
+            <a:pPr marL="285750" indent="-285750">
+              <a:buFont typeface="Arial" panose="020B0604020202020204" pitchFamily="34" charset="0"/>
+              <a:buChar char="•"/>
+            </a:pPr>
+            <a:r>
+              <a:rPr lang="en-US" sz="1600" dirty="0" smtClean="0">
+                <a:latin typeface="Times New Roman" panose="02020603050405020304" pitchFamily="18" charset="0"/>
+                <a:cs typeface="Times New Roman" panose="02020603050405020304" pitchFamily="18" charset="0"/>
+              </a:rPr>
+              <a:t>Since nothing was estimated (no parameter anyway) nothing is reported for </a:t>
+            </a:r>
+            <a:r>
+              <a:rPr lang="en-US" sz="1600" dirty="0" err="1" smtClean="0">
+                <a:latin typeface="Times New Roman" panose="02020603050405020304" pitchFamily="18" charset="0"/>
+                <a:cs typeface="Times New Roman" panose="02020603050405020304" pitchFamily="18" charset="0"/>
+              </a:rPr>
+              <a:t>sepal.Width</a:t>
+            </a:r>
+            <a:r>
+              <a:rPr lang="en-US" sz="1600" dirty="0" smtClean="0">
+                <a:latin typeface="Times New Roman" panose="02020603050405020304" pitchFamily="18" charset="0"/>
+                <a:cs typeface="Times New Roman" panose="02020603050405020304" pitchFamily="18" charset="0"/>
+              </a:rPr>
+              <a:t> in this case.  </a:t>
+            </a:r>
+          </a:p>
+          <a:p>
+            <a:pPr marL="285750" indent="-285750">
+              <a:buFont typeface="Arial" panose="020B0604020202020204" pitchFamily="34" charset="0"/>
+              <a:buChar char="•"/>
+            </a:pPr>
+            <a:r>
+              <a:rPr lang="en-US" sz="1600" dirty="0" smtClean="0">
+                <a:latin typeface="Times New Roman" panose="02020603050405020304" pitchFamily="18" charset="0"/>
+                <a:cs typeface="Times New Roman" panose="02020603050405020304" pitchFamily="18" charset="0"/>
+              </a:rPr>
+              <a:t>In this way, this model is constructed using one sliver of the likelihood from the full model, the sliver where Sepal Width = 1.3.</a:t>
+            </a:r>
+          </a:p>
+          <a:p>
+            <a:pPr marL="285750" indent="-285750">
+              <a:buFont typeface="Arial" panose="020B0604020202020204" pitchFamily="34" charset="0"/>
+              <a:buChar char="•"/>
+            </a:pPr>
+            <a:r>
+              <a:rPr lang="en-US" sz="1600" dirty="0" smtClean="0">
+                <a:latin typeface="Times New Roman" panose="02020603050405020304" pitchFamily="18" charset="0"/>
+                <a:cs typeface="Times New Roman" panose="02020603050405020304" pitchFamily="18" charset="0"/>
+              </a:rPr>
+              <a:t>If we had fixed Sepal Width at 1.27703 (the MLE) the model would be based on that slivers Likelihood, which has a specific name, the “profile likelihood”. </a:t>
+            </a:r>
+          </a:p>
+          <a:p>
+            <a:pPr marL="285750" indent="-285750">
+              <a:buFont typeface="Arial" panose="020B0604020202020204" pitchFamily="34" charset="0"/>
+              <a:buChar char="•"/>
+            </a:pPr>
+            <a:r>
+              <a:rPr lang="en-US" sz="1600" dirty="0" smtClean="0">
+                <a:latin typeface="Times New Roman" panose="02020603050405020304" pitchFamily="18" charset="0"/>
+                <a:cs typeface="Times New Roman" panose="02020603050405020304" pitchFamily="18" charset="0"/>
+              </a:rPr>
+              <a:t>So when we see “waiting for profiling to be done”, with </a:t>
+            </a:r>
+            <a:r>
+              <a:rPr lang="en-US" sz="1600" dirty="0" err="1" smtClean="0">
+                <a:latin typeface="Times New Roman" panose="02020603050405020304" pitchFamily="18" charset="0"/>
+                <a:cs typeface="Times New Roman" panose="02020603050405020304" pitchFamily="18" charset="0"/>
+              </a:rPr>
+              <a:t>confint</a:t>
+            </a:r>
+            <a:r>
+              <a:rPr lang="en-US" sz="1600" dirty="0" smtClean="0">
+                <a:latin typeface="Times New Roman" panose="02020603050405020304" pitchFamily="18" charset="0"/>
+                <a:cs typeface="Times New Roman" panose="02020603050405020304" pitchFamily="18" charset="0"/>
+              </a:rPr>
+              <a:t>, it is fitting many models near the MLE.</a:t>
+            </a:r>
+            <a:endParaRPr lang="en-US" sz="1600" dirty="0">
+              <a:latin typeface="Times New Roman" panose="02020603050405020304" pitchFamily="18" charset="0"/>
+              <a:cs typeface="Times New Roman" panose="02020603050405020304" pitchFamily="18" charset="0"/>
             </a:endParaRPr>
           </a:p>
         </p:txBody>
@@ -19991,7 +20159,7 @@
     </p:spTree>
     <p:extLst>
       <p:ext uri="{BB962C8B-B14F-4D97-AF65-F5344CB8AC3E}">
-        <p14:creationId xmlns:p14="http://schemas.microsoft.com/office/powerpoint/2010/main" val="2554040484"/>
+        <p14:creationId xmlns:p14="http://schemas.microsoft.com/office/powerpoint/2010/main" val="3513534499"/>
       </p:ext>
     </p:extLst>
   </p:cSld>
@@ -20116,86 +20284,1593 @@
           </a:p>
         </p:txBody>
       </p:sp>
-      <p:pic>
-        <p:nvPicPr>
-          <p:cNvPr id="7" name="Picture 6"/>
-          <p:cNvPicPr>
-            <a:picLocks noChangeAspect="1"/>
-          </p:cNvPicPr>
-          <p:nvPr/>
-        </p:nvPicPr>
-        <p:blipFill>
-          <a:blip r:embed="rId2"/>
-          <a:stretch>
-            <a:fillRect/>
-          </a:stretch>
-        </p:blipFill>
-        <p:spPr>
-          <a:xfrm>
-            <a:off x="567857" y="1381404"/>
-            <a:ext cx="7362825" cy="2714625"/>
-          </a:xfrm>
-          <a:prstGeom prst="rect">
-            <a:avLst/>
-          </a:prstGeom>
-        </p:spPr>
-      </p:pic>
+      <mc:AlternateContent xmlns:mc="http://schemas.openxmlformats.org/markup-compatibility/2006" xmlns:a14="http://schemas.microsoft.com/office/drawing/2010/main">
+        <mc:Choice Requires="a14">
+          <p:sp>
+            <p:nvSpPr>
+              <p:cNvPr id="4" name="Rectangle 3"/>
+              <p:cNvSpPr/>
+              <p:nvPr/>
+            </p:nvSpPr>
+            <p:spPr>
+              <a:xfrm>
+                <a:off x="1262516" y="939714"/>
+                <a:ext cx="9726707" cy="397866"/>
+              </a:xfrm>
+              <a:prstGeom prst="rect">
+                <a:avLst/>
+              </a:prstGeom>
+            </p:spPr>
+            <p:txBody>
+              <a:bodyPr wrap="square">
+                <a:spAutoFit/>
+              </a:bodyPr>
+              <a:lstStyle/>
+              <a:p>
+                <a:pPr/>
+                <a14:m>
+                  <m:oMathPara xmlns:m="http://schemas.openxmlformats.org/officeDocument/2006/math">
+                    <m:oMathParaPr>
+                      <m:jc m:val="centerGroup"/>
+                    </m:oMathParaPr>
+                    <m:oMath xmlns:m="http://schemas.openxmlformats.org/officeDocument/2006/math">
+                      <m:sSub>
+                        <m:sSubPr>
+                          <m:ctrlPr>
+                            <a:rPr lang="en-US" i="1">
+                              <a:latin typeface="Cambria Math" panose="02040503050406030204" pitchFamily="18" charset="0"/>
+                              <a:cs typeface="Times New Roman" panose="02020603050405020304" pitchFamily="18" charset="0"/>
+                            </a:rPr>
+                          </m:ctrlPr>
+                        </m:sSubPr>
+                        <m:e>
+                          <m:r>
+                            <a:rPr lang="en-US" i="1">
+                              <a:latin typeface="Cambria Math" panose="02040503050406030204" pitchFamily="18" charset="0"/>
+                              <a:cs typeface="Times New Roman" panose="02020603050405020304" pitchFamily="18" charset="0"/>
+                            </a:rPr>
+                            <m:t>𝑌</m:t>
+                          </m:r>
+                        </m:e>
+                        <m:sub>
+                          <m:r>
+                            <a:rPr lang="en-US" i="1">
+                              <a:latin typeface="Cambria Math" panose="02040503050406030204" pitchFamily="18" charset="0"/>
+                              <a:cs typeface="Times New Roman" panose="02020603050405020304" pitchFamily="18" charset="0"/>
+                            </a:rPr>
+                            <m:t>𝑖</m:t>
+                          </m:r>
+                        </m:sub>
+                      </m:sSub>
+                      <m:r>
+                        <a:rPr lang="en-US" i="1">
+                          <a:latin typeface="Cambria Math" panose="02040503050406030204" pitchFamily="18" charset="0"/>
+                          <a:cs typeface="Times New Roman" panose="02020603050405020304" pitchFamily="18" charset="0"/>
+                        </a:rPr>
+                        <m:t>=</m:t>
+                      </m:r>
+                      <m:sSub>
+                        <m:sSubPr>
+                          <m:ctrlPr>
+                            <a:rPr lang="en-US" i="1" smtClean="0">
+                              <a:ln>
+                                <a:solidFill>
+                                  <a:schemeClr val="bg1">
+                                    <a:lumMod val="10000"/>
+                                  </a:schemeClr>
+                                </a:solidFill>
+                              </a:ln>
+                              <a:solidFill>
+                                <a:srgbClr val="FF0000"/>
+                              </a:solidFill>
+                              <a:latin typeface="Cambria Math" panose="02040503050406030204" pitchFamily="18" charset="0"/>
+                              <a:cs typeface="Times New Roman" panose="02020603050405020304" pitchFamily="18" charset="0"/>
+                            </a:rPr>
+                          </m:ctrlPr>
+                        </m:sSubPr>
+                        <m:e>
+                          <m:r>
+                            <a:rPr lang="en-US" i="1">
+                              <a:ln>
+                                <a:solidFill>
+                                  <a:schemeClr val="bg1">
+                                    <a:lumMod val="10000"/>
+                                  </a:schemeClr>
+                                </a:solidFill>
+                              </a:ln>
+                              <a:solidFill>
+                                <a:srgbClr val="FF0000"/>
+                              </a:solidFill>
+                              <a:latin typeface="Cambria Math" panose="02040503050406030204" pitchFamily="18" charset="0"/>
+                              <a:cs typeface="Times New Roman" panose="02020603050405020304" pitchFamily="18" charset="0"/>
+                            </a:rPr>
+                            <m:t>𝛽</m:t>
+                          </m:r>
+                        </m:e>
+                        <m:sub>
+                          <m:r>
+                            <a:rPr lang="en-US" i="1">
+                              <a:ln>
+                                <a:solidFill>
+                                  <a:schemeClr val="bg1">
+                                    <a:lumMod val="10000"/>
+                                  </a:schemeClr>
+                                </a:solidFill>
+                              </a:ln>
+                              <a:solidFill>
+                                <a:srgbClr val="FF0000"/>
+                              </a:solidFill>
+                              <a:latin typeface="Cambria Math" panose="02040503050406030204" pitchFamily="18" charset="0"/>
+                              <a:cs typeface="Times New Roman" panose="02020603050405020304" pitchFamily="18" charset="0"/>
+                            </a:rPr>
+                            <m:t>1</m:t>
+                          </m:r>
+                        </m:sub>
+                      </m:sSub>
+                      <m:sSub>
+                        <m:sSubPr>
+                          <m:ctrlPr>
+                            <a:rPr lang="en-US" i="1">
+                              <a:ln>
+                                <a:solidFill>
+                                  <a:schemeClr val="bg1">
+                                    <a:lumMod val="10000"/>
+                                  </a:schemeClr>
+                                </a:solidFill>
+                              </a:ln>
+                              <a:solidFill>
+                                <a:srgbClr val="FF0000"/>
+                              </a:solidFill>
+                              <a:latin typeface="Cambria Math" panose="02040503050406030204" pitchFamily="18" charset="0"/>
+                              <a:cs typeface="Times New Roman" panose="02020603050405020304" pitchFamily="18" charset="0"/>
+                            </a:rPr>
+                          </m:ctrlPr>
+                        </m:sSubPr>
+                        <m:e>
+                          <m:sSub>
+                            <m:sSubPr>
+                              <m:ctrlPr>
+                                <a:rPr lang="en-US" i="1">
+                                  <a:ln>
+                                    <a:solidFill>
+                                      <a:schemeClr val="bg1">
+                                        <a:lumMod val="10000"/>
+                                      </a:schemeClr>
+                                    </a:solidFill>
+                                  </a:ln>
+                                  <a:solidFill>
+                                    <a:srgbClr val="FF0000"/>
+                                  </a:solidFill>
+                                  <a:latin typeface="Cambria Math" panose="02040503050406030204" pitchFamily="18" charset="0"/>
+                                  <a:cs typeface="Times New Roman" panose="02020603050405020304" pitchFamily="18" charset="0"/>
+                                </a:rPr>
+                              </m:ctrlPr>
+                            </m:sSubPr>
+                            <m:e>
+                              <m:r>
+                                <a:rPr lang="en-US" i="1">
+                                  <a:ln>
+                                    <a:solidFill>
+                                      <a:schemeClr val="bg1">
+                                        <a:lumMod val="10000"/>
+                                      </a:schemeClr>
+                                    </a:solidFill>
+                                  </a:ln>
+                                  <a:solidFill>
+                                    <a:srgbClr val="FF0000"/>
+                                  </a:solidFill>
+                                  <a:latin typeface="Cambria Math" panose="02040503050406030204" pitchFamily="18" charset="0"/>
+                                  <a:cs typeface="Times New Roman" panose="02020603050405020304" pitchFamily="18" charset="0"/>
+                                </a:rPr>
+                                <m:t>𝑋</m:t>
+                              </m:r>
+                            </m:e>
+                            <m:sub>
+                              <m:r>
+                                <a:rPr lang="en-US" i="1">
+                                  <a:ln>
+                                    <a:solidFill>
+                                      <a:schemeClr val="bg1">
+                                        <a:lumMod val="10000"/>
+                                      </a:schemeClr>
+                                    </a:solidFill>
+                                  </a:ln>
+                                  <a:solidFill>
+                                    <a:srgbClr val="FF0000"/>
+                                  </a:solidFill>
+                                  <a:latin typeface="Cambria Math" panose="02040503050406030204" pitchFamily="18" charset="0"/>
+                                  <a:cs typeface="Times New Roman" panose="02020603050405020304" pitchFamily="18" charset="0"/>
+                                </a:rPr>
+                                <m:t>1</m:t>
+                              </m:r>
+                            </m:sub>
+                          </m:sSub>
+                        </m:e>
+                        <m:sub>
+                          <m:r>
+                            <a:rPr lang="en-US" i="1">
+                              <a:ln>
+                                <a:solidFill>
+                                  <a:schemeClr val="bg1">
+                                    <a:lumMod val="10000"/>
+                                  </a:schemeClr>
+                                </a:solidFill>
+                              </a:ln>
+                              <a:solidFill>
+                                <a:srgbClr val="FF0000"/>
+                              </a:solidFill>
+                              <a:latin typeface="Cambria Math" panose="02040503050406030204" pitchFamily="18" charset="0"/>
+                              <a:cs typeface="Times New Roman" panose="02020603050405020304" pitchFamily="18" charset="0"/>
+                            </a:rPr>
+                            <m:t>𝑖</m:t>
+                          </m:r>
+                        </m:sub>
+                      </m:sSub>
+                      <m:r>
+                        <a:rPr lang="en-US" i="1">
+                          <a:latin typeface="Cambria Math" panose="02040503050406030204" pitchFamily="18" charset="0"/>
+                          <a:cs typeface="Times New Roman" panose="02020603050405020304" pitchFamily="18" charset="0"/>
+                        </a:rPr>
+                        <m:t>+</m:t>
+                      </m:r>
+                      <m:sSub>
+                        <m:sSubPr>
+                          <m:ctrlPr>
+                            <a:rPr lang="en-US" i="1" smtClean="0">
+                              <a:ln>
+                                <a:solidFill>
+                                  <a:schemeClr val="bg2">
+                                    <a:lumMod val="10000"/>
+                                  </a:schemeClr>
+                                </a:solidFill>
+                              </a:ln>
+                              <a:solidFill>
+                                <a:srgbClr val="BB0BA6"/>
+                              </a:solidFill>
+                              <a:latin typeface="Cambria Math" panose="02040503050406030204" pitchFamily="18" charset="0"/>
+                              <a:cs typeface="Times New Roman" panose="02020603050405020304" pitchFamily="18" charset="0"/>
+                            </a:rPr>
+                          </m:ctrlPr>
+                        </m:sSubPr>
+                        <m:e>
+                          <m:r>
+                            <a:rPr lang="en-US" i="1">
+                              <a:ln>
+                                <a:solidFill>
+                                  <a:schemeClr val="bg2">
+                                    <a:lumMod val="10000"/>
+                                  </a:schemeClr>
+                                </a:solidFill>
+                              </a:ln>
+                              <a:solidFill>
+                                <a:srgbClr val="BB0BA6"/>
+                              </a:solidFill>
+                              <a:latin typeface="Cambria Math" panose="02040503050406030204" pitchFamily="18" charset="0"/>
+                              <a:cs typeface="Times New Roman" panose="02020603050405020304" pitchFamily="18" charset="0"/>
+                            </a:rPr>
+                            <m:t>𝛽</m:t>
+                          </m:r>
+                        </m:e>
+                        <m:sub>
+                          <m:r>
+                            <a:rPr lang="en-US" i="1">
+                              <a:ln>
+                                <a:solidFill>
+                                  <a:schemeClr val="bg2">
+                                    <a:lumMod val="10000"/>
+                                  </a:schemeClr>
+                                </a:solidFill>
+                              </a:ln>
+                              <a:solidFill>
+                                <a:srgbClr val="BB0BA6"/>
+                              </a:solidFill>
+                              <a:latin typeface="Cambria Math" panose="02040503050406030204" pitchFamily="18" charset="0"/>
+                              <a:cs typeface="Times New Roman" panose="02020603050405020304" pitchFamily="18" charset="0"/>
+                            </a:rPr>
+                            <m:t>2</m:t>
+                          </m:r>
+                        </m:sub>
+                      </m:sSub>
+                      <m:sSub>
+                        <m:sSubPr>
+                          <m:ctrlPr>
+                            <a:rPr lang="en-US" i="1">
+                              <a:ln>
+                                <a:solidFill>
+                                  <a:schemeClr val="bg2">
+                                    <a:lumMod val="10000"/>
+                                  </a:schemeClr>
+                                </a:solidFill>
+                              </a:ln>
+                              <a:solidFill>
+                                <a:srgbClr val="BB0BA6"/>
+                              </a:solidFill>
+                              <a:latin typeface="Cambria Math" panose="02040503050406030204" pitchFamily="18" charset="0"/>
+                              <a:cs typeface="Times New Roman" panose="02020603050405020304" pitchFamily="18" charset="0"/>
+                            </a:rPr>
+                          </m:ctrlPr>
+                        </m:sSubPr>
+                        <m:e>
+                          <m:sSub>
+                            <m:sSubPr>
+                              <m:ctrlPr>
+                                <a:rPr lang="en-US" i="1">
+                                  <a:ln>
+                                    <a:solidFill>
+                                      <a:schemeClr val="bg2">
+                                        <a:lumMod val="10000"/>
+                                      </a:schemeClr>
+                                    </a:solidFill>
+                                  </a:ln>
+                                  <a:solidFill>
+                                    <a:srgbClr val="BB0BA6"/>
+                                  </a:solidFill>
+                                  <a:latin typeface="Cambria Math" panose="02040503050406030204" pitchFamily="18" charset="0"/>
+                                  <a:cs typeface="Times New Roman" panose="02020603050405020304" pitchFamily="18" charset="0"/>
+                                </a:rPr>
+                              </m:ctrlPr>
+                            </m:sSubPr>
+                            <m:e>
+                              <m:r>
+                                <a:rPr lang="en-US" i="1">
+                                  <a:ln>
+                                    <a:solidFill>
+                                      <a:schemeClr val="bg2">
+                                        <a:lumMod val="10000"/>
+                                      </a:schemeClr>
+                                    </a:solidFill>
+                                  </a:ln>
+                                  <a:solidFill>
+                                    <a:srgbClr val="BB0BA6"/>
+                                  </a:solidFill>
+                                  <a:latin typeface="Cambria Math" panose="02040503050406030204" pitchFamily="18" charset="0"/>
+                                  <a:cs typeface="Times New Roman" panose="02020603050405020304" pitchFamily="18" charset="0"/>
+                                </a:rPr>
+                                <m:t>𝑋</m:t>
+                              </m:r>
+                            </m:e>
+                            <m:sub>
+                              <m:r>
+                                <a:rPr lang="en-US" i="1">
+                                  <a:ln>
+                                    <a:solidFill>
+                                      <a:schemeClr val="bg2">
+                                        <a:lumMod val="10000"/>
+                                      </a:schemeClr>
+                                    </a:solidFill>
+                                  </a:ln>
+                                  <a:solidFill>
+                                    <a:srgbClr val="BB0BA6"/>
+                                  </a:solidFill>
+                                  <a:latin typeface="Cambria Math" panose="02040503050406030204" pitchFamily="18" charset="0"/>
+                                  <a:cs typeface="Times New Roman" panose="02020603050405020304" pitchFamily="18" charset="0"/>
+                                </a:rPr>
+                                <m:t>2</m:t>
+                              </m:r>
+                            </m:sub>
+                          </m:sSub>
+                        </m:e>
+                        <m:sub>
+                          <m:r>
+                            <a:rPr lang="en-US" i="1">
+                              <a:ln>
+                                <a:solidFill>
+                                  <a:schemeClr val="bg2">
+                                    <a:lumMod val="10000"/>
+                                  </a:schemeClr>
+                                </a:solidFill>
+                              </a:ln>
+                              <a:solidFill>
+                                <a:srgbClr val="BB0BA6"/>
+                              </a:solidFill>
+                              <a:latin typeface="Cambria Math" panose="02040503050406030204" pitchFamily="18" charset="0"/>
+                              <a:cs typeface="Times New Roman" panose="02020603050405020304" pitchFamily="18" charset="0"/>
+                            </a:rPr>
+                            <m:t>𝑖</m:t>
+                          </m:r>
+                        </m:sub>
+                      </m:sSub>
+                      <m:r>
+                        <a:rPr lang="en-US" i="1">
+                          <a:latin typeface="Cambria Math" panose="02040503050406030204" pitchFamily="18" charset="0"/>
+                          <a:cs typeface="Times New Roman" panose="02020603050405020304" pitchFamily="18" charset="0"/>
+                        </a:rPr>
+                        <m:t>+</m:t>
+                      </m:r>
+                      <m:sSub>
+                        <m:sSubPr>
+                          <m:ctrlPr>
+                            <a:rPr lang="en-US" i="1" smtClean="0">
+                              <a:solidFill>
+                                <a:schemeClr val="accent4">
+                                  <a:lumMod val="75000"/>
+                                </a:schemeClr>
+                              </a:solidFill>
+                              <a:latin typeface="Cambria Math" panose="02040503050406030204" pitchFamily="18" charset="0"/>
+                              <a:cs typeface="Times New Roman" panose="02020603050405020304" pitchFamily="18" charset="0"/>
+                            </a:rPr>
+                          </m:ctrlPr>
+                        </m:sSubPr>
+                        <m:e>
+                          <m:r>
+                            <a:rPr lang="en-US" i="1">
+                              <a:solidFill>
+                                <a:schemeClr val="accent4">
+                                  <a:lumMod val="75000"/>
+                                </a:schemeClr>
+                              </a:solidFill>
+                              <a:latin typeface="Cambria Math" panose="02040503050406030204" pitchFamily="18" charset="0"/>
+                              <a:cs typeface="Times New Roman" panose="02020603050405020304" pitchFamily="18" charset="0"/>
+                            </a:rPr>
+                            <m:t>𝛽</m:t>
+                          </m:r>
+                        </m:e>
+                        <m:sub>
+                          <m:r>
+                            <a:rPr lang="en-US" i="1">
+                              <a:solidFill>
+                                <a:schemeClr val="accent4">
+                                  <a:lumMod val="75000"/>
+                                </a:schemeClr>
+                              </a:solidFill>
+                              <a:latin typeface="Cambria Math" panose="02040503050406030204" pitchFamily="18" charset="0"/>
+                              <a:cs typeface="Times New Roman" panose="02020603050405020304" pitchFamily="18" charset="0"/>
+                            </a:rPr>
+                            <m:t>3</m:t>
+                          </m:r>
+                        </m:sub>
+                      </m:sSub>
+                      <m:sSub>
+                        <m:sSubPr>
+                          <m:ctrlPr>
+                            <a:rPr lang="en-US" i="1">
+                              <a:solidFill>
+                                <a:schemeClr val="accent4">
+                                  <a:lumMod val="75000"/>
+                                </a:schemeClr>
+                              </a:solidFill>
+                              <a:latin typeface="Cambria Math" panose="02040503050406030204" pitchFamily="18" charset="0"/>
+                              <a:cs typeface="Times New Roman" panose="02020603050405020304" pitchFamily="18" charset="0"/>
+                            </a:rPr>
+                          </m:ctrlPr>
+                        </m:sSubPr>
+                        <m:e>
+                          <m:sSub>
+                            <m:sSubPr>
+                              <m:ctrlPr>
+                                <a:rPr lang="en-US" i="1">
+                                  <a:solidFill>
+                                    <a:schemeClr val="accent4">
+                                      <a:lumMod val="75000"/>
+                                    </a:schemeClr>
+                                  </a:solidFill>
+                                  <a:latin typeface="Cambria Math" panose="02040503050406030204" pitchFamily="18" charset="0"/>
+                                  <a:cs typeface="Times New Roman" panose="02020603050405020304" pitchFamily="18" charset="0"/>
+                                </a:rPr>
+                              </m:ctrlPr>
+                            </m:sSubPr>
+                            <m:e>
+                              <m:r>
+                                <a:rPr lang="en-US" i="1">
+                                  <a:solidFill>
+                                    <a:schemeClr val="accent4">
+                                      <a:lumMod val="75000"/>
+                                    </a:schemeClr>
+                                  </a:solidFill>
+                                  <a:latin typeface="Cambria Math" panose="02040503050406030204" pitchFamily="18" charset="0"/>
+                                  <a:cs typeface="Times New Roman" panose="02020603050405020304" pitchFamily="18" charset="0"/>
+                                </a:rPr>
+                                <m:t>𝑋</m:t>
+                              </m:r>
+                            </m:e>
+                            <m:sub>
+                              <m:r>
+                                <a:rPr lang="en-US" i="1">
+                                  <a:solidFill>
+                                    <a:schemeClr val="accent4">
+                                      <a:lumMod val="75000"/>
+                                    </a:schemeClr>
+                                  </a:solidFill>
+                                  <a:latin typeface="Cambria Math" panose="02040503050406030204" pitchFamily="18" charset="0"/>
+                                  <a:cs typeface="Times New Roman" panose="02020603050405020304" pitchFamily="18" charset="0"/>
+                                </a:rPr>
+                                <m:t>3</m:t>
+                              </m:r>
+                            </m:sub>
+                          </m:sSub>
+                        </m:e>
+                        <m:sub>
+                          <m:r>
+                            <a:rPr lang="en-US" i="1">
+                              <a:solidFill>
+                                <a:schemeClr val="accent4">
+                                  <a:lumMod val="75000"/>
+                                </a:schemeClr>
+                              </a:solidFill>
+                              <a:latin typeface="Cambria Math" panose="02040503050406030204" pitchFamily="18" charset="0"/>
+                              <a:cs typeface="Times New Roman" panose="02020603050405020304" pitchFamily="18" charset="0"/>
+                            </a:rPr>
+                            <m:t>𝑖</m:t>
+                          </m:r>
+                        </m:sub>
+                      </m:sSub>
+                      <m:r>
+                        <a:rPr lang="en-US" i="1">
+                          <a:latin typeface="Cambria Math" panose="02040503050406030204" pitchFamily="18" charset="0"/>
+                          <a:cs typeface="Times New Roman" panose="02020603050405020304" pitchFamily="18" charset="0"/>
+                        </a:rPr>
+                        <m:t>+</m:t>
+                      </m:r>
+                      <m:sSub>
+                        <m:sSubPr>
+                          <m:ctrlPr>
+                            <a:rPr lang="en-US" i="1" smtClean="0">
+                              <a:solidFill>
+                                <a:schemeClr val="accent4"/>
+                              </a:solidFill>
+                              <a:latin typeface="Cambria Math" panose="02040503050406030204" pitchFamily="18" charset="0"/>
+                              <a:cs typeface="Times New Roman" panose="02020603050405020304" pitchFamily="18" charset="0"/>
+                            </a:rPr>
+                          </m:ctrlPr>
+                        </m:sSubPr>
+                        <m:e>
+                          <m:r>
+                            <a:rPr lang="en-US" i="1">
+                              <a:solidFill>
+                                <a:schemeClr val="accent4"/>
+                              </a:solidFill>
+                              <a:latin typeface="Cambria Math" panose="02040503050406030204" pitchFamily="18" charset="0"/>
+                              <a:cs typeface="Times New Roman" panose="02020603050405020304" pitchFamily="18" charset="0"/>
+                            </a:rPr>
+                            <m:t>𝛽</m:t>
+                          </m:r>
+                        </m:e>
+                        <m:sub>
+                          <m:r>
+                            <a:rPr lang="en-US" i="1">
+                              <a:solidFill>
+                                <a:schemeClr val="accent4"/>
+                              </a:solidFill>
+                              <a:latin typeface="Cambria Math" panose="02040503050406030204" pitchFamily="18" charset="0"/>
+                              <a:cs typeface="Times New Roman" panose="02020603050405020304" pitchFamily="18" charset="0"/>
+                            </a:rPr>
+                            <m:t>12</m:t>
+                          </m:r>
+                        </m:sub>
+                      </m:sSub>
+                      <m:r>
+                        <a:rPr lang="en-US" i="1">
+                          <a:solidFill>
+                            <a:schemeClr val="accent4"/>
+                          </a:solidFill>
+                          <a:latin typeface="Cambria Math" panose="02040503050406030204" pitchFamily="18" charset="0"/>
+                          <a:cs typeface="Times New Roman" panose="02020603050405020304" pitchFamily="18" charset="0"/>
+                        </a:rPr>
+                        <m:t>(</m:t>
+                      </m:r>
+                      <m:sSub>
+                        <m:sSubPr>
+                          <m:ctrlPr>
+                            <a:rPr lang="en-US" i="1">
+                              <a:solidFill>
+                                <a:schemeClr val="accent4"/>
+                              </a:solidFill>
+                              <a:latin typeface="Cambria Math" panose="02040503050406030204" pitchFamily="18" charset="0"/>
+                              <a:cs typeface="Times New Roman" panose="02020603050405020304" pitchFamily="18" charset="0"/>
+                            </a:rPr>
+                          </m:ctrlPr>
+                        </m:sSubPr>
+                        <m:e>
+                          <m:sSub>
+                            <m:sSubPr>
+                              <m:ctrlPr>
+                                <a:rPr lang="en-US" i="1">
+                                  <a:solidFill>
+                                    <a:schemeClr val="accent4"/>
+                                  </a:solidFill>
+                                  <a:latin typeface="Cambria Math" panose="02040503050406030204" pitchFamily="18" charset="0"/>
+                                  <a:cs typeface="Times New Roman" panose="02020603050405020304" pitchFamily="18" charset="0"/>
+                                </a:rPr>
+                              </m:ctrlPr>
+                            </m:sSubPr>
+                            <m:e>
+                              <m:r>
+                                <a:rPr lang="en-US" i="1">
+                                  <a:solidFill>
+                                    <a:schemeClr val="accent4"/>
+                                  </a:solidFill>
+                                  <a:latin typeface="Cambria Math" panose="02040503050406030204" pitchFamily="18" charset="0"/>
+                                  <a:cs typeface="Times New Roman" panose="02020603050405020304" pitchFamily="18" charset="0"/>
+                                </a:rPr>
+                                <m:t>𝑋</m:t>
+                              </m:r>
+                            </m:e>
+                            <m:sub>
+                              <m:r>
+                                <a:rPr lang="en-US" i="1">
+                                  <a:solidFill>
+                                    <a:schemeClr val="accent4"/>
+                                  </a:solidFill>
+                                  <a:latin typeface="Cambria Math" panose="02040503050406030204" pitchFamily="18" charset="0"/>
+                                  <a:cs typeface="Times New Roman" panose="02020603050405020304" pitchFamily="18" charset="0"/>
+                                </a:rPr>
+                                <m:t>1</m:t>
+                              </m:r>
+                            </m:sub>
+                          </m:sSub>
+                        </m:e>
+                        <m:sub>
+                          <m:r>
+                            <a:rPr lang="en-US" i="1">
+                              <a:solidFill>
+                                <a:schemeClr val="accent4"/>
+                              </a:solidFill>
+                              <a:latin typeface="Cambria Math" panose="02040503050406030204" pitchFamily="18" charset="0"/>
+                              <a:cs typeface="Times New Roman" panose="02020603050405020304" pitchFamily="18" charset="0"/>
+                            </a:rPr>
+                            <m:t>𝑖</m:t>
+                          </m:r>
+                        </m:sub>
+                      </m:sSub>
+                      <m:sSub>
+                        <m:sSubPr>
+                          <m:ctrlPr>
+                            <a:rPr lang="en-US" i="1">
+                              <a:solidFill>
+                                <a:schemeClr val="accent4"/>
+                              </a:solidFill>
+                              <a:latin typeface="Cambria Math" panose="02040503050406030204" pitchFamily="18" charset="0"/>
+                              <a:cs typeface="Times New Roman" panose="02020603050405020304" pitchFamily="18" charset="0"/>
+                            </a:rPr>
+                          </m:ctrlPr>
+                        </m:sSubPr>
+                        <m:e>
+                          <m:sSub>
+                            <m:sSubPr>
+                              <m:ctrlPr>
+                                <a:rPr lang="en-US" i="1">
+                                  <a:solidFill>
+                                    <a:schemeClr val="accent4"/>
+                                  </a:solidFill>
+                                  <a:latin typeface="Cambria Math" panose="02040503050406030204" pitchFamily="18" charset="0"/>
+                                  <a:cs typeface="Times New Roman" panose="02020603050405020304" pitchFamily="18" charset="0"/>
+                                </a:rPr>
+                              </m:ctrlPr>
+                            </m:sSubPr>
+                            <m:e>
+                              <m:r>
+                                <a:rPr lang="en-US" i="1">
+                                  <a:solidFill>
+                                    <a:schemeClr val="accent4"/>
+                                  </a:solidFill>
+                                  <a:latin typeface="Cambria Math" panose="02040503050406030204" pitchFamily="18" charset="0"/>
+                                  <a:cs typeface="Times New Roman" panose="02020603050405020304" pitchFamily="18" charset="0"/>
+                                </a:rPr>
+                                <m:t>𝑋</m:t>
+                              </m:r>
+                            </m:e>
+                            <m:sub>
+                              <m:r>
+                                <a:rPr lang="en-US" i="1">
+                                  <a:solidFill>
+                                    <a:schemeClr val="accent4"/>
+                                  </a:solidFill>
+                                  <a:latin typeface="Cambria Math" panose="02040503050406030204" pitchFamily="18" charset="0"/>
+                                  <a:cs typeface="Times New Roman" panose="02020603050405020304" pitchFamily="18" charset="0"/>
+                                </a:rPr>
+                                <m:t>2</m:t>
+                              </m:r>
+                            </m:sub>
+                          </m:sSub>
+                        </m:e>
+                        <m:sub>
+                          <m:r>
+                            <a:rPr lang="en-US" i="1">
+                              <a:solidFill>
+                                <a:schemeClr val="accent4"/>
+                              </a:solidFill>
+                              <a:latin typeface="Cambria Math" panose="02040503050406030204" pitchFamily="18" charset="0"/>
+                              <a:cs typeface="Times New Roman" panose="02020603050405020304" pitchFamily="18" charset="0"/>
+                            </a:rPr>
+                            <m:t>𝑖</m:t>
+                          </m:r>
+                        </m:sub>
+                      </m:sSub>
+                      <m:r>
+                        <a:rPr lang="en-US" i="1">
+                          <a:solidFill>
+                            <a:schemeClr val="accent4"/>
+                          </a:solidFill>
+                          <a:latin typeface="Cambria Math" panose="02040503050406030204" pitchFamily="18" charset="0"/>
+                          <a:cs typeface="Times New Roman" panose="02020603050405020304" pitchFamily="18" charset="0"/>
+                        </a:rPr>
+                        <m:t>)</m:t>
+                      </m:r>
+                      <m:r>
+                        <a:rPr lang="en-US" i="1" smtClean="0">
+                          <a:solidFill>
+                            <a:schemeClr val="tx1"/>
+                          </a:solidFill>
+                          <a:latin typeface="Cambria Math" panose="02040503050406030204" pitchFamily="18" charset="0"/>
+                          <a:cs typeface="Times New Roman" panose="02020603050405020304" pitchFamily="18" charset="0"/>
+                        </a:rPr>
+                        <m:t>+</m:t>
+                      </m:r>
+                      <m:sSub>
+                        <m:sSubPr>
+                          <m:ctrlPr>
+                            <a:rPr lang="en-US" i="1" smtClean="0">
+                              <a:solidFill>
+                                <a:schemeClr val="tx2">
+                                  <a:lumMod val="60000"/>
+                                  <a:lumOff val="40000"/>
+                                </a:schemeClr>
+                              </a:solidFill>
+                              <a:latin typeface="Cambria Math" panose="02040503050406030204" pitchFamily="18" charset="0"/>
+                              <a:cs typeface="Times New Roman" panose="02020603050405020304" pitchFamily="18" charset="0"/>
+                            </a:rPr>
+                          </m:ctrlPr>
+                        </m:sSubPr>
+                        <m:e>
+                          <m:r>
+                            <a:rPr lang="en-US" i="1">
+                              <a:solidFill>
+                                <a:schemeClr val="tx2">
+                                  <a:lumMod val="60000"/>
+                                  <a:lumOff val="40000"/>
+                                </a:schemeClr>
+                              </a:solidFill>
+                              <a:latin typeface="Cambria Math" panose="02040503050406030204" pitchFamily="18" charset="0"/>
+                              <a:cs typeface="Times New Roman" panose="02020603050405020304" pitchFamily="18" charset="0"/>
+                            </a:rPr>
+                            <m:t>𝛽</m:t>
+                          </m:r>
+                        </m:e>
+                        <m:sub>
+                          <m:r>
+                            <a:rPr lang="en-US" i="1">
+                              <a:solidFill>
+                                <a:schemeClr val="tx2">
+                                  <a:lumMod val="60000"/>
+                                  <a:lumOff val="40000"/>
+                                </a:schemeClr>
+                              </a:solidFill>
+                              <a:latin typeface="Cambria Math" panose="02040503050406030204" pitchFamily="18" charset="0"/>
+                              <a:cs typeface="Times New Roman" panose="02020603050405020304" pitchFamily="18" charset="0"/>
+                            </a:rPr>
+                            <m:t>13</m:t>
+                          </m:r>
+                        </m:sub>
+                      </m:sSub>
+                      <m:r>
+                        <a:rPr lang="en-US" i="1">
+                          <a:solidFill>
+                            <a:schemeClr val="tx2">
+                              <a:lumMod val="60000"/>
+                              <a:lumOff val="40000"/>
+                            </a:schemeClr>
+                          </a:solidFill>
+                          <a:latin typeface="Cambria Math" panose="02040503050406030204" pitchFamily="18" charset="0"/>
+                          <a:cs typeface="Times New Roman" panose="02020603050405020304" pitchFamily="18" charset="0"/>
+                        </a:rPr>
+                        <m:t>(</m:t>
+                      </m:r>
+                      <m:sSub>
+                        <m:sSubPr>
+                          <m:ctrlPr>
+                            <a:rPr lang="en-US" i="1">
+                              <a:solidFill>
+                                <a:schemeClr val="tx2">
+                                  <a:lumMod val="60000"/>
+                                  <a:lumOff val="40000"/>
+                                </a:schemeClr>
+                              </a:solidFill>
+                              <a:latin typeface="Cambria Math" panose="02040503050406030204" pitchFamily="18" charset="0"/>
+                              <a:cs typeface="Times New Roman" panose="02020603050405020304" pitchFamily="18" charset="0"/>
+                            </a:rPr>
+                          </m:ctrlPr>
+                        </m:sSubPr>
+                        <m:e>
+                          <m:sSub>
+                            <m:sSubPr>
+                              <m:ctrlPr>
+                                <a:rPr lang="en-US" i="1">
+                                  <a:solidFill>
+                                    <a:schemeClr val="tx2">
+                                      <a:lumMod val="60000"/>
+                                      <a:lumOff val="40000"/>
+                                    </a:schemeClr>
+                                  </a:solidFill>
+                                  <a:latin typeface="Cambria Math" panose="02040503050406030204" pitchFamily="18" charset="0"/>
+                                  <a:cs typeface="Times New Roman" panose="02020603050405020304" pitchFamily="18" charset="0"/>
+                                </a:rPr>
+                              </m:ctrlPr>
+                            </m:sSubPr>
+                            <m:e>
+                              <m:r>
+                                <a:rPr lang="en-US" i="1">
+                                  <a:solidFill>
+                                    <a:schemeClr val="tx2">
+                                      <a:lumMod val="60000"/>
+                                      <a:lumOff val="40000"/>
+                                    </a:schemeClr>
+                                  </a:solidFill>
+                                  <a:latin typeface="Cambria Math" panose="02040503050406030204" pitchFamily="18" charset="0"/>
+                                  <a:cs typeface="Times New Roman" panose="02020603050405020304" pitchFamily="18" charset="0"/>
+                                </a:rPr>
+                                <m:t>𝑋</m:t>
+                              </m:r>
+                            </m:e>
+                            <m:sub>
+                              <m:r>
+                                <a:rPr lang="en-US" i="1">
+                                  <a:solidFill>
+                                    <a:schemeClr val="tx2">
+                                      <a:lumMod val="60000"/>
+                                      <a:lumOff val="40000"/>
+                                    </a:schemeClr>
+                                  </a:solidFill>
+                                  <a:latin typeface="Cambria Math" panose="02040503050406030204" pitchFamily="18" charset="0"/>
+                                  <a:cs typeface="Times New Roman" panose="02020603050405020304" pitchFamily="18" charset="0"/>
+                                </a:rPr>
+                                <m:t>1</m:t>
+                              </m:r>
+                            </m:sub>
+                          </m:sSub>
+                        </m:e>
+                        <m:sub>
+                          <m:r>
+                            <a:rPr lang="en-US" i="1">
+                              <a:solidFill>
+                                <a:schemeClr val="tx2">
+                                  <a:lumMod val="60000"/>
+                                  <a:lumOff val="40000"/>
+                                </a:schemeClr>
+                              </a:solidFill>
+                              <a:latin typeface="Cambria Math" panose="02040503050406030204" pitchFamily="18" charset="0"/>
+                              <a:cs typeface="Times New Roman" panose="02020603050405020304" pitchFamily="18" charset="0"/>
+                            </a:rPr>
+                            <m:t>𝑖</m:t>
+                          </m:r>
+                        </m:sub>
+                      </m:sSub>
+                      <m:sSub>
+                        <m:sSubPr>
+                          <m:ctrlPr>
+                            <a:rPr lang="en-US" i="1">
+                              <a:solidFill>
+                                <a:schemeClr val="tx2">
+                                  <a:lumMod val="60000"/>
+                                  <a:lumOff val="40000"/>
+                                </a:schemeClr>
+                              </a:solidFill>
+                              <a:latin typeface="Cambria Math" panose="02040503050406030204" pitchFamily="18" charset="0"/>
+                              <a:cs typeface="Times New Roman" panose="02020603050405020304" pitchFamily="18" charset="0"/>
+                            </a:rPr>
+                          </m:ctrlPr>
+                        </m:sSubPr>
+                        <m:e>
+                          <m:sSub>
+                            <m:sSubPr>
+                              <m:ctrlPr>
+                                <a:rPr lang="en-US" i="1">
+                                  <a:solidFill>
+                                    <a:schemeClr val="tx2">
+                                      <a:lumMod val="60000"/>
+                                      <a:lumOff val="40000"/>
+                                    </a:schemeClr>
+                                  </a:solidFill>
+                                  <a:latin typeface="Cambria Math" panose="02040503050406030204" pitchFamily="18" charset="0"/>
+                                  <a:cs typeface="Times New Roman" panose="02020603050405020304" pitchFamily="18" charset="0"/>
+                                </a:rPr>
+                              </m:ctrlPr>
+                            </m:sSubPr>
+                            <m:e>
+                              <m:r>
+                                <a:rPr lang="en-US" i="1">
+                                  <a:solidFill>
+                                    <a:schemeClr val="tx2">
+                                      <a:lumMod val="60000"/>
+                                      <a:lumOff val="40000"/>
+                                    </a:schemeClr>
+                                  </a:solidFill>
+                                  <a:latin typeface="Cambria Math" panose="02040503050406030204" pitchFamily="18" charset="0"/>
+                                  <a:cs typeface="Times New Roman" panose="02020603050405020304" pitchFamily="18" charset="0"/>
+                                </a:rPr>
+                                <m:t>𝑋</m:t>
+                              </m:r>
+                            </m:e>
+                            <m:sub>
+                              <m:r>
+                                <a:rPr lang="en-US" i="1">
+                                  <a:solidFill>
+                                    <a:schemeClr val="tx2">
+                                      <a:lumMod val="60000"/>
+                                      <a:lumOff val="40000"/>
+                                    </a:schemeClr>
+                                  </a:solidFill>
+                                  <a:latin typeface="Cambria Math" panose="02040503050406030204" pitchFamily="18" charset="0"/>
+                                  <a:cs typeface="Times New Roman" panose="02020603050405020304" pitchFamily="18" charset="0"/>
+                                </a:rPr>
+                                <m:t>3</m:t>
+                              </m:r>
+                            </m:sub>
+                          </m:sSub>
+                        </m:e>
+                        <m:sub>
+                          <m:r>
+                            <a:rPr lang="en-US" i="1">
+                              <a:solidFill>
+                                <a:schemeClr val="tx2">
+                                  <a:lumMod val="60000"/>
+                                  <a:lumOff val="40000"/>
+                                </a:schemeClr>
+                              </a:solidFill>
+                              <a:latin typeface="Cambria Math" panose="02040503050406030204" pitchFamily="18" charset="0"/>
+                              <a:cs typeface="Times New Roman" panose="02020603050405020304" pitchFamily="18" charset="0"/>
+                            </a:rPr>
+                            <m:t>𝑖</m:t>
+                          </m:r>
+                        </m:sub>
+                      </m:sSub>
+                      <m:r>
+                        <a:rPr lang="en-US" i="1">
+                          <a:solidFill>
+                            <a:schemeClr val="tx2">
+                              <a:lumMod val="60000"/>
+                              <a:lumOff val="40000"/>
+                            </a:schemeClr>
+                          </a:solidFill>
+                          <a:latin typeface="Cambria Math" panose="02040503050406030204" pitchFamily="18" charset="0"/>
+                          <a:cs typeface="Times New Roman" panose="02020603050405020304" pitchFamily="18" charset="0"/>
+                        </a:rPr>
+                        <m:t>)</m:t>
+                      </m:r>
+                      <m:r>
+                        <a:rPr lang="en-US" i="1">
+                          <a:latin typeface="Cambria Math" panose="02040503050406030204" pitchFamily="18" charset="0"/>
+                          <a:cs typeface="Times New Roman" panose="02020603050405020304" pitchFamily="18" charset="0"/>
+                        </a:rPr>
+                        <m:t>+</m:t>
+                      </m:r>
+                      <m:sSub>
+                        <m:sSubPr>
+                          <m:ctrlPr>
+                            <a:rPr lang="en-US" i="1" smtClean="0">
+                              <a:ln>
+                                <a:solidFill>
+                                  <a:schemeClr val="bg2">
+                                    <a:lumMod val="10000"/>
+                                  </a:schemeClr>
+                                </a:solidFill>
+                              </a:ln>
+                              <a:solidFill>
+                                <a:srgbClr val="FFC000"/>
+                              </a:solidFill>
+                              <a:latin typeface="Cambria Math" panose="02040503050406030204" pitchFamily="18" charset="0"/>
+                              <a:cs typeface="Times New Roman" panose="02020603050405020304" pitchFamily="18" charset="0"/>
+                            </a:rPr>
+                          </m:ctrlPr>
+                        </m:sSubPr>
+                        <m:e>
+                          <m:r>
+                            <a:rPr lang="en-US" i="1">
+                              <a:ln>
+                                <a:solidFill>
+                                  <a:schemeClr val="bg2">
+                                    <a:lumMod val="10000"/>
+                                  </a:schemeClr>
+                                </a:solidFill>
+                              </a:ln>
+                              <a:solidFill>
+                                <a:srgbClr val="FFC000"/>
+                              </a:solidFill>
+                              <a:latin typeface="Cambria Math" panose="02040503050406030204" pitchFamily="18" charset="0"/>
+                              <a:cs typeface="Times New Roman" panose="02020603050405020304" pitchFamily="18" charset="0"/>
+                            </a:rPr>
+                            <m:t>𝛽</m:t>
+                          </m:r>
+                        </m:e>
+                        <m:sub>
+                          <m:r>
+                            <a:rPr lang="en-US" i="1">
+                              <a:ln>
+                                <a:solidFill>
+                                  <a:schemeClr val="bg2">
+                                    <a:lumMod val="10000"/>
+                                  </a:schemeClr>
+                                </a:solidFill>
+                              </a:ln>
+                              <a:solidFill>
+                                <a:srgbClr val="FFC000"/>
+                              </a:solidFill>
+                              <a:latin typeface="Cambria Math" panose="02040503050406030204" pitchFamily="18" charset="0"/>
+                              <a:cs typeface="Times New Roman" panose="02020603050405020304" pitchFamily="18" charset="0"/>
+                            </a:rPr>
+                            <m:t>23</m:t>
+                          </m:r>
+                        </m:sub>
+                      </m:sSub>
+                      <m:r>
+                        <a:rPr lang="en-US" i="1">
+                          <a:ln>
+                            <a:solidFill>
+                              <a:schemeClr val="bg2">
+                                <a:lumMod val="10000"/>
+                              </a:schemeClr>
+                            </a:solidFill>
+                          </a:ln>
+                          <a:solidFill>
+                            <a:srgbClr val="FFC000"/>
+                          </a:solidFill>
+                          <a:latin typeface="Cambria Math" panose="02040503050406030204" pitchFamily="18" charset="0"/>
+                          <a:cs typeface="Times New Roman" panose="02020603050405020304" pitchFamily="18" charset="0"/>
+                        </a:rPr>
+                        <m:t>(</m:t>
+                      </m:r>
+                      <m:sSub>
+                        <m:sSubPr>
+                          <m:ctrlPr>
+                            <a:rPr lang="en-US" i="1">
+                              <a:ln>
+                                <a:solidFill>
+                                  <a:schemeClr val="bg2">
+                                    <a:lumMod val="10000"/>
+                                  </a:schemeClr>
+                                </a:solidFill>
+                              </a:ln>
+                              <a:solidFill>
+                                <a:srgbClr val="FFC000"/>
+                              </a:solidFill>
+                              <a:latin typeface="Cambria Math" panose="02040503050406030204" pitchFamily="18" charset="0"/>
+                              <a:cs typeface="Times New Roman" panose="02020603050405020304" pitchFamily="18" charset="0"/>
+                            </a:rPr>
+                          </m:ctrlPr>
+                        </m:sSubPr>
+                        <m:e>
+                          <m:sSub>
+                            <m:sSubPr>
+                              <m:ctrlPr>
+                                <a:rPr lang="en-US" i="1">
+                                  <a:ln>
+                                    <a:solidFill>
+                                      <a:schemeClr val="bg2">
+                                        <a:lumMod val="10000"/>
+                                      </a:schemeClr>
+                                    </a:solidFill>
+                                  </a:ln>
+                                  <a:solidFill>
+                                    <a:srgbClr val="FFC000"/>
+                                  </a:solidFill>
+                                  <a:latin typeface="Cambria Math" panose="02040503050406030204" pitchFamily="18" charset="0"/>
+                                  <a:cs typeface="Times New Roman" panose="02020603050405020304" pitchFamily="18" charset="0"/>
+                                </a:rPr>
+                              </m:ctrlPr>
+                            </m:sSubPr>
+                            <m:e>
+                              <m:r>
+                                <a:rPr lang="en-US" i="1">
+                                  <a:ln>
+                                    <a:solidFill>
+                                      <a:schemeClr val="bg2">
+                                        <a:lumMod val="10000"/>
+                                      </a:schemeClr>
+                                    </a:solidFill>
+                                  </a:ln>
+                                  <a:solidFill>
+                                    <a:srgbClr val="FFC000"/>
+                                  </a:solidFill>
+                                  <a:latin typeface="Cambria Math" panose="02040503050406030204" pitchFamily="18" charset="0"/>
+                                  <a:cs typeface="Times New Roman" panose="02020603050405020304" pitchFamily="18" charset="0"/>
+                                </a:rPr>
+                                <m:t>𝑋</m:t>
+                              </m:r>
+                            </m:e>
+                            <m:sub>
+                              <m:r>
+                                <a:rPr lang="en-US" i="1">
+                                  <a:ln>
+                                    <a:solidFill>
+                                      <a:schemeClr val="bg2">
+                                        <a:lumMod val="10000"/>
+                                      </a:schemeClr>
+                                    </a:solidFill>
+                                  </a:ln>
+                                  <a:solidFill>
+                                    <a:srgbClr val="FFC000"/>
+                                  </a:solidFill>
+                                  <a:latin typeface="Cambria Math" panose="02040503050406030204" pitchFamily="18" charset="0"/>
+                                  <a:cs typeface="Times New Roman" panose="02020603050405020304" pitchFamily="18" charset="0"/>
+                                </a:rPr>
+                                <m:t>2</m:t>
+                              </m:r>
+                            </m:sub>
+                          </m:sSub>
+                        </m:e>
+                        <m:sub>
+                          <m:r>
+                            <a:rPr lang="en-US" i="1">
+                              <a:ln>
+                                <a:solidFill>
+                                  <a:schemeClr val="bg2">
+                                    <a:lumMod val="10000"/>
+                                  </a:schemeClr>
+                                </a:solidFill>
+                              </a:ln>
+                              <a:solidFill>
+                                <a:srgbClr val="FFC000"/>
+                              </a:solidFill>
+                              <a:latin typeface="Cambria Math" panose="02040503050406030204" pitchFamily="18" charset="0"/>
+                              <a:cs typeface="Times New Roman" panose="02020603050405020304" pitchFamily="18" charset="0"/>
+                            </a:rPr>
+                            <m:t>𝑖</m:t>
+                          </m:r>
+                        </m:sub>
+                      </m:sSub>
+                      <m:sSub>
+                        <m:sSubPr>
+                          <m:ctrlPr>
+                            <a:rPr lang="en-US" i="1">
+                              <a:ln>
+                                <a:solidFill>
+                                  <a:schemeClr val="bg2">
+                                    <a:lumMod val="10000"/>
+                                  </a:schemeClr>
+                                </a:solidFill>
+                              </a:ln>
+                              <a:solidFill>
+                                <a:srgbClr val="FFC000"/>
+                              </a:solidFill>
+                              <a:latin typeface="Cambria Math" panose="02040503050406030204" pitchFamily="18" charset="0"/>
+                              <a:cs typeface="Times New Roman" panose="02020603050405020304" pitchFamily="18" charset="0"/>
+                            </a:rPr>
+                          </m:ctrlPr>
+                        </m:sSubPr>
+                        <m:e>
+                          <m:sSub>
+                            <m:sSubPr>
+                              <m:ctrlPr>
+                                <a:rPr lang="en-US" i="1">
+                                  <a:ln>
+                                    <a:solidFill>
+                                      <a:schemeClr val="bg2">
+                                        <a:lumMod val="10000"/>
+                                      </a:schemeClr>
+                                    </a:solidFill>
+                                  </a:ln>
+                                  <a:solidFill>
+                                    <a:srgbClr val="FFC000"/>
+                                  </a:solidFill>
+                                  <a:latin typeface="Cambria Math" panose="02040503050406030204" pitchFamily="18" charset="0"/>
+                                  <a:cs typeface="Times New Roman" panose="02020603050405020304" pitchFamily="18" charset="0"/>
+                                </a:rPr>
+                              </m:ctrlPr>
+                            </m:sSubPr>
+                            <m:e>
+                              <m:r>
+                                <a:rPr lang="en-US" i="1">
+                                  <a:ln>
+                                    <a:solidFill>
+                                      <a:schemeClr val="bg2">
+                                        <a:lumMod val="10000"/>
+                                      </a:schemeClr>
+                                    </a:solidFill>
+                                  </a:ln>
+                                  <a:solidFill>
+                                    <a:srgbClr val="FFC000"/>
+                                  </a:solidFill>
+                                  <a:latin typeface="Cambria Math" panose="02040503050406030204" pitchFamily="18" charset="0"/>
+                                  <a:cs typeface="Times New Roman" panose="02020603050405020304" pitchFamily="18" charset="0"/>
+                                </a:rPr>
+                                <m:t>𝑋</m:t>
+                              </m:r>
+                            </m:e>
+                            <m:sub>
+                              <m:r>
+                                <a:rPr lang="en-US" i="1">
+                                  <a:ln>
+                                    <a:solidFill>
+                                      <a:schemeClr val="bg2">
+                                        <a:lumMod val="10000"/>
+                                      </a:schemeClr>
+                                    </a:solidFill>
+                                  </a:ln>
+                                  <a:solidFill>
+                                    <a:srgbClr val="FFC000"/>
+                                  </a:solidFill>
+                                  <a:latin typeface="Cambria Math" panose="02040503050406030204" pitchFamily="18" charset="0"/>
+                                  <a:cs typeface="Times New Roman" panose="02020603050405020304" pitchFamily="18" charset="0"/>
+                                </a:rPr>
+                                <m:t>3</m:t>
+                              </m:r>
+                            </m:sub>
+                          </m:sSub>
+                        </m:e>
+                        <m:sub>
+                          <m:r>
+                            <a:rPr lang="en-US" i="1">
+                              <a:ln>
+                                <a:solidFill>
+                                  <a:schemeClr val="bg2">
+                                    <a:lumMod val="10000"/>
+                                  </a:schemeClr>
+                                </a:solidFill>
+                              </a:ln>
+                              <a:solidFill>
+                                <a:srgbClr val="FFC000"/>
+                              </a:solidFill>
+                              <a:latin typeface="Cambria Math" panose="02040503050406030204" pitchFamily="18" charset="0"/>
+                              <a:cs typeface="Times New Roman" panose="02020603050405020304" pitchFamily="18" charset="0"/>
+                            </a:rPr>
+                            <m:t>𝑖</m:t>
+                          </m:r>
+                        </m:sub>
+                      </m:sSub>
+                      <m:r>
+                        <a:rPr lang="en-US" i="1">
+                          <a:ln>
+                            <a:solidFill>
+                              <a:schemeClr val="bg2">
+                                <a:lumMod val="10000"/>
+                              </a:schemeClr>
+                            </a:solidFill>
+                          </a:ln>
+                          <a:solidFill>
+                            <a:srgbClr val="FFC000"/>
+                          </a:solidFill>
+                          <a:latin typeface="Cambria Math" panose="02040503050406030204" pitchFamily="18" charset="0"/>
+                          <a:cs typeface="Times New Roman" panose="02020603050405020304" pitchFamily="18" charset="0"/>
+                        </a:rPr>
+                        <m:t>)</m:t>
+                      </m:r>
+                      <m:r>
+                        <a:rPr lang="en-US" i="1">
+                          <a:latin typeface="Cambria Math" panose="02040503050406030204" pitchFamily="18" charset="0"/>
+                          <a:cs typeface="Times New Roman" panose="02020603050405020304" pitchFamily="18" charset="0"/>
+                        </a:rPr>
+                        <m:t>+</m:t>
+                      </m:r>
+                      <m:sSub>
+                        <m:sSubPr>
+                          <m:ctrlPr>
+                            <a:rPr lang="en-US" i="1" smtClean="0">
+                              <a:solidFill>
+                                <a:schemeClr val="accent5"/>
+                              </a:solidFill>
+                              <a:latin typeface="Cambria Math" panose="02040503050406030204" pitchFamily="18" charset="0"/>
+                              <a:cs typeface="Times New Roman" panose="02020603050405020304" pitchFamily="18" charset="0"/>
+                            </a:rPr>
+                          </m:ctrlPr>
+                        </m:sSubPr>
+                        <m:e>
+                          <m:r>
+                            <a:rPr lang="en-US" i="1">
+                              <a:solidFill>
+                                <a:schemeClr val="accent5"/>
+                              </a:solidFill>
+                              <a:latin typeface="Cambria Math" panose="02040503050406030204" pitchFamily="18" charset="0"/>
+                              <a:cs typeface="Times New Roman" panose="02020603050405020304" pitchFamily="18" charset="0"/>
+                            </a:rPr>
+                            <m:t>𝛽</m:t>
+                          </m:r>
+                        </m:e>
+                        <m:sub>
+                          <m:r>
+                            <a:rPr lang="en-US" i="1">
+                              <a:solidFill>
+                                <a:schemeClr val="accent5"/>
+                              </a:solidFill>
+                              <a:latin typeface="Cambria Math" panose="02040503050406030204" pitchFamily="18" charset="0"/>
+                              <a:cs typeface="Times New Roman" panose="02020603050405020304" pitchFamily="18" charset="0"/>
+                            </a:rPr>
+                            <m:t>123</m:t>
+                          </m:r>
+                        </m:sub>
+                      </m:sSub>
+                      <m:r>
+                        <a:rPr lang="en-US" i="1">
+                          <a:solidFill>
+                            <a:schemeClr val="accent5"/>
+                          </a:solidFill>
+                          <a:latin typeface="Cambria Math" panose="02040503050406030204" pitchFamily="18" charset="0"/>
+                          <a:cs typeface="Times New Roman" panose="02020603050405020304" pitchFamily="18" charset="0"/>
+                        </a:rPr>
+                        <m:t>(</m:t>
+                      </m:r>
+                      <m:sSub>
+                        <m:sSubPr>
+                          <m:ctrlPr>
+                            <a:rPr lang="en-US" i="1">
+                              <a:solidFill>
+                                <a:schemeClr val="accent5"/>
+                              </a:solidFill>
+                              <a:latin typeface="Cambria Math" panose="02040503050406030204" pitchFamily="18" charset="0"/>
+                              <a:cs typeface="Times New Roman" panose="02020603050405020304" pitchFamily="18" charset="0"/>
+                            </a:rPr>
+                          </m:ctrlPr>
+                        </m:sSubPr>
+                        <m:e>
+                          <m:sSub>
+                            <m:sSubPr>
+                              <m:ctrlPr>
+                                <a:rPr lang="en-US" i="1">
+                                  <a:solidFill>
+                                    <a:schemeClr val="accent5"/>
+                                  </a:solidFill>
+                                  <a:latin typeface="Cambria Math" panose="02040503050406030204" pitchFamily="18" charset="0"/>
+                                  <a:cs typeface="Times New Roman" panose="02020603050405020304" pitchFamily="18" charset="0"/>
+                                </a:rPr>
+                              </m:ctrlPr>
+                            </m:sSubPr>
+                            <m:e>
+                              <m:r>
+                                <a:rPr lang="en-US" i="1">
+                                  <a:solidFill>
+                                    <a:schemeClr val="accent5"/>
+                                  </a:solidFill>
+                                  <a:latin typeface="Cambria Math" panose="02040503050406030204" pitchFamily="18" charset="0"/>
+                                  <a:cs typeface="Times New Roman" panose="02020603050405020304" pitchFamily="18" charset="0"/>
+                                </a:rPr>
+                                <m:t>𝑋</m:t>
+                              </m:r>
+                            </m:e>
+                            <m:sub>
+                              <m:r>
+                                <a:rPr lang="en-US" i="1">
+                                  <a:solidFill>
+                                    <a:schemeClr val="accent5"/>
+                                  </a:solidFill>
+                                  <a:latin typeface="Cambria Math" panose="02040503050406030204" pitchFamily="18" charset="0"/>
+                                  <a:cs typeface="Times New Roman" panose="02020603050405020304" pitchFamily="18" charset="0"/>
+                                </a:rPr>
+                                <m:t>1</m:t>
+                              </m:r>
+                            </m:sub>
+                          </m:sSub>
+                        </m:e>
+                        <m:sub>
+                          <m:r>
+                            <a:rPr lang="en-US" i="1">
+                              <a:solidFill>
+                                <a:schemeClr val="accent5"/>
+                              </a:solidFill>
+                              <a:latin typeface="Cambria Math" panose="02040503050406030204" pitchFamily="18" charset="0"/>
+                              <a:cs typeface="Times New Roman" panose="02020603050405020304" pitchFamily="18" charset="0"/>
+                            </a:rPr>
+                            <m:t>𝑖</m:t>
+                          </m:r>
+                        </m:sub>
+                      </m:sSub>
+                      <m:sSub>
+                        <m:sSubPr>
+                          <m:ctrlPr>
+                            <a:rPr lang="en-US" i="1">
+                              <a:solidFill>
+                                <a:schemeClr val="accent5"/>
+                              </a:solidFill>
+                              <a:latin typeface="Cambria Math" panose="02040503050406030204" pitchFamily="18" charset="0"/>
+                              <a:cs typeface="Times New Roman" panose="02020603050405020304" pitchFamily="18" charset="0"/>
+                            </a:rPr>
+                          </m:ctrlPr>
+                        </m:sSubPr>
+                        <m:e>
+                          <m:sSub>
+                            <m:sSubPr>
+                              <m:ctrlPr>
+                                <a:rPr lang="en-US" i="1">
+                                  <a:solidFill>
+                                    <a:schemeClr val="accent5"/>
+                                  </a:solidFill>
+                                  <a:latin typeface="Cambria Math" panose="02040503050406030204" pitchFamily="18" charset="0"/>
+                                  <a:cs typeface="Times New Roman" panose="02020603050405020304" pitchFamily="18" charset="0"/>
+                                </a:rPr>
+                              </m:ctrlPr>
+                            </m:sSubPr>
+                            <m:e>
+                              <m:r>
+                                <a:rPr lang="en-US" i="1">
+                                  <a:solidFill>
+                                    <a:schemeClr val="accent5"/>
+                                  </a:solidFill>
+                                  <a:latin typeface="Cambria Math" panose="02040503050406030204" pitchFamily="18" charset="0"/>
+                                  <a:cs typeface="Times New Roman" panose="02020603050405020304" pitchFamily="18" charset="0"/>
+                                </a:rPr>
+                                <m:t>𝑋</m:t>
+                              </m:r>
+                            </m:e>
+                            <m:sub>
+                              <m:r>
+                                <a:rPr lang="en-US" i="1">
+                                  <a:solidFill>
+                                    <a:schemeClr val="accent5"/>
+                                  </a:solidFill>
+                                  <a:latin typeface="Cambria Math" panose="02040503050406030204" pitchFamily="18" charset="0"/>
+                                  <a:cs typeface="Times New Roman" panose="02020603050405020304" pitchFamily="18" charset="0"/>
+                                </a:rPr>
+                                <m:t>2</m:t>
+                              </m:r>
+                            </m:sub>
+                          </m:sSub>
+                        </m:e>
+                        <m:sub>
+                          <m:r>
+                            <a:rPr lang="en-US" i="1">
+                              <a:solidFill>
+                                <a:schemeClr val="accent5"/>
+                              </a:solidFill>
+                              <a:latin typeface="Cambria Math" panose="02040503050406030204" pitchFamily="18" charset="0"/>
+                              <a:cs typeface="Times New Roman" panose="02020603050405020304" pitchFamily="18" charset="0"/>
+                            </a:rPr>
+                            <m:t>𝑖</m:t>
+                          </m:r>
+                        </m:sub>
+                      </m:sSub>
+                      <m:sSub>
+                        <m:sSubPr>
+                          <m:ctrlPr>
+                            <a:rPr lang="en-US" i="1">
+                              <a:solidFill>
+                                <a:schemeClr val="accent5"/>
+                              </a:solidFill>
+                              <a:latin typeface="Cambria Math" panose="02040503050406030204" pitchFamily="18" charset="0"/>
+                              <a:cs typeface="Times New Roman" panose="02020603050405020304" pitchFamily="18" charset="0"/>
+                            </a:rPr>
+                          </m:ctrlPr>
+                        </m:sSubPr>
+                        <m:e>
+                          <m:sSub>
+                            <m:sSubPr>
+                              <m:ctrlPr>
+                                <a:rPr lang="en-US" i="1">
+                                  <a:solidFill>
+                                    <a:schemeClr val="accent5"/>
+                                  </a:solidFill>
+                                  <a:latin typeface="Cambria Math" panose="02040503050406030204" pitchFamily="18" charset="0"/>
+                                  <a:cs typeface="Times New Roman" panose="02020603050405020304" pitchFamily="18" charset="0"/>
+                                </a:rPr>
+                              </m:ctrlPr>
+                            </m:sSubPr>
+                            <m:e>
+                              <m:r>
+                                <a:rPr lang="en-US" i="1">
+                                  <a:solidFill>
+                                    <a:schemeClr val="accent5"/>
+                                  </a:solidFill>
+                                  <a:latin typeface="Cambria Math" panose="02040503050406030204" pitchFamily="18" charset="0"/>
+                                  <a:cs typeface="Times New Roman" panose="02020603050405020304" pitchFamily="18" charset="0"/>
+                                </a:rPr>
+                                <m:t>𝑋</m:t>
+                              </m:r>
+                            </m:e>
+                            <m:sub>
+                              <m:r>
+                                <a:rPr lang="en-US" i="1">
+                                  <a:solidFill>
+                                    <a:schemeClr val="accent5"/>
+                                  </a:solidFill>
+                                  <a:latin typeface="Cambria Math" panose="02040503050406030204" pitchFamily="18" charset="0"/>
+                                  <a:cs typeface="Times New Roman" panose="02020603050405020304" pitchFamily="18" charset="0"/>
+                                </a:rPr>
+                                <m:t>3</m:t>
+                              </m:r>
+                            </m:sub>
+                          </m:sSub>
+                        </m:e>
+                        <m:sub>
+                          <m:r>
+                            <a:rPr lang="en-US" i="1">
+                              <a:solidFill>
+                                <a:schemeClr val="accent5"/>
+                              </a:solidFill>
+                              <a:latin typeface="Cambria Math" panose="02040503050406030204" pitchFamily="18" charset="0"/>
+                              <a:cs typeface="Times New Roman" panose="02020603050405020304" pitchFamily="18" charset="0"/>
+                            </a:rPr>
+                            <m:t>𝑖</m:t>
+                          </m:r>
+                        </m:sub>
+                      </m:sSub>
+                      <m:r>
+                        <a:rPr lang="en-US" i="1">
+                          <a:solidFill>
+                            <a:schemeClr val="accent5"/>
+                          </a:solidFill>
+                          <a:latin typeface="Cambria Math" panose="02040503050406030204" pitchFamily="18" charset="0"/>
+                          <a:cs typeface="Times New Roman" panose="02020603050405020304" pitchFamily="18" charset="0"/>
+                        </a:rPr>
+                        <m:t>)</m:t>
+                      </m:r>
+                      <m:r>
+                        <a:rPr lang="en-US" i="1">
+                          <a:latin typeface="Cambria Math" panose="02040503050406030204" pitchFamily="18" charset="0"/>
+                          <a:cs typeface="Times New Roman" panose="02020603050405020304" pitchFamily="18" charset="0"/>
+                        </a:rPr>
+                        <m:t>+</m:t>
+                      </m:r>
+                      <m:sSub>
+                        <m:sSubPr>
+                          <m:ctrlPr>
+                            <a:rPr lang="en-US" i="1">
+                              <a:latin typeface="Cambria Math" panose="02040503050406030204" pitchFamily="18" charset="0"/>
+                              <a:cs typeface="Times New Roman" panose="02020603050405020304" pitchFamily="18" charset="0"/>
+                            </a:rPr>
+                          </m:ctrlPr>
+                        </m:sSubPr>
+                        <m:e>
+                          <m:r>
+                            <a:rPr lang="en-US" i="1">
+                              <a:latin typeface="Cambria Math" panose="02040503050406030204" pitchFamily="18" charset="0"/>
+                              <a:cs typeface="Times New Roman" panose="02020603050405020304" pitchFamily="18" charset="0"/>
+                            </a:rPr>
+                            <m:t>𝜀</m:t>
+                          </m:r>
+                        </m:e>
+                        <m:sub>
+                          <m:r>
+                            <a:rPr lang="en-US" i="1">
+                              <a:latin typeface="Cambria Math" panose="02040503050406030204" pitchFamily="18" charset="0"/>
+                              <a:cs typeface="Times New Roman" panose="02020603050405020304" pitchFamily="18" charset="0"/>
+                            </a:rPr>
+                            <m:t>𝑖</m:t>
+                          </m:r>
+                        </m:sub>
+                      </m:sSub>
+                    </m:oMath>
+                  </m:oMathPara>
+                </a14:m>
+                <a:endParaRPr lang="en-US" dirty="0"/>
+              </a:p>
+            </p:txBody>
+          </p:sp>
+        </mc:Choice>
+        <mc:Fallback xmlns="">
+          <p:sp>
+            <p:nvSpPr>
+              <p:cNvPr id="4" name="Rectangle 3"/>
+              <p:cNvSpPr>
+                <a:spLocks noRot="1" noChangeAspect="1" noMove="1" noResize="1" noEditPoints="1" noAdjustHandles="1" noChangeArrowheads="1" noChangeShapeType="1" noTextEdit="1"/>
+              </p:cNvSpPr>
+              <p:nvPr/>
+            </p:nvSpPr>
+            <p:spPr>
+              <a:xfrm>
+                <a:off x="1262516" y="939714"/>
+                <a:ext cx="9726707" cy="397866"/>
+              </a:xfrm>
+              <a:prstGeom prst="rect">
+                <a:avLst/>
+              </a:prstGeom>
+              <a:blipFill>
+                <a:blip r:embed="rId2"/>
+                <a:stretch>
+                  <a:fillRect b="-7692"/>
+                </a:stretch>
+              </a:blipFill>
+            </p:spPr>
+            <p:txBody>
+              <a:bodyPr/>
+              <a:lstStyle/>
+              <a:p>
+                <a:r>
+                  <a:rPr lang="en-US">
+                    <a:noFill/>
+                  </a:rPr>
+                  <a:t> </a:t>
+                </a:r>
+              </a:p>
+            </p:txBody>
+          </p:sp>
+        </mc:Fallback>
+      </mc:AlternateContent>
       <p:sp>
         <p:nvSpPr>
-          <p:cNvPr id="8" name="Rectangle 7"/>
-          <p:cNvSpPr/>
-          <p:nvPr/>
-        </p:nvSpPr>
-        <p:spPr>
-          <a:xfrm>
-            <a:off x="3021106" y="2160494"/>
-            <a:ext cx="1604682" cy="367553"/>
-          </a:xfrm>
-          <a:prstGeom prst="rect">
-            <a:avLst/>
-          </a:prstGeom>
-          <a:noFill/>
-          <a:ln>
-            <a:solidFill>
-              <a:srgbClr val="FF0000"/>
-            </a:solidFill>
-          </a:ln>
-        </p:spPr>
-        <p:style>
-          <a:lnRef idx="2">
-            <a:schemeClr val="accent1">
-              <a:shade val="50000"/>
-            </a:schemeClr>
-          </a:lnRef>
-          <a:fillRef idx="1">
-            <a:schemeClr val="accent1"/>
-          </a:fillRef>
-          <a:effectRef idx="0">
-            <a:schemeClr val="accent1"/>
-          </a:effectRef>
-          <a:fontRef idx="minor">
-            <a:schemeClr val="lt1"/>
-          </a:fontRef>
-        </p:style>
-        <p:txBody>
-          <a:bodyPr rtlCol="0" anchor="ctr"/>
-          <a:lstStyle/>
-          <a:p>
-            <a:pPr algn="ctr"/>
-            <a:endParaRPr lang="en-US"/>
-          </a:p>
-        </p:txBody>
-      </p:sp>
-      <p:sp>
-        <p:nvSpPr>
-          <p:cNvPr id="9" name="TextBox 8"/>
+          <p:cNvPr id="3" name="TextBox 2"/>
           <p:cNvSpPr txBox="1"/>
           <p:nvPr/>
         </p:nvSpPr>
         <p:spPr>
           <a:xfrm>
-            <a:off x="475130" y="735073"/>
-            <a:ext cx="10874188" cy="646331"/>
+            <a:off x="636494" y="1515035"/>
+            <a:ext cx="11098306" cy="2308324"/>
           </a:xfrm>
           <a:prstGeom prst="rect">
             <a:avLst/>
@@ -20210,79 +21885,27 @@
           <a:p>
             <a:r>
               <a:rPr lang="en-US" dirty="0" smtClean="0"/>
-              <a:t>For joint effects, it appears that only </a:t>
-            </a:r>
-            <a:r>
-              <a:rPr lang="en-US" dirty="0" err="1" smtClean="0"/>
-              <a:t>sepal.width</a:t>
-            </a:r>
+              <a:t>Suppose that the species of the iris (of three known species) is also identified for the data, and we would like to include this information in our model for predicting the Sepal Length.</a:t>
+            </a:r>
+          </a:p>
+          <a:p>
+            <a:endParaRPr lang="en-US" dirty="0"/>
+          </a:p>
+          <a:p>
             <a:r>
               <a:rPr lang="en-US" dirty="0" smtClean="0"/>
-              <a:t> and </a:t>
-            </a:r>
-            <a:r>
-              <a:rPr lang="en-US" dirty="0" err="1" smtClean="0"/>
-              <a:t>petal.length</a:t>
-            </a:r>
+              <a:t>The `species’ can be thought of as potentially having an effect on every one of the model terms involved in the original model above, to the point where we might consider three separate models (the above estimated within each species)</a:t>
+            </a:r>
+          </a:p>
+          <a:p>
+            <a:endParaRPr lang="en-US" dirty="0"/>
+          </a:p>
+          <a:p>
             <a:r>
               <a:rPr lang="en-US" dirty="0" smtClean="0"/>
-              <a:t> are statistically significantly associated with </a:t>
-            </a:r>
-            <a:r>
-              <a:rPr lang="en-US" dirty="0" err="1" smtClean="0"/>
-              <a:t>Sepal.length</a:t>
-            </a:r>
-            <a:r>
-              <a:rPr lang="en-US" dirty="0" smtClean="0"/>
-              <a:t> only for the </a:t>
-            </a:r>
-            <a:r>
-              <a:rPr lang="en-US" dirty="0" err="1" smtClean="0"/>
-              <a:t>Setosa</a:t>
-            </a:r>
-            <a:r>
-              <a:rPr lang="en-US" dirty="0" smtClean="0"/>
-              <a:t> data</a:t>
+              <a:t>We can easily do this, and store the results separately for comparison. </a:t>
             </a:r>
             <a:endParaRPr lang="en-US" dirty="0"/>
-          </a:p>
-        </p:txBody>
-      </p:sp>
-      <p:sp>
-        <p:nvSpPr>
-          <p:cNvPr id="3" name="TextBox 2"/>
-          <p:cNvSpPr txBox="1"/>
-          <p:nvPr/>
-        </p:nvSpPr>
-        <p:spPr>
-          <a:xfrm>
-            <a:off x="8615083" y="1354510"/>
-            <a:ext cx="2904564" cy="3970318"/>
-          </a:xfrm>
-          <a:prstGeom prst="rect">
-            <a:avLst/>
-          </a:prstGeom>
-          <a:noFill/>
-        </p:spPr>
-        <p:txBody>
-          <a:bodyPr wrap="square" rtlCol="0">
-            <a:spAutoFit/>
-          </a:bodyPr>
-          <a:lstStyle/>
-          <a:p>
-            <a:r>
-              <a:rPr lang="en-US" dirty="0" smtClean="0"/>
-              <a:t>When estimating the model effects in each of the different data sets separately we only find a few significant effects. </a:t>
-            </a:r>
-          </a:p>
-          <a:p>
-            <a:endParaRPr lang="en-US" dirty="0"/>
-          </a:p>
-          <a:p>
-            <a:r>
-              <a:rPr lang="en-US" dirty="0" smtClean="0"/>
-              <a:t>When adding categorical variables such as species to the model there is essentially one primary consideration, whether or not the categories are ordinal, in this case, they are not.</a:t>
-            </a:r>
           </a:p>
         </p:txBody>
       </p:sp>
@@ -20294,8 +21917,8 @@
         </p:nvSpPr>
         <p:spPr>
           <a:xfrm>
-            <a:off x="180041" y="5235178"/>
-            <a:ext cx="10120406" cy="523220"/>
+            <a:off x="521937" y="4091420"/>
+            <a:ext cx="11212863" cy="738664"/>
           </a:xfrm>
           <a:prstGeom prst="rect">
             <a:avLst/>
@@ -20318,80 +21941,191 @@
                 <a:latin typeface="Courier New" panose="02070309020205020404" pitchFamily="49" charset="0"/>
                 <a:cs typeface="Courier New" panose="02070309020205020404" pitchFamily="49" charset="0"/>
               </a:rPr>
-              <a:t>R&gt; iris.form.1 &lt;- formula(</a:t>
-            </a:r>
-            <a:r>
-              <a:rPr lang="en-US" sz="1400" b="1" dirty="0" err="1" smtClean="0">
+              <a:t>R&gt; </a:t>
+            </a:r>
+            <a:r>
+              <a:rPr lang="en-US" sz="1400" dirty="0" err="1" smtClean="0">
                 <a:latin typeface="Courier New" panose="02070309020205020404" pitchFamily="49" charset="0"/>
                 <a:cs typeface="Courier New" panose="02070309020205020404" pitchFamily="49" charset="0"/>
               </a:rPr>
-              <a:t>Sepal.Length~Sepal.Width</a:t>
-            </a:r>
-            <a:r>
-              <a:rPr lang="en-US" sz="1400" b="1" dirty="0" smtClean="0">
+              <a:t>glm</a:t>
+            </a:r>
+            <a:r>
+              <a:rPr lang="en-US" sz="1400" dirty="0" smtClean="0">
                 <a:latin typeface="Courier New" panose="02070309020205020404" pitchFamily="49" charset="0"/>
                 <a:cs typeface="Courier New" panose="02070309020205020404" pitchFamily="49" charset="0"/>
               </a:rPr>
-              <a:t>*</a:t>
-            </a:r>
-            <a:r>
-              <a:rPr lang="en-US" sz="1400" b="1" dirty="0" err="1" smtClean="0">
+              <a:t>(irisn.form3.a,data=iris[</a:t>
+            </a:r>
+            <a:r>
+              <a:rPr lang="en-US" sz="1400" dirty="0" err="1" smtClean="0">
                 <a:latin typeface="Courier New" panose="02070309020205020404" pitchFamily="49" charset="0"/>
                 <a:cs typeface="Courier New" panose="02070309020205020404" pitchFamily="49" charset="0"/>
               </a:rPr>
-              <a:t>Petal.Length</a:t>
-            </a:r>
-            <a:r>
-              <a:rPr lang="en-US" sz="1400" b="1" dirty="0" smtClean="0">
+              <a:t>iris$Species</a:t>
+            </a:r>
+            <a:r>
+              <a:rPr lang="en-US" sz="1400" dirty="0" smtClean="0">
                 <a:latin typeface="Courier New" panose="02070309020205020404" pitchFamily="49" charset="0"/>
                 <a:cs typeface="Courier New" panose="02070309020205020404" pitchFamily="49" charset="0"/>
               </a:rPr>
-              <a:t>*</a:t>
-            </a:r>
-            <a:r>
-              <a:rPr lang="en-US" sz="1400" b="1" dirty="0" err="1" smtClean="0">
+              <a:t>==“</a:t>
+            </a:r>
+            <a:r>
+              <a:rPr lang="en-US" sz="1400" dirty="0" err="1" smtClean="0">
                 <a:latin typeface="Courier New" panose="02070309020205020404" pitchFamily="49" charset="0"/>
                 <a:cs typeface="Courier New" panose="02070309020205020404" pitchFamily="49" charset="0"/>
               </a:rPr>
-              <a:t>Petal.Width</a:t>
-            </a:r>
-            <a:r>
-              <a:rPr lang="en-US" sz="1400" b="1" dirty="0" smtClean="0">
+              <a:t>setosa</a:t>
+            </a:r>
+            <a:r>
+              <a:rPr lang="en-US" sz="1400" dirty="0" smtClean="0">
                 <a:latin typeface="Courier New" panose="02070309020205020404" pitchFamily="49" charset="0"/>
                 <a:cs typeface="Courier New" panose="02070309020205020404" pitchFamily="49" charset="0"/>
               </a:rPr>
-              <a:t> + Species);</a:t>
-            </a:r>
-          </a:p>
-          <a:p>
-            <a:r>
-              <a:rPr lang="en-US" sz="1400" b="1" dirty="0" smtClean="0">
+              <a:t>”,])-&gt; </a:t>
+            </a:r>
+            <a:r>
+              <a:rPr lang="en-US" sz="1400" dirty="0" err="1" smtClean="0">
                 <a:latin typeface="Courier New" panose="02070309020205020404" pitchFamily="49" charset="0"/>
                 <a:cs typeface="Courier New" panose="02070309020205020404" pitchFamily="49" charset="0"/>
               </a:rPr>
-              <a:t>R&gt; iris.mod.1 &lt;- </a:t>
-            </a:r>
-            <a:r>
-              <a:rPr lang="en-US" sz="1400" b="1" dirty="0" err="1" smtClean="0">
+              <a:t>irisn.setosa.full</a:t>
+            </a:r>
+            <a:r>
+              <a:rPr lang="en-US" sz="1400" dirty="0" smtClean="0">
                 <a:latin typeface="Courier New" panose="02070309020205020404" pitchFamily="49" charset="0"/>
                 <a:cs typeface="Courier New" panose="02070309020205020404" pitchFamily="49" charset="0"/>
               </a:rPr>
-              <a:t>glm</a:t>
-            </a:r>
-            <a:r>
-              <a:rPr lang="en-US" sz="1400" b="1" dirty="0" smtClean="0">
+              <a:t>;</a:t>
+            </a:r>
+          </a:p>
+          <a:p>
+            <a:r>
+              <a:rPr lang="en-US" sz="1400" b="1" dirty="0">
                 <a:latin typeface="Courier New" panose="02070309020205020404" pitchFamily="49" charset="0"/>
                 <a:cs typeface="Courier New" panose="02070309020205020404" pitchFamily="49" charset="0"/>
               </a:rPr>
-              <a:t>(iris.form.1,data=iris); </a:t>
-            </a:r>
+              <a:t>R&gt; </a:t>
+            </a:r>
+            <a:r>
+              <a:rPr lang="en-US" sz="1400" dirty="0" err="1">
+                <a:latin typeface="Courier New" panose="02070309020205020404" pitchFamily="49" charset="0"/>
+                <a:cs typeface="Courier New" panose="02070309020205020404" pitchFamily="49" charset="0"/>
+              </a:rPr>
+              <a:t>glm</a:t>
+            </a:r>
+            <a:r>
+              <a:rPr lang="en-US" sz="1400" dirty="0">
+                <a:latin typeface="Courier New" panose="02070309020205020404" pitchFamily="49" charset="0"/>
+                <a:cs typeface="Courier New" panose="02070309020205020404" pitchFamily="49" charset="0"/>
+              </a:rPr>
+              <a:t>(irisn.form3.a,data=iris[</a:t>
+            </a:r>
+            <a:r>
+              <a:rPr lang="en-US" sz="1400" dirty="0" err="1">
+                <a:latin typeface="Courier New" panose="02070309020205020404" pitchFamily="49" charset="0"/>
+                <a:cs typeface="Courier New" panose="02070309020205020404" pitchFamily="49" charset="0"/>
+              </a:rPr>
+              <a:t>iris$Species</a:t>
+            </a:r>
+            <a:r>
+              <a:rPr lang="en-US" sz="1400" dirty="0" smtClean="0">
+                <a:latin typeface="Courier New" panose="02070309020205020404" pitchFamily="49" charset="0"/>
+                <a:cs typeface="Courier New" panose="02070309020205020404" pitchFamily="49" charset="0"/>
+              </a:rPr>
+              <a:t>==“versicolor”,])-&gt; </a:t>
+            </a:r>
+            <a:r>
+              <a:rPr lang="en-US" sz="1400" dirty="0" err="1" smtClean="0">
+                <a:latin typeface="Courier New" panose="02070309020205020404" pitchFamily="49" charset="0"/>
+                <a:cs typeface="Courier New" panose="02070309020205020404" pitchFamily="49" charset="0"/>
+              </a:rPr>
+              <a:t>irisn.versicolor.full</a:t>
+            </a:r>
+            <a:r>
+              <a:rPr lang="en-US" sz="1400" dirty="0">
+                <a:latin typeface="Courier New" panose="02070309020205020404" pitchFamily="49" charset="0"/>
+                <a:cs typeface="Courier New" panose="02070309020205020404" pitchFamily="49" charset="0"/>
+              </a:rPr>
+              <a:t>;</a:t>
+            </a:r>
+          </a:p>
+          <a:p>
+            <a:r>
+              <a:rPr lang="en-US" sz="1400" b="1" dirty="0">
+                <a:latin typeface="Courier New" panose="02070309020205020404" pitchFamily="49" charset="0"/>
+                <a:cs typeface="Courier New" panose="02070309020205020404" pitchFamily="49" charset="0"/>
+              </a:rPr>
+              <a:t>R&gt; </a:t>
+            </a:r>
+            <a:r>
+              <a:rPr lang="en-US" sz="1400" dirty="0" err="1">
+                <a:latin typeface="Courier New" panose="02070309020205020404" pitchFamily="49" charset="0"/>
+                <a:cs typeface="Courier New" panose="02070309020205020404" pitchFamily="49" charset="0"/>
+              </a:rPr>
+              <a:t>glm</a:t>
+            </a:r>
+            <a:r>
+              <a:rPr lang="en-US" sz="1400" dirty="0">
+                <a:latin typeface="Courier New" panose="02070309020205020404" pitchFamily="49" charset="0"/>
+                <a:cs typeface="Courier New" panose="02070309020205020404" pitchFamily="49" charset="0"/>
+              </a:rPr>
+              <a:t>(irisn.form3.a,data=iris[</a:t>
+            </a:r>
+            <a:r>
+              <a:rPr lang="en-US" sz="1400" dirty="0" err="1">
+                <a:latin typeface="Courier New" panose="02070309020205020404" pitchFamily="49" charset="0"/>
+                <a:cs typeface="Courier New" panose="02070309020205020404" pitchFamily="49" charset="0"/>
+              </a:rPr>
+              <a:t>iris$Species</a:t>
+            </a:r>
+            <a:r>
+              <a:rPr lang="en-US" sz="1400" dirty="0" smtClean="0">
+                <a:latin typeface="Courier New" panose="02070309020205020404" pitchFamily="49" charset="0"/>
+                <a:cs typeface="Courier New" panose="02070309020205020404" pitchFamily="49" charset="0"/>
+              </a:rPr>
+              <a:t>==“</a:t>
+            </a:r>
+            <a:r>
+              <a:rPr lang="en-US" sz="1400" dirty="0" err="1" smtClean="0">
+                <a:latin typeface="Courier New" panose="02070309020205020404" pitchFamily="49" charset="0"/>
+                <a:cs typeface="Courier New" panose="02070309020205020404" pitchFamily="49" charset="0"/>
+              </a:rPr>
+              <a:t>virginica</a:t>
+            </a:r>
+            <a:r>
+              <a:rPr lang="en-US" sz="1400" dirty="0" smtClean="0">
+                <a:latin typeface="Courier New" panose="02070309020205020404" pitchFamily="49" charset="0"/>
+                <a:cs typeface="Courier New" panose="02070309020205020404" pitchFamily="49" charset="0"/>
+              </a:rPr>
+              <a:t>”,])-&gt; </a:t>
+            </a:r>
+            <a:r>
+              <a:rPr lang="en-US" sz="1400" dirty="0" err="1" smtClean="0">
+                <a:latin typeface="Courier New" panose="02070309020205020404" pitchFamily="49" charset="0"/>
+                <a:cs typeface="Courier New" panose="02070309020205020404" pitchFamily="49" charset="0"/>
+              </a:rPr>
+              <a:t>irisn.virginica.full</a:t>
+            </a:r>
+            <a:r>
+              <a:rPr lang="en-US" sz="1400" dirty="0" smtClean="0">
+                <a:latin typeface="Courier New" panose="02070309020205020404" pitchFamily="49" charset="0"/>
+                <a:cs typeface="Courier New" panose="02070309020205020404" pitchFamily="49" charset="0"/>
+              </a:rPr>
+              <a:t>;</a:t>
+            </a:r>
+            <a:endParaRPr lang="en-US" sz="1400" dirty="0">
+              <a:latin typeface="Courier New" panose="02070309020205020404" pitchFamily="49" charset="0"/>
+              <a:cs typeface="Courier New" panose="02070309020205020404" pitchFamily="49" charset="0"/>
+            </a:endParaRPr>
           </a:p>
         </p:txBody>
       </p:sp>
     </p:spTree>
     <p:extLst>
       <p:ext uri="{BB962C8B-B14F-4D97-AF65-F5344CB8AC3E}">
-        <p14:creationId xmlns:p14="http://schemas.microsoft.com/office/powerpoint/2010/main" val="1844600733"/>
+        <p14:creationId xmlns:p14="http://schemas.microsoft.com/office/powerpoint/2010/main" val="2554040484"/>
       </p:ext>
     </p:extLst>
   </p:cSld>
@@ -20518,7 +22252,7 @@
       </p:sp>
       <p:pic>
         <p:nvPicPr>
-          <p:cNvPr id="4" name="Picture 3"/>
+          <p:cNvPr id="7" name="Picture 6"/>
           <p:cNvPicPr>
             <a:picLocks noChangeAspect="1"/>
           </p:cNvPicPr>
@@ -20532,8 +22266,8 @@
         </p:blipFill>
         <p:spPr>
           <a:xfrm>
-            <a:off x="368300" y="903855"/>
-            <a:ext cx="6489700" cy="4824135"/>
+            <a:off x="567857" y="1381404"/>
+            <a:ext cx="7362825" cy="2714625"/>
           </a:xfrm>
           <a:prstGeom prst="rect">
             <a:avLst/>
@@ -20542,14 +22276,14 @@
       </p:pic>
       <p:sp>
         <p:nvSpPr>
-          <p:cNvPr id="11" name="Rectangle 10"/>
+          <p:cNvPr id="8" name="Rectangle 7"/>
           <p:cNvSpPr/>
           <p:nvPr/>
         </p:nvSpPr>
         <p:spPr>
           <a:xfrm>
-            <a:off x="386230" y="3065929"/>
-            <a:ext cx="6265582" cy="313764"/>
+            <a:off x="3021106" y="2160494"/>
+            <a:ext cx="1604682" cy="367553"/>
           </a:xfrm>
           <a:prstGeom prst="rect">
             <a:avLst/>
@@ -20588,14 +22322,14 @@
       </p:sp>
       <p:sp>
         <p:nvSpPr>
-          <p:cNvPr id="12" name="TextBox 11"/>
+          <p:cNvPr id="9" name="TextBox 8"/>
           <p:cNvSpPr txBox="1"/>
           <p:nvPr/>
         </p:nvSpPr>
         <p:spPr>
           <a:xfrm>
-            <a:off x="6774873" y="905203"/>
-            <a:ext cx="5478087" cy="3416320"/>
+            <a:off x="475130" y="735073"/>
+            <a:ext cx="10874188" cy="646331"/>
           </a:xfrm>
           <a:prstGeom prst="rect">
             <a:avLst/>
@@ -20608,85 +22342,94 @@
           </a:bodyPr>
           <a:lstStyle/>
           <a:p>
-            <a:pPr marL="285750" indent="-285750">
-              <a:buFont typeface="Arial" panose="020B0604020202020204" pitchFamily="34" charset="0"/>
-              <a:buChar char="•"/>
-            </a:pPr>
             <a:r>
               <a:rPr lang="en-US" dirty="0" smtClean="0"/>
-              <a:t>Notice how two entries were added automatically (one for each category other than the reference of the categorical variable). </a:t>
-            </a:r>
-          </a:p>
-          <a:p>
-            <a:pPr marL="285750" indent="-285750">
-              <a:buFont typeface="Arial" panose="020B0604020202020204" pitchFamily="34" charset="0"/>
-              <a:buChar char="•"/>
-            </a:pPr>
+              <a:t>For joint effects, it appears that only </a:t>
+            </a:r>
+            <a:r>
+              <a:rPr lang="en-US" dirty="0" err="1" smtClean="0"/>
+              <a:t>sepal.width</a:t>
+            </a:r>
             <a:r>
               <a:rPr lang="en-US" dirty="0" smtClean="0"/>
-              <a:t>By default the category level name is concatenated with the variable name and included in the </a:t>
+              <a:t> and </a:t>
+            </a:r>
+            <a:r>
+              <a:rPr lang="en-US" dirty="0" err="1" smtClean="0"/>
+              <a:t>petal.length</a:t>
             </a:r>
             <a:r>
               <a:rPr lang="en-US" dirty="0" smtClean="0"/>
-              <a:t>list.</a:t>
-            </a:r>
-          </a:p>
-          <a:p>
+              <a:t> are statistically significantly associated with </a:t>
+            </a:r>
+            <a:r>
+              <a:rPr lang="en-US" dirty="0" err="1" smtClean="0"/>
+              <a:t>Sepal.length</a:t>
+            </a:r>
+            <a:r>
+              <a:rPr lang="en-US" dirty="0" smtClean="0"/>
+              <a:t> only for the </a:t>
+            </a:r>
+            <a:r>
+              <a:rPr lang="en-US" dirty="0" err="1" smtClean="0"/>
+              <a:t>Setosa</a:t>
+            </a:r>
+            <a:r>
+              <a:rPr lang="en-US" dirty="0" smtClean="0"/>
+              <a:t> data</a:t>
+            </a:r>
             <a:endParaRPr lang="en-US" dirty="0"/>
-          </a:p>
-          <a:p>
-            <a:pPr marL="285750" indent="-285750">
-              <a:buFont typeface="Arial" panose="020B0604020202020204" pitchFamily="34" charset="0"/>
-              <a:buChar char="•"/>
-            </a:pPr>
-            <a:r>
-              <a:rPr lang="en-US" dirty="0" smtClean="0"/>
-              <a:t>‘Species’ is handled correctly because it is already a factor variable, character variables are treated as categorical by default. </a:t>
-            </a:r>
-            <a:r>
-              <a:rPr lang="en-US" dirty="0" smtClean="0"/>
-              <a:t> [ use </a:t>
-            </a:r>
-            <a:r>
-              <a:rPr lang="en-US" dirty="0" err="1" smtClean="0"/>
-              <a:t>as.factor</a:t>
-            </a:r>
-            <a:r>
-              <a:rPr lang="en-US" dirty="0" smtClean="0"/>
-              <a:t>() to force this ]</a:t>
-            </a:r>
-            <a:endParaRPr lang="en-US" dirty="0" smtClean="0"/>
-          </a:p>
-          <a:p>
-            <a:pPr marL="285750" indent="-285750">
-              <a:buFont typeface="Arial" panose="020B0604020202020204" pitchFamily="34" charset="0"/>
-              <a:buChar char="•"/>
-            </a:pPr>
-            <a:r>
-              <a:rPr lang="en-US" dirty="0" smtClean="0"/>
-              <a:t>Notice also how </a:t>
-            </a:r>
-            <a:r>
-              <a:rPr lang="en-US" dirty="0" err="1" smtClean="0"/>
-              <a:t>setosa</a:t>
-            </a:r>
-            <a:r>
-              <a:rPr lang="en-US" dirty="0" smtClean="0"/>
-              <a:t> is omitted from the list, this is because that is the reference level (for which the intercept makes sense again). </a:t>
-            </a:r>
           </a:p>
         </p:txBody>
       </p:sp>
       <p:sp>
         <p:nvSpPr>
-          <p:cNvPr id="13" name="TextBox 12"/>
+          <p:cNvPr id="3" name="TextBox 2"/>
           <p:cNvSpPr txBox="1"/>
           <p:nvPr/>
         </p:nvSpPr>
         <p:spPr>
           <a:xfrm>
-            <a:off x="7494494" y="4258095"/>
-            <a:ext cx="4186518" cy="1384995"/>
+            <a:off x="8615083" y="1354510"/>
+            <a:ext cx="2904564" cy="3970318"/>
+          </a:xfrm>
+          <a:prstGeom prst="rect">
+            <a:avLst/>
+          </a:prstGeom>
+          <a:noFill/>
+        </p:spPr>
+        <p:txBody>
+          <a:bodyPr wrap="square" rtlCol="0">
+            <a:spAutoFit/>
+          </a:bodyPr>
+          <a:lstStyle/>
+          <a:p>
+            <a:r>
+              <a:rPr lang="en-US" dirty="0" smtClean="0"/>
+              <a:t>When estimating the model effects in each of the different data sets separately we only find a few significant effects. </a:t>
+            </a:r>
+          </a:p>
+          <a:p>
+            <a:endParaRPr lang="en-US" dirty="0"/>
+          </a:p>
+          <a:p>
+            <a:r>
+              <a:rPr lang="en-US" dirty="0" smtClean="0"/>
+              <a:t>When adding categorical variables such as species to the model there is essentially one primary consideration, whether or not the categories are ordinal, in this case, they are not.</a:t>
+            </a:r>
+          </a:p>
+        </p:txBody>
+      </p:sp>
+      <p:sp>
+        <p:nvSpPr>
+          <p:cNvPr id="10" name="TextBox 9"/>
+          <p:cNvSpPr txBox="1"/>
+          <p:nvPr/>
+        </p:nvSpPr>
+        <p:spPr>
+          <a:xfrm>
+            <a:off x="180041" y="5235178"/>
+            <a:ext cx="10120406" cy="523220"/>
           </a:xfrm>
           <a:prstGeom prst="rect">
             <a:avLst/>
@@ -20694,7 +22437,7 @@
           <a:noFill/>
           <a:ln>
             <a:solidFill>
-              <a:srgbClr val="FF0000"/>
+              <a:schemeClr val="tx1"/>
             </a:solidFill>
           </a:ln>
         </p:spPr>
@@ -20705,35 +22448,84 @@
           <a:lstStyle/>
           <a:p>
             <a:r>
-              <a:rPr lang="en-US" sz="1400" dirty="0" smtClean="0"/>
-              <a:t>Questions:</a:t>
-            </a:r>
-          </a:p>
-          <a:p>
-            <a:pPr marL="342900" indent="-342900">
-              <a:buAutoNum type="arabicParenBoth"/>
-            </a:pPr>
-            <a:r>
-              <a:rPr lang="en-US" sz="1400" dirty="0" smtClean="0"/>
-              <a:t>Why does including this categorical variable in the model cause the intercept estimation to make logical sense again?</a:t>
-            </a:r>
-          </a:p>
-          <a:p>
-            <a:pPr marL="342900" indent="-342900">
-              <a:buAutoNum type="arabicParenBoth"/>
-            </a:pPr>
-            <a:r>
-              <a:rPr lang="en-US" sz="1400" dirty="0" smtClean="0"/>
-              <a:t>What is the interpretation of a coefficient estimated for a categorical variable?</a:t>
-            </a:r>
-            <a:endParaRPr lang="en-US" sz="1400" dirty="0"/>
+              <a:rPr lang="en-US" sz="1400" b="1" dirty="0" smtClean="0">
+                <a:latin typeface="Courier New" panose="02070309020205020404" pitchFamily="49" charset="0"/>
+                <a:cs typeface="Courier New" panose="02070309020205020404" pitchFamily="49" charset="0"/>
+              </a:rPr>
+              <a:t>R&gt; iris.form.1 &lt;- formula(</a:t>
+            </a:r>
+            <a:r>
+              <a:rPr lang="en-US" sz="1400" b="1" dirty="0" err="1" smtClean="0">
+                <a:latin typeface="Courier New" panose="02070309020205020404" pitchFamily="49" charset="0"/>
+                <a:cs typeface="Courier New" panose="02070309020205020404" pitchFamily="49" charset="0"/>
+              </a:rPr>
+              <a:t>Sepal.Length~Sepal.Width</a:t>
+            </a:r>
+            <a:r>
+              <a:rPr lang="en-US" sz="1400" b="1" dirty="0" smtClean="0">
+                <a:latin typeface="Courier New" panose="02070309020205020404" pitchFamily="49" charset="0"/>
+                <a:cs typeface="Courier New" panose="02070309020205020404" pitchFamily="49" charset="0"/>
+              </a:rPr>
+              <a:t>*</a:t>
+            </a:r>
+            <a:r>
+              <a:rPr lang="en-US" sz="1400" b="1" dirty="0" err="1" smtClean="0">
+                <a:latin typeface="Courier New" panose="02070309020205020404" pitchFamily="49" charset="0"/>
+                <a:cs typeface="Courier New" panose="02070309020205020404" pitchFamily="49" charset="0"/>
+              </a:rPr>
+              <a:t>Petal.Length</a:t>
+            </a:r>
+            <a:r>
+              <a:rPr lang="en-US" sz="1400" b="1" dirty="0" smtClean="0">
+                <a:latin typeface="Courier New" panose="02070309020205020404" pitchFamily="49" charset="0"/>
+                <a:cs typeface="Courier New" panose="02070309020205020404" pitchFamily="49" charset="0"/>
+              </a:rPr>
+              <a:t>*</a:t>
+            </a:r>
+            <a:r>
+              <a:rPr lang="en-US" sz="1400" b="1" dirty="0" err="1" smtClean="0">
+                <a:latin typeface="Courier New" panose="02070309020205020404" pitchFamily="49" charset="0"/>
+                <a:cs typeface="Courier New" panose="02070309020205020404" pitchFamily="49" charset="0"/>
+              </a:rPr>
+              <a:t>Petal.Width</a:t>
+            </a:r>
+            <a:r>
+              <a:rPr lang="en-US" sz="1400" b="1" dirty="0" smtClean="0">
+                <a:latin typeface="Courier New" panose="02070309020205020404" pitchFamily="49" charset="0"/>
+                <a:cs typeface="Courier New" panose="02070309020205020404" pitchFamily="49" charset="0"/>
+              </a:rPr>
+              <a:t> + Species);</a:t>
+            </a:r>
+          </a:p>
+          <a:p>
+            <a:r>
+              <a:rPr lang="en-US" sz="1400" b="1" dirty="0" smtClean="0">
+                <a:latin typeface="Courier New" panose="02070309020205020404" pitchFamily="49" charset="0"/>
+                <a:cs typeface="Courier New" panose="02070309020205020404" pitchFamily="49" charset="0"/>
+              </a:rPr>
+              <a:t>R&gt; iris.mod.1 &lt;- </a:t>
+            </a:r>
+            <a:r>
+              <a:rPr lang="en-US" sz="1400" b="1" dirty="0" err="1" smtClean="0">
+                <a:latin typeface="Courier New" panose="02070309020205020404" pitchFamily="49" charset="0"/>
+                <a:cs typeface="Courier New" panose="02070309020205020404" pitchFamily="49" charset="0"/>
+              </a:rPr>
+              <a:t>glm</a:t>
+            </a:r>
+            <a:r>
+              <a:rPr lang="en-US" sz="1400" b="1" dirty="0" smtClean="0">
+                <a:latin typeface="Courier New" panose="02070309020205020404" pitchFamily="49" charset="0"/>
+                <a:cs typeface="Courier New" panose="02070309020205020404" pitchFamily="49" charset="0"/>
+              </a:rPr>
+              <a:t>(iris.form.1,data=iris); </a:t>
+            </a:r>
           </a:p>
         </p:txBody>
       </p:sp>
     </p:spTree>
     <p:extLst>
       <p:ext uri="{BB962C8B-B14F-4D97-AF65-F5344CB8AC3E}">
-        <p14:creationId xmlns:p14="http://schemas.microsoft.com/office/powerpoint/2010/main" val="3981101434"/>
+        <p14:creationId xmlns:p14="http://schemas.microsoft.com/office/powerpoint/2010/main" val="1844600733"/>
       </p:ext>
     </p:extLst>
   </p:cSld>
@@ -20810,7 +22602,7 @@
                 <a:latin typeface="Times New Roman" panose="02020603050405020304" pitchFamily="18" charset="0"/>
                 <a:cs typeface="Times New Roman" panose="02020603050405020304" pitchFamily="18" charset="0"/>
               </a:rPr>
-              <a:t>Interpreting categorical variable effects (Iris Data)</a:t>
+              <a:t>Including categorical predictors in model (Iris Data)</a:t>
             </a:r>
             <a:endParaRPr lang="en-US" dirty="0">
               <a:latin typeface="Times New Roman" panose="02020603050405020304" pitchFamily="18" charset="0"/>
@@ -20874,8 +22666,8 @@
         </p:blipFill>
         <p:spPr>
           <a:xfrm>
-            <a:off x="368300" y="939714"/>
-            <a:ext cx="7346857" cy="5461305"/>
+            <a:off x="368300" y="903855"/>
+            <a:ext cx="6489700" cy="4824135"/>
           </a:xfrm>
           <a:prstGeom prst="rect">
             <a:avLst/>
@@ -20890,8 +22682,8 @@
         </p:nvSpPr>
         <p:spPr>
           <a:xfrm>
-            <a:off x="386230" y="3370729"/>
-            <a:ext cx="7278594" cy="385483"/>
+            <a:off x="386230" y="3065929"/>
+            <a:ext cx="6265582" cy="313764"/>
           </a:xfrm>
           <a:prstGeom prst="rect">
             <a:avLst/>
@@ -20936,8 +22728,8 @@
         </p:nvSpPr>
         <p:spPr>
           <a:xfrm>
-            <a:off x="7897906" y="1093694"/>
-            <a:ext cx="4204447" cy="3416320"/>
+            <a:off x="6774873" y="905203"/>
+            <a:ext cx="5478087" cy="3416320"/>
           </a:xfrm>
           <a:prstGeom prst="rect">
             <a:avLst/>
@@ -20956,23 +22748,7 @@
             </a:pPr>
             <a:r>
               <a:rPr lang="en-US" dirty="0" smtClean="0"/>
-              <a:t>Neither of these effects is significant, but nonetheless the effects were estimated and can be interpreted as saying that “on average when compared with those of the </a:t>
-            </a:r>
-            <a:r>
-              <a:rPr lang="en-US" dirty="0" err="1" smtClean="0"/>
-              <a:t>setosa</a:t>
-            </a:r>
-            <a:r>
-              <a:rPr lang="en-US" dirty="0" smtClean="0"/>
-              <a:t> species, irises of the versicolor species had sepal lengths that were 0.2804 cm shorter, and those of </a:t>
-            </a:r>
-            <a:r>
-              <a:rPr lang="en-US" dirty="0" err="1" smtClean="0"/>
-              <a:t>virginica</a:t>
-            </a:r>
-            <a:r>
-              <a:rPr lang="en-US" dirty="0" smtClean="0"/>
-              <a:t> had 0.63456 cm shorter lengths”. </a:t>
+              <a:t>Notice how two entries were added automatically (one for each category other than the reference of the categorical variable). </a:t>
             </a:r>
           </a:p>
           <a:p>
@@ -20980,6 +22756,12 @@
               <a:buFont typeface="Arial" panose="020B0604020202020204" pitchFamily="34" charset="0"/>
               <a:buChar char="•"/>
             </a:pPr>
+            <a:r>
+              <a:rPr lang="en-US" dirty="0" smtClean="0"/>
+              <a:t>By default the category level name is concatenated with the variable name and included in the list.</a:t>
+            </a:r>
+          </a:p>
+          <a:p>
             <a:endParaRPr lang="en-US" dirty="0"/>
           </a:p>
           <a:p>
@@ -20989,15 +22771,94 @@
             </a:pPr>
             <a:r>
               <a:rPr lang="en-US" dirty="0" smtClean="0"/>
-              <a:t>Note that the interpretation depends on the reference level.</a:t>
-            </a:r>
+              <a:t>‘Species’ is handled correctly because it is already a factor variable, character variables are treated as categorical by default.  [ use </a:t>
+            </a:r>
+            <a:r>
+              <a:rPr lang="en-US" dirty="0" err="1" smtClean="0"/>
+              <a:t>as.factor</a:t>
+            </a:r>
+            <a:r>
+              <a:rPr lang="en-US" dirty="0" smtClean="0"/>
+              <a:t>() to force this ]</a:t>
+            </a:r>
+          </a:p>
+          <a:p>
+            <a:pPr marL="285750" indent="-285750">
+              <a:buFont typeface="Arial" panose="020B0604020202020204" pitchFamily="34" charset="0"/>
+              <a:buChar char="•"/>
+            </a:pPr>
+            <a:r>
+              <a:rPr lang="en-US" dirty="0" smtClean="0"/>
+              <a:t>Notice also how </a:t>
+            </a:r>
+            <a:r>
+              <a:rPr lang="en-US" dirty="0" err="1" smtClean="0"/>
+              <a:t>setosa</a:t>
+            </a:r>
+            <a:r>
+              <a:rPr lang="en-US" dirty="0" smtClean="0"/>
+              <a:t> is omitted from the list, this is because that is the reference level (for which the intercept makes sense again). </a:t>
+            </a:r>
+          </a:p>
+        </p:txBody>
+      </p:sp>
+      <p:sp>
+        <p:nvSpPr>
+          <p:cNvPr id="13" name="TextBox 12"/>
+          <p:cNvSpPr txBox="1"/>
+          <p:nvPr/>
+        </p:nvSpPr>
+        <p:spPr>
+          <a:xfrm>
+            <a:off x="7494494" y="4258095"/>
+            <a:ext cx="4186518" cy="1384995"/>
+          </a:xfrm>
+          <a:prstGeom prst="rect">
+            <a:avLst/>
+          </a:prstGeom>
+          <a:noFill/>
+          <a:ln>
+            <a:solidFill>
+              <a:srgbClr val="FF0000"/>
+            </a:solidFill>
+          </a:ln>
+        </p:spPr>
+        <p:txBody>
+          <a:bodyPr wrap="square" rtlCol="0">
+            <a:spAutoFit/>
+          </a:bodyPr>
+          <a:lstStyle/>
+          <a:p>
+            <a:r>
+              <a:rPr lang="en-US" sz="1400" dirty="0" smtClean="0"/>
+              <a:t>Questions:</a:t>
+            </a:r>
+          </a:p>
+          <a:p>
+            <a:pPr marL="342900" indent="-342900">
+              <a:buAutoNum type="arabicParenBoth"/>
+            </a:pPr>
+            <a:r>
+              <a:rPr lang="en-US" sz="1400" dirty="0" smtClean="0"/>
+              <a:t>Why does including this categorical variable in the model cause the intercept estimation to make logical sense again?</a:t>
+            </a:r>
+          </a:p>
+          <a:p>
+            <a:pPr marL="342900" indent="-342900">
+              <a:buAutoNum type="arabicParenBoth"/>
+            </a:pPr>
+            <a:r>
+              <a:rPr lang="en-US" sz="1400" dirty="0" smtClean="0"/>
+              <a:t>What is the interpretation of a coefficient estimated for a categorical variable?</a:t>
+            </a:r>
+            <a:endParaRPr lang="en-US" sz="1400" dirty="0"/>
           </a:p>
         </p:txBody>
       </p:sp>
     </p:spTree>
     <p:extLst>
       <p:ext uri="{BB962C8B-B14F-4D97-AF65-F5344CB8AC3E}">
-        <p14:creationId xmlns:p14="http://schemas.microsoft.com/office/powerpoint/2010/main" val="2508615127"/>
+        <p14:creationId xmlns:p14="http://schemas.microsoft.com/office/powerpoint/2010/main" val="3981101434"/>
       </p:ext>
     </p:extLst>
   </p:cSld>
@@ -21074,6 +22935,270 @@
                 <a:latin typeface="Times New Roman" panose="02020603050405020304" pitchFamily="18" charset="0"/>
                 <a:cs typeface="Times New Roman" panose="02020603050405020304" pitchFamily="18" charset="0"/>
               </a:rPr>
+              <a:t>Interpreting categorical variable effects (Iris Data)</a:t>
+            </a:r>
+            <a:endParaRPr lang="en-US" dirty="0">
+              <a:latin typeface="Times New Roman" panose="02020603050405020304" pitchFamily="18" charset="0"/>
+              <a:cs typeface="Times New Roman" panose="02020603050405020304" pitchFamily="18" charset="0"/>
+            </a:endParaRPr>
+          </a:p>
+        </p:txBody>
+      </p:sp>
+      <p:sp>
+        <p:nvSpPr>
+          <p:cNvPr id="6" name="AutoShape 4" descr="http://127.0.0.1:39177/graphics/plot_zoom_png?width=1200&amp;height=900"/>
+          <p:cNvSpPr>
+            <a:spLocks noChangeAspect="1" noChangeArrowheads="1"/>
+          </p:cNvSpPr>
+          <p:nvPr/>
+        </p:nvSpPr>
+        <p:spPr bwMode="auto">
+          <a:xfrm>
+            <a:off x="63500" y="-136525"/>
+            <a:ext cx="304800" cy="304800"/>
+          </a:xfrm>
+          <a:prstGeom prst="rect">
+            <a:avLst/>
+          </a:prstGeom>
+          <a:noFill/>
+          <a:extLst>
+            <a:ext uri="{909E8E84-426E-40DD-AFC4-6F175D3DCCD1}">
+              <a14:hiddenFill xmlns:a14="http://schemas.microsoft.com/office/drawing/2010/main">
+                <a:solidFill>
+                  <a:srgbClr val="FFFFFF"/>
+                </a:solidFill>
+              </a14:hiddenFill>
+            </a:ext>
+          </a:extLst>
+        </p:spPr>
+        <p:txBody>
+          <a:bodyPr vert="horz" wrap="square" lIns="91440" tIns="45720" rIns="91440" bIns="45720" numCol="1" anchor="t" anchorCtr="0" compatLnSpc="1">
+            <a:prstTxWarp prst="textNoShape">
+              <a:avLst/>
+            </a:prstTxWarp>
+          </a:bodyPr>
+          <a:lstStyle/>
+          <a:p>
+            <a:endParaRPr lang="en-US"/>
+          </a:p>
+        </p:txBody>
+      </p:sp>
+      <p:pic>
+        <p:nvPicPr>
+          <p:cNvPr id="4" name="Picture 3"/>
+          <p:cNvPicPr>
+            <a:picLocks noChangeAspect="1"/>
+          </p:cNvPicPr>
+          <p:nvPr/>
+        </p:nvPicPr>
+        <p:blipFill>
+          <a:blip r:embed="rId2"/>
+          <a:stretch>
+            <a:fillRect/>
+          </a:stretch>
+        </p:blipFill>
+        <p:spPr>
+          <a:xfrm>
+            <a:off x="368300" y="939714"/>
+            <a:ext cx="7346857" cy="5461305"/>
+          </a:xfrm>
+          <a:prstGeom prst="rect">
+            <a:avLst/>
+          </a:prstGeom>
+        </p:spPr>
+      </p:pic>
+      <p:sp>
+        <p:nvSpPr>
+          <p:cNvPr id="11" name="Rectangle 10"/>
+          <p:cNvSpPr/>
+          <p:nvPr/>
+        </p:nvSpPr>
+        <p:spPr>
+          <a:xfrm>
+            <a:off x="386230" y="3370729"/>
+            <a:ext cx="7278594" cy="385483"/>
+          </a:xfrm>
+          <a:prstGeom prst="rect">
+            <a:avLst/>
+          </a:prstGeom>
+          <a:noFill/>
+          <a:ln>
+            <a:solidFill>
+              <a:srgbClr val="FF0000"/>
+            </a:solidFill>
+          </a:ln>
+        </p:spPr>
+        <p:style>
+          <a:lnRef idx="2">
+            <a:schemeClr val="accent1">
+              <a:shade val="50000"/>
+            </a:schemeClr>
+          </a:lnRef>
+          <a:fillRef idx="1">
+            <a:schemeClr val="accent1"/>
+          </a:fillRef>
+          <a:effectRef idx="0">
+            <a:schemeClr val="accent1"/>
+          </a:effectRef>
+          <a:fontRef idx="minor">
+            <a:schemeClr val="lt1"/>
+          </a:fontRef>
+        </p:style>
+        <p:txBody>
+          <a:bodyPr rtlCol="0" anchor="ctr"/>
+          <a:lstStyle/>
+          <a:p>
+            <a:pPr algn="ctr"/>
+            <a:endParaRPr lang="en-US"/>
+          </a:p>
+        </p:txBody>
+      </p:sp>
+      <p:sp>
+        <p:nvSpPr>
+          <p:cNvPr id="12" name="TextBox 11"/>
+          <p:cNvSpPr txBox="1"/>
+          <p:nvPr/>
+        </p:nvSpPr>
+        <p:spPr>
+          <a:xfrm>
+            <a:off x="7897906" y="1093694"/>
+            <a:ext cx="4204447" cy="3416320"/>
+          </a:xfrm>
+          <a:prstGeom prst="rect">
+            <a:avLst/>
+          </a:prstGeom>
+          <a:noFill/>
+        </p:spPr>
+        <p:txBody>
+          <a:bodyPr wrap="square" rtlCol="0">
+            <a:spAutoFit/>
+          </a:bodyPr>
+          <a:lstStyle/>
+          <a:p>
+            <a:pPr marL="285750" indent="-285750">
+              <a:buFont typeface="Arial" panose="020B0604020202020204" pitchFamily="34" charset="0"/>
+              <a:buChar char="•"/>
+            </a:pPr>
+            <a:r>
+              <a:rPr lang="en-US" dirty="0" smtClean="0"/>
+              <a:t>Neither of these effects is significant, but nonetheless the effects were estimated and can be interpreted as saying that “on average when compared with those of the </a:t>
+            </a:r>
+            <a:r>
+              <a:rPr lang="en-US" dirty="0" err="1" smtClean="0"/>
+              <a:t>setosa</a:t>
+            </a:r>
+            <a:r>
+              <a:rPr lang="en-US" dirty="0" smtClean="0"/>
+              <a:t> species, irises of the versicolor species had sepal lengths that were 0.2804 cm shorter, and those of </a:t>
+            </a:r>
+            <a:r>
+              <a:rPr lang="en-US" dirty="0" err="1" smtClean="0"/>
+              <a:t>virginica</a:t>
+            </a:r>
+            <a:r>
+              <a:rPr lang="en-US" dirty="0" smtClean="0"/>
+              <a:t> had 0.63456 cm shorter lengths”. </a:t>
+            </a:r>
+          </a:p>
+          <a:p>
+            <a:pPr marL="285750" indent="-285750">
+              <a:buFont typeface="Arial" panose="020B0604020202020204" pitchFamily="34" charset="0"/>
+              <a:buChar char="•"/>
+            </a:pPr>
+            <a:endParaRPr lang="en-US" dirty="0"/>
+          </a:p>
+          <a:p>
+            <a:pPr marL="285750" indent="-285750">
+              <a:buFont typeface="Arial" panose="020B0604020202020204" pitchFamily="34" charset="0"/>
+              <a:buChar char="•"/>
+            </a:pPr>
+            <a:r>
+              <a:rPr lang="en-US" dirty="0" smtClean="0"/>
+              <a:t>Note that the interpretation depends on the reference level.</a:t>
+            </a:r>
+          </a:p>
+        </p:txBody>
+      </p:sp>
+    </p:spTree>
+    <p:extLst>
+      <p:ext uri="{BB962C8B-B14F-4D97-AF65-F5344CB8AC3E}">
+        <p14:creationId xmlns:p14="http://schemas.microsoft.com/office/powerpoint/2010/main" val="2508615127"/>
+      </p:ext>
+    </p:extLst>
+  </p:cSld>
+  <p:clrMapOvr>
+    <a:masterClrMapping/>
+  </p:clrMapOvr>
+</p:sld>
+</file>
+
+<file path=ppt/slides/slide25.xml><?xml version="1.0" encoding="utf-8"?>
+<p:sld xmlns:a="http://schemas.openxmlformats.org/drawingml/2006/main" xmlns:r="http://schemas.openxmlformats.org/officeDocument/2006/relationships" xmlns:p="http://schemas.openxmlformats.org/presentationml/2006/main">
+  <p:cSld>
+    <p:spTree>
+      <p:nvGrpSpPr>
+        <p:cNvPr id="1" name=""/>
+        <p:cNvGrpSpPr/>
+        <p:nvPr/>
+      </p:nvGrpSpPr>
+      <p:grpSpPr>
+        <a:xfrm>
+          <a:off x="0" y="0"/>
+          <a:ext cx="0" cy="0"/>
+          <a:chOff x="0" y="0"/>
+          <a:chExt cx="0" cy="0"/>
+        </a:xfrm>
+      </p:grpSpPr>
+      <p:sp>
+        <p:nvSpPr>
+          <p:cNvPr id="2" name="Title 1">
+            <a:extLst>
+              <a:ext uri="{FF2B5EF4-FFF2-40B4-BE49-F238E27FC236}">
+                <a16:creationId xmlns:a16="http://schemas.microsoft.com/office/drawing/2014/main" id="{636FB483-8A01-854E-9BBE-55E0C355A79B}"/>
+              </a:ext>
+            </a:extLst>
+          </p:cNvPr>
+          <p:cNvSpPr txBox="1">
+            <a:spLocks/>
+          </p:cNvSpPr>
+          <p:nvPr/>
+        </p:nvSpPr>
+        <p:spPr>
+          <a:xfrm>
+            <a:off x="292557" y="283221"/>
+            <a:ext cx="11316737" cy="656493"/>
+          </a:xfrm>
+          <a:prstGeom prst="rect">
+            <a:avLst/>
+          </a:prstGeom>
+        </p:spPr>
+        <p:txBody>
+          <a:bodyPr/>
+          <a:lstStyle>
+            <a:lvl1pPr algn="l" defTabSz="914400" rtl="0" eaLnBrk="1" latinLnBrk="0" hangingPunct="1">
+              <a:lnSpc>
+                <a:spcPct val="90000"/>
+              </a:lnSpc>
+              <a:spcBef>
+                <a:spcPct val="0"/>
+              </a:spcBef>
+              <a:buNone/>
+              <a:defRPr sz="2800" b="1" kern="1200">
+                <a:solidFill>
+                  <a:schemeClr val="tx1"/>
+                </a:solidFill>
+                <a:latin typeface="Helvetica" pitchFamily="2" charset="0"/>
+                <a:ea typeface="+mj-ea"/>
+                <a:cs typeface="+mj-cs"/>
+              </a:defRPr>
+            </a:lvl1pPr>
+          </a:lstStyle>
+          <a:p>
+            <a:r>
+              <a:rPr lang="en-US" dirty="0" smtClean="0">
+                <a:latin typeface="Times New Roman" panose="02020603050405020304" pitchFamily="18" charset="0"/>
+                <a:cs typeface="Times New Roman" panose="02020603050405020304" pitchFamily="18" charset="0"/>
+              </a:rPr>
               <a:t>Changing the reference for a categorical effect in R (Iris Data)</a:t>
             </a:r>
             <a:endParaRPr lang="en-US" dirty="0">
@@ -21366,356 +23491,6 @@
 </p:sld>
 </file>
 
-<file path=ppt/slides/slide25.xml><?xml version="1.0" encoding="utf-8"?>
-<p:sld xmlns:a="http://schemas.openxmlformats.org/drawingml/2006/main" xmlns:r="http://schemas.openxmlformats.org/officeDocument/2006/relationships" xmlns:p="http://schemas.openxmlformats.org/presentationml/2006/main">
-  <p:cSld>
-    <p:spTree>
-      <p:nvGrpSpPr>
-        <p:cNvPr id="1" name=""/>
-        <p:cNvGrpSpPr/>
-        <p:nvPr/>
-      </p:nvGrpSpPr>
-      <p:grpSpPr>
-        <a:xfrm>
-          <a:off x="0" y="0"/>
-          <a:ext cx="0" cy="0"/>
-          <a:chOff x="0" y="0"/>
-          <a:chExt cx="0" cy="0"/>
-        </a:xfrm>
-      </p:grpSpPr>
-      <p:sp>
-        <p:nvSpPr>
-          <p:cNvPr id="2" name="Title 1">
-            <a:extLst>
-              <a:ext uri="{FF2B5EF4-FFF2-40B4-BE49-F238E27FC236}">
-                <a16:creationId xmlns:a16="http://schemas.microsoft.com/office/drawing/2014/main" id="{636FB483-8A01-854E-9BBE-55E0C355A79B}"/>
-              </a:ext>
-            </a:extLst>
-          </p:cNvPr>
-          <p:cNvSpPr txBox="1">
-            <a:spLocks/>
-          </p:cNvSpPr>
-          <p:nvPr/>
-        </p:nvSpPr>
-        <p:spPr>
-          <a:xfrm>
-            <a:off x="292557" y="283221"/>
-            <a:ext cx="10017369" cy="656493"/>
-          </a:xfrm>
-          <a:prstGeom prst="rect">
-            <a:avLst/>
-          </a:prstGeom>
-        </p:spPr>
-        <p:txBody>
-          <a:bodyPr/>
-          <a:lstStyle>
-            <a:lvl1pPr algn="l" defTabSz="914400" rtl="0" eaLnBrk="1" latinLnBrk="0" hangingPunct="1">
-              <a:lnSpc>
-                <a:spcPct val="90000"/>
-              </a:lnSpc>
-              <a:spcBef>
-                <a:spcPct val="0"/>
-              </a:spcBef>
-              <a:buNone/>
-              <a:defRPr sz="2800" b="1" kern="1200">
-                <a:solidFill>
-                  <a:schemeClr val="tx1"/>
-                </a:solidFill>
-                <a:latin typeface="Helvetica" pitchFamily="2" charset="0"/>
-                <a:ea typeface="+mj-ea"/>
-                <a:cs typeface="+mj-cs"/>
-              </a:defRPr>
-            </a:lvl1pPr>
-          </a:lstStyle>
-          <a:p>
-            <a:r>
-              <a:rPr lang="en-US" dirty="0" smtClean="0">
-                <a:latin typeface="Times New Roman" panose="02020603050405020304" pitchFamily="18" charset="0"/>
-                <a:cs typeface="Times New Roman" panose="02020603050405020304" pitchFamily="18" charset="0"/>
-              </a:rPr>
-              <a:t>Plots and Interpretations associated with the </a:t>
-            </a:r>
-            <a:r>
-              <a:rPr lang="en-US" dirty="0" err="1" smtClean="0">
-                <a:latin typeface="Times New Roman" panose="02020603050405020304" pitchFamily="18" charset="0"/>
-                <a:cs typeface="Times New Roman" panose="02020603050405020304" pitchFamily="18" charset="0"/>
-              </a:rPr>
-              <a:t>glm</a:t>
-            </a:r>
-            <a:r>
-              <a:rPr lang="en-US" dirty="0" smtClean="0">
-                <a:latin typeface="Times New Roman" panose="02020603050405020304" pitchFamily="18" charset="0"/>
-                <a:cs typeface="Times New Roman" panose="02020603050405020304" pitchFamily="18" charset="0"/>
-              </a:rPr>
-              <a:t>() object (1)</a:t>
-            </a:r>
-            <a:endParaRPr lang="en-US" dirty="0">
-              <a:latin typeface="Times New Roman" panose="02020603050405020304" pitchFamily="18" charset="0"/>
-              <a:cs typeface="Times New Roman" panose="02020603050405020304" pitchFamily="18" charset="0"/>
-            </a:endParaRPr>
-          </a:p>
-        </p:txBody>
-      </p:sp>
-      <p:pic>
-        <p:nvPicPr>
-          <p:cNvPr id="4" name="Picture 3"/>
-          <p:cNvPicPr>
-            <a:picLocks noChangeAspect="1"/>
-          </p:cNvPicPr>
-          <p:nvPr/>
-        </p:nvPicPr>
-        <p:blipFill>
-          <a:blip r:embed="rId2"/>
-          <a:stretch>
-            <a:fillRect/>
-          </a:stretch>
-        </p:blipFill>
-        <p:spPr>
-          <a:xfrm>
-            <a:off x="292557" y="1618513"/>
-            <a:ext cx="5933675" cy="5057108"/>
-          </a:xfrm>
-          <a:prstGeom prst="rect">
-            <a:avLst/>
-          </a:prstGeom>
-        </p:spPr>
-      </p:pic>
-      <p:sp>
-        <p:nvSpPr>
-          <p:cNvPr id="6" name="TextBox 5"/>
-          <p:cNvSpPr txBox="1"/>
-          <p:nvPr/>
-        </p:nvSpPr>
-        <p:spPr>
-          <a:xfrm>
-            <a:off x="396172" y="817421"/>
-            <a:ext cx="10120406" cy="738664"/>
-          </a:xfrm>
-          <a:prstGeom prst="rect">
-            <a:avLst/>
-          </a:prstGeom>
-          <a:noFill/>
-          <a:ln>
-            <a:solidFill>
-              <a:schemeClr val="tx1"/>
-            </a:solidFill>
-          </a:ln>
-        </p:spPr>
-        <p:txBody>
-          <a:bodyPr wrap="square" rtlCol="0">
-            <a:spAutoFit/>
-          </a:bodyPr>
-          <a:lstStyle/>
-          <a:p>
-            <a:r>
-              <a:rPr lang="en-US" sz="1400" b="1" dirty="0" smtClean="0">
-                <a:latin typeface="Courier New" panose="02070309020205020404" pitchFamily="49" charset="0"/>
-                <a:cs typeface="Courier New" panose="02070309020205020404" pitchFamily="49" charset="0"/>
-              </a:rPr>
-              <a:t>R</a:t>
-            </a:r>
-            <a:r>
-              <a:rPr lang="en-US" sz="1400" b="1" dirty="0">
-                <a:latin typeface="Courier New" panose="02070309020205020404" pitchFamily="49" charset="0"/>
-                <a:cs typeface="Courier New" panose="02070309020205020404" pitchFamily="49" charset="0"/>
-              </a:rPr>
-              <a:t>&gt; iris.form.1 &lt;- formula(</a:t>
-            </a:r>
-            <a:r>
-              <a:rPr lang="en-US" sz="1400" b="1" dirty="0" err="1">
-                <a:latin typeface="Courier New" panose="02070309020205020404" pitchFamily="49" charset="0"/>
-                <a:cs typeface="Courier New" panose="02070309020205020404" pitchFamily="49" charset="0"/>
-              </a:rPr>
-              <a:t>Sepal.Length~Sepal.Width</a:t>
-            </a:r>
-            <a:r>
-              <a:rPr lang="en-US" sz="1400" b="1" dirty="0">
-                <a:latin typeface="Courier New" panose="02070309020205020404" pitchFamily="49" charset="0"/>
-                <a:cs typeface="Courier New" panose="02070309020205020404" pitchFamily="49" charset="0"/>
-              </a:rPr>
-              <a:t>*</a:t>
-            </a:r>
-            <a:r>
-              <a:rPr lang="en-US" sz="1400" b="1" dirty="0" err="1">
-                <a:latin typeface="Courier New" panose="02070309020205020404" pitchFamily="49" charset="0"/>
-                <a:cs typeface="Courier New" panose="02070309020205020404" pitchFamily="49" charset="0"/>
-              </a:rPr>
-              <a:t>Petal.Length</a:t>
-            </a:r>
-            <a:r>
-              <a:rPr lang="en-US" sz="1400" b="1" dirty="0">
-                <a:latin typeface="Courier New" panose="02070309020205020404" pitchFamily="49" charset="0"/>
-                <a:cs typeface="Courier New" panose="02070309020205020404" pitchFamily="49" charset="0"/>
-              </a:rPr>
-              <a:t>*</a:t>
-            </a:r>
-            <a:r>
-              <a:rPr lang="en-US" sz="1400" b="1" dirty="0" err="1">
-                <a:latin typeface="Courier New" panose="02070309020205020404" pitchFamily="49" charset="0"/>
-                <a:cs typeface="Courier New" panose="02070309020205020404" pitchFamily="49" charset="0"/>
-              </a:rPr>
-              <a:t>Petal.Width+Species</a:t>
-            </a:r>
-            <a:r>
-              <a:rPr lang="en-US" sz="1400" b="1" dirty="0">
-                <a:latin typeface="Courier New" panose="02070309020205020404" pitchFamily="49" charset="0"/>
-                <a:cs typeface="Courier New" panose="02070309020205020404" pitchFamily="49" charset="0"/>
-              </a:rPr>
-              <a:t>);</a:t>
-            </a:r>
-          </a:p>
-          <a:p>
-            <a:r>
-              <a:rPr lang="en-US" sz="1400" b="1" dirty="0">
-                <a:latin typeface="Courier New" panose="02070309020205020404" pitchFamily="49" charset="0"/>
-                <a:cs typeface="Courier New" panose="02070309020205020404" pitchFamily="49" charset="0"/>
-              </a:rPr>
-              <a:t>R&gt; </a:t>
-            </a:r>
-            <a:r>
-              <a:rPr lang="en-US" sz="1400" b="1" dirty="0" smtClean="0">
-                <a:latin typeface="Courier New" panose="02070309020205020404" pitchFamily="49" charset="0"/>
-                <a:cs typeface="Courier New" panose="02070309020205020404" pitchFamily="49" charset="0"/>
-              </a:rPr>
-              <a:t>iris.mod.1 </a:t>
-            </a:r>
-            <a:r>
-              <a:rPr lang="en-US" sz="1400" b="1" dirty="0">
-                <a:latin typeface="Courier New" panose="02070309020205020404" pitchFamily="49" charset="0"/>
-                <a:cs typeface="Courier New" panose="02070309020205020404" pitchFamily="49" charset="0"/>
-              </a:rPr>
-              <a:t>&lt;- </a:t>
-            </a:r>
-            <a:r>
-              <a:rPr lang="en-US" sz="1400" b="1" dirty="0" err="1">
-                <a:latin typeface="Courier New" panose="02070309020205020404" pitchFamily="49" charset="0"/>
-                <a:cs typeface="Courier New" panose="02070309020205020404" pitchFamily="49" charset="0"/>
-              </a:rPr>
-              <a:t>glm</a:t>
-            </a:r>
-            <a:r>
-              <a:rPr lang="en-US" sz="1400" b="1" dirty="0">
-                <a:latin typeface="Courier New" panose="02070309020205020404" pitchFamily="49" charset="0"/>
-                <a:cs typeface="Courier New" panose="02070309020205020404" pitchFamily="49" charset="0"/>
-              </a:rPr>
-              <a:t>(iris.form.1,data=iris); </a:t>
-            </a:r>
-          </a:p>
-          <a:p>
-            <a:r>
-              <a:rPr lang="en-US" sz="1400" b="1" dirty="0">
-                <a:latin typeface="Courier New" panose="02070309020205020404" pitchFamily="49" charset="0"/>
-                <a:cs typeface="Courier New" panose="02070309020205020404" pitchFamily="49" charset="0"/>
-              </a:rPr>
-              <a:t>R&gt; </a:t>
-            </a:r>
-            <a:r>
-              <a:rPr lang="en-US" sz="1400" b="1" dirty="0" smtClean="0">
-                <a:latin typeface="Courier New" panose="02070309020205020404" pitchFamily="49" charset="0"/>
-                <a:cs typeface="Courier New" panose="02070309020205020404" pitchFamily="49" charset="0"/>
-              </a:rPr>
-              <a:t>plot(iris.mod.1);</a:t>
-            </a:r>
-          </a:p>
-        </p:txBody>
-      </p:sp>
-      <p:sp>
-        <p:nvSpPr>
-          <p:cNvPr id="8" name="TextBox 7"/>
-          <p:cNvSpPr txBox="1"/>
-          <p:nvPr/>
-        </p:nvSpPr>
-        <p:spPr>
-          <a:xfrm>
-            <a:off x="6508865" y="1618513"/>
-            <a:ext cx="5278582" cy="3693319"/>
-          </a:xfrm>
-          <a:prstGeom prst="rect">
-            <a:avLst/>
-          </a:prstGeom>
-          <a:noFill/>
-        </p:spPr>
-        <p:txBody>
-          <a:bodyPr wrap="square" rtlCol="0">
-            <a:spAutoFit/>
-          </a:bodyPr>
-          <a:lstStyle/>
-          <a:p>
-            <a:pPr marL="285750" indent="-285750">
-              <a:buFont typeface="Arial" panose="020B0604020202020204" pitchFamily="34" charset="0"/>
-              <a:buChar char="•"/>
-            </a:pPr>
-            <a:r>
-              <a:rPr lang="en-US" dirty="0" smtClean="0"/>
-              <a:t>Using plot() on a </a:t>
-            </a:r>
-            <a:r>
-              <a:rPr lang="en-US" dirty="0" err="1" smtClean="0"/>
-              <a:t>glm</a:t>
-            </a:r>
-            <a:r>
-              <a:rPr lang="en-US" dirty="0" smtClean="0"/>
-              <a:t> object will give useful information and diagnostics for validating and assessing the validity of the assumptions for using a generalized linear model.</a:t>
-            </a:r>
-          </a:p>
-          <a:p>
-            <a:pPr marL="285750" indent="-285750">
-              <a:buFont typeface="Arial" panose="020B0604020202020204" pitchFamily="34" charset="0"/>
-              <a:buChar char="•"/>
-            </a:pPr>
-            <a:r>
-              <a:rPr lang="en-US" dirty="0" smtClean="0"/>
-              <a:t>The first plot gives the actual predicted value from the model for each </a:t>
-            </a:r>
-            <a:r>
-              <a:rPr lang="en-US" dirty="0" err="1" smtClean="0"/>
-              <a:t>datapoint</a:t>
-            </a:r>
-            <a:r>
-              <a:rPr lang="en-US" dirty="0"/>
-              <a:t> </a:t>
-            </a:r>
-            <a:r>
-              <a:rPr lang="en-US" dirty="0" smtClean="0"/>
-              <a:t>on the x-axis, and the associated residual on the y-axis. </a:t>
-            </a:r>
-          </a:p>
-          <a:p>
-            <a:pPr marL="285750" indent="-285750">
-              <a:buFont typeface="Arial" panose="020B0604020202020204" pitchFamily="34" charset="0"/>
-              <a:buChar char="•"/>
-            </a:pPr>
-            <a:r>
-              <a:rPr lang="en-US" dirty="0" smtClean="0"/>
-              <a:t>This gives the user the ability to determine whether the residuals tended to depend in any obvious or meaningful way on the actual value that is predicted. </a:t>
-            </a:r>
-          </a:p>
-          <a:p>
-            <a:pPr marL="285750" indent="-285750">
-              <a:buFont typeface="Arial" panose="020B0604020202020204" pitchFamily="34" charset="0"/>
-              <a:buChar char="•"/>
-            </a:pPr>
-            <a:r>
-              <a:rPr lang="en-US" dirty="0" smtClean="0"/>
-              <a:t>All points which produce a particularly high residual value will be labeled on this plot.</a:t>
-            </a:r>
-            <a:endParaRPr lang="en-US" dirty="0"/>
-          </a:p>
-        </p:txBody>
-      </p:sp>
-    </p:spTree>
-    <p:extLst>
-      <p:ext uri="{BB962C8B-B14F-4D97-AF65-F5344CB8AC3E}">
-        <p14:creationId xmlns:p14="http://schemas.microsoft.com/office/powerpoint/2010/main" val="2825324524"/>
-      </p:ext>
-    </p:extLst>
-  </p:cSld>
-  <p:clrMapOvr>
-    <a:masterClrMapping/>
-  </p:clrMapOvr>
-</p:sld>
-</file>
-
 <file path=ppt/slides/slide26.xml><?xml version="1.0" encoding="utf-8"?>
 <p:sld xmlns:a="http://schemas.openxmlformats.org/drawingml/2006/main" xmlns:r="http://schemas.openxmlformats.org/officeDocument/2006/relationships" xmlns:p="http://schemas.openxmlformats.org/presentationml/2006/main">
   <p:cSld>
@@ -21735,226 +23510,51 @@
       </p:grpSpPr>
       <p:sp>
         <p:nvSpPr>
-          <p:cNvPr id="2" name="Title 1">
-            <a:extLst>
-              <a:ext uri="{FF2B5EF4-FFF2-40B4-BE49-F238E27FC236}">
-                <a16:creationId xmlns:a16="http://schemas.microsoft.com/office/drawing/2014/main" id="{636FB483-8A01-854E-9BBE-55E0C355A79B}"/>
-              </a:ext>
-            </a:extLst>
-          </p:cNvPr>
-          <p:cNvSpPr txBox="1">
-            <a:spLocks/>
-          </p:cNvSpPr>
+          <p:cNvPr id="2" name="Rectangle 1"/>
+          <p:cNvSpPr/>
           <p:nvPr/>
         </p:nvSpPr>
         <p:spPr>
           <a:xfrm>
-            <a:off x="292557" y="283221"/>
-            <a:ext cx="10017369" cy="656493"/>
+            <a:off x="5139654" y="5253417"/>
+            <a:ext cx="7052346" cy="369332"/>
           </a:xfrm>
           <a:prstGeom prst="rect">
             <a:avLst/>
           </a:prstGeom>
         </p:spPr>
         <p:txBody>
-          <a:bodyPr/>
-          <a:lstStyle>
-            <a:lvl1pPr algn="l" defTabSz="914400" rtl="0" eaLnBrk="1" latinLnBrk="0" hangingPunct="1">
-              <a:lnSpc>
-                <a:spcPct val="90000"/>
-              </a:lnSpc>
-              <a:spcBef>
-                <a:spcPct val="0"/>
-              </a:spcBef>
-              <a:buNone/>
-              <a:defRPr sz="2800" b="1" kern="1200">
-                <a:solidFill>
-                  <a:schemeClr val="tx1"/>
-                </a:solidFill>
-                <a:latin typeface="Helvetica" pitchFamily="2" charset="0"/>
-                <a:ea typeface="+mj-ea"/>
-                <a:cs typeface="+mj-cs"/>
-              </a:defRPr>
-            </a:lvl1pPr>
-          </a:lstStyle>
-          <a:p>
+          <a:bodyPr wrap="square">
+            <a:spAutoFit/>
+          </a:bodyPr>
+          <a:lstStyle/>
+          <a:p>
+            <a:r>
+              <a:rPr lang="en-US" dirty="0">
+                <a:hlinkClick r:id="rId2"/>
+              </a:rPr>
+              <a:t>https://blogs.uoregon.edu/rclub/2015/11/03/anova-contrasts-in-r</a:t>
+            </a:r>
             <a:r>
               <a:rPr lang="en-US" dirty="0" smtClean="0">
-                <a:latin typeface="Times New Roman" panose="02020603050405020304" pitchFamily="18" charset="0"/>
-                <a:cs typeface="Times New Roman" panose="02020603050405020304" pitchFamily="18" charset="0"/>
-              </a:rPr>
-              <a:t>Plots and Interpretations associated with the </a:t>
-            </a:r>
-            <a:r>
-              <a:rPr lang="en-US" dirty="0" err="1" smtClean="0">
-                <a:latin typeface="Times New Roman" panose="02020603050405020304" pitchFamily="18" charset="0"/>
-                <a:cs typeface="Times New Roman" panose="02020603050405020304" pitchFamily="18" charset="0"/>
-              </a:rPr>
-              <a:t>glm</a:t>
-            </a:r>
-            <a:r>
-              <a:rPr lang="en-US" dirty="0" smtClean="0">
-                <a:latin typeface="Times New Roman" panose="02020603050405020304" pitchFamily="18" charset="0"/>
-                <a:cs typeface="Times New Roman" panose="02020603050405020304" pitchFamily="18" charset="0"/>
-              </a:rPr>
-              <a:t>() object (2)</a:t>
-            </a:r>
-            <a:endParaRPr lang="en-US" dirty="0">
-              <a:latin typeface="Times New Roman" panose="02020603050405020304" pitchFamily="18" charset="0"/>
-              <a:cs typeface="Times New Roman" panose="02020603050405020304" pitchFamily="18" charset="0"/>
-            </a:endParaRPr>
+                <a:hlinkClick r:id="rId2"/>
+              </a:rPr>
+              <a:t>/</a:t>
+            </a:r>
+            <a:endParaRPr lang="en-US" dirty="0" smtClean="0"/>
           </a:p>
         </p:txBody>
       </p:sp>
       <p:sp>
         <p:nvSpPr>
-          <p:cNvPr id="6" name="TextBox 5"/>
+          <p:cNvPr id="3" name="TextBox 2"/>
           <p:cNvSpPr txBox="1"/>
           <p:nvPr/>
         </p:nvSpPr>
         <p:spPr>
           <a:xfrm>
-            <a:off x="396172" y="817421"/>
-            <a:ext cx="10120406" cy="738664"/>
-          </a:xfrm>
-          <a:prstGeom prst="rect">
-            <a:avLst/>
-          </a:prstGeom>
-          <a:noFill/>
-          <a:ln>
-            <a:solidFill>
-              <a:schemeClr val="tx1"/>
-            </a:solidFill>
-          </a:ln>
-        </p:spPr>
-        <p:txBody>
-          <a:bodyPr wrap="square" rtlCol="0">
-            <a:spAutoFit/>
-          </a:bodyPr>
-          <a:lstStyle/>
-          <a:p>
-            <a:r>
-              <a:rPr lang="en-US" sz="1400" b="1" dirty="0" smtClean="0">
-                <a:latin typeface="Courier New" panose="02070309020205020404" pitchFamily="49" charset="0"/>
-                <a:cs typeface="Courier New" panose="02070309020205020404" pitchFamily="49" charset="0"/>
-              </a:rPr>
-              <a:t>R</a:t>
-            </a:r>
-            <a:r>
-              <a:rPr lang="en-US" sz="1400" b="1" dirty="0">
-                <a:latin typeface="Courier New" panose="02070309020205020404" pitchFamily="49" charset="0"/>
-                <a:cs typeface="Courier New" panose="02070309020205020404" pitchFamily="49" charset="0"/>
-              </a:rPr>
-              <a:t>&gt; iris.form.1 &lt;- formula(</a:t>
-            </a:r>
-            <a:r>
-              <a:rPr lang="en-US" sz="1400" b="1" dirty="0" err="1">
-                <a:latin typeface="Courier New" panose="02070309020205020404" pitchFamily="49" charset="0"/>
-                <a:cs typeface="Courier New" panose="02070309020205020404" pitchFamily="49" charset="0"/>
-              </a:rPr>
-              <a:t>Sepal.Length~Sepal.Width</a:t>
-            </a:r>
-            <a:r>
-              <a:rPr lang="en-US" sz="1400" b="1" dirty="0">
-                <a:latin typeface="Courier New" panose="02070309020205020404" pitchFamily="49" charset="0"/>
-                <a:cs typeface="Courier New" panose="02070309020205020404" pitchFamily="49" charset="0"/>
-              </a:rPr>
-              <a:t>*</a:t>
-            </a:r>
-            <a:r>
-              <a:rPr lang="en-US" sz="1400" b="1" dirty="0" err="1">
-                <a:latin typeface="Courier New" panose="02070309020205020404" pitchFamily="49" charset="0"/>
-                <a:cs typeface="Courier New" panose="02070309020205020404" pitchFamily="49" charset="0"/>
-              </a:rPr>
-              <a:t>Petal.Length</a:t>
-            </a:r>
-            <a:r>
-              <a:rPr lang="en-US" sz="1400" b="1" dirty="0">
-                <a:latin typeface="Courier New" panose="02070309020205020404" pitchFamily="49" charset="0"/>
-                <a:cs typeface="Courier New" panose="02070309020205020404" pitchFamily="49" charset="0"/>
-              </a:rPr>
-              <a:t>*</a:t>
-            </a:r>
-            <a:r>
-              <a:rPr lang="en-US" sz="1400" b="1" dirty="0" err="1">
-                <a:latin typeface="Courier New" panose="02070309020205020404" pitchFamily="49" charset="0"/>
-                <a:cs typeface="Courier New" panose="02070309020205020404" pitchFamily="49" charset="0"/>
-              </a:rPr>
-              <a:t>Petal.Width+Species</a:t>
-            </a:r>
-            <a:r>
-              <a:rPr lang="en-US" sz="1400" b="1" dirty="0">
-                <a:latin typeface="Courier New" panose="02070309020205020404" pitchFamily="49" charset="0"/>
-                <a:cs typeface="Courier New" panose="02070309020205020404" pitchFamily="49" charset="0"/>
-              </a:rPr>
-              <a:t>);</a:t>
-            </a:r>
-          </a:p>
-          <a:p>
-            <a:r>
-              <a:rPr lang="en-US" sz="1400" b="1" dirty="0">
-                <a:latin typeface="Courier New" panose="02070309020205020404" pitchFamily="49" charset="0"/>
-                <a:cs typeface="Courier New" panose="02070309020205020404" pitchFamily="49" charset="0"/>
-              </a:rPr>
-              <a:t>R&gt; </a:t>
-            </a:r>
-            <a:r>
-              <a:rPr lang="en-US" sz="1400" b="1" dirty="0" smtClean="0">
-                <a:latin typeface="Courier New" panose="02070309020205020404" pitchFamily="49" charset="0"/>
-                <a:cs typeface="Courier New" panose="02070309020205020404" pitchFamily="49" charset="0"/>
-              </a:rPr>
-              <a:t>iris.mod.1 </a:t>
-            </a:r>
-            <a:r>
-              <a:rPr lang="en-US" sz="1400" b="1" dirty="0">
-                <a:latin typeface="Courier New" panose="02070309020205020404" pitchFamily="49" charset="0"/>
-                <a:cs typeface="Courier New" panose="02070309020205020404" pitchFamily="49" charset="0"/>
-              </a:rPr>
-              <a:t>&lt;- </a:t>
-            </a:r>
-            <a:r>
-              <a:rPr lang="en-US" sz="1400" b="1" dirty="0" err="1">
-                <a:latin typeface="Courier New" panose="02070309020205020404" pitchFamily="49" charset="0"/>
-                <a:cs typeface="Courier New" panose="02070309020205020404" pitchFamily="49" charset="0"/>
-              </a:rPr>
-              <a:t>glm</a:t>
-            </a:r>
-            <a:r>
-              <a:rPr lang="en-US" sz="1400" b="1" dirty="0">
-                <a:latin typeface="Courier New" panose="02070309020205020404" pitchFamily="49" charset="0"/>
-                <a:cs typeface="Courier New" panose="02070309020205020404" pitchFamily="49" charset="0"/>
-              </a:rPr>
-              <a:t>(iris.form.1,data=iris); </a:t>
-            </a:r>
-          </a:p>
-          <a:p>
-            <a:r>
-              <a:rPr lang="en-US" sz="1400" b="1" dirty="0">
-                <a:latin typeface="Courier New" panose="02070309020205020404" pitchFamily="49" charset="0"/>
-                <a:cs typeface="Courier New" panose="02070309020205020404" pitchFamily="49" charset="0"/>
-              </a:rPr>
-              <a:t>R&gt; </a:t>
-            </a:r>
-            <a:r>
-              <a:rPr lang="en-US" sz="1400" b="1" dirty="0" smtClean="0">
-                <a:latin typeface="Courier New" panose="02070309020205020404" pitchFamily="49" charset="0"/>
-                <a:cs typeface="Courier New" panose="02070309020205020404" pitchFamily="49" charset="0"/>
-              </a:rPr>
-              <a:t>plot(iris.mod.1);</a:t>
-            </a:r>
-          </a:p>
-        </p:txBody>
-      </p:sp>
-      <p:sp>
-        <p:nvSpPr>
-          <p:cNvPr id="8" name="TextBox 7"/>
-          <p:cNvSpPr txBox="1"/>
-          <p:nvPr/>
-        </p:nvSpPr>
-        <p:spPr>
-          <a:xfrm>
-            <a:off x="6508865" y="1618513"/>
-            <a:ext cx="5278582" cy="3970318"/>
+            <a:off x="838899" y="578840"/>
+            <a:ext cx="10519795" cy="369332"/>
           </a:xfrm>
           <a:prstGeom prst="rect">
             <a:avLst/>
@@ -21967,75 +23567,30 @@
           </a:bodyPr>
           <a:lstStyle/>
           <a:p>
-            <a:pPr marL="285750" indent="-285750">
-              <a:buFont typeface="Arial" panose="020B0604020202020204" pitchFamily="34" charset="0"/>
-              <a:buChar char="•"/>
-            </a:pPr>
+            <a:r>
+              <a:rPr lang="en-US" dirty="0" err="1" smtClean="0"/>
+              <a:t>Anova</a:t>
+            </a:r>
             <a:r>
               <a:rPr lang="en-US" dirty="0" smtClean="0"/>
-              <a:t>In the next plot, the standardized Pearson Residuals from the model (Observed-Expected/Standard Error) are plotted against what would be expected from the standard normal distribution for specific quantiles. </a:t>
-            </a:r>
-          </a:p>
-          <a:p>
-            <a:pPr marL="285750" indent="-285750">
-              <a:buFont typeface="Arial" panose="020B0604020202020204" pitchFamily="34" charset="0"/>
-              <a:buChar char="•"/>
-            </a:pPr>
+              <a:t> and </a:t>
+            </a:r>
+            <a:r>
+              <a:rPr lang="en-US" dirty="0" err="1" smtClean="0"/>
+              <a:t>aov</a:t>
+            </a:r>
             <a:r>
               <a:rPr lang="en-US" dirty="0" smtClean="0"/>
-              <a:t>In this plot we can determine whether the models residuals tend to follow the normal distribution (a key assumption for the multivariate Linear Model – which assumes the Gaussian distribution for the errors) or whether and by how much they diverge. </a:t>
-            </a:r>
-          </a:p>
-          <a:p>
-            <a:pPr marL="285750" indent="-285750">
-              <a:buFont typeface="Arial" panose="020B0604020202020204" pitchFamily="34" charset="0"/>
-              <a:buChar char="•"/>
-            </a:pPr>
-            <a:r>
-              <a:rPr lang="en-US" dirty="0" smtClean="0"/>
-              <a:t>Again, the extreme observations of the data here are labeled by their ID.</a:t>
-            </a:r>
-          </a:p>
-          <a:p>
-            <a:pPr marL="285750" indent="-285750">
-              <a:buFont typeface="Arial" panose="020B0604020202020204" pitchFamily="34" charset="0"/>
-              <a:buChar char="•"/>
-            </a:pPr>
-            <a:r>
-              <a:rPr lang="en-US" dirty="0" smtClean="0"/>
-              <a:t>The diagonal line indicates perfect correspondence to the normal distribution. </a:t>
-            </a:r>
+              <a:t> and contrasts in R, and adding ordinal statistics.</a:t>
+            </a:r>
+            <a:endParaRPr lang="en-US" dirty="0"/>
           </a:p>
         </p:txBody>
       </p:sp>
-      <p:pic>
-        <p:nvPicPr>
-          <p:cNvPr id="5" name="Picture 4"/>
-          <p:cNvPicPr>
-            <a:picLocks noChangeAspect="1"/>
-          </p:cNvPicPr>
-          <p:nvPr/>
-        </p:nvPicPr>
-        <p:blipFill>
-          <a:blip r:embed="rId2"/>
-          <a:stretch>
-            <a:fillRect/>
-          </a:stretch>
-        </p:blipFill>
-        <p:spPr>
-          <a:xfrm>
-            <a:off x="396172" y="1618513"/>
-            <a:ext cx="5389486" cy="4976674"/>
-          </a:xfrm>
-          <a:prstGeom prst="rect">
-            <a:avLst/>
-          </a:prstGeom>
-        </p:spPr>
-      </p:pic>
     </p:spTree>
     <p:extLst>
       <p:ext uri="{BB962C8B-B14F-4D97-AF65-F5344CB8AC3E}">
-        <p14:creationId xmlns:p14="http://schemas.microsoft.com/office/powerpoint/2010/main" val="1040134562"/>
+        <p14:creationId xmlns:p14="http://schemas.microsoft.com/office/powerpoint/2010/main" val="3116201236"/>
       </p:ext>
     </p:extLst>
   </p:cSld>
@@ -22126,7 +23681,7 @@
                 <a:latin typeface="Times New Roman" panose="02020603050405020304" pitchFamily="18" charset="0"/>
                 <a:cs typeface="Times New Roman" panose="02020603050405020304" pitchFamily="18" charset="0"/>
               </a:rPr>
-              <a:t>() object (2)</a:t>
+              <a:t>() object (1)</a:t>
             </a:r>
             <a:endParaRPr lang="en-US" dirty="0">
               <a:latin typeface="Times New Roman" panose="02020603050405020304" pitchFamily="18" charset="0"/>
@@ -22135,6 +23690,30 @@
           </a:p>
         </p:txBody>
       </p:sp>
+      <p:pic>
+        <p:nvPicPr>
+          <p:cNvPr id="4" name="Picture 3"/>
+          <p:cNvPicPr>
+            <a:picLocks noChangeAspect="1"/>
+          </p:cNvPicPr>
+          <p:nvPr/>
+        </p:nvPicPr>
+        <p:blipFill>
+          <a:blip r:embed="rId2"/>
+          <a:stretch>
+            <a:fillRect/>
+          </a:stretch>
+        </p:blipFill>
+        <p:spPr>
+          <a:xfrm>
+            <a:off x="292557" y="1618513"/>
+            <a:ext cx="5933675" cy="5057108"/>
+          </a:xfrm>
+          <a:prstGeom prst="rect">
+            <a:avLst/>
+          </a:prstGeom>
+        </p:spPr>
+      </p:pic>
       <p:sp>
         <p:nvSpPr>
           <p:cNvPr id="6" name="TextBox 5"/>
@@ -22283,7 +23862,7 @@
         <p:spPr>
           <a:xfrm>
             <a:off x="6508865" y="1618513"/>
-            <a:ext cx="5278582" cy="4247317"/>
+            <a:ext cx="5278582" cy="3693319"/>
           </a:xfrm>
           <a:prstGeom prst="rect">
             <a:avLst/>
@@ -22302,15 +23881,15 @@
             </a:pPr>
             <a:r>
               <a:rPr lang="en-US" dirty="0" smtClean="0"/>
-              <a:t>Next the user gets the opportunity to assess the heteroscedasticity of the errors again (the dependence of the errors – in this case represented as the square root of the standard </a:t>
+              <a:t>Using plot() on a </a:t>
             </a:r>
             <a:r>
               <a:rPr lang="en-US" dirty="0" err="1" smtClean="0"/>
-              <a:t>pearson</a:t>
+              <a:t>glm</a:t>
             </a:r>
             <a:r>
               <a:rPr lang="en-US" dirty="0" smtClean="0"/>
-              <a:t> residual, a quantity expected to be roughly normally distributed – on the actual predicted value).</a:t>
+              <a:t> object will give useful information and diagnostics for validating and assessing the validity of the assumptions for using a generalized linear model.</a:t>
             </a:r>
           </a:p>
           <a:p>
@@ -22320,7 +23899,19 @@
             </a:pPr>
             <a:r>
               <a:rPr lang="en-US" dirty="0" smtClean="0"/>
-              <a:t>The distribution should tend to show more observations nearer the moving average (indicated by the read line) and fewer observations as the residual moves away from the mean.</a:t>
+              <a:t>The first plot gives the actual predicted value from the model for each </a:t>
+            </a:r>
+            <a:r>
+              <a:rPr lang="en-US" dirty="0" err="1" smtClean="0"/>
+              <a:t>datapoint</a:t>
+            </a:r>
+            <a:r>
+              <a:rPr lang="en-US" dirty="0"/>
+              <a:t> </a:t>
+            </a:r>
+            <a:r>
+              <a:rPr lang="en-US" dirty="0" smtClean="0"/>
+              <a:t>on the x-axis, and the associated residual on the y-axis. </a:t>
             </a:r>
           </a:p>
           <a:p>
@@ -22330,39 +23921,26 @@
             </a:pPr>
             <a:r>
               <a:rPr lang="en-US" dirty="0" smtClean="0"/>
-              <a:t>This plot also allows the assessment of the distribution of the errors across the predicted values (the scale and location across predicted values is visualized). </a:t>
-            </a:r>
+              <a:t>This gives the user the ability to determine whether the residuals tended to depend in any obvious or meaningful way on the actual value that is predicted. </a:t>
+            </a:r>
+          </a:p>
+          <a:p>
+            <a:pPr marL="285750" indent="-285750">
+              <a:buFont typeface="Arial" panose="020B0604020202020204" pitchFamily="34" charset="0"/>
+              <a:buChar char="•"/>
+            </a:pPr>
+            <a:r>
+              <a:rPr lang="en-US" dirty="0" smtClean="0"/>
+              <a:t>All points which produce a particularly high residual value will be labeled on this plot.</a:t>
+            </a:r>
+            <a:endParaRPr lang="en-US" dirty="0"/>
           </a:p>
         </p:txBody>
       </p:sp>
-      <p:pic>
-        <p:nvPicPr>
-          <p:cNvPr id="4" name="Picture 3"/>
-          <p:cNvPicPr>
-            <a:picLocks noChangeAspect="1"/>
-          </p:cNvPicPr>
-          <p:nvPr/>
-        </p:nvPicPr>
-        <p:blipFill>
-          <a:blip r:embed="rId2"/>
-          <a:stretch>
-            <a:fillRect/>
-          </a:stretch>
-        </p:blipFill>
-        <p:spPr>
-          <a:xfrm>
-            <a:off x="396172" y="1853738"/>
-            <a:ext cx="5063072" cy="4675262"/>
-          </a:xfrm>
-          <a:prstGeom prst="rect">
-            <a:avLst/>
-          </a:prstGeom>
-        </p:spPr>
-      </p:pic>
     </p:spTree>
     <p:extLst>
       <p:ext uri="{BB962C8B-B14F-4D97-AF65-F5344CB8AC3E}">
-        <p14:creationId xmlns:p14="http://schemas.microsoft.com/office/powerpoint/2010/main" val="1756211560"/>
+        <p14:creationId xmlns:p14="http://schemas.microsoft.com/office/powerpoint/2010/main" val="2825324524"/>
       </p:ext>
     </p:extLst>
   </p:cSld>
@@ -22609,8 +24187,8 @@
         </p:nvSpPr>
         <p:spPr>
           <a:xfrm>
-            <a:off x="6508865" y="1485509"/>
-            <a:ext cx="5278582" cy="4524315"/>
+            <a:off x="6508865" y="1618513"/>
+            <a:ext cx="5278582" cy="3970318"/>
           </a:xfrm>
           <a:prstGeom prst="rect">
             <a:avLst/>
@@ -22629,15 +24207,7 @@
             </a:pPr>
             <a:r>
               <a:rPr lang="en-US" dirty="0" smtClean="0"/>
-              <a:t>The final of the four plots produced by using plot() on a </a:t>
-            </a:r>
-            <a:r>
-              <a:rPr lang="en-US" dirty="0" err="1" smtClean="0"/>
-              <a:t>glm</a:t>
-            </a:r>
-            <a:r>
-              <a:rPr lang="en-US" dirty="0" smtClean="0"/>
-              <a:t> object shows a plot of the residuals vs. the leverage of an observation. </a:t>
+              <a:t>In the next plot, the standardized Pearson Residuals from the model (Observed-Expected/Standard Error) are plotted against what would be expected from the standard normal distribution for specific quantiles. </a:t>
             </a:r>
           </a:p>
           <a:p>
@@ -22647,7 +24217,7 @@
             </a:pPr>
             <a:r>
               <a:rPr lang="en-US" dirty="0" smtClean="0"/>
-              <a:t>The leverage is a measure of how influential an observation is on the estimation of the parameters in the model, such that the higher the leverage the more influence the observation has on the final estimation of the model effects. </a:t>
+              <a:t>In this plot we can determine whether the models residuals tend to follow the normal distribution (a key assumption for the multivariate Linear Model – which assumes the Gaussian distribution for the errors) or whether and by how much they diverge. </a:t>
             </a:r>
           </a:p>
           <a:p>
@@ -22657,7 +24227,7 @@
             </a:pPr>
             <a:r>
               <a:rPr lang="en-US" dirty="0" smtClean="0"/>
-              <a:t>In this plot we can determine whether there are any outlying values which have a large influence on the parameter estimation, while retaining a large error. </a:t>
+              <a:t>Again, the extreme observations of the data here are labeled by their ID.</a:t>
             </a:r>
           </a:p>
           <a:p>
@@ -22667,7 +24237,7 @@
             </a:pPr>
             <a:r>
               <a:rPr lang="en-US" dirty="0" smtClean="0"/>
-              <a:t>Such observations could stand to be removed when generalizing the model, as these indicate special-case observations not appropriate for use in forming general models.</a:t>
+              <a:t>The diagonal line indicates perfect correspondence to the normal distribution. </a:t>
             </a:r>
           </a:p>
         </p:txBody>
@@ -22688,8 +24258,8 @@
         </p:blipFill>
         <p:spPr>
           <a:xfrm>
-            <a:off x="519358" y="1618513"/>
-            <a:ext cx="5459172" cy="5041022"/>
+            <a:off x="396172" y="1618513"/>
+            <a:ext cx="5389486" cy="4976674"/>
           </a:xfrm>
           <a:prstGeom prst="rect">
             <a:avLst/>
@@ -22699,7 +24269,7 @@
     </p:spTree>
     <p:extLst>
       <p:ext uri="{BB962C8B-B14F-4D97-AF65-F5344CB8AC3E}">
-        <p14:creationId xmlns:p14="http://schemas.microsoft.com/office/powerpoint/2010/main" val="2486657242"/>
+        <p14:creationId xmlns:p14="http://schemas.microsoft.com/office/powerpoint/2010/main" val="1040134562"/>
       </p:ext>
     </p:extLst>
   </p:cSld>
@@ -22776,7 +24346,21 @@
                 <a:latin typeface="Times New Roman" panose="02020603050405020304" pitchFamily="18" charset="0"/>
                 <a:cs typeface="Times New Roman" panose="02020603050405020304" pitchFamily="18" charset="0"/>
               </a:rPr>
-              <a:t>Using an estimated Linear Model for Prediction (Interpolation)</a:t>
+              <a:t>Plots and Interpretations associated with the </a:t>
+            </a:r>
+            <a:r>
+              <a:rPr lang="en-US" dirty="0" err="1" smtClean="0">
+                <a:latin typeface="Times New Roman" panose="02020603050405020304" pitchFamily="18" charset="0"/>
+                <a:cs typeface="Times New Roman" panose="02020603050405020304" pitchFamily="18" charset="0"/>
+              </a:rPr>
+              <a:t>glm</a:t>
+            </a:r>
+            <a:r>
+              <a:rPr lang="en-US" dirty="0" smtClean="0">
+                <a:latin typeface="Times New Roman" panose="02020603050405020304" pitchFamily="18" charset="0"/>
+                <a:cs typeface="Times New Roman" panose="02020603050405020304" pitchFamily="18" charset="0"/>
+              </a:rPr>
+              <a:t>() object (2)</a:t>
             </a:r>
             <a:endParaRPr lang="en-US" dirty="0">
               <a:latin typeface="Times New Roman" panose="02020603050405020304" pitchFamily="18" charset="0"/>
@@ -22787,14 +24371,153 @@
       </p:sp>
       <p:sp>
         <p:nvSpPr>
-          <p:cNvPr id="3" name="TextBox 2"/>
+          <p:cNvPr id="6" name="TextBox 5"/>
           <p:cNvSpPr txBox="1"/>
           <p:nvPr/>
         </p:nvSpPr>
         <p:spPr>
           <a:xfrm>
-            <a:off x="548640" y="781396"/>
-            <a:ext cx="11355185" cy="646331"/>
+            <a:off x="396172" y="817421"/>
+            <a:ext cx="10120406" cy="738664"/>
+          </a:xfrm>
+          <a:prstGeom prst="rect">
+            <a:avLst/>
+          </a:prstGeom>
+          <a:noFill/>
+          <a:ln>
+            <a:solidFill>
+              <a:schemeClr val="tx1"/>
+            </a:solidFill>
+          </a:ln>
+        </p:spPr>
+        <p:txBody>
+          <a:bodyPr wrap="square" rtlCol="0">
+            <a:spAutoFit/>
+          </a:bodyPr>
+          <a:lstStyle/>
+          <a:p>
+            <a:r>
+              <a:rPr lang="en-US" sz="1400" b="1" dirty="0" smtClean="0">
+                <a:latin typeface="Courier New" panose="02070309020205020404" pitchFamily="49" charset="0"/>
+                <a:cs typeface="Courier New" panose="02070309020205020404" pitchFamily="49" charset="0"/>
+              </a:rPr>
+              <a:t>R</a:t>
+            </a:r>
+            <a:r>
+              <a:rPr lang="en-US" sz="1400" b="1" dirty="0">
+                <a:latin typeface="Courier New" panose="02070309020205020404" pitchFamily="49" charset="0"/>
+                <a:cs typeface="Courier New" panose="02070309020205020404" pitchFamily="49" charset="0"/>
+              </a:rPr>
+              <a:t>&gt; iris.form.1 &lt;- formula(</a:t>
+            </a:r>
+            <a:r>
+              <a:rPr lang="en-US" sz="1400" b="1" dirty="0" err="1">
+                <a:latin typeface="Courier New" panose="02070309020205020404" pitchFamily="49" charset="0"/>
+                <a:cs typeface="Courier New" panose="02070309020205020404" pitchFamily="49" charset="0"/>
+              </a:rPr>
+              <a:t>Sepal.Length~Sepal.Width</a:t>
+            </a:r>
+            <a:r>
+              <a:rPr lang="en-US" sz="1400" b="1" dirty="0">
+                <a:latin typeface="Courier New" panose="02070309020205020404" pitchFamily="49" charset="0"/>
+                <a:cs typeface="Courier New" panose="02070309020205020404" pitchFamily="49" charset="0"/>
+              </a:rPr>
+              <a:t>*</a:t>
+            </a:r>
+            <a:r>
+              <a:rPr lang="en-US" sz="1400" b="1" dirty="0" err="1">
+                <a:latin typeface="Courier New" panose="02070309020205020404" pitchFamily="49" charset="0"/>
+                <a:cs typeface="Courier New" panose="02070309020205020404" pitchFamily="49" charset="0"/>
+              </a:rPr>
+              <a:t>Petal.Length</a:t>
+            </a:r>
+            <a:r>
+              <a:rPr lang="en-US" sz="1400" b="1" dirty="0">
+                <a:latin typeface="Courier New" panose="02070309020205020404" pitchFamily="49" charset="0"/>
+                <a:cs typeface="Courier New" panose="02070309020205020404" pitchFamily="49" charset="0"/>
+              </a:rPr>
+              <a:t>*</a:t>
+            </a:r>
+            <a:r>
+              <a:rPr lang="en-US" sz="1400" b="1" dirty="0" err="1">
+                <a:latin typeface="Courier New" panose="02070309020205020404" pitchFamily="49" charset="0"/>
+                <a:cs typeface="Courier New" panose="02070309020205020404" pitchFamily="49" charset="0"/>
+              </a:rPr>
+              <a:t>Petal.Width+Species</a:t>
+            </a:r>
+            <a:r>
+              <a:rPr lang="en-US" sz="1400" b="1" dirty="0">
+                <a:latin typeface="Courier New" panose="02070309020205020404" pitchFamily="49" charset="0"/>
+                <a:cs typeface="Courier New" panose="02070309020205020404" pitchFamily="49" charset="0"/>
+              </a:rPr>
+              <a:t>);</a:t>
+            </a:r>
+          </a:p>
+          <a:p>
+            <a:r>
+              <a:rPr lang="en-US" sz="1400" b="1" dirty="0">
+                <a:latin typeface="Courier New" panose="02070309020205020404" pitchFamily="49" charset="0"/>
+                <a:cs typeface="Courier New" panose="02070309020205020404" pitchFamily="49" charset="0"/>
+              </a:rPr>
+              <a:t>R&gt; </a:t>
+            </a:r>
+            <a:r>
+              <a:rPr lang="en-US" sz="1400" b="1" dirty="0" smtClean="0">
+                <a:latin typeface="Courier New" panose="02070309020205020404" pitchFamily="49" charset="0"/>
+                <a:cs typeface="Courier New" panose="02070309020205020404" pitchFamily="49" charset="0"/>
+              </a:rPr>
+              <a:t>iris.mod.1 </a:t>
+            </a:r>
+            <a:r>
+              <a:rPr lang="en-US" sz="1400" b="1" dirty="0">
+                <a:latin typeface="Courier New" panose="02070309020205020404" pitchFamily="49" charset="0"/>
+                <a:cs typeface="Courier New" panose="02070309020205020404" pitchFamily="49" charset="0"/>
+              </a:rPr>
+              <a:t>&lt;- </a:t>
+            </a:r>
+            <a:r>
+              <a:rPr lang="en-US" sz="1400" b="1" dirty="0" err="1">
+                <a:latin typeface="Courier New" panose="02070309020205020404" pitchFamily="49" charset="0"/>
+                <a:cs typeface="Courier New" panose="02070309020205020404" pitchFamily="49" charset="0"/>
+              </a:rPr>
+              <a:t>glm</a:t>
+            </a:r>
+            <a:r>
+              <a:rPr lang="en-US" sz="1400" b="1" dirty="0">
+                <a:latin typeface="Courier New" panose="02070309020205020404" pitchFamily="49" charset="0"/>
+                <a:cs typeface="Courier New" panose="02070309020205020404" pitchFamily="49" charset="0"/>
+              </a:rPr>
+              <a:t>(iris.form.1,data=iris); </a:t>
+            </a:r>
+          </a:p>
+          <a:p>
+            <a:r>
+              <a:rPr lang="en-US" sz="1400" b="1" dirty="0">
+                <a:latin typeface="Courier New" panose="02070309020205020404" pitchFamily="49" charset="0"/>
+                <a:cs typeface="Courier New" panose="02070309020205020404" pitchFamily="49" charset="0"/>
+              </a:rPr>
+              <a:t>R&gt; </a:t>
+            </a:r>
+            <a:r>
+              <a:rPr lang="en-US" sz="1400" b="1" dirty="0" smtClean="0">
+                <a:latin typeface="Courier New" panose="02070309020205020404" pitchFamily="49" charset="0"/>
+                <a:cs typeface="Courier New" panose="02070309020205020404" pitchFamily="49" charset="0"/>
+              </a:rPr>
+              <a:t>plot(iris.mod.1);</a:t>
+            </a:r>
+          </a:p>
+        </p:txBody>
+      </p:sp>
+      <p:sp>
+        <p:nvSpPr>
+          <p:cNvPr id="8" name="TextBox 7"/>
+          <p:cNvSpPr txBox="1"/>
+          <p:nvPr/>
+        </p:nvSpPr>
+        <p:spPr>
+          <a:xfrm>
+            <a:off x="6508865" y="1618513"/>
+            <a:ext cx="5278582" cy="4247317"/>
           </a:xfrm>
           <a:prstGeom prst="rect">
             <a:avLst/>
@@ -22813,9 +24536,36 @@
             </a:pPr>
             <a:r>
               <a:rPr lang="en-US" dirty="0" smtClean="0"/>
-              <a:t>We can use a fitted model in R to predicted outcome variables for new data (or data held out, or included in the original model effect estimation). </a:t>
-            </a:r>
-            <a:endParaRPr lang="en-US" dirty="0"/>
+              <a:t>Next the user gets the opportunity to assess the heteroscedasticity of the errors again (the dependence of the errors – in this case represented as the square root of the standard </a:t>
+            </a:r>
+            <a:r>
+              <a:rPr lang="en-US" dirty="0" err="1" smtClean="0"/>
+              <a:t>pearson</a:t>
+            </a:r>
+            <a:r>
+              <a:rPr lang="en-US" dirty="0" smtClean="0"/>
+              <a:t> residual, a quantity expected to be roughly normally distributed – on the actual predicted value).</a:t>
+            </a:r>
+          </a:p>
+          <a:p>
+            <a:pPr marL="285750" indent="-285750">
+              <a:buFont typeface="Arial" panose="020B0604020202020204" pitchFamily="34" charset="0"/>
+              <a:buChar char="•"/>
+            </a:pPr>
+            <a:r>
+              <a:rPr lang="en-US" dirty="0" smtClean="0"/>
+              <a:t>The distribution should tend to show more observations nearer the moving average (indicated by the read line) and fewer observations as the residual moves away from the mean.</a:t>
+            </a:r>
+          </a:p>
+          <a:p>
+            <a:pPr marL="285750" indent="-285750">
+              <a:buFont typeface="Arial" panose="020B0604020202020204" pitchFamily="34" charset="0"/>
+              <a:buChar char="•"/>
+            </a:pPr>
+            <a:r>
+              <a:rPr lang="en-US" dirty="0" smtClean="0"/>
+              <a:t>This plot also allows the assessment of the distribution of the errors across the predicted values (the scale and location across predicted values is visualized). </a:t>
+            </a:r>
           </a:p>
         </p:txBody>
       </p:sp>
@@ -22835,394 +24585,18 @@
         </p:blipFill>
         <p:spPr>
           <a:xfrm>
-            <a:off x="292558" y="1978428"/>
-            <a:ext cx="4928038" cy="4550571"/>
+            <a:off x="396172" y="1853738"/>
+            <a:ext cx="5063072" cy="4675262"/>
           </a:xfrm>
           <a:prstGeom prst="rect">
             <a:avLst/>
           </a:prstGeom>
         </p:spPr>
       </p:pic>
-      <p:sp>
-        <p:nvSpPr>
-          <p:cNvPr id="5" name="TextBox 4"/>
-          <p:cNvSpPr txBox="1"/>
-          <p:nvPr/>
-        </p:nvSpPr>
-        <p:spPr>
-          <a:xfrm>
-            <a:off x="5444836" y="2022348"/>
-            <a:ext cx="6159731" cy="1477328"/>
-          </a:xfrm>
-          <a:prstGeom prst="rect">
-            <a:avLst/>
-          </a:prstGeom>
-          <a:noFill/>
-        </p:spPr>
-        <p:txBody>
-          <a:bodyPr wrap="square" rtlCol="0">
-            <a:spAutoFit/>
-          </a:bodyPr>
-          <a:lstStyle/>
-          <a:p>
-            <a:pPr marL="285750" indent="-285750">
-              <a:buFont typeface="Arial" panose="020B0604020202020204" pitchFamily="34" charset="0"/>
-              <a:buChar char="•"/>
-            </a:pPr>
-            <a:r>
-              <a:rPr lang="en-US" dirty="0" smtClean="0"/>
-              <a:t>We can use the predict() function on a </a:t>
-            </a:r>
-            <a:r>
-              <a:rPr lang="en-US" dirty="0" err="1" smtClean="0"/>
-              <a:t>glm</a:t>
-            </a:r>
-            <a:r>
-              <a:rPr lang="en-US" dirty="0" smtClean="0"/>
-              <a:t>() object, and some new data in order to make predictions about the dependent variable.</a:t>
-            </a:r>
-          </a:p>
-          <a:p>
-            <a:pPr marL="285750" indent="-285750">
-              <a:buFont typeface="Arial" panose="020B0604020202020204" pitchFamily="34" charset="0"/>
-              <a:buChar char="•"/>
-            </a:pPr>
-            <a:r>
-              <a:rPr lang="en-US" dirty="0" smtClean="0"/>
-              <a:t>For example in the R code below, replace 1,2, and 3 with the new data for prediction.</a:t>
-            </a:r>
-            <a:endParaRPr lang="en-US" dirty="0" smtClean="0"/>
-          </a:p>
-        </p:txBody>
-      </p:sp>
-      <p:sp>
-        <p:nvSpPr>
-          <p:cNvPr id="6" name="TextBox 5"/>
-          <p:cNvSpPr txBox="1"/>
-          <p:nvPr/>
-        </p:nvSpPr>
-        <p:spPr>
-          <a:xfrm>
-            <a:off x="1130530" y="1427727"/>
-            <a:ext cx="8817033" cy="523220"/>
-          </a:xfrm>
-          <a:prstGeom prst="rect">
-            <a:avLst/>
-          </a:prstGeom>
-          <a:noFill/>
-          <a:ln>
-            <a:solidFill>
-              <a:schemeClr val="tx1"/>
-            </a:solidFill>
-          </a:ln>
-        </p:spPr>
-        <p:txBody>
-          <a:bodyPr wrap="square" rtlCol="0">
-            <a:spAutoFit/>
-          </a:bodyPr>
-          <a:lstStyle/>
-          <a:p>
-            <a:r>
-              <a:rPr lang="en-US" sz="1400" b="1" dirty="0" smtClean="0">
-                <a:latin typeface="Courier New" panose="02070309020205020404" pitchFamily="49" charset="0"/>
-                <a:cs typeface="Courier New" panose="02070309020205020404" pitchFamily="49" charset="0"/>
-              </a:rPr>
-              <a:t>R</a:t>
-            </a:r>
-            <a:r>
-              <a:rPr lang="en-US" sz="1400" b="1" dirty="0">
-                <a:latin typeface="Courier New" panose="02070309020205020404" pitchFamily="49" charset="0"/>
-                <a:cs typeface="Courier New" panose="02070309020205020404" pitchFamily="49" charset="0"/>
-              </a:rPr>
-              <a:t>&gt; </a:t>
-            </a:r>
-            <a:r>
-              <a:rPr lang="en-US" sz="1400" b="1" dirty="0" err="1" smtClean="0">
-                <a:latin typeface="Courier New" panose="02070309020205020404" pitchFamily="49" charset="0"/>
-                <a:cs typeface="Courier New" panose="02070309020205020404" pitchFamily="49" charset="0"/>
-              </a:rPr>
-              <a:t>f.p</a:t>
-            </a:r>
-            <a:r>
-              <a:rPr lang="en-US" sz="1400" b="1" dirty="0" smtClean="0">
-                <a:latin typeface="Courier New" panose="02070309020205020404" pitchFamily="49" charset="0"/>
-                <a:cs typeface="Courier New" panose="02070309020205020404" pitchFamily="49" charset="0"/>
-              </a:rPr>
-              <a:t> &lt;- formula(</a:t>
-            </a:r>
-            <a:r>
-              <a:rPr lang="en-US" sz="1400" b="1" dirty="0" err="1" smtClean="0">
-                <a:latin typeface="Courier New" panose="02070309020205020404" pitchFamily="49" charset="0"/>
-                <a:cs typeface="Courier New" panose="02070309020205020404" pitchFamily="49" charset="0"/>
-              </a:rPr>
-              <a:t>Sepal.Length</a:t>
-            </a:r>
-            <a:r>
-              <a:rPr lang="en-US" sz="1400" b="1" dirty="0" smtClean="0">
-                <a:latin typeface="Courier New" panose="02070309020205020404" pitchFamily="49" charset="0"/>
-                <a:cs typeface="Courier New" panose="02070309020205020404" pitchFamily="49" charset="0"/>
-              </a:rPr>
-              <a:t> ~ </a:t>
-            </a:r>
-            <a:r>
-              <a:rPr lang="en-US" sz="1400" b="1" dirty="0" err="1" smtClean="0">
-                <a:latin typeface="Courier New" panose="02070309020205020404" pitchFamily="49" charset="0"/>
-                <a:cs typeface="Courier New" panose="02070309020205020404" pitchFamily="49" charset="0"/>
-              </a:rPr>
-              <a:t>Sepal.Width+Petal.Length+Petal.Width</a:t>
-            </a:r>
-            <a:r>
-              <a:rPr lang="en-US" sz="1400" b="1" dirty="0" smtClean="0">
-                <a:latin typeface="Courier New" panose="02070309020205020404" pitchFamily="49" charset="0"/>
-                <a:cs typeface="Courier New" panose="02070309020205020404" pitchFamily="49" charset="0"/>
-              </a:rPr>
-              <a:t>);</a:t>
-            </a:r>
-            <a:endParaRPr lang="en-US" sz="1400" b="1" dirty="0">
-              <a:latin typeface="Courier New" panose="02070309020205020404" pitchFamily="49" charset="0"/>
-              <a:cs typeface="Courier New" panose="02070309020205020404" pitchFamily="49" charset="0"/>
-            </a:endParaRPr>
-          </a:p>
-          <a:p>
-            <a:r>
-              <a:rPr lang="en-US" sz="1400" b="1" dirty="0">
-                <a:latin typeface="Courier New" panose="02070309020205020404" pitchFamily="49" charset="0"/>
-                <a:cs typeface="Courier New" panose="02070309020205020404" pitchFamily="49" charset="0"/>
-              </a:rPr>
-              <a:t>R&gt; </a:t>
-            </a:r>
-            <a:r>
-              <a:rPr lang="en-US" sz="1400" b="1" dirty="0" err="1" smtClean="0">
-                <a:latin typeface="Courier New" panose="02070309020205020404" pitchFamily="49" charset="0"/>
-                <a:cs typeface="Courier New" panose="02070309020205020404" pitchFamily="49" charset="0"/>
-              </a:rPr>
-              <a:t>iris.pmod</a:t>
-            </a:r>
-            <a:r>
-              <a:rPr lang="en-US" sz="1400" b="1" dirty="0" smtClean="0">
-                <a:latin typeface="Courier New" panose="02070309020205020404" pitchFamily="49" charset="0"/>
-                <a:cs typeface="Courier New" panose="02070309020205020404" pitchFamily="49" charset="0"/>
-              </a:rPr>
-              <a:t> </a:t>
-            </a:r>
-            <a:r>
-              <a:rPr lang="en-US" sz="1400" b="1" dirty="0">
-                <a:latin typeface="Courier New" panose="02070309020205020404" pitchFamily="49" charset="0"/>
-                <a:cs typeface="Courier New" panose="02070309020205020404" pitchFamily="49" charset="0"/>
-              </a:rPr>
-              <a:t>&lt;- </a:t>
-            </a:r>
-            <a:r>
-              <a:rPr lang="en-US" sz="1400" b="1" dirty="0" err="1" smtClean="0">
-                <a:latin typeface="Courier New" panose="02070309020205020404" pitchFamily="49" charset="0"/>
-                <a:cs typeface="Courier New" panose="02070309020205020404" pitchFamily="49" charset="0"/>
-              </a:rPr>
-              <a:t>glm</a:t>
-            </a:r>
-            <a:r>
-              <a:rPr lang="en-US" sz="1400" b="1" dirty="0" smtClean="0">
-                <a:latin typeface="Courier New" panose="02070309020205020404" pitchFamily="49" charset="0"/>
-                <a:cs typeface="Courier New" panose="02070309020205020404" pitchFamily="49" charset="0"/>
-              </a:rPr>
-              <a:t>(</a:t>
-            </a:r>
-            <a:r>
-              <a:rPr lang="en-US" sz="1400" b="1" dirty="0" err="1" smtClean="0">
-                <a:latin typeface="Courier New" panose="02070309020205020404" pitchFamily="49" charset="0"/>
-                <a:cs typeface="Courier New" panose="02070309020205020404" pitchFamily="49" charset="0"/>
-              </a:rPr>
-              <a:t>f.p,data</a:t>
-            </a:r>
-            <a:r>
-              <a:rPr lang="en-US" sz="1400" b="1" dirty="0" smtClean="0">
-                <a:latin typeface="Courier New" panose="02070309020205020404" pitchFamily="49" charset="0"/>
-                <a:cs typeface="Courier New" panose="02070309020205020404" pitchFamily="49" charset="0"/>
-              </a:rPr>
-              <a:t>=iris</a:t>
-            </a:r>
-            <a:r>
-              <a:rPr lang="en-US" sz="1400" b="1" dirty="0">
-                <a:latin typeface="Courier New" panose="02070309020205020404" pitchFamily="49" charset="0"/>
-                <a:cs typeface="Courier New" panose="02070309020205020404" pitchFamily="49" charset="0"/>
-              </a:rPr>
-              <a:t>); </a:t>
-            </a:r>
-          </a:p>
-        </p:txBody>
-      </p:sp>
-      <p:sp>
-        <p:nvSpPr>
-          <p:cNvPr id="7" name="TextBox 6"/>
-          <p:cNvSpPr txBox="1"/>
-          <p:nvPr/>
-        </p:nvSpPr>
-        <p:spPr>
-          <a:xfrm>
-            <a:off x="5746866" y="3602384"/>
-            <a:ext cx="5608319" cy="738664"/>
-          </a:xfrm>
-          <a:prstGeom prst="rect">
-            <a:avLst/>
-          </a:prstGeom>
-          <a:noFill/>
-          <a:ln>
-            <a:solidFill>
-              <a:schemeClr val="tx1"/>
-            </a:solidFill>
-          </a:ln>
-        </p:spPr>
-        <p:txBody>
-          <a:bodyPr wrap="square" rtlCol="0">
-            <a:spAutoFit/>
-          </a:bodyPr>
-          <a:lstStyle/>
-          <a:p>
-            <a:r>
-              <a:rPr lang="en-US" sz="1400" b="1" dirty="0" smtClean="0">
-                <a:latin typeface="Courier New" panose="02070309020205020404" pitchFamily="49" charset="0"/>
-                <a:cs typeface="Courier New" panose="02070309020205020404" pitchFamily="49" charset="0"/>
-              </a:rPr>
-              <a:t>R</a:t>
-            </a:r>
-            <a:r>
-              <a:rPr lang="en-US" sz="1400" b="1" dirty="0" smtClean="0">
-                <a:latin typeface="Courier New" panose="02070309020205020404" pitchFamily="49" charset="0"/>
-                <a:cs typeface="Courier New" panose="02070309020205020404" pitchFamily="49" charset="0"/>
-              </a:rPr>
-              <a:t>&gt; predict(</a:t>
-            </a:r>
-            <a:r>
-              <a:rPr lang="en-US" sz="1400" b="1" dirty="0" err="1" smtClean="0">
-                <a:latin typeface="Courier New" panose="02070309020205020404" pitchFamily="49" charset="0"/>
-                <a:cs typeface="Courier New" panose="02070309020205020404" pitchFamily="49" charset="0"/>
-              </a:rPr>
-              <a:t>iris.pmod,data.frame</a:t>
-            </a:r>
-            <a:r>
-              <a:rPr lang="en-US" sz="1400" b="1" dirty="0" smtClean="0">
-                <a:latin typeface="Courier New" panose="02070309020205020404" pitchFamily="49" charset="0"/>
-                <a:cs typeface="Courier New" panose="02070309020205020404" pitchFamily="49" charset="0"/>
-              </a:rPr>
-              <a:t>(</a:t>
-            </a:r>
-            <a:r>
-              <a:rPr lang="en-US" sz="1400" b="1" dirty="0" err="1" smtClean="0">
-                <a:latin typeface="Courier New" panose="02070309020205020404" pitchFamily="49" charset="0"/>
-                <a:cs typeface="Courier New" panose="02070309020205020404" pitchFamily="49" charset="0"/>
-              </a:rPr>
-              <a:t>Sepal.Width</a:t>
-            </a:r>
-            <a:r>
-              <a:rPr lang="en-US" sz="1400" b="1" dirty="0" smtClean="0">
-                <a:latin typeface="Courier New" panose="02070309020205020404" pitchFamily="49" charset="0"/>
-                <a:cs typeface="Courier New" panose="02070309020205020404" pitchFamily="49" charset="0"/>
-              </a:rPr>
-              <a:t>=1,</a:t>
-            </a:r>
-          </a:p>
-          <a:p>
-            <a:r>
-              <a:rPr lang="en-US" sz="1400" b="1" dirty="0">
-                <a:latin typeface="Courier New" panose="02070309020205020404" pitchFamily="49" charset="0"/>
-                <a:cs typeface="Courier New" panose="02070309020205020404" pitchFamily="49" charset="0"/>
-              </a:rPr>
-              <a:t>	</a:t>
-            </a:r>
-            <a:r>
-              <a:rPr lang="en-US" sz="1400" b="1" dirty="0" smtClean="0">
-                <a:latin typeface="Courier New" panose="02070309020205020404" pitchFamily="49" charset="0"/>
-                <a:cs typeface="Courier New" panose="02070309020205020404" pitchFamily="49" charset="0"/>
-              </a:rPr>
-              <a:t>		       </a:t>
-            </a:r>
-            <a:r>
-              <a:rPr lang="en-US" sz="1400" b="1" dirty="0" err="1" smtClean="0">
-                <a:latin typeface="Courier New" panose="02070309020205020404" pitchFamily="49" charset="0"/>
-                <a:cs typeface="Courier New" panose="02070309020205020404" pitchFamily="49" charset="0"/>
-              </a:rPr>
-              <a:t>Petal.Length</a:t>
-            </a:r>
-            <a:r>
-              <a:rPr lang="en-US" sz="1400" b="1" dirty="0" smtClean="0">
-                <a:latin typeface="Courier New" panose="02070309020205020404" pitchFamily="49" charset="0"/>
-                <a:cs typeface="Courier New" panose="02070309020205020404" pitchFamily="49" charset="0"/>
-              </a:rPr>
-              <a:t>=2,</a:t>
-            </a:r>
-          </a:p>
-          <a:p>
-            <a:r>
-              <a:rPr lang="en-US" sz="1400" b="1" dirty="0">
-                <a:latin typeface="Courier New" panose="02070309020205020404" pitchFamily="49" charset="0"/>
-                <a:cs typeface="Courier New" panose="02070309020205020404" pitchFamily="49" charset="0"/>
-              </a:rPr>
-              <a:t> </a:t>
-            </a:r>
-            <a:r>
-              <a:rPr lang="en-US" sz="1400" b="1" dirty="0" smtClean="0">
-                <a:latin typeface="Courier New" panose="02070309020205020404" pitchFamily="49" charset="0"/>
-                <a:cs typeface="Courier New" panose="02070309020205020404" pitchFamily="49" charset="0"/>
-              </a:rPr>
-              <a:t>                                 </a:t>
-            </a:r>
-            <a:r>
-              <a:rPr lang="en-US" sz="1400" b="1" dirty="0" err="1" smtClean="0">
-                <a:latin typeface="Courier New" panose="02070309020205020404" pitchFamily="49" charset="0"/>
-                <a:cs typeface="Courier New" panose="02070309020205020404" pitchFamily="49" charset="0"/>
-              </a:rPr>
-              <a:t>Petal.Width</a:t>
-            </a:r>
-            <a:r>
-              <a:rPr lang="en-US" sz="1400" b="1" dirty="0" smtClean="0">
-                <a:latin typeface="Courier New" panose="02070309020205020404" pitchFamily="49" charset="0"/>
-                <a:cs typeface="Courier New" panose="02070309020205020404" pitchFamily="49" charset="0"/>
-              </a:rPr>
-              <a:t>=3)</a:t>
-            </a:r>
-            <a:endParaRPr lang="en-US" sz="1400" b="1" dirty="0">
-              <a:latin typeface="Courier New" panose="02070309020205020404" pitchFamily="49" charset="0"/>
-              <a:cs typeface="Courier New" panose="02070309020205020404" pitchFamily="49" charset="0"/>
-            </a:endParaRPr>
-          </a:p>
-        </p:txBody>
-      </p:sp>
-      <p:sp>
-        <p:nvSpPr>
-          <p:cNvPr id="8" name="TextBox 7"/>
-          <p:cNvSpPr txBox="1"/>
-          <p:nvPr/>
-        </p:nvSpPr>
-        <p:spPr>
-          <a:xfrm>
-            <a:off x="5444836" y="4341048"/>
-            <a:ext cx="6159731" cy="923330"/>
-          </a:xfrm>
-          <a:prstGeom prst="rect">
-            <a:avLst/>
-          </a:prstGeom>
-          <a:noFill/>
-        </p:spPr>
-        <p:txBody>
-          <a:bodyPr wrap="square" rtlCol="0">
-            <a:spAutoFit/>
-          </a:bodyPr>
-          <a:lstStyle/>
-          <a:p>
-            <a:pPr marL="285750" indent="-285750">
-              <a:buFont typeface="Arial" panose="020B0604020202020204" pitchFamily="34" charset="0"/>
-              <a:buChar char="•"/>
-            </a:pPr>
-            <a:r>
-              <a:rPr lang="en-US" dirty="0" smtClean="0"/>
-              <a:t>Left we can see a plot of the Sepal Length predictions on 20 previously unseen observations from a LM trained on 130 observations, with the true values plotted on the Y-axis.</a:t>
-            </a:r>
-          </a:p>
-        </p:txBody>
-      </p:sp>
     </p:spTree>
     <p:extLst>
       <p:ext uri="{BB962C8B-B14F-4D97-AF65-F5344CB8AC3E}">
-        <p14:creationId xmlns:p14="http://schemas.microsoft.com/office/powerpoint/2010/main" val="2875339275"/>
+        <p14:creationId xmlns:p14="http://schemas.microsoft.com/office/powerpoint/2010/main" val="1756211560"/>
       </p:ext>
     </p:extLst>
   </p:cSld>
@@ -23707,14 +25081,7 @@
                 <a:latin typeface="Times New Roman" panose="02020603050405020304" pitchFamily="18" charset="0"/>
                 <a:cs typeface="Times New Roman" panose="02020603050405020304" pitchFamily="18" charset="0"/>
               </a:rPr>
-              <a:t>Tentative Bonus - Survival </a:t>
-            </a:r>
-            <a:r>
-              <a:rPr lang="en-US" i="1" dirty="0" smtClean="0">
-                <a:latin typeface="Times New Roman" panose="02020603050405020304" pitchFamily="18" charset="0"/>
-                <a:cs typeface="Times New Roman" panose="02020603050405020304" pitchFamily="18" charset="0"/>
-              </a:rPr>
-              <a:t>Modeling:</a:t>
+              <a:t>Tentative Bonus - Survival Modeling:</a:t>
             </a:r>
           </a:p>
           <a:p>
@@ -23780,6 +25147,858 @@
 </file>
 
 <file path=ppt/slides/slide30.xml><?xml version="1.0" encoding="utf-8"?>
+<p:sld xmlns:a="http://schemas.openxmlformats.org/drawingml/2006/main" xmlns:r="http://schemas.openxmlformats.org/officeDocument/2006/relationships" xmlns:p="http://schemas.openxmlformats.org/presentationml/2006/main">
+  <p:cSld>
+    <p:spTree>
+      <p:nvGrpSpPr>
+        <p:cNvPr id="1" name=""/>
+        <p:cNvGrpSpPr/>
+        <p:nvPr/>
+      </p:nvGrpSpPr>
+      <p:grpSpPr>
+        <a:xfrm>
+          <a:off x="0" y="0"/>
+          <a:ext cx="0" cy="0"/>
+          <a:chOff x="0" y="0"/>
+          <a:chExt cx="0" cy="0"/>
+        </a:xfrm>
+      </p:grpSpPr>
+      <p:sp>
+        <p:nvSpPr>
+          <p:cNvPr id="2" name="Title 1">
+            <a:extLst>
+              <a:ext uri="{FF2B5EF4-FFF2-40B4-BE49-F238E27FC236}">
+                <a16:creationId xmlns:a16="http://schemas.microsoft.com/office/drawing/2014/main" id="{636FB483-8A01-854E-9BBE-55E0C355A79B}"/>
+              </a:ext>
+            </a:extLst>
+          </p:cNvPr>
+          <p:cNvSpPr txBox="1">
+            <a:spLocks/>
+          </p:cNvSpPr>
+          <p:nvPr/>
+        </p:nvSpPr>
+        <p:spPr>
+          <a:xfrm>
+            <a:off x="292557" y="283221"/>
+            <a:ext cx="10017369" cy="656493"/>
+          </a:xfrm>
+          <a:prstGeom prst="rect">
+            <a:avLst/>
+          </a:prstGeom>
+        </p:spPr>
+        <p:txBody>
+          <a:bodyPr/>
+          <a:lstStyle>
+            <a:lvl1pPr algn="l" defTabSz="914400" rtl="0" eaLnBrk="1" latinLnBrk="0" hangingPunct="1">
+              <a:lnSpc>
+                <a:spcPct val="90000"/>
+              </a:lnSpc>
+              <a:spcBef>
+                <a:spcPct val="0"/>
+              </a:spcBef>
+              <a:buNone/>
+              <a:defRPr sz="2800" b="1" kern="1200">
+                <a:solidFill>
+                  <a:schemeClr val="tx1"/>
+                </a:solidFill>
+                <a:latin typeface="Helvetica" pitchFamily="2" charset="0"/>
+                <a:ea typeface="+mj-ea"/>
+                <a:cs typeface="+mj-cs"/>
+              </a:defRPr>
+            </a:lvl1pPr>
+          </a:lstStyle>
+          <a:p>
+            <a:r>
+              <a:rPr lang="en-US" dirty="0" smtClean="0">
+                <a:latin typeface="Times New Roman" panose="02020603050405020304" pitchFamily="18" charset="0"/>
+                <a:cs typeface="Times New Roman" panose="02020603050405020304" pitchFamily="18" charset="0"/>
+              </a:rPr>
+              <a:t>Plots and Interpretations associated with the </a:t>
+            </a:r>
+            <a:r>
+              <a:rPr lang="en-US" dirty="0" err="1" smtClean="0">
+                <a:latin typeface="Times New Roman" panose="02020603050405020304" pitchFamily="18" charset="0"/>
+                <a:cs typeface="Times New Roman" panose="02020603050405020304" pitchFamily="18" charset="0"/>
+              </a:rPr>
+              <a:t>glm</a:t>
+            </a:r>
+            <a:r>
+              <a:rPr lang="en-US" dirty="0" smtClean="0">
+                <a:latin typeface="Times New Roman" panose="02020603050405020304" pitchFamily="18" charset="0"/>
+                <a:cs typeface="Times New Roman" panose="02020603050405020304" pitchFamily="18" charset="0"/>
+              </a:rPr>
+              <a:t>() object (2)</a:t>
+            </a:r>
+            <a:endParaRPr lang="en-US" dirty="0">
+              <a:latin typeface="Times New Roman" panose="02020603050405020304" pitchFamily="18" charset="0"/>
+              <a:cs typeface="Times New Roman" panose="02020603050405020304" pitchFamily="18" charset="0"/>
+            </a:endParaRPr>
+          </a:p>
+        </p:txBody>
+      </p:sp>
+      <p:sp>
+        <p:nvSpPr>
+          <p:cNvPr id="6" name="TextBox 5"/>
+          <p:cNvSpPr txBox="1"/>
+          <p:nvPr/>
+        </p:nvSpPr>
+        <p:spPr>
+          <a:xfrm>
+            <a:off x="396172" y="817421"/>
+            <a:ext cx="10120406" cy="738664"/>
+          </a:xfrm>
+          <a:prstGeom prst="rect">
+            <a:avLst/>
+          </a:prstGeom>
+          <a:noFill/>
+          <a:ln>
+            <a:solidFill>
+              <a:schemeClr val="tx1"/>
+            </a:solidFill>
+          </a:ln>
+        </p:spPr>
+        <p:txBody>
+          <a:bodyPr wrap="square" rtlCol="0">
+            <a:spAutoFit/>
+          </a:bodyPr>
+          <a:lstStyle/>
+          <a:p>
+            <a:r>
+              <a:rPr lang="en-US" sz="1400" b="1" dirty="0" smtClean="0">
+                <a:latin typeface="Courier New" panose="02070309020205020404" pitchFamily="49" charset="0"/>
+                <a:cs typeface="Courier New" panose="02070309020205020404" pitchFamily="49" charset="0"/>
+              </a:rPr>
+              <a:t>R</a:t>
+            </a:r>
+            <a:r>
+              <a:rPr lang="en-US" sz="1400" b="1" dirty="0">
+                <a:latin typeface="Courier New" panose="02070309020205020404" pitchFamily="49" charset="0"/>
+                <a:cs typeface="Courier New" panose="02070309020205020404" pitchFamily="49" charset="0"/>
+              </a:rPr>
+              <a:t>&gt; iris.form.1 &lt;- formula(</a:t>
+            </a:r>
+            <a:r>
+              <a:rPr lang="en-US" sz="1400" b="1" dirty="0" err="1">
+                <a:latin typeface="Courier New" panose="02070309020205020404" pitchFamily="49" charset="0"/>
+                <a:cs typeface="Courier New" panose="02070309020205020404" pitchFamily="49" charset="0"/>
+              </a:rPr>
+              <a:t>Sepal.Length~Sepal.Width</a:t>
+            </a:r>
+            <a:r>
+              <a:rPr lang="en-US" sz="1400" b="1" dirty="0">
+                <a:latin typeface="Courier New" panose="02070309020205020404" pitchFamily="49" charset="0"/>
+                <a:cs typeface="Courier New" panose="02070309020205020404" pitchFamily="49" charset="0"/>
+              </a:rPr>
+              <a:t>*</a:t>
+            </a:r>
+            <a:r>
+              <a:rPr lang="en-US" sz="1400" b="1" dirty="0" err="1">
+                <a:latin typeface="Courier New" panose="02070309020205020404" pitchFamily="49" charset="0"/>
+                <a:cs typeface="Courier New" panose="02070309020205020404" pitchFamily="49" charset="0"/>
+              </a:rPr>
+              <a:t>Petal.Length</a:t>
+            </a:r>
+            <a:r>
+              <a:rPr lang="en-US" sz="1400" b="1" dirty="0">
+                <a:latin typeface="Courier New" panose="02070309020205020404" pitchFamily="49" charset="0"/>
+                <a:cs typeface="Courier New" panose="02070309020205020404" pitchFamily="49" charset="0"/>
+              </a:rPr>
+              <a:t>*</a:t>
+            </a:r>
+            <a:r>
+              <a:rPr lang="en-US" sz="1400" b="1" dirty="0" err="1">
+                <a:latin typeface="Courier New" panose="02070309020205020404" pitchFamily="49" charset="0"/>
+                <a:cs typeface="Courier New" panose="02070309020205020404" pitchFamily="49" charset="0"/>
+              </a:rPr>
+              <a:t>Petal.Width+Species</a:t>
+            </a:r>
+            <a:r>
+              <a:rPr lang="en-US" sz="1400" b="1" dirty="0">
+                <a:latin typeface="Courier New" panose="02070309020205020404" pitchFamily="49" charset="0"/>
+                <a:cs typeface="Courier New" panose="02070309020205020404" pitchFamily="49" charset="0"/>
+              </a:rPr>
+              <a:t>);</a:t>
+            </a:r>
+          </a:p>
+          <a:p>
+            <a:r>
+              <a:rPr lang="en-US" sz="1400" b="1" dirty="0">
+                <a:latin typeface="Courier New" panose="02070309020205020404" pitchFamily="49" charset="0"/>
+                <a:cs typeface="Courier New" panose="02070309020205020404" pitchFamily="49" charset="0"/>
+              </a:rPr>
+              <a:t>R&gt; </a:t>
+            </a:r>
+            <a:r>
+              <a:rPr lang="en-US" sz="1400" b="1" dirty="0" smtClean="0">
+                <a:latin typeface="Courier New" panose="02070309020205020404" pitchFamily="49" charset="0"/>
+                <a:cs typeface="Courier New" panose="02070309020205020404" pitchFamily="49" charset="0"/>
+              </a:rPr>
+              <a:t>iris.mod.1 </a:t>
+            </a:r>
+            <a:r>
+              <a:rPr lang="en-US" sz="1400" b="1" dirty="0">
+                <a:latin typeface="Courier New" panose="02070309020205020404" pitchFamily="49" charset="0"/>
+                <a:cs typeface="Courier New" panose="02070309020205020404" pitchFamily="49" charset="0"/>
+              </a:rPr>
+              <a:t>&lt;- </a:t>
+            </a:r>
+            <a:r>
+              <a:rPr lang="en-US" sz="1400" b="1" dirty="0" err="1">
+                <a:latin typeface="Courier New" panose="02070309020205020404" pitchFamily="49" charset="0"/>
+                <a:cs typeface="Courier New" panose="02070309020205020404" pitchFamily="49" charset="0"/>
+              </a:rPr>
+              <a:t>glm</a:t>
+            </a:r>
+            <a:r>
+              <a:rPr lang="en-US" sz="1400" b="1" dirty="0">
+                <a:latin typeface="Courier New" panose="02070309020205020404" pitchFamily="49" charset="0"/>
+                <a:cs typeface="Courier New" panose="02070309020205020404" pitchFamily="49" charset="0"/>
+              </a:rPr>
+              <a:t>(iris.form.1,data=iris); </a:t>
+            </a:r>
+          </a:p>
+          <a:p>
+            <a:r>
+              <a:rPr lang="en-US" sz="1400" b="1" dirty="0">
+                <a:latin typeface="Courier New" panose="02070309020205020404" pitchFamily="49" charset="0"/>
+                <a:cs typeface="Courier New" panose="02070309020205020404" pitchFamily="49" charset="0"/>
+              </a:rPr>
+              <a:t>R&gt; </a:t>
+            </a:r>
+            <a:r>
+              <a:rPr lang="en-US" sz="1400" b="1" dirty="0" smtClean="0">
+                <a:latin typeface="Courier New" panose="02070309020205020404" pitchFamily="49" charset="0"/>
+                <a:cs typeface="Courier New" panose="02070309020205020404" pitchFamily="49" charset="0"/>
+              </a:rPr>
+              <a:t>plot(iris.mod.1);</a:t>
+            </a:r>
+          </a:p>
+        </p:txBody>
+      </p:sp>
+      <p:sp>
+        <p:nvSpPr>
+          <p:cNvPr id="8" name="TextBox 7"/>
+          <p:cNvSpPr txBox="1"/>
+          <p:nvPr/>
+        </p:nvSpPr>
+        <p:spPr>
+          <a:xfrm>
+            <a:off x="6508865" y="1485509"/>
+            <a:ext cx="5278582" cy="4524315"/>
+          </a:xfrm>
+          <a:prstGeom prst="rect">
+            <a:avLst/>
+          </a:prstGeom>
+          <a:noFill/>
+        </p:spPr>
+        <p:txBody>
+          <a:bodyPr wrap="square" rtlCol="0">
+            <a:spAutoFit/>
+          </a:bodyPr>
+          <a:lstStyle/>
+          <a:p>
+            <a:pPr marL="285750" indent="-285750">
+              <a:buFont typeface="Arial" panose="020B0604020202020204" pitchFamily="34" charset="0"/>
+              <a:buChar char="•"/>
+            </a:pPr>
+            <a:r>
+              <a:rPr lang="en-US" dirty="0" smtClean="0"/>
+              <a:t>The final of the four plots produced by using plot() on a </a:t>
+            </a:r>
+            <a:r>
+              <a:rPr lang="en-US" dirty="0" err="1" smtClean="0"/>
+              <a:t>glm</a:t>
+            </a:r>
+            <a:r>
+              <a:rPr lang="en-US" dirty="0" smtClean="0"/>
+              <a:t> object shows a plot of the residuals vs. the leverage of an observation. </a:t>
+            </a:r>
+          </a:p>
+          <a:p>
+            <a:pPr marL="285750" indent="-285750">
+              <a:buFont typeface="Arial" panose="020B0604020202020204" pitchFamily="34" charset="0"/>
+              <a:buChar char="•"/>
+            </a:pPr>
+            <a:r>
+              <a:rPr lang="en-US" dirty="0" smtClean="0"/>
+              <a:t>The leverage is a measure of how influential an observation is on the estimation of the parameters in the model, such that the higher the leverage the more influence the observation has on the final estimation of the model effects. </a:t>
+            </a:r>
+          </a:p>
+          <a:p>
+            <a:pPr marL="285750" indent="-285750">
+              <a:buFont typeface="Arial" panose="020B0604020202020204" pitchFamily="34" charset="0"/>
+              <a:buChar char="•"/>
+            </a:pPr>
+            <a:r>
+              <a:rPr lang="en-US" dirty="0" smtClean="0"/>
+              <a:t>In this plot we can determine whether there are any outlying values which have a large influence on the parameter estimation, while retaining a large error. </a:t>
+            </a:r>
+          </a:p>
+          <a:p>
+            <a:pPr marL="285750" indent="-285750">
+              <a:buFont typeface="Arial" panose="020B0604020202020204" pitchFamily="34" charset="0"/>
+              <a:buChar char="•"/>
+            </a:pPr>
+            <a:r>
+              <a:rPr lang="en-US" dirty="0" smtClean="0"/>
+              <a:t>Such observations could stand to be removed when generalizing the model, as these indicate special-case observations not appropriate for use in forming general models.</a:t>
+            </a:r>
+          </a:p>
+        </p:txBody>
+      </p:sp>
+      <p:pic>
+        <p:nvPicPr>
+          <p:cNvPr id="5" name="Picture 4"/>
+          <p:cNvPicPr>
+            <a:picLocks noChangeAspect="1"/>
+          </p:cNvPicPr>
+          <p:nvPr/>
+        </p:nvPicPr>
+        <p:blipFill>
+          <a:blip r:embed="rId2"/>
+          <a:stretch>
+            <a:fillRect/>
+          </a:stretch>
+        </p:blipFill>
+        <p:spPr>
+          <a:xfrm>
+            <a:off x="519358" y="1618513"/>
+            <a:ext cx="5459172" cy="5041022"/>
+          </a:xfrm>
+          <a:prstGeom prst="rect">
+            <a:avLst/>
+          </a:prstGeom>
+        </p:spPr>
+      </p:pic>
+    </p:spTree>
+    <p:extLst>
+      <p:ext uri="{BB962C8B-B14F-4D97-AF65-F5344CB8AC3E}">
+        <p14:creationId xmlns:p14="http://schemas.microsoft.com/office/powerpoint/2010/main" val="2486657242"/>
+      </p:ext>
+    </p:extLst>
+  </p:cSld>
+  <p:clrMapOvr>
+    <a:masterClrMapping/>
+  </p:clrMapOvr>
+</p:sld>
+</file>
+
+<file path=ppt/slides/slide31.xml><?xml version="1.0" encoding="utf-8"?>
+<p:sld xmlns:a="http://schemas.openxmlformats.org/drawingml/2006/main" xmlns:r="http://schemas.openxmlformats.org/officeDocument/2006/relationships" xmlns:p="http://schemas.openxmlformats.org/presentationml/2006/main">
+  <p:cSld>
+    <p:spTree>
+      <p:nvGrpSpPr>
+        <p:cNvPr id="1" name=""/>
+        <p:cNvGrpSpPr/>
+        <p:nvPr/>
+      </p:nvGrpSpPr>
+      <p:grpSpPr>
+        <a:xfrm>
+          <a:off x="0" y="0"/>
+          <a:ext cx="0" cy="0"/>
+          <a:chOff x="0" y="0"/>
+          <a:chExt cx="0" cy="0"/>
+        </a:xfrm>
+      </p:grpSpPr>
+      <p:sp>
+        <p:nvSpPr>
+          <p:cNvPr id="2" name="Title 1">
+            <a:extLst>
+              <a:ext uri="{FF2B5EF4-FFF2-40B4-BE49-F238E27FC236}">
+                <a16:creationId xmlns:a16="http://schemas.microsoft.com/office/drawing/2014/main" id="{636FB483-8A01-854E-9BBE-55E0C355A79B}"/>
+              </a:ext>
+            </a:extLst>
+          </p:cNvPr>
+          <p:cNvSpPr txBox="1">
+            <a:spLocks/>
+          </p:cNvSpPr>
+          <p:nvPr/>
+        </p:nvSpPr>
+        <p:spPr>
+          <a:xfrm>
+            <a:off x="292557" y="283221"/>
+            <a:ext cx="10017369" cy="656493"/>
+          </a:xfrm>
+          <a:prstGeom prst="rect">
+            <a:avLst/>
+          </a:prstGeom>
+        </p:spPr>
+        <p:txBody>
+          <a:bodyPr/>
+          <a:lstStyle>
+            <a:lvl1pPr algn="l" defTabSz="914400" rtl="0" eaLnBrk="1" latinLnBrk="0" hangingPunct="1">
+              <a:lnSpc>
+                <a:spcPct val="90000"/>
+              </a:lnSpc>
+              <a:spcBef>
+                <a:spcPct val="0"/>
+              </a:spcBef>
+              <a:buNone/>
+              <a:defRPr sz="2800" b="1" kern="1200">
+                <a:solidFill>
+                  <a:schemeClr val="tx1"/>
+                </a:solidFill>
+                <a:latin typeface="Helvetica" pitchFamily="2" charset="0"/>
+                <a:ea typeface="+mj-ea"/>
+                <a:cs typeface="+mj-cs"/>
+              </a:defRPr>
+            </a:lvl1pPr>
+          </a:lstStyle>
+          <a:p>
+            <a:r>
+              <a:rPr lang="en-US" dirty="0" smtClean="0">
+                <a:latin typeface="Times New Roman" panose="02020603050405020304" pitchFamily="18" charset="0"/>
+                <a:cs typeface="Times New Roman" panose="02020603050405020304" pitchFamily="18" charset="0"/>
+              </a:rPr>
+              <a:t>Using an estimated Linear Model for Prediction (Interpolation)</a:t>
+            </a:r>
+            <a:endParaRPr lang="en-US" dirty="0">
+              <a:latin typeface="Times New Roman" panose="02020603050405020304" pitchFamily="18" charset="0"/>
+              <a:cs typeface="Times New Roman" panose="02020603050405020304" pitchFamily="18" charset="0"/>
+            </a:endParaRPr>
+          </a:p>
+        </p:txBody>
+      </p:sp>
+      <p:sp>
+        <p:nvSpPr>
+          <p:cNvPr id="3" name="TextBox 2"/>
+          <p:cNvSpPr txBox="1"/>
+          <p:nvPr/>
+        </p:nvSpPr>
+        <p:spPr>
+          <a:xfrm>
+            <a:off x="548640" y="781396"/>
+            <a:ext cx="11355185" cy="646331"/>
+          </a:xfrm>
+          <a:prstGeom prst="rect">
+            <a:avLst/>
+          </a:prstGeom>
+          <a:noFill/>
+        </p:spPr>
+        <p:txBody>
+          <a:bodyPr wrap="square" rtlCol="0">
+            <a:spAutoFit/>
+          </a:bodyPr>
+          <a:lstStyle/>
+          <a:p>
+            <a:pPr marL="285750" indent="-285750">
+              <a:buFont typeface="Arial" panose="020B0604020202020204" pitchFamily="34" charset="0"/>
+              <a:buChar char="•"/>
+            </a:pPr>
+            <a:r>
+              <a:rPr lang="en-US" dirty="0" smtClean="0"/>
+              <a:t>We can use a fitted model in R to predicted outcome variables for new data (or data held out, or included in the original model effect estimation). </a:t>
+            </a:r>
+            <a:endParaRPr lang="en-US" dirty="0"/>
+          </a:p>
+        </p:txBody>
+      </p:sp>
+      <p:pic>
+        <p:nvPicPr>
+          <p:cNvPr id="4" name="Picture 3"/>
+          <p:cNvPicPr>
+            <a:picLocks noChangeAspect="1"/>
+          </p:cNvPicPr>
+          <p:nvPr/>
+        </p:nvPicPr>
+        <p:blipFill>
+          <a:blip r:embed="rId2"/>
+          <a:stretch>
+            <a:fillRect/>
+          </a:stretch>
+        </p:blipFill>
+        <p:spPr>
+          <a:xfrm>
+            <a:off x="292558" y="1978428"/>
+            <a:ext cx="4928038" cy="4550571"/>
+          </a:xfrm>
+          <a:prstGeom prst="rect">
+            <a:avLst/>
+          </a:prstGeom>
+        </p:spPr>
+      </p:pic>
+      <p:sp>
+        <p:nvSpPr>
+          <p:cNvPr id="5" name="TextBox 4"/>
+          <p:cNvSpPr txBox="1"/>
+          <p:nvPr/>
+        </p:nvSpPr>
+        <p:spPr>
+          <a:xfrm>
+            <a:off x="5444836" y="2022348"/>
+            <a:ext cx="6159731" cy="1477328"/>
+          </a:xfrm>
+          <a:prstGeom prst="rect">
+            <a:avLst/>
+          </a:prstGeom>
+          <a:noFill/>
+        </p:spPr>
+        <p:txBody>
+          <a:bodyPr wrap="square" rtlCol="0">
+            <a:spAutoFit/>
+          </a:bodyPr>
+          <a:lstStyle/>
+          <a:p>
+            <a:pPr marL="285750" indent="-285750">
+              <a:buFont typeface="Arial" panose="020B0604020202020204" pitchFamily="34" charset="0"/>
+              <a:buChar char="•"/>
+            </a:pPr>
+            <a:r>
+              <a:rPr lang="en-US" dirty="0" smtClean="0"/>
+              <a:t>We can use the predict() function on a </a:t>
+            </a:r>
+            <a:r>
+              <a:rPr lang="en-US" dirty="0" err="1" smtClean="0"/>
+              <a:t>glm</a:t>
+            </a:r>
+            <a:r>
+              <a:rPr lang="en-US" dirty="0" smtClean="0"/>
+              <a:t>() object, and some new data in order to make predictions about the dependent variable.</a:t>
+            </a:r>
+          </a:p>
+          <a:p>
+            <a:pPr marL="285750" indent="-285750">
+              <a:buFont typeface="Arial" panose="020B0604020202020204" pitchFamily="34" charset="0"/>
+              <a:buChar char="•"/>
+            </a:pPr>
+            <a:r>
+              <a:rPr lang="en-US" dirty="0" smtClean="0"/>
+              <a:t>For example in the R code below, replace 1,2, and 3 with the new data for prediction.</a:t>
+            </a:r>
+          </a:p>
+        </p:txBody>
+      </p:sp>
+      <p:sp>
+        <p:nvSpPr>
+          <p:cNvPr id="6" name="TextBox 5"/>
+          <p:cNvSpPr txBox="1"/>
+          <p:nvPr/>
+        </p:nvSpPr>
+        <p:spPr>
+          <a:xfrm>
+            <a:off x="1130530" y="1427727"/>
+            <a:ext cx="8817033" cy="523220"/>
+          </a:xfrm>
+          <a:prstGeom prst="rect">
+            <a:avLst/>
+          </a:prstGeom>
+          <a:noFill/>
+          <a:ln>
+            <a:solidFill>
+              <a:schemeClr val="tx1"/>
+            </a:solidFill>
+          </a:ln>
+        </p:spPr>
+        <p:txBody>
+          <a:bodyPr wrap="square" rtlCol="0">
+            <a:spAutoFit/>
+          </a:bodyPr>
+          <a:lstStyle/>
+          <a:p>
+            <a:r>
+              <a:rPr lang="en-US" sz="1400" b="1" dirty="0" smtClean="0">
+                <a:latin typeface="Courier New" panose="02070309020205020404" pitchFamily="49" charset="0"/>
+                <a:cs typeface="Courier New" panose="02070309020205020404" pitchFamily="49" charset="0"/>
+              </a:rPr>
+              <a:t>R</a:t>
+            </a:r>
+            <a:r>
+              <a:rPr lang="en-US" sz="1400" b="1" dirty="0">
+                <a:latin typeface="Courier New" panose="02070309020205020404" pitchFamily="49" charset="0"/>
+                <a:cs typeface="Courier New" panose="02070309020205020404" pitchFamily="49" charset="0"/>
+              </a:rPr>
+              <a:t>&gt; </a:t>
+            </a:r>
+            <a:r>
+              <a:rPr lang="en-US" sz="1400" b="1" dirty="0" err="1" smtClean="0">
+                <a:latin typeface="Courier New" panose="02070309020205020404" pitchFamily="49" charset="0"/>
+                <a:cs typeface="Courier New" panose="02070309020205020404" pitchFamily="49" charset="0"/>
+              </a:rPr>
+              <a:t>f.p</a:t>
+            </a:r>
+            <a:r>
+              <a:rPr lang="en-US" sz="1400" b="1" dirty="0" smtClean="0">
+                <a:latin typeface="Courier New" panose="02070309020205020404" pitchFamily="49" charset="0"/>
+                <a:cs typeface="Courier New" panose="02070309020205020404" pitchFamily="49" charset="0"/>
+              </a:rPr>
+              <a:t> &lt;- formula(</a:t>
+            </a:r>
+            <a:r>
+              <a:rPr lang="en-US" sz="1400" b="1" dirty="0" err="1" smtClean="0">
+                <a:latin typeface="Courier New" panose="02070309020205020404" pitchFamily="49" charset="0"/>
+                <a:cs typeface="Courier New" panose="02070309020205020404" pitchFamily="49" charset="0"/>
+              </a:rPr>
+              <a:t>Sepal.Length</a:t>
+            </a:r>
+            <a:r>
+              <a:rPr lang="en-US" sz="1400" b="1" dirty="0" smtClean="0">
+                <a:latin typeface="Courier New" panose="02070309020205020404" pitchFamily="49" charset="0"/>
+                <a:cs typeface="Courier New" panose="02070309020205020404" pitchFamily="49" charset="0"/>
+              </a:rPr>
+              <a:t> ~ </a:t>
+            </a:r>
+            <a:r>
+              <a:rPr lang="en-US" sz="1400" b="1" dirty="0" err="1" smtClean="0">
+                <a:latin typeface="Courier New" panose="02070309020205020404" pitchFamily="49" charset="0"/>
+                <a:cs typeface="Courier New" panose="02070309020205020404" pitchFamily="49" charset="0"/>
+              </a:rPr>
+              <a:t>Sepal.Width+Petal.Length+Petal.Width</a:t>
+            </a:r>
+            <a:r>
+              <a:rPr lang="en-US" sz="1400" b="1" dirty="0" smtClean="0">
+                <a:latin typeface="Courier New" panose="02070309020205020404" pitchFamily="49" charset="0"/>
+                <a:cs typeface="Courier New" panose="02070309020205020404" pitchFamily="49" charset="0"/>
+              </a:rPr>
+              <a:t>);</a:t>
+            </a:r>
+            <a:endParaRPr lang="en-US" sz="1400" b="1" dirty="0">
+              <a:latin typeface="Courier New" panose="02070309020205020404" pitchFamily="49" charset="0"/>
+              <a:cs typeface="Courier New" panose="02070309020205020404" pitchFamily="49" charset="0"/>
+            </a:endParaRPr>
+          </a:p>
+          <a:p>
+            <a:r>
+              <a:rPr lang="en-US" sz="1400" b="1" dirty="0">
+                <a:latin typeface="Courier New" panose="02070309020205020404" pitchFamily="49" charset="0"/>
+                <a:cs typeface="Courier New" panose="02070309020205020404" pitchFamily="49" charset="0"/>
+              </a:rPr>
+              <a:t>R&gt; </a:t>
+            </a:r>
+            <a:r>
+              <a:rPr lang="en-US" sz="1400" b="1" dirty="0" err="1" smtClean="0">
+                <a:latin typeface="Courier New" panose="02070309020205020404" pitchFamily="49" charset="0"/>
+                <a:cs typeface="Courier New" panose="02070309020205020404" pitchFamily="49" charset="0"/>
+              </a:rPr>
+              <a:t>iris.pmod</a:t>
+            </a:r>
+            <a:r>
+              <a:rPr lang="en-US" sz="1400" b="1" dirty="0" smtClean="0">
+                <a:latin typeface="Courier New" panose="02070309020205020404" pitchFamily="49" charset="0"/>
+                <a:cs typeface="Courier New" panose="02070309020205020404" pitchFamily="49" charset="0"/>
+              </a:rPr>
+              <a:t> </a:t>
+            </a:r>
+            <a:r>
+              <a:rPr lang="en-US" sz="1400" b="1" dirty="0">
+                <a:latin typeface="Courier New" panose="02070309020205020404" pitchFamily="49" charset="0"/>
+                <a:cs typeface="Courier New" panose="02070309020205020404" pitchFamily="49" charset="0"/>
+              </a:rPr>
+              <a:t>&lt;- </a:t>
+            </a:r>
+            <a:r>
+              <a:rPr lang="en-US" sz="1400" b="1" dirty="0" err="1" smtClean="0">
+                <a:latin typeface="Courier New" panose="02070309020205020404" pitchFamily="49" charset="0"/>
+                <a:cs typeface="Courier New" panose="02070309020205020404" pitchFamily="49" charset="0"/>
+              </a:rPr>
+              <a:t>glm</a:t>
+            </a:r>
+            <a:r>
+              <a:rPr lang="en-US" sz="1400" b="1" dirty="0" smtClean="0">
+                <a:latin typeface="Courier New" panose="02070309020205020404" pitchFamily="49" charset="0"/>
+                <a:cs typeface="Courier New" panose="02070309020205020404" pitchFamily="49" charset="0"/>
+              </a:rPr>
+              <a:t>(</a:t>
+            </a:r>
+            <a:r>
+              <a:rPr lang="en-US" sz="1400" b="1" dirty="0" err="1" smtClean="0">
+                <a:latin typeface="Courier New" panose="02070309020205020404" pitchFamily="49" charset="0"/>
+                <a:cs typeface="Courier New" panose="02070309020205020404" pitchFamily="49" charset="0"/>
+              </a:rPr>
+              <a:t>f.p,data</a:t>
+            </a:r>
+            <a:r>
+              <a:rPr lang="en-US" sz="1400" b="1" dirty="0" smtClean="0">
+                <a:latin typeface="Courier New" panose="02070309020205020404" pitchFamily="49" charset="0"/>
+                <a:cs typeface="Courier New" panose="02070309020205020404" pitchFamily="49" charset="0"/>
+              </a:rPr>
+              <a:t>=iris</a:t>
+            </a:r>
+            <a:r>
+              <a:rPr lang="en-US" sz="1400" b="1" dirty="0">
+                <a:latin typeface="Courier New" panose="02070309020205020404" pitchFamily="49" charset="0"/>
+                <a:cs typeface="Courier New" panose="02070309020205020404" pitchFamily="49" charset="0"/>
+              </a:rPr>
+              <a:t>); </a:t>
+            </a:r>
+          </a:p>
+        </p:txBody>
+      </p:sp>
+      <p:sp>
+        <p:nvSpPr>
+          <p:cNvPr id="7" name="TextBox 6"/>
+          <p:cNvSpPr txBox="1"/>
+          <p:nvPr/>
+        </p:nvSpPr>
+        <p:spPr>
+          <a:xfrm>
+            <a:off x="5746866" y="3602384"/>
+            <a:ext cx="5608319" cy="738664"/>
+          </a:xfrm>
+          <a:prstGeom prst="rect">
+            <a:avLst/>
+          </a:prstGeom>
+          <a:noFill/>
+          <a:ln>
+            <a:solidFill>
+              <a:schemeClr val="tx1"/>
+            </a:solidFill>
+          </a:ln>
+        </p:spPr>
+        <p:txBody>
+          <a:bodyPr wrap="square" rtlCol="0">
+            <a:spAutoFit/>
+          </a:bodyPr>
+          <a:lstStyle/>
+          <a:p>
+            <a:r>
+              <a:rPr lang="en-US" sz="1400" b="1" dirty="0" smtClean="0">
+                <a:latin typeface="Courier New" panose="02070309020205020404" pitchFamily="49" charset="0"/>
+                <a:cs typeface="Courier New" panose="02070309020205020404" pitchFamily="49" charset="0"/>
+              </a:rPr>
+              <a:t>R&gt; predict(</a:t>
+            </a:r>
+            <a:r>
+              <a:rPr lang="en-US" sz="1400" b="1" dirty="0" err="1" smtClean="0">
+                <a:latin typeface="Courier New" panose="02070309020205020404" pitchFamily="49" charset="0"/>
+                <a:cs typeface="Courier New" panose="02070309020205020404" pitchFamily="49" charset="0"/>
+              </a:rPr>
+              <a:t>iris.pmod,data.frame</a:t>
+            </a:r>
+            <a:r>
+              <a:rPr lang="en-US" sz="1400" b="1" dirty="0" smtClean="0">
+                <a:latin typeface="Courier New" panose="02070309020205020404" pitchFamily="49" charset="0"/>
+                <a:cs typeface="Courier New" panose="02070309020205020404" pitchFamily="49" charset="0"/>
+              </a:rPr>
+              <a:t>(</a:t>
+            </a:r>
+            <a:r>
+              <a:rPr lang="en-US" sz="1400" b="1" dirty="0" err="1" smtClean="0">
+                <a:latin typeface="Courier New" panose="02070309020205020404" pitchFamily="49" charset="0"/>
+                <a:cs typeface="Courier New" panose="02070309020205020404" pitchFamily="49" charset="0"/>
+              </a:rPr>
+              <a:t>Sepal.Width</a:t>
+            </a:r>
+            <a:r>
+              <a:rPr lang="en-US" sz="1400" b="1" dirty="0" smtClean="0">
+                <a:latin typeface="Courier New" panose="02070309020205020404" pitchFamily="49" charset="0"/>
+                <a:cs typeface="Courier New" panose="02070309020205020404" pitchFamily="49" charset="0"/>
+              </a:rPr>
+              <a:t>=1,</a:t>
+            </a:r>
+          </a:p>
+          <a:p>
+            <a:r>
+              <a:rPr lang="en-US" sz="1400" b="1" dirty="0">
+                <a:latin typeface="Courier New" panose="02070309020205020404" pitchFamily="49" charset="0"/>
+                <a:cs typeface="Courier New" panose="02070309020205020404" pitchFamily="49" charset="0"/>
+              </a:rPr>
+              <a:t>	</a:t>
+            </a:r>
+            <a:r>
+              <a:rPr lang="en-US" sz="1400" b="1" dirty="0" smtClean="0">
+                <a:latin typeface="Courier New" panose="02070309020205020404" pitchFamily="49" charset="0"/>
+                <a:cs typeface="Courier New" panose="02070309020205020404" pitchFamily="49" charset="0"/>
+              </a:rPr>
+              <a:t>		       </a:t>
+            </a:r>
+            <a:r>
+              <a:rPr lang="en-US" sz="1400" b="1" dirty="0" err="1" smtClean="0">
+                <a:latin typeface="Courier New" panose="02070309020205020404" pitchFamily="49" charset="0"/>
+                <a:cs typeface="Courier New" panose="02070309020205020404" pitchFamily="49" charset="0"/>
+              </a:rPr>
+              <a:t>Petal.Length</a:t>
+            </a:r>
+            <a:r>
+              <a:rPr lang="en-US" sz="1400" b="1" dirty="0" smtClean="0">
+                <a:latin typeface="Courier New" panose="02070309020205020404" pitchFamily="49" charset="0"/>
+                <a:cs typeface="Courier New" panose="02070309020205020404" pitchFamily="49" charset="0"/>
+              </a:rPr>
+              <a:t>=2,</a:t>
+            </a:r>
+          </a:p>
+          <a:p>
+            <a:r>
+              <a:rPr lang="en-US" sz="1400" b="1" dirty="0">
+                <a:latin typeface="Courier New" panose="02070309020205020404" pitchFamily="49" charset="0"/>
+                <a:cs typeface="Courier New" panose="02070309020205020404" pitchFamily="49" charset="0"/>
+              </a:rPr>
+              <a:t> </a:t>
+            </a:r>
+            <a:r>
+              <a:rPr lang="en-US" sz="1400" b="1" dirty="0" smtClean="0">
+                <a:latin typeface="Courier New" panose="02070309020205020404" pitchFamily="49" charset="0"/>
+                <a:cs typeface="Courier New" panose="02070309020205020404" pitchFamily="49" charset="0"/>
+              </a:rPr>
+              <a:t>                                 </a:t>
+            </a:r>
+            <a:r>
+              <a:rPr lang="en-US" sz="1400" b="1" dirty="0" err="1" smtClean="0">
+                <a:latin typeface="Courier New" panose="02070309020205020404" pitchFamily="49" charset="0"/>
+                <a:cs typeface="Courier New" panose="02070309020205020404" pitchFamily="49" charset="0"/>
+              </a:rPr>
+              <a:t>Petal.Width</a:t>
+            </a:r>
+            <a:r>
+              <a:rPr lang="en-US" sz="1400" b="1" dirty="0" smtClean="0">
+                <a:latin typeface="Courier New" panose="02070309020205020404" pitchFamily="49" charset="0"/>
+                <a:cs typeface="Courier New" panose="02070309020205020404" pitchFamily="49" charset="0"/>
+              </a:rPr>
+              <a:t>=3)</a:t>
+            </a:r>
+            <a:endParaRPr lang="en-US" sz="1400" b="1" dirty="0">
+              <a:latin typeface="Courier New" panose="02070309020205020404" pitchFamily="49" charset="0"/>
+              <a:cs typeface="Courier New" panose="02070309020205020404" pitchFamily="49" charset="0"/>
+            </a:endParaRPr>
+          </a:p>
+        </p:txBody>
+      </p:sp>
+      <p:sp>
+        <p:nvSpPr>
+          <p:cNvPr id="8" name="TextBox 7"/>
+          <p:cNvSpPr txBox="1"/>
+          <p:nvPr/>
+        </p:nvSpPr>
+        <p:spPr>
+          <a:xfrm>
+            <a:off x="5444836" y="4341048"/>
+            <a:ext cx="6159731" cy="923330"/>
+          </a:xfrm>
+          <a:prstGeom prst="rect">
+            <a:avLst/>
+          </a:prstGeom>
+          <a:noFill/>
+        </p:spPr>
+        <p:txBody>
+          <a:bodyPr wrap="square" rtlCol="0">
+            <a:spAutoFit/>
+          </a:bodyPr>
+          <a:lstStyle/>
+          <a:p>
+            <a:pPr marL="285750" indent="-285750">
+              <a:buFont typeface="Arial" panose="020B0604020202020204" pitchFamily="34" charset="0"/>
+              <a:buChar char="•"/>
+            </a:pPr>
+            <a:r>
+              <a:rPr lang="en-US" dirty="0" smtClean="0"/>
+              <a:t>Left we can see a plot of the Sepal Length predictions on 20 previously unseen observations from a LM trained on 130 observations, with the true values plotted on the Y-axis.</a:t>
+            </a:r>
+          </a:p>
+        </p:txBody>
+      </p:sp>
+    </p:spTree>
+    <p:extLst>
+      <p:ext uri="{BB962C8B-B14F-4D97-AF65-F5344CB8AC3E}">
+        <p14:creationId xmlns:p14="http://schemas.microsoft.com/office/powerpoint/2010/main" val="2875339275"/>
+      </p:ext>
+    </p:extLst>
+  </p:cSld>
+  <p:clrMapOvr>
+    <a:masterClrMapping/>
+  </p:clrMapOvr>
+</p:sld>
+</file>
+
+<file path=ppt/slides/slide32.xml><?xml version="1.0" encoding="utf-8"?>
 <p:sld xmlns:a="http://schemas.openxmlformats.org/drawingml/2006/main" xmlns:r="http://schemas.openxmlformats.org/officeDocument/2006/relationships" xmlns:p="http://schemas.openxmlformats.org/presentationml/2006/main">
   <p:cSld>
     <p:spTree>
@@ -24627,10 +26846,17 @@
   <p:clrMapOvr>
     <a:masterClrMapping/>
   </p:clrMapOvr>
+  <p:timing>
+    <p:tnLst>
+      <p:par>
+        <p:cTn id="1" dur="indefinite" restart="never" nodeType="tmRoot"/>
+      </p:par>
+    </p:tnLst>
+  </p:timing>
 </p:sld>
 </file>
 
-<file path=ppt/slides/slide31.xml><?xml version="1.0" encoding="utf-8"?>
+<file path=ppt/slides/slide33.xml><?xml version="1.0" encoding="utf-8"?>
 <p:sld xmlns:a="http://schemas.openxmlformats.org/drawingml/2006/main" xmlns:r="http://schemas.openxmlformats.org/officeDocument/2006/relationships" xmlns:p="http://schemas.openxmlformats.org/presentationml/2006/main">
   <p:cSld>
     <p:spTree>
@@ -24876,14 +27102,7 @@
                 <a:latin typeface="Courier New" panose="02070309020205020404" pitchFamily="49" charset="0"/>
                 <a:cs typeface="Courier New" panose="02070309020205020404" pitchFamily="49" charset="0"/>
               </a:rPr>
-              <a:t>R</a:t>
-            </a:r>
-            <a:r>
-              <a:rPr lang="en-US" sz="1400" b="1" dirty="0" smtClean="0">
-                <a:latin typeface="Courier New" panose="02070309020205020404" pitchFamily="49" charset="0"/>
-                <a:cs typeface="Courier New" panose="02070309020205020404" pitchFamily="49" charset="0"/>
-              </a:rPr>
-              <a:t>&gt; </a:t>
+              <a:t>R&gt; </a:t>
             </a:r>
             <a:r>
               <a:rPr lang="en-US" sz="1400" b="1" dirty="0" err="1" smtClean="0">
@@ -25041,14 +27260,7 @@
                 <a:latin typeface="Courier New" panose="02070309020205020404" pitchFamily="49" charset="0"/>
                 <a:cs typeface="Courier New" panose="02070309020205020404" pitchFamily="49" charset="0"/>
               </a:rPr>
-              <a:t>R</a:t>
-            </a:r>
-            <a:r>
-              <a:rPr lang="en-US" sz="1400" b="1" dirty="0" smtClean="0">
-                <a:latin typeface="Courier New" panose="02070309020205020404" pitchFamily="49" charset="0"/>
-                <a:cs typeface="Courier New" panose="02070309020205020404" pitchFamily="49" charset="0"/>
-              </a:rPr>
-              <a:t>&gt; </a:t>
+              <a:t>R&gt; </a:t>
             </a:r>
             <a:r>
               <a:rPr lang="en-US" sz="1400" b="1" dirty="0" err="1" smtClean="0">
@@ -25166,6 +27378,89 @@
           </a:p>
         </p:txBody>
       </p:sp>
+      <p:sp>
+        <p:nvSpPr>
+          <p:cNvPr id="3" name="Rectangle 2"/>
+          <p:cNvSpPr/>
+          <p:nvPr/>
+        </p:nvSpPr>
+        <p:spPr>
+          <a:xfrm>
+            <a:off x="3316779" y="2179662"/>
+            <a:ext cx="8689571" cy="646331"/>
+          </a:xfrm>
+          <a:prstGeom prst="rect">
+            <a:avLst/>
+          </a:prstGeom>
+        </p:spPr>
+        <p:txBody>
+          <a:bodyPr wrap="square">
+            <a:spAutoFit/>
+          </a:bodyPr>
+          <a:lstStyle/>
+          <a:p>
+            <a:r>
+              <a:rPr lang="en-US" dirty="0">
+                <a:hlinkClick r:id="rId4"/>
+              </a:rPr>
+              <a:t>https://www.clayford.net/statistics/profile-likelihood-ratio-confidence-intervals</a:t>
+            </a:r>
+            <a:r>
+              <a:rPr lang="en-US" dirty="0" smtClean="0">
+                <a:hlinkClick r:id="rId4"/>
+              </a:rPr>
+              <a:t>/</a:t>
+            </a:r>
+            <a:endParaRPr lang="en-US" dirty="0" smtClean="0"/>
+          </a:p>
+          <a:p>
+            <a:endParaRPr lang="en-US" dirty="0" smtClean="0"/>
+          </a:p>
+        </p:txBody>
+      </p:sp>
+      <p:sp>
+        <p:nvSpPr>
+          <p:cNvPr id="4" name="TextBox 3"/>
+          <p:cNvSpPr txBox="1"/>
+          <p:nvPr/>
+        </p:nvSpPr>
+        <p:spPr>
+          <a:xfrm>
+            <a:off x="8312727" y="2661493"/>
+            <a:ext cx="3765666" cy="923330"/>
+          </a:xfrm>
+          <a:prstGeom prst="rect">
+            <a:avLst/>
+          </a:prstGeom>
+          <a:noFill/>
+          <a:ln>
+            <a:solidFill>
+              <a:schemeClr val="accent1"/>
+            </a:solidFill>
+          </a:ln>
+        </p:spPr>
+        <p:txBody>
+          <a:bodyPr wrap="square" rtlCol="0">
+            <a:spAutoFit/>
+          </a:bodyPr>
+          <a:lstStyle/>
+          <a:p>
+            <a:r>
+              <a:rPr lang="en-US" dirty="0" smtClean="0">
+                <a:solidFill>
+                  <a:schemeClr val="tx2"/>
+                </a:solidFill>
+              </a:rPr>
+              <a:t>The profiling method amounts to trying many values around the chosen value (so building many models).</a:t>
+            </a:r>
+            <a:endParaRPr lang="en-US" dirty="0">
+              <a:solidFill>
+                <a:schemeClr val="tx2"/>
+              </a:solidFill>
+            </a:endParaRPr>
+          </a:p>
+        </p:txBody>
+      </p:sp>
     </p:spTree>
     <p:extLst>
       <p:ext uri="{BB962C8B-B14F-4D97-AF65-F5344CB8AC3E}">
@@ -25176,10 +27471,17 @@
   <p:clrMapOvr>
     <a:masterClrMapping/>
   </p:clrMapOvr>
+  <p:timing>
+    <p:tnLst>
+      <p:par>
+        <p:cTn id="1" dur="indefinite" restart="never" nodeType="tmRoot"/>
+      </p:par>
+    </p:tnLst>
+  </p:timing>
 </p:sld>
 </file>
 
-<file path=ppt/slides/slide32.xml><?xml version="1.0" encoding="utf-8"?>
+<file path=ppt/slides/slide34.xml><?xml version="1.0" encoding="utf-8"?>
 <p:sld xmlns:a="http://schemas.openxmlformats.org/drawingml/2006/main" xmlns:r="http://schemas.openxmlformats.org/officeDocument/2006/relationships" xmlns:p="http://schemas.openxmlformats.org/presentationml/2006/main">
   <p:cSld>
     <p:spTree>
@@ -25814,10 +28116,17 @@
   <p:clrMapOvr>
     <a:masterClrMapping/>
   </p:clrMapOvr>
+  <p:timing>
+    <p:tnLst>
+      <p:par>
+        <p:cTn id="1" dur="indefinite" restart="never" nodeType="tmRoot"/>
+      </p:par>
+    </p:tnLst>
+  </p:timing>
 </p:sld>
 </file>
 
-<file path=ppt/slides/slide33.xml><?xml version="1.0" encoding="utf-8"?>
+<file path=ppt/slides/slide35.xml><?xml version="1.0" encoding="utf-8"?>
 <p:sld xmlns:a="http://schemas.openxmlformats.org/drawingml/2006/main" xmlns:r="http://schemas.openxmlformats.org/officeDocument/2006/relationships" xmlns:p="http://schemas.openxmlformats.org/presentationml/2006/main">
   <p:cSld>
     <p:spTree>
@@ -26304,545 +28613,6 @@
     <p:extLst>
       <p:ext uri="{BB962C8B-B14F-4D97-AF65-F5344CB8AC3E}">
         <p14:creationId xmlns:p14="http://schemas.microsoft.com/office/powerpoint/2010/main" val="52612132"/>
-      </p:ext>
-    </p:extLst>
-  </p:cSld>
-  <p:clrMapOvr>
-    <a:masterClrMapping/>
-  </p:clrMapOvr>
-</p:sld>
-</file>
-
-<file path=ppt/slides/slide34.xml><?xml version="1.0" encoding="utf-8"?>
-<p:sld xmlns:a="http://schemas.openxmlformats.org/drawingml/2006/main" xmlns:r="http://schemas.openxmlformats.org/officeDocument/2006/relationships" xmlns:p="http://schemas.openxmlformats.org/presentationml/2006/main">
-  <p:cSld>
-    <p:spTree>
-      <p:nvGrpSpPr>
-        <p:cNvPr id="1" name=""/>
-        <p:cNvGrpSpPr/>
-        <p:nvPr/>
-      </p:nvGrpSpPr>
-      <p:grpSpPr>
-        <a:xfrm>
-          <a:off x="0" y="0"/>
-          <a:ext cx="0" cy="0"/>
-          <a:chOff x="0" y="0"/>
-          <a:chExt cx="0" cy="0"/>
-        </a:xfrm>
-      </p:grpSpPr>
-      <p:sp>
-        <p:nvSpPr>
-          <p:cNvPr id="2" name="Title 1">
-            <a:extLst>
-              <a:ext uri="{FF2B5EF4-FFF2-40B4-BE49-F238E27FC236}">
-                <a16:creationId xmlns:a16="http://schemas.microsoft.com/office/drawing/2014/main" id="{636FB483-8A01-854E-9BBE-55E0C355A79B}"/>
-              </a:ext>
-            </a:extLst>
-          </p:cNvPr>
-          <p:cNvSpPr txBox="1">
-            <a:spLocks/>
-          </p:cNvSpPr>
-          <p:nvPr/>
-        </p:nvSpPr>
-        <p:spPr>
-          <a:xfrm>
-            <a:off x="292557" y="283221"/>
-            <a:ext cx="11756484" cy="656493"/>
-          </a:xfrm>
-          <a:prstGeom prst="rect">
-            <a:avLst/>
-          </a:prstGeom>
-        </p:spPr>
-        <p:txBody>
-          <a:bodyPr/>
-          <a:lstStyle>
-            <a:lvl1pPr algn="l" defTabSz="914400" rtl="0" eaLnBrk="1" latinLnBrk="0" hangingPunct="1">
-              <a:lnSpc>
-                <a:spcPct val="90000"/>
-              </a:lnSpc>
-              <a:spcBef>
-                <a:spcPct val="0"/>
-              </a:spcBef>
-              <a:buNone/>
-              <a:defRPr sz="2800" b="1" kern="1200">
-                <a:solidFill>
-                  <a:schemeClr val="tx1"/>
-                </a:solidFill>
-                <a:latin typeface="Helvetica" pitchFamily="2" charset="0"/>
-                <a:ea typeface="+mj-ea"/>
-                <a:cs typeface="+mj-cs"/>
-              </a:defRPr>
-            </a:lvl1pPr>
-          </a:lstStyle>
-          <a:p>
-            <a:r>
-              <a:rPr lang="en-US" dirty="0" smtClean="0">
-                <a:latin typeface="Times New Roman" panose="02020603050405020304" pitchFamily="18" charset="0"/>
-                <a:cs typeface="Times New Roman" panose="02020603050405020304" pitchFamily="18" charset="0"/>
-              </a:rPr>
-              <a:t>Creating a Multivariate Linear Model in R with </a:t>
-            </a:r>
-            <a:r>
-              <a:rPr lang="en-US" dirty="0" err="1" smtClean="0">
-                <a:latin typeface="Times New Roman" panose="02020603050405020304" pitchFamily="18" charset="0"/>
-                <a:cs typeface="Times New Roman" panose="02020603050405020304" pitchFamily="18" charset="0"/>
-              </a:rPr>
-              <a:t>glm</a:t>
-            </a:r>
-            <a:r>
-              <a:rPr lang="en-US" dirty="0" smtClean="0">
-                <a:latin typeface="Times New Roman" panose="02020603050405020304" pitchFamily="18" charset="0"/>
-                <a:cs typeface="Times New Roman" panose="02020603050405020304" pitchFamily="18" charset="0"/>
-              </a:rPr>
-              <a:t>():  Exercise 1</a:t>
-            </a:r>
-            <a:endParaRPr lang="en-US" dirty="0">
-              <a:latin typeface="Times New Roman" panose="02020603050405020304" pitchFamily="18" charset="0"/>
-              <a:cs typeface="Times New Roman" panose="02020603050405020304" pitchFamily="18" charset="0"/>
-            </a:endParaRPr>
-          </a:p>
-        </p:txBody>
-      </p:sp>
-      <p:sp>
-        <p:nvSpPr>
-          <p:cNvPr id="3" name="TextBox 2"/>
-          <p:cNvSpPr txBox="1"/>
-          <p:nvPr/>
-        </p:nvSpPr>
-        <p:spPr>
-          <a:xfrm>
-            <a:off x="519953" y="869576"/>
-            <a:ext cx="11107271" cy="5601533"/>
-          </a:xfrm>
-          <a:prstGeom prst="rect">
-            <a:avLst/>
-          </a:prstGeom>
-          <a:noFill/>
-        </p:spPr>
-        <p:txBody>
-          <a:bodyPr wrap="square" rtlCol="0">
-            <a:spAutoFit/>
-          </a:bodyPr>
-          <a:lstStyle/>
-          <a:p>
-            <a:pPr marL="285750" indent="-285750">
-              <a:buFont typeface="Arial" panose="020B0604020202020204" pitchFamily="34" charset="0"/>
-              <a:buChar char="•"/>
-            </a:pPr>
-            <a:r>
-              <a:rPr lang="en-US" dirty="0" smtClean="0">
-                <a:latin typeface="Times New Roman" panose="02020603050405020304" pitchFamily="18" charset="0"/>
-                <a:cs typeface="Times New Roman" panose="02020603050405020304" pitchFamily="18" charset="0"/>
-              </a:rPr>
-              <a:t>Use R, and what we have learned to help you answer these questions about the </a:t>
-            </a:r>
-            <a:r>
-              <a:rPr lang="en-US" dirty="0" err="1" smtClean="0">
-                <a:latin typeface="Times New Roman" panose="02020603050405020304" pitchFamily="18" charset="0"/>
-                <a:cs typeface="Times New Roman" panose="02020603050405020304" pitchFamily="18" charset="0"/>
-              </a:rPr>
-              <a:t>swiss</a:t>
-            </a:r>
-            <a:r>
-              <a:rPr lang="en-US" dirty="0" smtClean="0">
-                <a:latin typeface="Times New Roman" panose="02020603050405020304" pitchFamily="18" charset="0"/>
-                <a:cs typeface="Times New Roman" panose="02020603050405020304" pitchFamily="18" charset="0"/>
-              </a:rPr>
-              <a:t> dataset in a .txt file:</a:t>
-            </a:r>
-          </a:p>
-          <a:p>
-            <a:pPr marL="914400" lvl="1" indent="-457200">
-              <a:buFont typeface="+mj-lt"/>
-              <a:buAutoNum type="arabicPeriod"/>
-            </a:pPr>
-            <a:r>
-              <a:rPr lang="en-US" dirty="0" smtClean="0">
-                <a:latin typeface="Times New Roman" panose="02020603050405020304" pitchFamily="18" charset="0"/>
-                <a:cs typeface="Times New Roman" panose="02020603050405020304" pitchFamily="18" charset="0"/>
-              </a:rPr>
-              <a:t>What year that the dataset “</a:t>
-            </a:r>
-            <a:r>
-              <a:rPr lang="en-US" dirty="0" err="1" smtClean="0">
-                <a:latin typeface="Times New Roman" panose="02020603050405020304" pitchFamily="18" charset="0"/>
-                <a:cs typeface="Times New Roman" panose="02020603050405020304" pitchFamily="18" charset="0"/>
-              </a:rPr>
-              <a:t>swiss</a:t>
-            </a:r>
-            <a:r>
-              <a:rPr lang="en-US" dirty="0" smtClean="0">
-                <a:latin typeface="Times New Roman" panose="02020603050405020304" pitchFamily="18" charset="0"/>
-                <a:cs typeface="Times New Roman" panose="02020603050405020304" pitchFamily="18" charset="0"/>
-              </a:rPr>
-              <a:t>” was collected?</a:t>
-            </a:r>
-          </a:p>
-          <a:p>
-            <a:pPr marL="914400" lvl="1" indent="-457200">
-              <a:buFont typeface="+mj-lt"/>
-              <a:buAutoNum type="arabicPeriod"/>
-            </a:pPr>
-            <a:r>
-              <a:rPr lang="en-US" dirty="0" smtClean="0">
-                <a:latin typeface="Times New Roman" panose="02020603050405020304" pitchFamily="18" charset="0"/>
-                <a:cs typeface="Times New Roman" panose="02020603050405020304" pitchFamily="18" charset="0"/>
-              </a:rPr>
-              <a:t>Adjusting for Education, Catholic, and </a:t>
-            </a:r>
-            <a:r>
-              <a:rPr lang="en-US" dirty="0" err="1" smtClean="0">
-                <a:latin typeface="Times New Roman" panose="02020603050405020304" pitchFamily="18" charset="0"/>
-                <a:cs typeface="Times New Roman" panose="02020603050405020304" pitchFamily="18" charset="0"/>
-              </a:rPr>
-              <a:t>infant.Mortality</a:t>
-            </a:r>
-            <a:r>
-              <a:rPr lang="en-US" dirty="0" smtClean="0">
-                <a:latin typeface="Times New Roman" panose="02020603050405020304" pitchFamily="18" charset="0"/>
-                <a:cs typeface="Times New Roman" panose="02020603050405020304" pitchFamily="18" charset="0"/>
-              </a:rPr>
-              <a:t>,</a:t>
-            </a:r>
-          </a:p>
-          <a:p>
-            <a:pPr marL="1371600" lvl="2" indent="-457200">
-              <a:buFont typeface="+mj-lt"/>
-              <a:buAutoNum type="arabicPeriod"/>
-            </a:pPr>
-            <a:r>
-              <a:rPr lang="en-US" dirty="0" smtClean="0">
-                <a:latin typeface="Times New Roman" panose="02020603050405020304" pitchFamily="18" charset="0"/>
-                <a:cs typeface="Times New Roman" panose="02020603050405020304" pitchFamily="18" charset="0"/>
-              </a:rPr>
-              <a:t>What is the expected average increase/decrease in Fertility corresponding to a 1% increase in the percentage of males working in agriculture (while also adjusting for Examination)?</a:t>
-            </a:r>
-          </a:p>
-          <a:p>
-            <a:pPr marL="1371600" lvl="2" indent="-457200">
-              <a:buFont typeface="+mj-lt"/>
-              <a:buAutoNum type="arabicPeriod"/>
-            </a:pPr>
-            <a:r>
-              <a:rPr lang="en-US" dirty="0" smtClean="0">
-                <a:latin typeface="Times New Roman" panose="02020603050405020304" pitchFamily="18" charset="0"/>
-                <a:cs typeface="Times New Roman" panose="02020603050405020304" pitchFamily="18" charset="0"/>
-              </a:rPr>
-              <a:t>What is the expected average increase/decrease in Fertility corresponding to a 1% increase in the percentage of draftees into the military who had education beyond </a:t>
-            </a:r>
-            <a:r>
-              <a:rPr lang="en-US" dirty="0" err="1" smtClean="0">
-                <a:latin typeface="Times New Roman" panose="02020603050405020304" pitchFamily="18" charset="0"/>
-                <a:cs typeface="Times New Roman" panose="02020603050405020304" pitchFamily="18" charset="0"/>
-              </a:rPr>
-              <a:t>highschool</a:t>
-            </a:r>
-            <a:r>
-              <a:rPr lang="en-US" dirty="0" smtClean="0">
-                <a:latin typeface="Times New Roman" panose="02020603050405020304" pitchFamily="18" charset="0"/>
-                <a:cs typeface="Times New Roman" panose="02020603050405020304" pitchFamily="18" charset="0"/>
-              </a:rPr>
-              <a:t>.</a:t>
-            </a:r>
-          </a:p>
-          <a:p>
-            <a:pPr marL="914400" lvl="1" indent="-457200">
-              <a:buFont typeface="+mj-lt"/>
-              <a:buAutoNum type="arabicPeriod"/>
-            </a:pPr>
-            <a:r>
-              <a:rPr lang="en-US" dirty="0" smtClean="0">
-                <a:latin typeface="Times New Roman" panose="02020603050405020304" pitchFamily="18" charset="0"/>
-                <a:cs typeface="Times New Roman" panose="02020603050405020304" pitchFamily="18" charset="0"/>
-              </a:rPr>
-              <a:t>What is the AIC for a linear model relating Fertility to each of and all combinations involving the variables Education, Agriculture, and </a:t>
-            </a:r>
-            <a:r>
-              <a:rPr lang="en-US" dirty="0" err="1" smtClean="0">
-                <a:latin typeface="Times New Roman" panose="02020603050405020304" pitchFamily="18" charset="0"/>
-                <a:cs typeface="Times New Roman" panose="02020603050405020304" pitchFamily="18" charset="0"/>
-              </a:rPr>
-              <a:t>Infant.Mortality</a:t>
-            </a:r>
-            <a:r>
-              <a:rPr lang="en-US" dirty="0" smtClean="0">
-                <a:latin typeface="Times New Roman" panose="02020603050405020304" pitchFamily="18" charset="0"/>
-                <a:cs typeface="Times New Roman" panose="02020603050405020304" pitchFamily="18" charset="0"/>
-              </a:rPr>
-              <a:t>? </a:t>
-            </a:r>
-          </a:p>
-          <a:p>
-            <a:pPr marL="914400" lvl="1" indent="-457200">
-              <a:buFont typeface="+mj-lt"/>
-              <a:buAutoNum type="arabicPeriod"/>
-            </a:pPr>
-            <a:r>
-              <a:rPr lang="en-US" dirty="0" smtClean="0">
-                <a:latin typeface="Times New Roman" panose="02020603050405020304" pitchFamily="18" charset="0"/>
-                <a:cs typeface="Times New Roman" panose="02020603050405020304" pitchFamily="18" charset="0"/>
-              </a:rPr>
-              <a:t>What is the AIC for a linear model relating Fertility </a:t>
-            </a:r>
-            <a:r>
-              <a:rPr lang="en-US" dirty="0">
-                <a:latin typeface="Times New Roman" panose="02020603050405020304" pitchFamily="18" charset="0"/>
-                <a:cs typeface="Times New Roman" panose="02020603050405020304" pitchFamily="18" charset="0"/>
-              </a:rPr>
-              <a:t>to each of and all combinations involving the variables Education, Agriculture, and </a:t>
-            </a:r>
-            <a:r>
-              <a:rPr lang="en-US" dirty="0" err="1" smtClean="0">
-                <a:latin typeface="Times New Roman" panose="02020603050405020304" pitchFamily="18" charset="0"/>
-                <a:cs typeface="Times New Roman" panose="02020603050405020304" pitchFamily="18" charset="0"/>
-              </a:rPr>
-              <a:t>Infant.Mortality</a:t>
-            </a:r>
-            <a:r>
-              <a:rPr lang="en-US" dirty="0" smtClean="0">
-                <a:latin typeface="Times New Roman" panose="02020603050405020304" pitchFamily="18" charset="0"/>
-                <a:cs typeface="Times New Roman" panose="02020603050405020304" pitchFamily="18" charset="0"/>
-              </a:rPr>
-              <a:t>, except for the singleton effect of Education, and the binary joint effect of Agriculture and </a:t>
-            </a:r>
-            <a:r>
-              <a:rPr lang="en-US" dirty="0" err="1" smtClean="0">
-                <a:latin typeface="Times New Roman" panose="02020603050405020304" pitchFamily="18" charset="0"/>
-                <a:cs typeface="Times New Roman" panose="02020603050405020304" pitchFamily="18" charset="0"/>
-              </a:rPr>
-              <a:t>Infant.Mortality</a:t>
-            </a:r>
-            <a:r>
-              <a:rPr lang="en-US" dirty="0" smtClean="0">
-                <a:latin typeface="Times New Roman" panose="02020603050405020304" pitchFamily="18" charset="0"/>
-                <a:cs typeface="Times New Roman" panose="02020603050405020304" pitchFamily="18" charset="0"/>
-              </a:rPr>
-              <a:t>?</a:t>
-            </a:r>
-          </a:p>
-          <a:p>
-            <a:pPr marL="1371600" lvl="2" indent="-457200">
-              <a:buFont typeface="+mj-lt"/>
-              <a:buAutoNum type="arabicPeriod"/>
-            </a:pPr>
-            <a:r>
-              <a:rPr lang="en-US" dirty="0" smtClean="0">
-                <a:latin typeface="Times New Roman" panose="02020603050405020304" pitchFamily="18" charset="0"/>
-                <a:cs typeface="Times New Roman" panose="02020603050405020304" pitchFamily="18" charset="0"/>
-              </a:rPr>
-              <a:t>Can the removal of variables from the model increase the models effectiveness in terms of AIC?</a:t>
-            </a:r>
-          </a:p>
-          <a:p>
-            <a:pPr marL="914400" lvl="1" indent="-457200">
-              <a:buFont typeface="+mj-lt"/>
-              <a:buAutoNum type="arabicPeriod"/>
-            </a:pPr>
-            <a:r>
-              <a:rPr lang="en-US" dirty="0" smtClean="0">
-                <a:latin typeface="Times New Roman" panose="02020603050405020304" pitchFamily="18" charset="0"/>
-                <a:cs typeface="Times New Roman" panose="02020603050405020304" pitchFamily="18" charset="0"/>
-              </a:rPr>
-              <a:t>Create a categorical ordinal variable corresponding to </a:t>
-            </a:r>
-            <a:r>
-              <a:rPr lang="en-US" dirty="0" err="1" smtClean="0">
-                <a:latin typeface="Times New Roman" panose="02020603050405020304" pitchFamily="18" charset="0"/>
-                <a:cs typeface="Times New Roman" panose="02020603050405020304" pitchFamily="18" charset="0"/>
-              </a:rPr>
-              <a:t>Infant.Mortality</a:t>
-            </a:r>
-            <a:r>
-              <a:rPr lang="en-US" dirty="0" smtClean="0">
-                <a:latin typeface="Times New Roman" panose="02020603050405020304" pitchFamily="18" charset="0"/>
-                <a:cs typeface="Times New Roman" panose="02020603050405020304" pitchFamily="18" charset="0"/>
-              </a:rPr>
-              <a:t> with three levels: low (less than 18.936), medium (between 18.936 and 20.708), and high (greater than 20.708), and regress Fertility on this variable alone, using high as the reference.  What is the interpretation of the value -10.495 in the Estimate Column? </a:t>
-            </a:r>
-          </a:p>
-          <a:p>
-            <a:pPr marL="914400" lvl="1" indent="-457200">
-              <a:buFont typeface="+mj-lt"/>
-              <a:buAutoNum type="arabicPeriod"/>
-            </a:pPr>
-            <a:endParaRPr lang="en-US" dirty="0" smtClean="0">
-              <a:latin typeface="Times New Roman" panose="02020603050405020304" pitchFamily="18" charset="0"/>
-              <a:cs typeface="Times New Roman" panose="02020603050405020304" pitchFamily="18" charset="0"/>
-            </a:endParaRPr>
-          </a:p>
-          <a:p>
-            <a:pPr marL="742950" lvl="1" indent="-285750">
-              <a:buFont typeface="Arial" panose="020B0604020202020204" pitchFamily="34" charset="0"/>
-              <a:buChar char="•"/>
-            </a:pPr>
-            <a:endParaRPr lang="en-US" dirty="0" smtClean="0">
-              <a:latin typeface="Times New Roman" panose="02020603050405020304" pitchFamily="18" charset="0"/>
-              <a:cs typeface="Times New Roman" panose="02020603050405020304" pitchFamily="18" charset="0"/>
-            </a:endParaRPr>
-          </a:p>
-          <a:p>
-            <a:pPr marL="742950" lvl="1" indent="-285750">
-              <a:buFont typeface="Arial" panose="020B0604020202020204" pitchFamily="34" charset="0"/>
-              <a:buChar char="•"/>
-            </a:pPr>
-            <a:endParaRPr lang="en-US" sz="1600" dirty="0"/>
-          </a:p>
-        </p:txBody>
-      </p:sp>
-    </p:spTree>
-    <p:extLst>
-      <p:ext uri="{BB962C8B-B14F-4D97-AF65-F5344CB8AC3E}">
-        <p14:creationId xmlns:p14="http://schemas.microsoft.com/office/powerpoint/2010/main" val="267933833"/>
-      </p:ext>
-    </p:extLst>
-  </p:cSld>
-  <p:clrMapOvr>
-    <a:masterClrMapping/>
-  </p:clrMapOvr>
-</p:sld>
-</file>
-
-<file path=ppt/slides/slide35.xml><?xml version="1.0" encoding="utf-8"?>
-<p:sld xmlns:a="http://schemas.openxmlformats.org/drawingml/2006/main" xmlns:r="http://schemas.openxmlformats.org/officeDocument/2006/relationships" xmlns:p="http://schemas.openxmlformats.org/presentationml/2006/main">
-  <p:cSld>
-    <p:spTree>
-      <p:nvGrpSpPr>
-        <p:cNvPr id="1" name=""/>
-        <p:cNvGrpSpPr/>
-        <p:nvPr/>
-      </p:nvGrpSpPr>
-      <p:grpSpPr>
-        <a:xfrm>
-          <a:off x="0" y="0"/>
-          <a:ext cx="0" cy="0"/>
-          <a:chOff x="0" y="0"/>
-          <a:chExt cx="0" cy="0"/>
-        </a:xfrm>
-      </p:grpSpPr>
-      <p:sp>
-        <p:nvSpPr>
-          <p:cNvPr id="2" name="TextBox 1"/>
-          <p:cNvSpPr txBox="1"/>
-          <p:nvPr/>
-        </p:nvSpPr>
-        <p:spPr>
-          <a:xfrm>
-            <a:off x="157942" y="1596046"/>
-            <a:ext cx="11671069" cy="2800767"/>
-          </a:xfrm>
-          <a:prstGeom prst="rect">
-            <a:avLst/>
-          </a:prstGeom>
-          <a:noFill/>
-        </p:spPr>
-        <p:txBody>
-          <a:bodyPr wrap="square" rtlCol="0">
-            <a:spAutoFit/>
-          </a:bodyPr>
-          <a:lstStyle/>
-          <a:p>
-            <a:pPr algn="ctr"/>
-            <a:r>
-              <a:rPr lang="en-US" sz="4000" b="1" dirty="0" smtClean="0">
-                <a:latin typeface="Times New Roman" panose="02020603050405020304" pitchFamily="18" charset="0"/>
-                <a:cs typeface="Times New Roman" panose="02020603050405020304" pitchFamily="18" charset="0"/>
-              </a:rPr>
-              <a:t>Part </a:t>
-            </a:r>
-            <a:r>
-              <a:rPr lang="en-US" sz="4000" b="1" dirty="0" smtClean="0">
-                <a:latin typeface="Times New Roman" panose="02020603050405020304" pitchFamily="18" charset="0"/>
-                <a:cs typeface="Times New Roman" panose="02020603050405020304" pitchFamily="18" charset="0"/>
-              </a:rPr>
-              <a:t>II: </a:t>
-            </a:r>
-            <a:endParaRPr lang="en-US" sz="4000" b="1" dirty="0" smtClean="0">
-              <a:latin typeface="Times New Roman" panose="02020603050405020304" pitchFamily="18" charset="0"/>
-              <a:cs typeface="Times New Roman" panose="02020603050405020304" pitchFamily="18" charset="0"/>
-            </a:endParaRPr>
-          </a:p>
-          <a:p>
-            <a:pPr algn="ctr"/>
-            <a:r>
-              <a:rPr lang="en-US" sz="4000" b="1" dirty="0" smtClean="0">
-                <a:latin typeface="Times New Roman" panose="02020603050405020304" pitchFamily="18" charset="0"/>
-                <a:cs typeface="Times New Roman" panose="02020603050405020304" pitchFamily="18" charset="0"/>
-              </a:rPr>
-              <a:t>The Generalized Linear Model and Its </a:t>
-            </a:r>
-            <a:r>
-              <a:rPr lang="en-US" sz="4000" b="1" dirty="0" smtClean="0">
-                <a:latin typeface="Times New Roman" panose="02020603050405020304" pitchFamily="18" charset="0"/>
-                <a:cs typeface="Times New Roman" panose="02020603050405020304" pitchFamily="18" charset="0"/>
-              </a:rPr>
-              <a:t>A</a:t>
-            </a:r>
-            <a:r>
-              <a:rPr lang="en-US" sz="4000" b="1" dirty="0" smtClean="0">
-                <a:latin typeface="Times New Roman" panose="02020603050405020304" pitchFamily="18" charset="0"/>
-                <a:cs typeface="Times New Roman" panose="02020603050405020304" pitchFamily="18" charset="0"/>
-              </a:rPr>
-              <a:t>ssumptions: </a:t>
-            </a:r>
-            <a:endParaRPr lang="en-US" sz="4000" b="1" dirty="0" smtClean="0">
-              <a:latin typeface="Times New Roman" panose="02020603050405020304" pitchFamily="18" charset="0"/>
-              <a:cs typeface="Times New Roman" panose="02020603050405020304" pitchFamily="18" charset="0"/>
-            </a:endParaRPr>
-          </a:p>
-          <a:p>
-            <a:pPr algn="ctr"/>
-            <a:r>
-              <a:rPr lang="en-US" sz="3200" b="1" dirty="0" smtClean="0">
-                <a:latin typeface="Times New Roman" panose="02020603050405020304" pitchFamily="18" charset="0"/>
-                <a:cs typeface="Times New Roman" panose="02020603050405020304" pitchFamily="18" charset="0"/>
-              </a:rPr>
-              <a:t>Logistic, </a:t>
-            </a:r>
-            <a:r>
-              <a:rPr lang="en-US" sz="3200" b="1" dirty="0" err="1" smtClean="0">
-                <a:latin typeface="Times New Roman" panose="02020603050405020304" pitchFamily="18" charset="0"/>
-                <a:cs typeface="Times New Roman" panose="02020603050405020304" pitchFamily="18" charset="0"/>
-              </a:rPr>
-              <a:t>Probit</a:t>
-            </a:r>
-            <a:r>
-              <a:rPr lang="en-US" sz="3200" b="1" dirty="0" smtClean="0">
-                <a:latin typeface="Times New Roman" panose="02020603050405020304" pitchFamily="18" charset="0"/>
-                <a:cs typeface="Times New Roman" panose="02020603050405020304" pitchFamily="18" charset="0"/>
-              </a:rPr>
-              <a:t>, and Count Regressions</a:t>
-            </a:r>
-          </a:p>
-          <a:p>
-            <a:pPr algn="ctr"/>
-            <a:r>
-              <a:rPr lang="en-US" sz="3200" b="1" dirty="0" smtClean="0">
-                <a:latin typeface="Times New Roman" panose="02020603050405020304" pitchFamily="18" charset="0"/>
-                <a:cs typeface="Times New Roman" panose="02020603050405020304" pitchFamily="18" charset="0"/>
-              </a:rPr>
-              <a:t>&amp;</a:t>
-            </a:r>
-          </a:p>
-          <a:p>
-            <a:pPr algn="ctr"/>
-            <a:r>
-              <a:rPr lang="en-US" sz="3200" b="1" dirty="0" smtClean="0">
-                <a:latin typeface="Times New Roman" panose="02020603050405020304" pitchFamily="18" charset="0"/>
-                <a:cs typeface="Times New Roman" panose="02020603050405020304" pitchFamily="18" charset="0"/>
-              </a:rPr>
-              <a:t>Predictor Assessment, Transform, and Selection</a:t>
-            </a:r>
-            <a:endParaRPr lang="en-US" sz="3200" b="1" dirty="0">
-              <a:latin typeface="Times New Roman" panose="02020603050405020304" pitchFamily="18" charset="0"/>
-              <a:cs typeface="Times New Roman" panose="02020603050405020304" pitchFamily="18" charset="0"/>
-            </a:endParaRPr>
-          </a:p>
-        </p:txBody>
-      </p:sp>
-    </p:spTree>
-    <p:extLst>
-      <p:ext uri="{BB962C8B-B14F-4D97-AF65-F5344CB8AC3E}">
-        <p14:creationId xmlns:p14="http://schemas.microsoft.com/office/powerpoint/2010/main" val="3368963365"/>
       </p:ext>
     </p:extLst>
   </p:cSld>
@@ -26919,19 +28689,319 @@
                 <a:latin typeface="Times New Roman" panose="02020603050405020304" pitchFamily="18" charset="0"/>
                 <a:cs typeface="Times New Roman" panose="02020603050405020304" pitchFamily="18" charset="0"/>
               </a:rPr>
-              <a:t>The Generalized Linear Model</a:t>
+              <a:t>Creating a Multivariate Linear Model in R with </a:t>
+            </a:r>
+            <a:r>
+              <a:rPr lang="en-US" dirty="0" err="1" smtClean="0">
+                <a:latin typeface="Times New Roman" panose="02020603050405020304" pitchFamily="18" charset="0"/>
+                <a:cs typeface="Times New Roman" panose="02020603050405020304" pitchFamily="18" charset="0"/>
+              </a:rPr>
+              <a:t>glm</a:t>
+            </a:r>
+            <a:r>
+              <a:rPr lang="en-US" dirty="0" smtClean="0">
+                <a:latin typeface="Times New Roman" panose="02020603050405020304" pitchFamily="18" charset="0"/>
+                <a:cs typeface="Times New Roman" panose="02020603050405020304" pitchFamily="18" charset="0"/>
+              </a:rPr>
+              <a:t>():  Exercise 1</a:t>
             </a:r>
             <a:endParaRPr lang="en-US" dirty="0">
               <a:latin typeface="Times New Roman" panose="02020603050405020304" pitchFamily="18" charset="0"/>
               <a:cs typeface="Times New Roman" panose="02020603050405020304" pitchFamily="18" charset="0"/>
             </a:endParaRPr>
+          </a:p>
+        </p:txBody>
+      </p:sp>
+      <p:sp>
+        <p:nvSpPr>
+          <p:cNvPr id="3" name="TextBox 2"/>
+          <p:cNvSpPr txBox="1"/>
+          <p:nvPr/>
+        </p:nvSpPr>
+        <p:spPr>
+          <a:xfrm>
+            <a:off x="519953" y="869576"/>
+            <a:ext cx="11107271" cy="5601533"/>
+          </a:xfrm>
+          <a:prstGeom prst="rect">
+            <a:avLst/>
+          </a:prstGeom>
+          <a:noFill/>
+        </p:spPr>
+        <p:txBody>
+          <a:bodyPr wrap="square" rtlCol="0">
+            <a:spAutoFit/>
+          </a:bodyPr>
+          <a:lstStyle/>
+          <a:p>
+            <a:pPr marL="285750" indent="-285750">
+              <a:buFont typeface="Arial" panose="020B0604020202020204" pitchFamily="34" charset="0"/>
+              <a:buChar char="•"/>
+            </a:pPr>
+            <a:r>
+              <a:rPr lang="en-US" dirty="0" smtClean="0">
+                <a:latin typeface="Times New Roman" panose="02020603050405020304" pitchFamily="18" charset="0"/>
+                <a:cs typeface="Times New Roman" panose="02020603050405020304" pitchFamily="18" charset="0"/>
+              </a:rPr>
+              <a:t>Use R, and what we have learned to help you answer these questions about the </a:t>
+            </a:r>
+            <a:r>
+              <a:rPr lang="en-US" dirty="0" err="1" smtClean="0">
+                <a:latin typeface="Times New Roman" panose="02020603050405020304" pitchFamily="18" charset="0"/>
+                <a:cs typeface="Times New Roman" panose="02020603050405020304" pitchFamily="18" charset="0"/>
+              </a:rPr>
+              <a:t>swiss</a:t>
+            </a:r>
+            <a:r>
+              <a:rPr lang="en-US" dirty="0" smtClean="0">
+                <a:latin typeface="Times New Roman" panose="02020603050405020304" pitchFamily="18" charset="0"/>
+                <a:cs typeface="Times New Roman" panose="02020603050405020304" pitchFamily="18" charset="0"/>
+              </a:rPr>
+              <a:t> dataset in a .txt file:</a:t>
+            </a:r>
+          </a:p>
+          <a:p>
+            <a:pPr marL="914400" lvl="1" indent="-457200">
+              <a:buFont typeface="+mj-lt"/>
+              <a:buAutoNum type="arabicPeriod"/>
+            </a:pPr>
+            <a:r>
+              <a:rPr lang="en-US" dirty="0" smtClean="0">
+                <a:latin typeface="Times New Roman" panose="02020603050405020304" pitchFamily="18" charset="0"/>
+                <a:cs typeface="Times New Roman" panose="02020603050405020304" pitchFamily="18" charset="0"/>
+              </a:rPr>
+              <a:t>What year that the dataset “</a:t>
+            </a:r>
+            <a:r>
+              <a:rPr lang="en-US" dirty="0" err="1" smtClean="0">
+                <a:latin typeface="Times New Roman" panose="02020603050405020304" pitchFamily="18" charset="0"/>
+                <a:cs typeface="Times New Roman" panose="02020603050405020304" pitchFamily="18" charset="0"/>
+              </a:rPr>
+              <a:t>swiss</a:t>
+            </a:r>
+            <a:r>
+              <a:rPr lang="en-US" dirty="0" smtClean="0">
+                <a:latin typeface="Times New Roman" panose="02020603050405020304" pitchFamily="18" charset="0"/>
+                <a:cs typeface="Times New Roman" panose="02020603050405020304" pitchFamily="18" charset="0"/>
+              </a:rPr>
+              <a:t>” was collected?</a:t>
+            </a:r>
+          </a:p>
+          <a:p>
+            <a:pPr marL="914400" lvl="1" indent="-457200">
+              <a:buFont typeface="+mj-lt"/>
+              <a:buAutoNum type="arabicPeriod"/>
+            </a:pPr>
+            <a:r>
+              <a:rPr lang="en-US" dirty="0" smtClean="0">
+                <a:latin typeface="Times New Roman" panose="02020603050405020304" pitchFamily="18" charset="0"/>
+                <a:cs typeface="Times New Roman" panose="02020603050405020304" pitchFamily="18" charset="0"/>
+              </a:rPr>
+              <a:t>Adjusting for Education, Catholic, and </a:t>
+            </a:r>
+            <a:r>
+              <a:rPr lang="en-US" dirty="0" err="1" smtClean="0">
+                <a:latin typeface="Times New Roman" panose="02020603050405020304" pitchFamily="18" charset="0"/>
+                <a:cs typeface="Times New Roman" panose="02020603050405020304" pitchFamily="18" charset="0"/>
+              </a:rPr>
+              <a:t>infant.Mortality</a:t>
+            </a:r>
+            <a:r>
+              <a:rPr lang="en-US" dirty="0" smtClean="0">
+                <a:latin typeface="Times New Roman" panose="02020603050405020304" pitchFamily="18" charset="0"/>
+                <a:cs typeface="Times New Roman" panose="02020603050405020304" pitchFamily="18" charset="0"/>
+              </a:rPr>
+              <a:t>,</a:t>
+            </a:r>
+          </a:p>
+          <a:p>
+            <a:pPr marL="1371600" lvl="2" indent="-457200">
+              <a:buFont typeface="+mj-lt"/>
+              <a:buAutoNum type="arabicPeriod"/>
+            </a:pPr>
+            <a:r>
+              <a:rPr lang="en-US" dirty="0" smtClean="0">
+                <a:latin typeface="Times New Roman" panose="02020603050405020304" pitchFamily="18" charset="0"/>
+                <a:cs typeface="Times New Roman" panose="02020603050405020304" pitchFamily="18" charset="0"/>
+              </a:rPr>
+              <a:t>What is the expected average increase/decrease in Fertility corresponding to a 1% increase in the percentage of males working in agriculture (while also adjusting for Examination)?</a:t>
+            </a:r>
+          </a:p>
+          <a:p>
+            <a:pPr marL="1371600" lvl="2" indent="-457200">
+              <a:buFont typeface="+mj-lt"/>
+              <a:buAutoNum type="arabicPeriod"/>
+            </a:pPr>
+            <a:r>
+              <a:rPr lang="en-US" dirty="0" smtClean="0">
+                <a:latin typeface="Times New Roman" panose="02020603050405020304" pitchFamily="18" charset="0"/>
+                <a:cs typeface="Times New Roman" panose="02020603050405020304" pitchFamily="18" charset="0"/>
+              </a:rPr>
+              <a:t>What is the expected average increase/decrease in Fertility corresponding to a 1% increase in the percentage of draftees into the military who had education beyond </a:t>
+            </a:r>
+            <a:r>
+              <a:rPr lang="en-US" dirty="0" err="1" smtClean="0">
+                <a:latin typeface="Times New Roman" panose="02020603050405020304" pitchFamily="18" charset="0"/>
+                <a:cs typeface="Times New Roman" panose="02020603050405020304" pitchFamily="18" charset="0"/>
+              </a:rPr>
+              <a:t>highschool</a:t>
+            </a:r>
+            <a:r>
+              <a:rPr lang="en-US" dirty="0" smtClean="0">
+                <a:latin typeface="Times New Roman" panose="02020603050405020304" pitchFamily="18" charset="0"/>
+                <a:cs typeface="Times New Roman" panose="02020603050405020304" pitchFamily="18" charset="0"/>
+              </a:rPr>
+              <a:t>.</a:t>
+            </a:r>
+          </a:p>
+          <a:p>
+            <a:pPr marL="914400" lvl="1" indent="-457200">
+              <a:buFont typeface="+mj-lt"/>
+              <a:buAutoNum type="arabicPeriod"/>
+            </a:pPr>
+            <a:r>
+              <a:rPr lang="en-US" dirty="0" smtClean="0">
+                <a:latin typeface="Times New Roman" panose="02020603050405020304" pitchFamily="18" charset="0"/>
+                <a:cs typeface="Times New Roman" panose="02020603050405020304" pitchFamily="18" charset="0"/>
+              </a:rPr>
+              <a:t>What is the AIC for a linear model relating Fertility to each of and all combinations involving the variables Education, Agriculture, and </a:t>
+            </a:r>
+            <a:r>
+              <a:rPr lang="en-US" dirty="0" err="1" smtClean="0">
+                <a:latin typeface="Times New Roman" panose="02020603050405020304" pitchFamily="18" charset="0"/>
+                <a:cs typeface="Times New Roman" panose="02020603050405020304" pitchFamily="18" charset="0"/>
+              </a:rPr>
+              <a:t>Infant.Mortality</a:t>
+            </a:r>
+            <a:r>
+              <a:rPr lang="en-US" dirty="0" smtClean="0">
+                <a:latin typeface="Times New Roman" panose="02020603050405020304" pitchFamily="18" charset="0"/>
+                <a:cs typeface="Times New Roman" panose="02020603050405020304" pitchFamily="18" charset="0"/>
+              </a:rPr>
+              <a:t>? </a:t>
+            </a:r>
+          </a:p>
+          <a:p>
+            <a:pPr marL="914400" lvl="1" indent="-457200">
+              <a:buFont typeface="+mj-lt"/>
+              <a:buAutoNum type="arabicPeriod"/>
+            </a:pPr>
+            <a:r>
+              <a:rPr lang="en-US" dirty="0" smtClean="0">
+                <a:latin typeface="Times New Roman" panose="02020603050405020304" pitchFamily="18" charset="0"/>
+                <a:cs typeface="Times New Roman" panose="02020603050405020304" pitchFamily="18" charset="0"/>
+              </a:rPr>
+              <a:t>What is the AIC for a linear model relating Fertility </a:t>
+            </a:r>
+            <a:r>
+              <a:rPr lang="en-US" dirty="0">
+                <a:latin typeface="Times New Roman" panose="02020603050405020304" pitchFamily="18" charset="0"/>
+                <a:cs typeface="Times New Roman" panose="02020603050405020304" pitchFamily="18" charset="0"/>
+              </a:rPr>
+              <a:t>to each of and all combinations involving the variables Education, Agriculture, and </a:t>
+            </a:r>
+            <a:r>
+              <a:rPr lang="en-US" dirty="0" err="1" smtClean="0">
+                <a:latin typeface="Times New Roman" panose="02020603050405020304" pitchFamily="18" charset="0"/>
+                <a:cs typeface="Times New Roman" panose="02020603050405020304" pitchFamily="18" charset="0"/>
+              </a:rPr>
+              <a:t>Infant.Mortality</a:t>
+            </a:r>
+            <a:r>
+              <a:rPr lang="en-US" dirty="0" smtClean="0">
+                <a:latin typeface="Times New Roman" panose="02020603050405020304" pitchFamily="18" charset="0"/>
+                <a:cs typeface="Times New Roman" panose="02020603050405020304" pitchFamily="18" charset="0"/>
+              </a:rPr>
+              <a:t>, except for the singleton effect of Education, and the binary joint effect of Agriculture and </a:t>
+            </a:r>
+            <a:r>
+              <a:rPr lang="en-US" dirty="0" err="1" smtClean="0">
+                <a:latin typeface="Times New Roman" panose="02020603050405020304" pitchFamily="18" charset="0"/>
+                <a:cs typeface="Times New Roman" panose="02020603050405020304" pitchFamily="18" charset="0"/>
+              </a:rPr>
+              <a:t>Infant.Mortality</a:t>
+            </a:r>
+            <a:r>
+              <a:rPr lang="en-US" dirty="0" smtClean="0">
+                <a:latin typeface="Times New Roman" panose="02020603050405020304" pitchFamily="18" charset="0"/>
+                <a:cs typeface="Times New Roman" panose="02020603050405020304" pitchFamily="18" charset="0"/>
+              </a:rPr>
+              <a:t>?</a:t>
+            </a:r>
+          </a:p>
+          <a:p>
+            <a:pPr marL="1371600" lvl="2" indent="-457200">
+              <a:buFont typeface="+mj-lt"/>
+              <a:buAutoNum type="arabicPeriod"/>
+            </a:pPr>
+            <a:r>
+              <a:rPr lang="en-US" dirty="0" smtClean="0">
+                <a:latin typeface="Times New Roman" panose="02020603050405020304" pitchFamily="18" charset="0"/>
+                <a:cs typeface="Times New Roman" panose="02020603050405020304" pitchFamily="18" charset="0"/>
+              </a:rPr>
+              <a:t>Can the removal of variables from the model increase the models effectiveness in terms of AIC?</a:t>
+            </a:r>
+          </a:p>
+          <a:p>
+            <a:pPr marL="914400" lvl="1" indent="-457200">
+              <a:buFont typeface="+mj-lt"/>
+              <a:buAutoNum type="arabicPeriod"/>
+            </a:pPr>
+            <a:r>
+              <a:rPr lang="en-US" dirty="0" smtClean="0">
+                <a:latin typeface="Times New Roman" panose="02020603050405020304" pitchFamily="18" charset="0"/>
+                <a:cs typeface="Times New Roman" panose="02020603050405020304" pitchFamily="18" charset="0"/>
+              </a:rPr>
+              <a:t>Create a categorical ordinal variable corresponding to </a:t>
+            </a:r>
+            <a:r>
+              <a:rPr lang="en-US" dirty="0" err="1" smtClean="0">
+                <a:latin typeface="Times New Roman" panose="02020603050405020304" pitchFamily="18" charset="0"/>
+                <a:cs typeface="Times New Roman" panose="02020603050405020304" pitchFamily="18" charset="0"/>
+              </a:rPr>
+              <a:t>Infant.Mortality</a:t>
+            </a:r>
+            <a:r>
+              <a:rPr lang="en-US" dirty="0" smtClean="0">
+                <a:latin typeface="Times New Roman" panose="02020603050405020304" pitchFamily="18" charset="0"/>
+                <a:cs typeface="Times New Roman" panose="02020603050405020304" pitchFamily="18" charset="0"/>
+              </a:rPr>
+              <a:t> with three levels: low (less than 18.936), medium (between 18.936 and 20.708), and high (greater than 20.708), and regress Fertility on this variable alone, using high as the reference.  What is the interpretation of the value -10.495 in the Estimate Column? </a:t>
+            </a:r>
+          </a:p>
+          <a:p>
+            <a:pPr marL="914400" lvl="1" indent="-457200">
+              <a:buFont typeface="+mj-lt"/>
+              <a:buAutoNum type="arabicPeriod"/>
+            </a:pPr>
+            <a:endParaRPr lang="en-US" dirty="0" smtClean="0">
+              <a:latin typeface="Times New Roman" panose="02020603050405020304" pitchFamily="18" charset="0"/>
+              <a:cs typeface="Times New Roman" panose="02020603050405020304" pitchFamily="18" charset="0"/>
+            </a:endParaRPr>
+          </a:p>
+          <a:p>
+            <a:pPr marL="742950" lvl="1" indent="-285750">
+              <a:buFont typeface="Arial" panose="020B0604020202020204" pitchFamily="34" charset="0"/>
+              <a:buChar char="•"/>
+            </a:pPr>
+            <a:endParaRPr lang="en-US" dirty="0" smtClean="0">
+              <a:latin typeface="Times New Roman" panose="02020603050405020304" pitchFamily="18" charset="0"/>
+              <a:cs typeface="Times New Roman" panose="02020603050405020304" pitchFamily="18" charset="0"/>
+            </a:endParaRPr>
+          </a:p>
+          <a:p>
+            <a:pPr marL="742950" lvl="1" indent="-285750">
+              <a:buFont typeface="Arial" panose="020B0604020202020204" pitchFamily="34" charset="0"/>
+              <a:buChar char="•"/>
+            </a:pPr>
+            <a:endParaRPr lang="en-US" sz="1600" dirty="0"/>
           </a:p>
         </p:txBody>
       </p:sp>
     </p:spTree>
     <p:extLst>
       <p:ext uri="{BB962C8B-B14F-4D97-AF65-F5344CB8AC3E}">
-        <p14:creationId xmlns:p14="http://schemas.microsoft.com/office/powerpoint/2010/main" val="4240559859"/>
+        <p14:creationId xmlns:p14="http://schemas.microsoft.com/office/powerpoint/2010/main" val="267933833"/>
       </p:ext>
     </p:extLst>
   </p:cSld>
@@ -26960,299 +29030,195 @@
       </p:grpSpPr>
       <p:sp>
         <p:nvSpPr>
-          <p:cNvPr id="2" name="Rectangle 1"/>
-          <p:cNvSpPr/>
+          <p:cNvPr id="2" name="TextBox 1"/>
+          <p:cNvSpPr txBox="1"/>
           <p:nvPr/>
         </p:nvSpPr>
         <p:spPr>
           <a:xfrm>
-            <a:off x="1090092" y="676101"/>
-            <a:ext cx="10204441" cy="5909310"/>
+            <a:off x="99219" y="3148010"/>
+            <a:ext cx="11671069" cy="707886"/>
           </a:xfrm>
           <a:prstGeom prst="rect">
             <a:avLst/>
           </a:prstGeom>
+          <a:noFill/>
         </p:spPr>
         <p:txBody>
-          <a:bodyPr wrap="square">
+          <a:bodyPr wrap="square" rtlCol="0">
             <a:spAutoFit/>
           </a:bodyPr>
           <a:lstStyle/>
           <a:p>
-            <a:r>
-              <a:rPr lang="en-US" b="1" dirty="0" smtClean="0"/>
-              <a:t>Statistical Analysis of Genomics Data Course Penn State (STAT 555) [Includes RNA-</a:t>
-            </a:r>
-            <a:r>
-              <a:rPr lang="en-US" b="1" dirty="0" err="1" smtClean="0"/>
-              <a:t>Seq</a:t>
-            </a:r>
-            <a:r>
-              <a:rPr lang="en-US" b="1" dirty="0" smtClean="0"/>
-              <a:t> Data]: </a:t>
-            </a:r>
-          </a:p>
-          <a:p>
-            <a:pPr marL="285750" indent="-285750">
-              <a:buFont typeface="Arial" panose="020B0604020202020204" pitchFamily="34" charset="0"/>
-              <a:buChar char="•"/>
-            </a:pPr>
-            <a:r>
-              <a:rPr lang="en-US" dirty="0" smtClean="0">
-                <a:hlinkClick r:id="rId2"/>
-              </a:rPr>
-              <a:t>https</a:t>
-            </a:r>
-            <a:r>
-              <a:rPr lang="en-US" dirty="0">
-                <a:hlinkClick r:id="rId2"/>
-              </a:rPr>
-              <a:t>://online.stat.psu.edu/stat555</a:t>
-            </a:r>
-            <a:r>
-              <a:rPr lang="en-US" dirty="0" smtClean="0">
-                <a:hlinkClick r:id="rId2"/>
-              </a:rPr>
-              <a:t>/</a:t>
-            </a:r>
-            <a:endParaRPr lang="en-US" dirty="0" smtClean="0"/>
-          </a:p>
-          <a:p>
-            <a:r>
-              <a:rPr lang="en-US" b="1" dirty="0" smtClean="0"/>
-              <a:t>Penn State University Introduction to R (STAT 484) Textbook, Resources, and Course Notes: </a:t>
-            </a:r>
-          </a:p>
-          <a:p>
-            <a:pPr marL="285750" indent="-285750">
-              <a:buFont typeface="Arial" panose="020B0604020202020204" pitchFamily="34" charset="0"/>
-              <a:buChar char="•"/>
-            </a:pPr>
-            <a:r>
-              <a:rPr lang="en-US" dirty="0"/>
-              <a:t>Textbook: </a:t>
-            </a:r>
-            <a:r>
-              <a:rPr lang="en-US" dirty="0">
-                <a:hlinkClick r:id="rId3"/>
-              </a:rPr>
-              <a:t>https://</a:t>
-            </a:r>
-            <a:r>
-              <a:rPr lang="en-US" dirty="0" smtClean="0">
-                <a:hlinkClick r:id="rId3"/>
-              </a:rPr>
-              <a:t>online.stat.psu.edu/statprogram/sites/statprogram/files/EssentialR.pdf</a:t>
-            </a:r>
-            <a:endParaRPr lang="en-US" dirty="0" smtClean="0"/>
-          </a:p>
-          <a:p>
-            <a:pPr marL="285750" indent="-285750">
-              <a:buFont typeface="Arial" panose="020B0604020202020204" pitchFamily="34" charset="0"/>
-              <a:buChar char="•"/>
-            </a:pPr>
-            <a:r>
-              <a:rPr lang="en-US" dirty="0"/>
-              <a:t>Resources</a:t>
-            </a:r>
-            <a:r>
-              <a:rPr lang="en-US" dirty="0" smtClean="0"/>
-              <a:t>: </a:t>
-            </a:r>
-            <a:r>
-              <a:rPr lang="en-US" dirty="0" smtClean="0">
-                <a:hlinkClick r:id="rId4"/>
-              </a:rPr>
-              <a:t>https</a:t>
-            </a:r>
-            <a:r>
-              <a:rPr lang="en-US" dirty="0">
-                <a:hlinkClick r:id="rId4"/>
-              </a:rPr>
-              <a:t>://</a:t>
-            </a:r>
-            <a:r>
-              <a:rPr lang="en-US" dirty="0" smtClean="0">
-                <a:hlinkClick r:id="rId4"/>
-              </a:rPr>
-              <a:t>online.stat.psu.edu/statprogram/sites/statprogram/files/EssentialRfiles.zip</a:t>
-            </a:r>
-            <a:endParaRPr lang="en-US" dirty="0" smtClean="0"/>
-          </a:p>
-          <a:p>
-            <a:pPr marL="285750" indent="-285750">
-              <a:buFont typeface="Arial" panose="020B0604020202020204" pitchFamily="34" charset="0"/>
-              <a:buChar char="•"/>
-            </a:pPr>
-            <a:r>
-              <a:rPr lang="en-US" dirty="0"/>
-              <a:t>Course Notes: </a:t>
-            </a:r>
-            <a:r>
-              <a:rPr lang="en-US" dirty="0">
-                <a:hlinkClick r:id="rId5"/>
-              </a:rPr>
-              <a:t>https://online.stat.psu.edu/stat484</a:t>
-            </a:r>
-            <a:r>
-              <a:rPr lang="en-US" dirty="0" smtClean="0">
-                <a:hlinkClick r:id="rId5"/>
-              </a:rPr>
-              <a:t>/</a:t>
-            </a:r>
-            <a:r>
-              <a:rPr lang="en-US" dirty="0" smtClean="0"/>
-              <a:t> </a:t>
-            </a:r>
-          </a:p>
-          <a:p>
-            <a:r>
-              <a:rPr lang="en-US" b="1" dirty="0" smtClean="0"/>
-              <a:t>Penn State University Intermediate R (STAT 485) Course Notes: </a:t>
-            </a:r>
-          </a:p>
-          <a:p>
-            <a:pPr marL="285750" indent="-285750">
-              <a:buFont typeface="Arial" panose="020B0604020202020204" pitchFamily="34" charset="0"/>
-              <a:buChar char="•"/>
-            </a:pPr>
-            <a:r>
-              <a:rPr lang="en-US" dirty="0"/>
-              <a:t>Course Notes: </a:t>
-            </a:r>
-            <a:r>
-              <a:rPr lang="en-US" dirty="0">
-                <a:hlinkClick r:id="rId6"/>
-              </a:rPr>
-              <a:t>https://online.stat.psu.edu/stat485</a:t>
-            </a:r>
-            <a:r>
-              <a:rPr lang="en-US" dirty="0" smtClean="0">
-                <a:hlinkClick r:id="rId6"/>
-              </a:rPr>
-              <a:t>/</a:t>
-            </a:r>
-            <a:endParaRPr lang="en-US" dirty="0" smtClean="0"/>
-          </a:p>
-          <a:p>
-            <a:endParaRPr lang="en-US" dirty="0" smtClean="0"/>
-          </a:p>
-          <a:p>
-            <a:r>
-              <a:rPr lang="en-US" b="1" dirty="0" smtClean="0"/>
-              <a:t>Some Basic R Exercises for Practice from geeksforgeeks.org:</a:t>
-            </a:r>
-          </a:p>
-          <a:p>
-            <a:pPr marL="285750" indent="-285750">
-              <a:buFont typeface="Arial" panose="020B0604020202020204" pitchFamily="34" charset="0"/>
-              <a:buChar char="•"/>
-            </a:pPr>
-            <a:r>
-              <a:rPr lang="en-US" dirty="0">
-                <a:hlinkClick r:id="rId7"/>
-              </a:rPr>
-              <a:t>https://www.geeksforgeeks.org/r-programming-exercises-practice-questions-and-solutions</a:t>
-            </a:r>
-            <a:r>
-              <a:rPr lang="en-US" dirty="0" smtClean="0">
-                <a:hlinkClick r:id="rId7"/>
-              </a:rPr>
-              <a:t>/</a:t>
-            </a:r>
-            <a:endParaRPr lang="en-US" dirty="0" smtClean="0"/>
-          </a:p>
-          <a:p>
-            <a:r>
-              <a:rPr lang="en-US" b="1" dirty="0" smtClean="0"/>
-              <a:t>Some Basic R Exercises for Practicing using the DAAG package </a:t>
-            </a:r>
-          </a:p>
-          <a:p>
-            <a:r>
-              <a:rPr lang="en-US" b="1" dirty="0"/>
-              <a:t>	</a:t>
-            </a:r>
-            <a:r>
-              <a:rPr lang="en-US" b="1" dirty="0" smtClean="0"/>
-              <a:t>(Associated with the textbook “Data Analysis and Graphics Using R”):</a:t>
-            </a:r>
-          </a:p>
-          <a:p>
-            <a:pPr marL="285750" indent="-285750">
-              <a:buFont typeface="Arial" panose="020B0604020202020204" pitchFamily="34" charset="0"/>
-              <a:buChar char="•"/>
-            </a:pPr>
-            <a:r>
-              <a:rPr lang="en-US" dirty="0">
-                <a:hlinkClick r:id="rId8"/>
-              </a:rPr>
-              <a:t>https://maths-people.anu.edu.au/~</a:t>
-            </a:r>
-            <a:r>
-              <a:rPr lang="en-US" dirty="0" smtClean="0">
-                <a:hlinkClick r:id="rId8"/>
-              </a:rPr>
-              <a:t>johnm/courses/r/exercises/pdf/r-exercises.pdf</a:t>
-            </a:r>
-            <a:endParaRPr lang="en-US" dirty="0" smtClean="0"/>
-          </a:p>
-          <a:p>
-            <a:r>
-              <a:rPr lang="en-US" b="1" dirty="0" smtClean="0"/>
-              <a:t>Some Basic Mathematical Exercises that will strengthen skills in any language including R:</a:t>
-            </a:r>
-          </a:p>
-          <a:p>
-            <a:pPr marL="285750" indent="-285750">
-              <a:buFont typeface="Arial" panose="020B0604020202020204" pitchFamily="34" charset="0"/>
-              <a:buChar char="•"/>
-            </a:pPr>
-            <a:r>
-              <a:rPr lang="en-US" b="1" dirty="0">
-                <a:hlinkClick r:id="rId9"/>
-              </a:rPr>
-              <a:t>https://</a:t>
-            </a:r>
-            <a:r>
-              <a:rPr lang="en-US" b="1" dirty="0" smtClean="0">
-                <a:hlinkClick r:id="rId9"/>
-              </a:rPr>
-              <a:t>projecteuler.net/</a:t>
-            </a:r>
-            <a:endParaRPr lang="en-US" b="1" dirty="0" smtClean="0"/>
-          </a:p>
-          <a:p>
-            <a:pPr marL="285750" indent="-285750">
-              <a:buFont typeface="Arial" panose="020B0604020202020204" pitchFamily="34" charset="0"/>
-              <a:buChar char="•"/>
-            </a:pPr>
-            <a:endParaRPr lang="en-US" b="1" dirty="0"/>
-          </a:p>
-          <a:p>
-            <a:r>
-              <a:rPr lang="en-US" b="1" dirty="0" smtClean="0"/>
-              <a:t>Some Good Books for Helping to Learn R:</a:t>
-            </a:r>
-          </a:p>
-          <a:p>
-            <a:endParaRPr lang="en-US" dirty="0" smtClean="0"/>
-          </a:p>
-          <a:p>
-            <a:endParaRPr lang="en-US" dirty="0" smtClean="0"/>
-          </a:p>
-          <a:p>
-            <a:pPr marL="285750" indent="-285750">
-              <a:buFont typeface="Arial" panose="020B0604020202020204" pitchFamily="34" charset="0"/>
-              <a:buChar char="•"/>
-            </a:pPr>
-            <a:endParaRPr lang="en-US" dirty="0" smtClean="0"/>
+            <a:pPr algn="ctr"/>
+            <a:r>
+              <a:rPr lang="en-US" sz="4000" b="1" dirty="0" smtClean="0">
+                <a:latin typeface="Times New Roman" panose="02020603050405020304" pitchFamily="18" charset="0"/>
+                <a:cs typeface="Times New Roman" panose="02020603050405020304" pitchFamily="18" charset="0"/>
+              </a:rPr>
+              <a:t>Break</a:t>
+            </a:r>
+            <a:endParaRPr lang="en-US" sz="3200" b="1" dirty="0">
+              <a:latin typeface="Times New Roman" panose="02020603050405020304" pitchFamily="18" charset="0"/>
+              <a:cs typeface="Times New Roman" panose="02020603050405020304" pitchFamily="18" charset="0"/>
+            </a:endParaRPr>
           </a:p>
         </p:txBody>
       </p:sp>
+    </p:spTree>
+    <p:extLst>
+      <p:ext uri="{BB962C8B-B14F-4D97-AF65-F5344CB8AC3E}">
+        <p14:creationId xmlns:p14="http://schemas.microsoft.com/office/powerpoint/2010/main" val="3329687545"/>
+      </p:ext>
+    </p:extLst>
+  </p:cSld>
+  <p:clrMapOvr>
+    <a:masterClrMapping/>
+  </p:clrMapOvr>
+</p:sld>
+</file>
+
+<file path=ppt/slides/slide38.xml><?xml version="1.0" encoding="utf-8"?>
+<p:sld xmlns:a="http://schemas.openxmlformats.org/drawingml/2006/main" xmlns:r="http://schemas.openxmlformats.org/officeDocument/2006/relationships" xmlns:p="http://schemas.openxmlformats.org/presentationml/2006/main">
+  <p:cSld>
+    <p:spTree>
+      <p:nvGrpSpPr>
+        <p:cNvPr id="1" name=""/>
+        <p:cNvGrpSpPr/>
+        <p:nvPr/>
+      </p:nvGrpSpPr>
+      <p:grpSpPr>
+        <a:xfrm>
+          <a:off x="0" y="0"/>
+          <a:ext cx="0" cy="0"/>
+          <a:chOff x="0" y="0"/>
+          <a:chExt cx="0" cy="0"/>
+        </a:xfrm>
+      </p:grpSpPr>
       <p:sp>
         <p:nvSpPr>
-          <p:cNvPr id="3" name="Title 1">
+          <p:cNvPr id="2" name="TextBox 1"/>
+          <p:cNvSpPr txBox="1"/>
+          <p:nvPr/>
+        </p:nvSpPr>
+        <p:spPr>
+          <a:xfrm>
+            <a:off x="157942" y="1596046"/>
+            <a:ext cx="11671069" cy="2800767"/>
+          </a:xfrm>
+          <a:prstGeom prst="rect">
+            <a:avLst/>
+          </a:prstGeom>
+          <a:noFill/>
+        </p:spPr>
+        <p:txBody>
+          <a:bodyPr wrap="square" rtlCol="0">
+            <a:spAutoFit/>
+          </a:bodyPr>
+          <a:lstStyle/>
+          <a:p>
+            <a:pPr algn="ctr"/>
+            <a:r>
+              <a:rPr lang="en-US" sz="4000" b="1" dirty="0" smtClean="0">
+                <a:latin typeface="Times New Roman" panose="02020603050405020304" pitchFamily="18" charset="0"/>
+                <a:cs typeface="Times New Roman" panose="02020603050405020304" pitchFamily="18" charset="0"/>
+              </a:rPr>
+              <a:t>Part II: </a:t>
+            </a:r>
+          </a:p>
+          <a:p>
+            <a:pPr algn="ctr"/>
+            <a:r>
+              <a:rPr lang="en-US" sz="4000" b="1" dirty="0" smtClean="0">
+                <a:latin typeface="Times New Roman" panose="02020603050405020304" pitchFamily="18" charset="0"/>
+                <a:cs typeface="Times New Roman" panose="02020603050405020304" pitchFamily="18" charset="0"/>
+              </a:rPr>
+              <a:t>The Generalized Linear Model and Its Assumptions: </a:t>
+            </a:r>
+          </a:p>
+          <a:p>
+            <a:pPr algn="ctr"/>
+            <a:r>
+              <a:rPr lang="en-US" sz="3200" b="1" dirty="0" smtClean="0">
+                <a:latin typeface="Times New Roman" panose="02020603050405020304" pitchFamily="18" charset="0"/>
+                <a:cs typeface="Times New Roman" panose="02020603050405020304" pitchFamily="18" charset="0"/>
+              </a:rPr>
+              <a:t>Logistic, </a:t>
+            </a:r>
+            <a:r>
+              <a:rPr lang="en-US" sz="3200" b="1" dirty="0" err="1" smtClean="0">
+                <a:latin typeface="Times New Roman" panose="02020603050405020304" pitchFamily="18" charset="0"/>
+                <a:cs typeface="Times New Roman" panose="02020603050405020304" pitchFamily="18" charset="0"/>
+              </a:rPr>
+              <a:t>Probit</a:t>
+            </a:r>
+            <a:r>
+              <a:rPr lang="en-US" sz="3200" b="1" dirty="0" smtClean="0">
+                <a:latin typeface="Times New Roman" panose="02020603050405020304" pitchFamily="18" charset="0"/>
+                <a:cs typeface="Times New Roman" panose="02020603050405020304" pitchFamily="18" charset="0"/>
+              </a:rPr>
+              <a:t>, and Count Regressions</a:t>
+            </a:r>
+          </a:p>
+          <a:p>
+            <a:pPr algn="ctr"/>
+            <a:r>
+              <a:rPr lang="en-US" sz="3200" b="1" dirty="0" smtClean="0">
+                <a:latin typeface="Times New Roman" panose="02020603050405020304" pitchFamily="18" charset="0"/>
+                <a:cs typeface="Times New Roman" panose="02020603050405020304" pitchFamily="18" charset="0"/>
+              </a:rPr>
+              <a:t>&amp;</a:t>
+            </a:r>
+          </a:p>
+          <a:p>
+            <a:pPr algn="ctr"/>
+            <a:r>
+              <a:rPr lang="en-US" sz="3200" b="1" dirty="0" smtClean="0">
+                <a:latin typeface="Times New Roman" panose="02020603050405020304" pitchFamily="18" charset="0"/>
+                <a:cs typeface="Times New Roman" panose="02020603050405020304" pitchFamily="18" charset="0"/>
+              </a:rPr>
+              <a:t>Predictor Assessment, Transform, and Selection</a:t>
+            </a:r>
+            <a:endParaRPr lang="en-US" sz="3200" b="1" dirty="0">
+              <a:latin typeface="Times New Roman" panose="02020603050405020304" pitchFamily="18" charset="0"/>
+              <a:cs typeface="Times New Roman" panose="02020603050405020304" pitchFamily="18" charset="0"/>
+            </a:endParaRPr>
+          </a:p>
+        </p:txBody>
+      </p:sp>
+    </p:spTree>
+    <p:extLst>
+      <p:ext uri="{BB962C8B-B14F-4D97-AF65-F5344CB8AC3E}">
+        <p14:creationId xmlns:p14="http://schemas.microsoft.com/office/powerpoint/2010/main" val="3368963365"/>
+      </p:ext>
+    </p:extLst>
+  </p:cSld>
+  <p:clrMapOvr>
+    <a:masterClrMapping/>
+  </p:clrMapOvr>
+</p:sld>
+</file>
+
+<file path=ppt/slides/slide39.xml><?xml version="1.0" encoding="utf-8"?>
+<p:sld xmlns:a="http://schemas.openxmlformats.org/drawingml/2006/main" xmlns:r="http://schemas.openxmlformats.org/officeDocument/2006/relationships" xmlns:p="http://schemas.openxmlformats.org/presentationml/2006/main">
+  <p:cSld>
+    <p:spTree>
+      <p:nvGrpSpPr>
+        <p:cNvPr id="1" name=""/>
+        <p:cNvGrpSpPr/>
+        <p:nvPr/>
+      </p:nvGrpSpPr>
+      <p:grpSpPr>
+        <a:xfrm>
+          <a:off x="0" y="0"/>
+          <a:ext cx="0" cy="0"/>
+          <a:chOff x="0" y="0"/>
+          <a:chExt cx="0" cy="0"/>
+        </a:xfrm>
+      </p:grpSpPr>
+      <p:sp>
+        <p:nvSpPr>
+          <p:cNvPr id="2" name="Title 1">
             <a:extLst>
               <a:ext uri="{FF2B5EF4-FFF2-40B4-BE49-F238E27FC236}">
                 <a16:creationId xmlns:a16="http://schemas.microsoft.com/office/drawing/2014/main" id="{636FB483-8A01-854E-9BBE-55E0C355A79B}"/>
@@ -27296,13 +29262,13 @@
           </a:lstStyle>
           <a:p>
             <a:r>
-              <a:rPr lang="en-US" sz="2400" dirty="0" smtClean="0">
+              <a:rPr lang="en-US" dirty="0" smtClean="0">
                 <a:latin typeface="Times New Roman" panose="02020603050405020304" pitchFamily="18" charset="0"/>
                 <a:cs typeface="Times New Roman" panose="02020603050405020304" pitchFamily="18" charset="0"/>
               </a:rPr>
-              <a:t>Additional Resources for Learning Statistics &amp; The R Programming Language.</a:t>
-            </a:r>
-            <a:endParaRPr lang="en-US" sz="2400" dirty="0">
+              <a:t>The Generalized Linear Model</a:t>
+            </a:r>
+            <a:endParaRPr lang="en-US" dirty="0">
               <a:latin typeface="Times New Roman" panose="02020603050405020304" pitchFamily="18" charset="0"/>
               <a:cs typeface="Times New Roman" panose="02020603050405020304" pitchFamily="18" charset="0"/>
             </a:endParaRPr>
@@ -27312,7 +29278,7 @@
     </p:spTree>
     <p:extLst>
       <p:ext uri="{BB962C8B-B14F-4D97-AF65-F5344CB8AC3E}">
-        <p14:creationId xmlns:p14="http://schemas.microsoft.com/office/powerpoint/2010/main" val="1509743409"/>
+        <p14:creationId xmlns:p14="http://schemas.microsoft.com/office/powerpoint/2010/main" val="4240559859"/>
       </p:ext>
     </p:extLst>
   </p:cSld>
@@ -27403,21 +29369,7 @@
                 <a:latin typeface="Times New Roman" panose="02020603050405020304" pitchFamily="18" charset="0"/>
                 <a:cs typeface="Times New Roman" panose="02020603050405020304" pitchFamily="18" charset="0"/>
               </a:rPr>
-              <a:t> learn </a:t>
-            </a:r>
-            <a:r>
-              <a:rPr lang="en-US" dirty="0" smtClean="0">
-                <a:latin typeface="Times New Roman" panose="02020603050405020304" pitchFamily="18" charset="0"/>
-                <a:cs typeface="Times New Roman" panose="02020603050405020304" pitchFamily="18" charset="0"/>
-              </a:rPr>
-              <a:t>in this </a:t>
-            </a:r>
-            <a:r>
-              <a:rPr lang="en-US" dirty="0" smtClean="0">
-                <a:latin typeface="Times New Roman" panose="02020603050405020304" pitchFamily="18" charset="0"/>
-                <a:cs typeface="Times New Roman" panose="02020603050405020304" pitchFamily="18" charset="0"/>
-              </a:rPr>
-              <a:t>section but have available in R!</a:t>
+              <a:t> learn in this section but have available in R!</a:t>
             </a:r>
             <a:endParaRPr lang="en-US" dirty="0">
               <a:latin typeface="Times New Roman" panose="02020603050405020304" pitchFamily="18" charset="0"/>
@@ -27473,18 +29425,18 @@
               <a:t>Can I produce Random Effects models using the R Languages </a:t>
             </a:r>
             <a:r>
-              <a:rPr lang="en-US" sz="1400" b="1" dirty="0" err="1" smtClean="0">
-                <a:latin typeface="Times New Roman" panose="02020603050405020304" pitchFamily="18" charset="0"/>
-                <a:cs typeface="Times New Roman" panose="02020603050405020304" pitchFamily="18" charset="0"/>
-              </a:rPr>
-              <a:t>lmer</a:t>
-            </a:r>
-            <a:r>
               <a:rPr lang="en-US" sz="1400" b="1" dirty="0" smtClean="0">
                 <a:latin typeface="Times New Roman" panose="02020603050405020304" pitchFamily="18" charset="0"/>
                 <a:cs typeface="Times New Roman" panose="02020603050405020304" pitchFamily="18" charset="0"/>
               </a:rPr>
-              <a:t> package</a:t>
+              <a:t>lme4 (Linear Mixed-Effects models) </a:t>
+            </a:r>
+            <a:r>
+              <a:rPr lang="en-US" sz="1400" b="1" dirty="0" smtClean="0">
+                <a:latin typeface="Times New Roman" panose="02020603050405020304" pitchFamily="18" charset="0"/>
+                <a:cs typeface="Times New Roman" panose="02020603050405020304" pitchFamily="18" charset="0"/>
+              </a:rPr>
+              <a:t>package</a:t>
             </a:r>
             <a:r>
               <a:rPr lang="en-US" sz="1400" dirty="0" smtClean="0">
@@ -27705,10 +29657,6 @@
               </a:rPr>
               <a:t>Machine Learning (Perceptron Modeling, Random Forests, Naïve Bayes, etc…) </a:t>
             </a:r>
-            <a:endParaRPr lang="en-US" sz="1400" dirty="0" smtClean="0">
-              <a:latin typeface="Times New Roman" panose="02020603050405020304" pitchFamily="18" charset="0"/>
-              <a:cs typeface="Times New Roman" panose="02020603050405020304" pitchFamily="18" charset="0"/>
-            </a:endParaRPr>
           </a:p>
           <a:p>
             <a:pPr marL="285750" indent="-285750">
@@ -27851,6 +29799,387 @@
     <p:extLst>
       <p:ext uri="{BB962C8B-B14F-4D97-AF65-F5344CB8AC3E}">
         <p14:creationId xmlns:p14="http://schemas.microsoft.com/office/powerpoint/2010/main" val="2574424074"/>
+      </p:ext>
+    </p:extLst>
+  </p:cSld>
+  <p:clrMapOvr>
+    <a:masterClrMapping/>
+  </p:clrMapOvr>
+</p:sld>
+</file>
+
+<file path=ppt/slides/slide40.xml><?xml version="1.0" encoding="utf-8"?>
+<p:sld xmlns:a="http://schemas.openxmlformats.org/drawingml/2006/main" xmlns:r="http://schemas.openxmlformats.org/officeDocument/2006/relationships" xmlns:p="http://schemas.openxmlformats.org/presentationml/2006/main">
+  <p:cSld>
+    <p:spTree>
+      <p:nvGrpSpPr>
+        <p:cNvPr id="1" name=""/>
+        <p:cNvGrpSpPr/>
+        <p:nvPr/>
+      </p:nvGrpSpPr>
+      <p:grpSpPr>
+        <a:xfrm>
+          <a:off x="0" y="0"/>
+          <a:ext cx="0" cy="0"/>
+          <a:chOff x="0" y="0"/>
+          <a:chExt cx="0" cy="0"/>
+        </a:xfrm>
+      </p:grpSpPr>
+      <p:sp>
+        <p:nvSpPr>
+          <p:cNvPr id="2" name="Rectangle 1"/>
+          <p:cNvSpPr/>
+          <p:nvPr/>
+        </p:nvSpPr>
+        <p:spPr>
+          <a:xfrm>
+            <a:off x="1090092" y="676101"/>
+            <a:ext cx="10204441" cy="5909310"/>
+          </a:xfrm>
+          <a:prstGeom prst="rect">
+            <a:avLst/>
+          </a:prstGeom>
+        </p:spPr>
+        <p:txBody>
+          <a:bodyPr wrap="square">
+            <a:spAutoFit/>
+          </a:bodyPr>
+          <a:lstStyle/>
+          <a:p>
+            <a:r>
+              <a:rPr lang="en-US" b="1" dirty="0" smtClean="0"/>
+              <a:t>Statistical Analysis of Genomics Data Course Penn State (STAT 555) [Includes RNA-</a:t>
+            </a:r>
+            <a:r>
+              <a:rPr lang="en-US" b="1" dirty="0" err="1" smtClean="0"/>
+              <a:t>Seq</a:t>
+            </a:r>
+            <a:r>
+              <a:rPr lang="en-US" b="1" dirty="0" smtClean="0"/>
+              <a:t> Data]: </a:t>
+            </a:r>
+          </a:p>
+          <a:p>
+            <a:pPr marL="285750" indent="-285750">
+              <a:buFont typeface="Arial" panose="020B0604020202020204" pitchFamily="34" charset="0"/>
+              <a:buChar char="•"/>
+            </a:pPr>
+            <a:r>
+              <a:rPr lang="en-US" dirty="0" smtClean="0">
+                <a:hlinkClick r:id="rId2"/>
+              </a:rPr>
+              <a:t>https</a:t>
+            </a:r>
+            <a:r>
+              <a:rPr lang="en-US" dirty="0">
+                <a:hlinkClick r:id="rId2"/>
+              </a:rPr>
+              <a:t>://online.stat.psu.edu/stat555</a:t>
+            </a:r>
+            <a:r>
+              <a:rPr lang="en-US" dirty="0" smtClean="0">
+                <a:hlinkClick r:id="rId2"/>
+              </a:rPr>
+              <a:t>/</a:t>
+            </a:r>
+            <a:endParaRPr lang="en-US" dirty="0" smtClean="0"/>
+          </a:p>
+          <a:p>
+            <a:r>
+              <a:rPr lang="en-US" b="1" dirty="0" smtClean="0"/>
+              <a:t>Penn State University Introduction to R (STAT 484) Textbook, Resources, and Course Notes: </a:t>
+            </a:r>
+          </a:p>
+          <a:p>
+            <a:pPr marL="285750" indent="-285750">
+              <a:buFont typeface="Arial" panose="020B0604020202020204" pitchFamily="34" charset="0"/>
+              <a:buChar char="•"/>
+            </a:pPr>
+            <a:r>
+              <a:rPr lang="en-US" dirty="0"/>
+              <a:t>Textbook: </a:t>
+            </a:r>
+            <a:r>
+              <a:rPr lang="en-US" dirty="0">
+                <a:hlinkClick r:id="rId3"/>
+              </a:rPr>
+              <a:t>https://</a:t>
+            </a:r>
+            <a:r>
+              <a:rPr lang="en-US" dirty="0" smtClean="0">
+                <a:hlinkClick r:id="rId3"/>
+              </a:rPr>
+              <a:t>online.stat.psu.edu/statprogram/sites/statprogram/files/EssentialR.pdf</a:t>
+            </a:r>
+            <a:endParaRPr lang="en-US" dirty="0" smtClean="0"/>
+          </a:p>
+          <a:p>
+            <a:pPr marL="285750" indent="-285750">
+              <a:buFont typeface="Arial" panose="020B0604020202020204" pitchFamily="34" charset="0"/>
+              <a:buChar char="•"/>
+            </a:pPr>
+            <a:r>
+              <a:rPr lang="en-US" dirty="0"/>
+              <a:t>Resources</a:t>
+            </a:r>
+            <a:r>
+              <a:rPr lang="en-US" dirty="0" smtClean="0"/>
+              <a:t>: </a:t>
+            </a:r>
+            <a:r>
+              <a:rPr lang="en-US" dirty="0" smtClean="0">
+                <a:hlinkClick r:id="rId4"/>
+              </a:rPr>
+              <a:t>https</a:t>
+            </a:r>
+            <a:r>
+              <a:rPr lang="en-US" dirty="0">
+                <a:hlinkClick r:id="rId4"/>
+              </a:rPr>
+              <a:t>://</a:t>
+            </a:r>
+            <a:r>
+              <a:rPr lang="en-US" dirty="0" smtClean="0">
+                <a:hlinkClick r:id="rId4"/>
+              </a:rPr>
+              <a:t>online.stat.psu.edu/statprogram/sites/statprogram/files/EssentialRfiles.zip</a:t>
+            </a:r>
+            <a:endParaRPr lang="en-US" dirty="0" smtClean="0"/>
+          </a:p>
+          <a:p>
+            <a:pPr marL="285750" indent="-285750">
+              <a:buFont typeface="Arial" panose="020B0604020202020204" pitchFamily="34" charset="0"/>
+              <a:buChar char="•"/>
+            </a:pPr>
+            <a:r>
+              <a:rPr lang="en-US" dirty="0"/>
+              <a:t>Course Notes: </a:t>
+            </a:r>
+            <a:r>
+              <a:rPr lang="en-US" dirty="0">
+                <a:hlinkClick r:id="rId5"/>
+              </a:rPr>
+              <a:t>https://online.stat.psu.edu/stat484</a:t>
+            </a:r>
+            <a:r>
+              <a:rPr lang="en-US" dirty="0" smtClean="0">
+                <a:hlinkClick r:id="rId5"/>
+              </a:rPr>
+              <a:t>/</a:t>
+            </a:r>
+            <a:r>
+              <a:rPr lang="en-US" dirty="0" smtClean="0"/>
+              <a:t> </a:t>
+            </a:r>
+          </a:p>
+          <a:p>
+            <a:r>
+              <a:rPr lang="en-US" b="1" dirty="0" smtClean="0"/>
+              <a:t>Penn State University Intermediate R (STAT 485) Course Notes: </a:t>
+            </a:r>
+          </a:p>
+          <a:p>
+            <a:pPr marL="285750" indent="-285750">
+              <a:buFont typeface="Arial" panose="020B0604020202020204" pitchFamily="34" charset="0"/>
+              <a:buChar char="•"/>
+            </a:pPr>
+            <a:r>
+              <a:rPr lang="en-US" dirty="0"/>
+              <a:t>Course Notes: </a:t>
+            </a:r>
+            <a:r>
+              <a:rPr lang="en-US" dirty="0">
+                <a:hlinkClick r:id="rId6"/>
+              </a:rPr>
+              <a:t>https://online.stat.psu.edu/stat485</a:t>
+            </a:r>
+            <a:r>
+              <a:rPr lang="en-US" dirty="0" smtClean="0">
+                <a:hlinkClick r:id="rId6"/>
+              </a:rPr>
+              <a:t>/</a:t>
+            </a:r>
+            <a:endParaRPr lang="en-US" dirty="0" smtClean="0"/>
+          </a:p>
+          <a:p>
+            <a:endParaRPr lang="en-US" dirty="0" smtClean="0"/>
+          </a:p>
+          <a:p>
+            <a:r>
+              <a:rPr lang="en-US" b="1" dirty="0" smtClean="0"/>
+              <a:t>Some Basic R Exercises for Practice from geeksforgeeks.org:</a:t>
+            </a:r>
+          </a:p>
+          <a:p>
+            <a:pPr marL="285750" indent="-285750">
+              <a:buFont typeface="Arial" panose="020B0604020202020204" pitchFamily="34" charset="0"/>
+              <a:buChar char="•"/>
+            </a:pPr>
+            <a:r>
+              <a:rPr lang="en-US" dirty="0">
+                <a:hlinkClick r:id="rId7"/>
+              </a:rPr>
+              <a:t>https://www.geeksforgeeks.org/r-programming-exercises-practice-questions-and-solutions</a:t>
+            </a:r>
+            <a:r>
+              <a:rPr lang="en-US" dirty="0" smtClean="0">
+                <a:hlinkClick r:id="rId7"/>
+              </a:rPr>
+              <a:t>/</a:t>
+            </a:r>
+            <a:endParaRPr lang="en-US" dirty="0" smtClean="0"/>
+          </a:p>
+          <a:p>
+            <a:r>
+              <a:rPr lang="en-US" b="1" dirty="0" smtClean="0"/>
+              <a:t>Some Basic R Exercises for Practicing using the DAAG package </a:t>
+            </a:r>
+          </a:p>
+          <a:p>
+            <a:r>
+              <a:rPr lang="en-US" b="1" dirty="0"/>
+              <a:t>	</a:t>
+            </a:r>
+            <a:r>
+              <a:rPr lang="en-US" b="1" dirty="0" smtClean="0"/>
+              <a:t>(Associated with the textbook “Data Analysis and Graphics Using R”):</a:t>
+            </a:r>
+          </a:p>
+          <a:p>
+            <a:pPr marL="285750" indent="-285750">
+              <a:buFont typeface="Arial" panose="020B0604020202020204" pitchFamily="34" charset="0"/>
+              <a:buChar char="•"/>
+            </a:pPr>
+            <a:r>
+              <a:rPr lang="en-US" dirty="0">
+                <a:hlinkClick r:id="rId8"/>
+              </a:rPr>
+              <a:t>https://maths-people.anu.edu.au/~</a:t>
+            </a:r>
+            <a:r>
+              <a:rPr lang="en-US" dirty="0" smtClean="0">
+                <a:hlinkClick r:id="rId8"/>
+              </a:rPr>
+              <a:t>johnm/courses/r/exercises/pdf/r-exercises.pdf</a:t>
+            </a:r>
+            <a:endParaRPr lang="en-US" dirty="0" smtClean="0"/>
+          </a:p>
+          <a:p>
+            <a:r>
+              <a:rPr lang="en-US" b="1" dirty="0" smtClean="0"/>
+              <a:t>Some Basic Mathematical Exercises that will strengthen skills in any language including R:</a:t>
+            </a:r>
+          </a:p>
+          <a:p>
+            <a:pPr marL="285750" indent="-285750">
+              <a:buFont typeface="Arial" panose="020B0604020202020204" pitchFamily="34" charset="0"/>
+              <a:buChar char="•"/>
+            </a:pPr>
+            <a:r>
+              <a:rPr lang="en-US" b="1" dirty="0">
+                <a:hlinkClick r:id="rId9"/>
+              </a:rPr>
+              <a:t>https://</a:t>
+            </a:r>
+            <a:r>
+              <a:rPr lang="en-US" b="1" dirty="0" smtClean="0">
+                <a:hlinkClick r:id="rId9"/>
+              </a:rPr>
+              <a:t>projecteuler.net/</a:t>
+            </a:r>
+            <a:endParaRPr lang="en-US" b="1" dirty="0" smtClean="0"/>
+          </a:p>
+          <a:p>
+            <a:pPr marL="285750" indent="-285750">
+              <a:buFont typeface="Arial" panose="020B0604020202020204" pitchFamily="34" charset="0"/>
+              <a:buChar char="•"/>
+            </a:pPr>
+            <a:endParaRPr lang="en-US" b="1" dirty="0"/>
+          </a:p>
+          <a:p>
+            <a:r>
+              <a:rPr lang="en-US" b="1" dirty="0" smtClean="0"/>
+              <a:t>Some Good Books for Helping to Learn R:</a:t>
+            </a:r>
+          </a:p>
+          <a:p>
+            <a:endParaRPr lang="en-US" dirty="0" smtClean="0"/>
+          </a:p>
+          <a:p>
+            <a:endParaRPr lang="en-US" dirty="0" smtClean="0"/>
+          </a:p>
+          <a:p>
+            <a:pPr marL="285750" indent="-285750">
+              <a:buFont typeface="Arial" panose="020B0604020202020204" pitchFamily="34" charset="0"/>
+              <a:buChar char="•"/>
+            </a:pPr>
+            <a:endParaRPr lang="en-US" dirty="0" smtClean="0"/>
+          </a:p>
+        </p:txBody>
+      </p:sp>
+      <p:sp>
+        <p:nvSpPr>
+          <p:cNvPr id="3" name="Title 1">
+            <a:extLst>
+              <a:ext uri="{FF2B5EF4-FFF2-40B4-BE49-F238E27FC236}">
+                <a16:creationId xmlns:a16="http://schemas.microsoft.com/office/drawing/2014/main" id="{636FB483-8A01-854E-9BBE-55E0C355A79B}"/>
+              </a:ext>
+            </a:extLst>
+          </p:cNvPr>
+          <p:cNvSpPr txBox="1">
+            <a:spLocks/>
+          </p:cNvSpPr>
+          <p:nvPr/>
+        </p:nvSpPr>
+        <p:spPr>
+          <a:xfrm>
+            <a:off x="292557" y="283221"/>
+            <a:ext cx="11756484" cy="656493"/>
+          </a:xfrm>
+          <a:prstGeom prst="rect">
+            <a:avLst/>
+          </a:prstGeom>
+        </p:spPr>
+        <p:txBody>
+          <a:bodyPr/>
+          <a:lstStyle>
+            <a:lvl1pPr algn="l" defTabSz="914400" rtl="0" eaLnBrk="1" latinLnBrk="0" hangingPunct="1">
+              <a:lnSpc>
+                <a:spcPct val="90000"/>
+              </a:lnSpc>
+              <a:spcBef>
+                <a:spcPct val="0"/>
+              </a:spcBef>
+              <a:buNone/>
+              <a:defRPr sz="2800" b="1" kern="1200">
+                <a:solidFill>
+                  <a:schemeClr val="tx1"/>
+                </a:solidFill>
+                <a:latin typeface="Helvetica" pitchFamily="2" charset="0"/>
+                <a:ea typeface="+mj-ea"/>
+                <a:cs typeface="+mj-cs"/>
+              </a:defRPr>
+            </a:lvl1pPr>
+          </a:lstStyle>
+          <a:p>
+            <a:r>
+              <a:rPr lang="en-US" sz="2400" dirty="0" smtClean="0">
+                <a:latin typeface="Times New Roman" panose="02020603050405020304" pitchFamily="18" charset="0"/>
+                <a:cs typeface="Times New Roman" panose="02020603050405020304" pitchFamily="18" charset="0"/>
+              </a:rPr>
+              <a:t>Additional Resources for Learning Statistics &amp; The R Programming Language.</a:t>
+            </a:r>
+            <a:endParaRPr lang="en-US" sz="2400" dirty="0">
+              <a:latin typeface="Times New Roman" panose="02020603050405020304" pitchFamily="18" charset="0"/>
+              <a:cs typeface="Times New Roman" panose="02020603050405020304" pitchFamily="18" charset="0"/>
+            </a:endParaRPr>
+          </a:p>
+        </p:txBody>
+      </p:sp>
+    </p:spTree>
+    <p:extLst>
+      <p:ext uri="{BB962C8B-B14F-4D97-AF65-F5344CB8AC3E}">
+        <p14:creationId xmlns:p14="http://schemas.microsoft.com/office/powerpoint/2010/main" val="1509743409"/>
       </p:ext>
     </p:extLst>
   </p:cSld>

--- a/Slides/IntroductionToRForBeginners_DayII_MT.pptx
+++ b/Slides/IntroductionToRForBeginners_DayII_MT.pptx
@@ -473,7 +473,7 @@
           <a:p>
             <a:fld id="{5A7C8C98-4CB3-174D-B081-3039D0753C62}" type="datetimeFigureOut">
               <a:rPr lang="en-US" smtClean="0"/>
-              <a:t>5/5/2022</a:t>
+              <a:t>5/6/2022</a:t>
             </a:fld>
             <a:endParaRPr lang="en-US" dirty="0"/>
           </a:p>
@@ -962,7 +962,7 @@
             <a:fld id="{32338A89-9E82-4046-8247-794AEC633712}" type="datetimeFigureOut">
               <a:rPr lang="en-US" smtClean="0"/>
               <a:pPr/>
-              <a:t>5/5/2022</a:t>
+              <a:t>5/6/2022</a:t>
             </a:fld>
             <a:endParaRPr lang="en-US" dirty="0"/>
           </a:p>
@@ -1348,7 +1348,7 @@
           <a:p>
             <a:fld id="{32338A89-9E82-4046-8247-794AEC633712}" type="datetimeFigureOut">
               <a:rPr lang="en-US" smtClean="0"/>
-              <a:t>5/5/2022</a:t>
+              <a:t>5/6/2022</a:t>
             </a:fld>
             <a:endParaRPr lang="en-US" dirty="0"/>
           </a:p>
@@ -1998,7 +1998,7 @@
           <a:p>
             <a:fld id="{32338A89-9E82-4046-8247-794AEC633712}" type="datetimeFigureOut">
               <a:rPr lang="en-US" smtClean="0"/>
-              <a:t>5/5/2022</a:t>
+              <a:t>5/6/2022</a:t>
             </a:fld>
             <a:endParaRPr lang="en-US" dirty="0"/>
           </a:p>
@@ -2572,7 +2572,7 @@
           <a:p>
             <a:fld id="{32338A89-9E82-4046-8247-794AEC633712}" type="datetimeFigureOut">
               <a:rPr lang="en-US" smtClean="0"/>
-              <a:t>5/5/2022</a:t>
+              <a:t>5/6/2022</a:t>
             </a:fld>
             <a:endParaRPr lang="en-US" dirty="0"/>
           </a:p>
@@ -2798,7 +2798,7 @@
           <a:p>
             <a:fld id="{32338A89-9E82-4046-8247-794AEC633712}" type="datetimeFigureOut">
               <a:rPr lang="en-US" smtClean="0"/>
-              <a:t>5/5/2022</a:t>
+              <a:t>5/6/2022</a:t>
             </a:fld>
             <a:endParaRPr lang="en-US" dirty="0"/>
           </a:p>
@@ -3096,7 +3096,7 @@
             <a:fld id="{32338A89-9E82-4046-8247-794AEC633712}" type="datetimeFigureOut">
               <a:rPr lang="en-US" smtClean="0"/>
               <a:pPr/>
-              <a:t>5/5/2022</a:t>
+              <a:t>5/6/2022</a:t>
             </a:fld>
             <a:endParaRPr lang="en-US" dirty="0"/>
           </a:p>
@@ -3692,6 +3692,13 @@
   <p:clrMapOvr>
     <a:masterClrMapping/>
   </p:clrMapOvr>
+  <p:timing>
+    <p:tnLst>
+      <p:par>
+        <p:cTn id="1" dur="indefinite" restart="never" nodeType="tmRoot"/>
+      </p:par>
+    </p:tnLst>
+  </p:timing>
 </p:sld>
 </file>
 
@@ -4103,6 +4110,13 @@
   <p:clrMapOvr>
     <a:masterClrMapping/>
   </p:clrMapOvr>
+  <p:timing>
+    <p:tnLst>
+      <p:par>
+        <p:cTn id="1" dur="indefinite" restart="never" nodeType="tmRoot"/>
+      </p:par>
+    </p:tnLst>
+  </p:timing>
 </p:sld>
 </file>
 
@@ -7063,6 +7077,13 @@
   <p:clrMapOvr>
     <a:masterClrMapping/>
   </p:clrMapOvr>
+  <p:timing>
+    <p:tnLst>
+      <p:par>
+        <p:cTn id="1" dur="indefinite" restart="never" nodeType="tmRoot"/>
+      </p:par>
+    </p:tnLst>
+  </p:timing>
 </p:sld>
 </file>
 
@@ -8619,6 +8640,13 @@
   <p:clrMapOvr>
     <a:masterClrMapping/>
   </p:clrMapOvr>
+  <p:timing>
+    <p:tnLst>
+      <p:par>
+        <p:cTn id="1" dur="indefinite" restart="never" nodeType="tmRoot"/>
+      </p:par>
+    </p:tnLst>
+  </p:timing>
 </p:sld>
 </file>
 
@@ -10227,6 +10255,13 @@
   <p:clrMapOvr>
     <a:masterClrMapping/>
   </p:clrMapOvr>
+  <p:timing>
+    <p:tnLst>
+      <p:par>
+        <p:cTn id="1" dur="indefinite" restart="never" nodeType="tmRoot"/>
+      </p:par>
+    </p:tnLst>
+  </p:timing>
 </p:sld>
 </file>
 
@@ -11343,6 +11378,13 @@
   <p:clrMapOvr>
     <a:masterClrMapping/>
   </p:clrMapOvr>
+  <p:timing>
+    <p:tnLst>
+      <p:par>
+        <p:cTn id="1" dur="indefinite" restart="never" nodeType="tmRoot"/>
+      </p:par>
+    </p:tnLst>
+  </p:timing>
 </p:sld>
 </file>
 
@@ -11756,6 +11798,13 @@
   <p:clrMapOvr>
     <a:masterClrMapping/>
   </p:clrMapOvr>
+  <p:timing>
+    <p:tnLst>
+      <p:par>
+        <p:cTn id="1" dur="indefinite" restart="never" nodeType="tmRoot"/>
+      </p:par>
+    </p:tnLst>
+  </p:timing>
 </p:sld>
 </file>
 
@@ -12033,6 +12082,13 @@
   <p:clrMapOvr>
     <a:masterClrMapping/>
   </p:clrMapOvr>
+  <p:timing>
+    <p:tnLst>
+      <p:par>
+        <p:cTn id="1" dur="indefinite" restart="never" nodeType="tmRoot"/>
+      </p:par>
+    </p:tnLst>
+  </p:timing>
 </p:sld>
 </file>
 
@@ -13765,6 +13821,13 @@
   <p:clrMapOvr>
     <a:masterClrMapping/>
   </p:clrMapOvr>
+  <p:timing>
+    <p:tnLst>
+      <p:par>
+        <p:cTn id="1" dur="indefinite" restart="never" nodeType="tmRoot"/>
+      </p:par>
+    </p:tnLst>
+  </p:timing>
 </p:sld>
 </file>
 
@@ -16104,6 +16167,13 @@
   <p:clrMapOvr>
     <a:masterClrMapping/>
   </p:clrMapOvr>
+  <p:timing>
+    <p:tnLst>
+      <p:par>
+        <p:cTn id="1" dur="indefinite" restart="never" nodeType="tmRoot"/>
+      </p:par>
+    </p:tnLst>
+  </p:timing>
 </p:sld>
 </file>
 
@@ -17968,6 +18038,13 @@
   <p:clrMapOvr>
     <a:masterClrMapping/>
   </p:clrMapOvr>
+  <p:timing>
+    <p:tnLst>
+      <p:par>
+        <p:cTn id="1" dur="indefinite" restart="never" nodeType="tmRoot"/>
+      </p:par>
+    </p:tnLst>
+  </p:timing>
 </p:sld>
 </file>
 
@@ -18035,6 +18112,13 @@
   <p:clrMapOvr>
     <a:masterClrMapping/>
   </p:clrMapOvr>
+  <p:timing>
+    <p:tnLst>
+      <p:par>
+        <p:cTn id="1" dur="indefinite" restart="never" nodeType="tmRoot"/>
+      </p:par>
+    </p:tnLst>
+  </p:timing>
 </p:sld>
 </file>
 
@@ -19995,14 +20079,7 @@
                 <a:latin typeface="Times New Roman" panose="02020603050405020304" pitchFamily="18" charset="0"/>
                 <a:cs typeface="Times New Roman" panose="02020603050405020304" pitchFamily="18" charset="0"/>
               </a:rPr>
-              <a:t>This will fix the estimate of Sepal Width’s effect in the model at 1.3 (recall from earlier that 1.27703 wa</a:t>
-            </a:r>
-            <a:r>
-              <a:rPr lang="en-US" sz="1600" dirty="0" smtClean="0">
-                <a:latin typeface="Times New Roman" panose="02020603050405020304" pitchFamily="18" charset="0"/>
-                <a:cs typeface="Times New Roman" panose="02020603050405020304" pitchFamily="18" charset="0"/>
-              </a:rPr>
-              <a:t>s the </a:t>
+              <a:t>This will fix the estimate of Sepal Width’s effect in the model at 1.3 (recall from earlier that 1.27703 was the </a:t>
             </a:r>
             <a:r>
               <a:rPr lang="en-US" sz="1600" dirty="0" err="1" smtClean="0">
@@ -20166,6 +20243,13 @@
   <p:clrMapOvr>
     <a:masterClrMapping/>
   </p:clrMapOvr>
+  <p:timing>
+    <p:tnLst>
+      <p:par>
+        <p:cTn id="1" dur="indefinite" restart="never" nodeType="tmRoot"/>
+      </p:par>
+    </p:tnLst>
+  </p:timing>
 </p:sld>
 </file>
 
@@ -22132,6 +22216,13 @@
   <p:clrMapOvr>
     <a:masterClrMapping/>
   </p:clrMapOvr>
+  <p:timing>
+    <p:tnLst>
+      <p:par>
+        <p:cTn id="1" dur="indefinite" restart="never" nodeType="tmRoot"/>
+      </p:par>
+    </p:tnLst>
+  </p:timing>
 </p:sld>
 </file>
 
@@ -22428,8 +22519,8 @@
         </p:nvSpPr>
         <p:spPr>
           <a:xfrm>
-            <a:off x="180041" y="5235178"/>
-            <a:ext cx="10120406" cy="523220"/>
+            <a:off x="202045" y="5250252"/>
+            <a:ext cx="11823700" cy="523220"/>
           </a:xfrm>
           <a:prstGeom prst="rect">
             <a:avLst/>
@@ -22494,8 +22585,26 @@
                 <a:latin typeface="Courier New" panose="02070309020205020404" pitchFamily="49" charset="0"/>
                 <a:cs typeface="Courier New" panose="02070309020205020404" pitchFamily="49" charset="0"/>
               </a:rPr>
-              <a:t> + Species);</a:t>
-            </a:r>
+              <a:t> + </a:t>
+            </a:r>
+            <a:r>
+              <a:rPr lang="en-US" sz="1400" b="1" dirty="0" err="1" smtClean="0">
+                <a:latin typeface="Courier New" panose="02070309020205020404" pitchFamily="49" charset="0"/>
+                <a:cs typeface="Courier New" panose="02070309020205020404" pitchFamily="49" charset="0"/>
+              </a:rPr>
+              <a:t>as.factor</a:t>
+            </a:r>
+            <a:r>
+              <a:rPr lang="en-US" sz="1400" b="1" dirty="0" smtClean="0">
+                <a:latin typeface="Courier New" panose="02070309020205020404" pitchFamily="49" charset="0"/>
+                <a:cs typeface="Courier New" panose="02070309020205020404" pitchFamily="49" charset="0"/>
+              </a:rPr>
+              <a:t>(Species));</a:t>
+            </a:r>
+            <a:endParaRPr lang="en-US" sz="1400" b="1" dirty="0" smtClean="0">
+              <a:latin typeface="Courier New" panose="02070309020205020404" pitchFamily="49" charset="0"/>
+              <a:cs typeface="Courier New" panose="02070309020205020404" pitchFamily="49" charset="0"/>
+            </a:endParaRPr>
           </a:p>
           <a:p>
             <a:r>
@@ -22532,6 +22641,13 @@
   <p:clrMapOvr>
     <a:masterClrMapping/>
   </p:clrMapOvr>
+  <p:timing>
+    <p:tnLst>
+      <p:par>
+        <p:cTn id="1" dur="indefinite" restart="never" nodeType="tmRoot"/>
+      </p:par>
+    </p:tnLst>
+  </p:timing>
 </p:sld>
 </file>
 
@@ -22865,6 +22981,13 @@
   <p:clrMapOvr>
     <a:masterClrMapping/>
   </p:clrMapOvr>
+  <p:timing>
+    <p:tnLst>
+      <p:par>
+        <p:cTn id="1" dur="indefinite" restart="never" nodeType="tmRoot"/>
+      </p:par>
+    </p:tnLst>
+  </p:timing>
 </p:sld>
 </file>
 
@@ -23129,6 +23252,13 @@
   <p:clrMapOvr>
     <a:masterClrMapping/>
   </p:clrMapOvr>
+  <p:timing>
+    <p:tnLst>
+      <p:par>
+        <p:cTn id="1" dur="indefinite" restart="never" nodeType="tmRoot"/>
+      </p:par>
+    </p:tnLst>
+  </p:timing>
 </p:sld>
 </file>
 
@@ -23488,6 +23618,13 @@
   <p:clrMapOvr>
     <a:masterClrMapping/>
   </p:clrMapOvr>
+  <p:timing>
+    <p:tnLst>
+      <p:par>
+        <p:cTn id="1" dur="indefinite" restart="never" nodeType="tmRoot"/>
+      </p:par>
+    </p:tnLst>
+  </p:timing>
 </p:sld>
 </file>
 
@@ -23508,6 +23645,30 @@
           <a:chExt cx="0" cy="0"/>
         </a:xfrm>
       </p:grpSpPr>
+      <p:pic>
+        <p:nvPicPr>
+          <p:cNvPr id="16" name="Picture 15"/>
+          <p:cNvPicPr>
+            <a:picLocks noChangeAspect="1"/>
+          </p:cNvPicPr>
+          <p:nvPr/>
+        </p:nvPicPr>
+        <p:blipFill>
+          <a:blip r:embed="rId2"/>
+          <a:stretch>
+            <a:fillRect/>
+          </a:stretch>
+        </p:blipFill>
+        <p:spPr>
+          <a:xfrm>
+            <a:off x="6056118" y="4357006"/>
+            <a:ext cx="6191250" cy="1410989"/>
+          </a:xfrm>
+          <a:prstGeom prst="rect">
+            <a:avLst/>
+          </a:prstGeom>
+        </p:spPr>
+      </p:pic>
       <p:sp>
         <p:nvSpPr>
           <p:cNvPr id="2" name="Rectangle 1"/>
@@ -23516,8 +23677,8 @@
         </p:nvSpPr>
         <p:spPr>
           <a:xfrm>
-            <a:off x="5139654" y="5253417"/>
-            <a:ext cx="7052346" cy="369332"/>
+            <a:off x="0" y="5767995"/>
+            <a:ext cx="7052346" cy="276999"/>
           </a:xfrm>
           <a:prstGeom prst="rect">
             <a:avLst/>
@@ -23530,31 +23691,31 @@
           <a:lstStyle/>
           <a:p>
             <a:r>
-              <a:rPr lang="en-US" dirty="0">
-                <a:hlinkClick r:id="rId2"/>
+              <a:rPr lang="en-US" sz="1200" dirty="0">
+                <a:hlinkClick r:id="rId3"/>
               </a:rPr>
               <a:t>https://blogs.uoregon.edu/rclub/2015/11/03/anova-contrasts-in-r</a:t>
             </a:r>
             <a:r>
-              <a:rPr lang="en-US" dirty="0" smtClean="0">
-                <a:hlinkClick r:id="rId2"/>
+              <a:rPr lang="en-US" sz="1200" dirty="0" smtClean="0">
+                <a:hlinkClick r:id="rId3"/>
               </a:rPr>
               <a:t>/</a:t>
             </a:r>
-            <a:endParaRPr lang="en-US" dirty="0" smtClean="0"/>
+            <a:endParaRPr lang="en-US" sz="1200" dirty="0" smtClean="0"/>
           </a:p>
         </p:txBody>
       </p:sp>
       <p:sp>
         <p:nvSpPr>
-          <p:cNvPr id="3" name="TextBox 2"/>
+          <p:cNvPr id="4" name="TextBox 3"/>
           <p:cNvSpPr txBox="1"/>
           <p:nvPr/>
         </p:nvSpPr>
         <p:spPr>
           <a:xfrm>
-            <a:off x="838899" y="578840"/>
-            <a:ext cx="10519795" cy="369332"/>
+            <a:off x="0" y="6015783"/>
+            <a:ext cx="9571838" cy="461665"/>
           </a:xfrm>
           <a:prstGeom prst="rect">
             <a:avLst/>
@@ -23568,20 +23729,687 @@
           <a:lstStyle/>
           <a:p>
             <a:r>
+              <a:rPr lang="en-US" sz="1200" dirty="0">
+                <a:hlinkClick r:id="rId4"/>
+              </a:rPr>
+              <a:t>https://</a:t>
+            </a:r>
+            <a:r>
+              <a:rPr lang="en-US" sz="1200" dirty="0" smtClean="0">
+                <a:hlinkClick r:id="rId4"/>
+              </a:rPr>
+              <a:t>stackoverflow.com/questions/57297771/interpretation-of-l-q-c-4-for-logistic-regression</a:t>
+            </a:r>
+            <a:endParaRPr lang="en-US" sz="1200" dirty="0" smtClean="0"/>
+          </a:p>
+          <a:p>
+            <a:endParaRPr lang="en-US" sz="1200" dirty="0"/>
+          </a:p>
+        </p:txBody>
+      </p:sp>
+      <p:sp>
+        <p:nvSpPr>
+          <p:cNvPr id="5" name="Rectangle 4"/>
+          <p:cNvSpPr/>
+          <p:nvPr/>
+        </p:nvSpPr>
+        <p:spPr>
+          <a:xfrm>
+            <a:off x="0" y="6236501"/>
+            <a:ext cx="9550400" cy="461665"/>
+          </a:xfrm>
+          <a:prstGeom prst="rect">
+            <a:avLst/>
+          </a:prstGeom>
+        </p:spPr>
+        <p:txBody>
+          <a:bodyPr wrap="square">
+            <a:spAutoFit/>
+          </a:bodyPr>
+          <a:lstStyle/>
+          <a:p>
+            <a:r>
+              <a:rPr lang="en-US" sz="1200" dirty="0">
+                <a:hlinkClick r:id="rId5"/>
+              </a:rPr>
+              <a:t>https://</a:t>
+            </a:r>
+            <a:r>
+              <a:rPr lang="en-US" sz="1200" dirty="0" smtClean="0">
+                <a:hlinkClick r:id="rId5"/>
+              </a:rPr>
+              <a:t>github.com/RInterested/SIMULATIONS_and_PROOFS/blob/master/Contrasts%20Polynomial</a:t>
+            </a:r>
+            <a:endParaRPr lang="en-US" sz="1200" dirty="0" smtClean="0"/>
+          </a:p>
+          <a:p>
+            <a:endParaRPr lang="en-US" sz="1200" dirty="0" smtClean="0"/>
+          </a:p>
+        </p:txBody>
+      </p:sp>
+      <p:sp>
+        <p:nvSpPr>
+          <p:cNvPr id="6" name="Rectangle 5"/>
+          <p:cNvSpPr/>
+          <p:nvPr/>
+        </p:nvSpPr>
+        <p:spPr>
+          <a:xfrm>
+            <a:off x="0" y="6467334"/>
+            <a:ext cx="9426429" cy="461665"/>
+          </a:xfrm>
+          <a:prstGeom prst="rect">
+            <a:avLst/>
+          </a:prstGeom>
+        </p:spPr>
+        <p:txBody>
+          <a:bodyPr wrap="square">
+            <a:spAutoFit/>
+          </a:bodyPr>
+          <a:lstStyle/>
+          <a:p>
+            <a:r>
+              <a:rPr lang="en-US" sz="1200" dirty="0">
+                <a:hlinkClick r:id="rId6"/>
+              </a:rPr>
+              <a:t>https://</a:t>
+            </a:r>
+            <a:r>
+              <a:rPr lang="en-US" sz="1200" dirty="0" smtClean="0">
+                <a:hlinkClick r:id="rId6"/>
+              </a:rPr>
+              <a:t>stats.stackexchange.com/questions/105115/polynomial-contrasts-for-regression</a:t>
+            </a:r>
+            <a:endParaRPr lang="en-US" sz="1200" dirty="0" smtClean="0"/>
+          </a:p>
+          <a:p>
+            <a:endParaRPr lang="en-US" sz="1200" dirty="0" smtClean="0"/>
+          </a:p>
+        </p:txBody>
+      </p:sp>
+      <p:sp>
+        <p:nvSpPr>
+          <p:cNvPr id="7" name="TextBox 6"/>
+          <p:cNvSpPr txBox="1"/>
+          <p:nvPr/>
+        </p:nvSpPr>
+        <p:spPr>
+          <a:xfrm>
+            <a:off x="0" y="5476682"/>
+            <a:ext cx="6130637" cy="369332"/>
+          </a:xfrm>
+          <a:prstGeom prst="rect">
+            <a:avLst/>
+          </a:prstGeom>
+          <a:noFill/>
+        </p:spPr>
+        <p:txBody>
+          <a:bodyPr wrap="square" rtlCol="0">
+            <a:spAutoFit/>
+          </a:bodyPr>
+          <a:lstStyle/>
+          <a:p>
+            <a:r>
+              <a:rPr lang="en-US" b="1" u="sng" dirty="0" smtClean="0"/>
+              <a:t>For more information on the ordinal contrast beta estimates.</a:t>
+            </a:r>
+            <a:endParaRPr lang="en-US" b="1" u="sng" dirty="0"/>
+          </a:p>
+        </p:txBody>
+      </p:sp>
+      <p:sp>
+        <p:nvSpPr>
+          <p:cNvPr id="8" name="Title 1">
+            <a:extLst>
+              <a:ext uri="{FF2B5EF4-FFF2-40B4-BE49-F238E27FC236}">
+                <a16:creationId xmlns:a16="http://schemas.microsoft.com/office/drawing/2014/main" id="{636FB483-8A01-854E-9BBE-55E0C355A79B}"/>
+              </a:ext>
+            </a:extLst>
+          </p:cNvPr>
+          <p:cNvSpPr txBox="1">
+            <a:spLocks/>
+          </p:cNvSpPr>
+          <p:nvPr/>
+        </p:nvSpPr>
+        <p:spPr>
+          <a:xfrm>
+            <a:off x="292557" y="283221"/>
+            <a:ext cx="11316737" cy="656493"/>
+          </a:xfrm>
+          <a:prstGeom prst="rect">
+            <a:avLst/>
+          </a:prstGeom>
+        </p:spPr>
+        <p:txBody>
+          <a:bodyPr/>
+          <a:lstStyle>
+            <a:lvl1pPr algn="l" defTabSz="914400" rtl="0" eaLnBrk="1" latinLnBrk="0" hangingPunct="1">
+              <a:lnSpc>
+                <a:spcPct val="90000"/>
+              </a:lnSpc>
+              <a:spcBef>
+                <a:spcPct val="0"/>
+              </a:spcBef>
+              <a:buNone/>
+              <a:defRPr sz="2800" b="1" kern="1200">
+                <a:solidFill>
+                  <a:schemeClr val="tx1"/>
+                </a:solidFill>
+                <a:latin typeface="Helvetica" pitchFamily="2" charset="0"/>
+                <a:ea typeface="+mj-ea"/>
+                <a:cs typeface="+mj-cs"/>
+              </a:defRPr>
+            </a:lvl1pPr>
+          </a:lstStyle>
+          <a:p>
+            <a:r>
+              <a:rPr lang="en-US" dirty="0" smtClean="0">
+                <a:latin typeface="Times New Roman" panose="02020603050405020304" pitchFamily="18" charset="0"/>
+                <a:cs typeface="Times New Roman" panose="02020603050405020304" pitchFamily="18" charset="0"/>
+              </a:rPr>
+              <a:t>Adding Ordinal Effects in an R Model (Iris </a:t>
+            </a:r>
+            <a:r>
+              <a:rPr lang="en-US" dirty="0" smtClean="0">
+                <a:latin typeface="Times New Roman" panose="02020603050405020304" pitchFamily="18" charset="0"/>
+                <a:cs typeface="Times New Roman" panose="02020603050405020304" pitchFamily="18" charset="0"/>
+              </a:rPr>
+              <a:t>Data)</a:t>
+            </a:r>
+            <a:endParaRPr lang="en-US" dirty="0">
+              <a:latin typeface="Times New Roman" panose="02020603050405020304" pitchFamily="18" charset="0"/>
+              <a:cs typeface="Times New Roman" panose="02020603050405020304" pitchFamily="18" charset="0"/>
+            </a:endParaRPr>
+          </a:p>
+        </p:txBody>
+      </p:sp>
+      <p:sp>
+        <p:nvSpPr>
+          <p:cNvPr id="9" name="TextBox 8"/>
+          <p:cNvSpPr txBox="1"/>
+          <p:nvPr/>
+        </p:nvSpPr>
+        <p:spPr>
+          <a:xfrm>
+            <a:off x="301336" y="939714"/>
+            <a:ext cx="11388437" cy="1200329"/>
+          </a:xfrm>
+          <a:prstGeom prst="rect">
+            <a:avLst/>
+          </a:prstGeom>
+          <a:noFill/>
+        </p:spPr>
+        <p:txBody>
+          <a:bodyPr wrap="square" rtlCol="0">
+            <a:spAutoFit/>
+          </a:bodyPr>
+          <a:lstStyle/>
+          <a:p>
+            <a:pPr marL="285750" indent="-285750">
+              <a:buFont typeface="Arial" panose="020B0604020202020204" pitchFamily="34" charset="0"/>
+              <a:buChar char="•"/>
+            </a:pPr>
+            <a:r>
+              <a:rPr lang="en-US" dirty="0" smtClean="0"/>
+              <a:t>Just as we used the ‘</a:t>
+            </a:r>
+            <a:r>
               <a:rPr lang="en-US" dirty="0" err="1" smtClean="0"/>
-              <a:t>Anova</a:t>
+              <a:t>as.factor</a:t>
             </a:r>
             <a:r>
               <a:rPr lang="en-US" dirty="0" smtClean="0"/>
-              <a:t> and </a:t>
-            </a:r>
-            <a:r>
-              <a:rPr lang="en-US" dirty="0" err="1" smtClean="0"/>
-              <a:t>aov</a:t>
-            </a:r>
+              <a:t>()’ function in the formula for the categorical variables which were unordered, we may use the ‘ordered()’ function for those which are ordered. </a:t>
+            </a:r>
+          </a:p>
+          <a:p>
+            <a:pPr marL="285750" indent="-285750">
+              <a:buFont typeface="Arial" panose="020B0604020202020204" pitchFamily="34" charset="0"/>
+              <a:buChar char="•"/>
+            </a:pPr>
             <a:r>
               <a:rPr lang="en-US" dirty="0" smtClean="0"/>
-              <a:t> and contrasts in R, and adding ordinal statistics.</a:t>
+              <a:t>First let us create an ordinal variable in the iris dataset based on the value of petal-width.  Let us create three equally sized groups with small, medium and large petal sizes.  In R we can easily do this using the ‘cut()’ function.</a:t>
+            </a:r>
+          </a:p>
+        </p:txBody>
+      </p:sp>
+      <p:sp>
+        <p:nvSpPr>
+          <p:cNvPr id="13" name="TextBox 12"/>
+          <p:cNvSpPr txBox="1"/>
+          <p:nvPr/>
+        </p:nvSpPr>
+        <p:spPr>
+          <a:xfrm>
+            <a:off x="3473960" y="2283234"/>
+            <a:ext cx="4360786" cy="307777"/>
+          </a:xfrm>
+          <a:prstGeom prst="rect">
+            <a:avLst/>
+          </a:prstGeom>
+          <a:noFill/>
+          <a:ln>
+            <a:solidFill>
+              <a:schemeClr val="tx1"/>
+            </a:solidFill>
+          </a:ln>
+        </p:spPr>
+        <p:txBody>
+          <a:bodyPr wrap="square" rtlCol="0">
+            <a:spAutoFit/>
+          </a:bodyPr>
+          <a:lstStyle/>
+          <a:p>
+            <a:r>
+              <a:rPr lang="en-US" sz="1400" b="1" dirty="0" smtClean="0">
+                <a:latin typeface="Courier New" panose="02070309020205020404" pitchFamily="49" charset="0"/>
+                <a:cs typeface="Courier New" panose="02070309020205020404" pitchFamily="49" charset="0"/>
+              </a:rPr>
+              <a:t>R</a:t>
+            </a:r>
+            <a:r>
+              <a:rPr lang="en-US" sz="1400" b="1" dirty="0" smtClean="0">
+                <a:latin typeface="Courier New" panose="02070309020205020404" pitchFamily="49" charset="0"/>
+                <a:cs typeface="Courier New" panose="02070309020205020404" pitchFamily="49" charset="0"/>
+              </a:rPr>
+              <a:t>&gt; </a:t>
+            </a:r>
+            <a:r>
+              <a:rPr lang="en-US" sz="1400" dirty="0" err="1">
+                <a:latin typeface="Courier New" panose="02070309020205020404" pitchFamily="49" charset="0"/>
+                <a:cs typeface="Courier New" panose="02070309020205020404" pitchFamily="49" charset="0"/>
+              </a:rPr>
+              <a:t>iris$PW.O</a:t>
+            </a:r>
+            <a:r>
+              <a:rPr lang="en-US" sz="1400" dirty="0">
+                <a:latin typeface="Courier New" panose="02070309020205020404" pitchFamily="49" charset="0"/>
+                <a:cs typeface="Courier New" panose="02070309020205020404" pitchFamily="49" charset="0"/>
+              </a:rPr>
+              <a:t> &lt;- cut(iris$Petal.Width,3</a:t>
+            </a:r>
+            <a:r>
+              <a:rPr lang="en-US" sz="1400" dirty="0" smtClean="0">
+                <a:latin typeface="Courier New" panose="02070309020205020404" pitchFamily="49" charset="0"/>
+                <a:cs typeface="Courier New" panose="02070309020205020404" pitchFamily="49" charset="0"/>
+              </a:rPr>
+              <a:t>)</a:t>
+            </a:r>
+            <a:endParaRPr lang="en-US" sz="1400" dirty="0">
+              <a:latin typeface="Courier New" panose="02070309020205020404" pitchFamily="49" charset="0"/>
+              <a:cs typeface="Courier New" panose="02070309020205020404" pitchFamily="49" charset="0"/>
+            </a:endParaRPr>
+          </a:p>
+        </p:txBody>
+      </p:sp>
+      <p:sp>
+        <p:nvSpPr>
+          <p:cNvPr id="14" name="TextBox 13"/>
+          <p:cNvSpPr txBox="1"/>
+          <p:nvPr/>
+        </p:nvSpPr>
+        <p:spPr>
+          <a:xfrm>
+            <a:off x="301336" y="2554505"/>
+            <a:ext cx="11388437" cy="369332"/>
+          </a:xfrm>
+          <a:prstGeom prst="rect">
+            <a:avLst/>
+          </a:prstGeom>
+          <a:noFill/>
+        </p:spPr>
+        <p:txBody>
+          <a:bodyPr wrap="square" rtlCol="0">
+            <a:spAutoFit/>
+          </a:bodyPr>
+          <a:lstStyle/>
+          <a:p>
+            <a:pPr marL="285750" indent="-285750">
+              <a:buFont typeface="Arial" panose="020B0604020202020204" pitchFamily="34" charset="0"/>
+              <a:buChar char="•"/>
+            </a:pPr>
+            <a:r>
+              <a:rPr lang="en-US" dirty="0" smtClean="0"/>
+              <a:t>We can Now regress Petal Length on this ordinal variable, and investigate the results.</a:t>
+            </a:r>
+          </a:p>
+        </p:txBody>
+      </p:sp>
+      <p:sp>
+        <p:nvSpPr>
+          <p:cNvPr id="15" name="TextBox 14"/>
+          <p:cNvSpPr txBox="1"/>
+          <p:nvPr/>
+        </p:nvSpPr>
+        <p:spPr>
+          <a:xfrm>
+            <a:off x="535147" y="2923837"/>
+            <a:ext cx="8170854" cy="1384995"/>
+          </a:xfrm>
+          <a:prstGeom prst="rect">
+            <a:avLst/>
+          </a:prstGeom>
+          <a:noFill/>
+          <a:ln>
+            <a:solidFill>
+              <a:schemeClr val="tx1"/>
+            </a:solidFill>
+          </a:ln>
+        </p:spPr>
+        <p:txBody>
+          <a:bodyPr wrap="square" rtlCol="0">
+            <a:spAutoFit/>
+          </a:bodyPr>
+          <a:lstStyle/>
+          <a:p>
+            <a:r>
+              <a:rPr lang="en-US" sz="1400" b="1" dirty="0" smtClean="0">
+                <a:latin typeface="Courier New" panose="02070309020205020404" pitchFamily="49" charset="0"/>
+                <a:cs typeface="Courier New" panose="02070309020205020404" pitchFamily="49" charset="0"/>
+              </a:rPr>
+              <a:t>R</a:t>
+            </a:r>
+            <a:r>
+              <a:rPr lang="en-US" sz="1400" b="1" dirty="0" smtClean="0">
+                <a:latin typeface="Courier New" panose="02070309020205020404" pitchFamily="49" charset="0"/>
+                <a:cs typeface="Courier New" panose="02070309020205020404" pitchFamily="49" charset="0"/>
+              </a:rPr>
+              <a:t>&gt; </a:t>
+            </a:r>
+            <a:r>
+              <a:rPr lang="en-US" sz="1400" dirty="0" err="1" smtClean="0">
+                <a:latin typeface="Courier New" panose="02070309020205020404" pitchFamily="49" charset="0"/>
+                <a:cs typeface="Courier New" panose="02070309020205020404" pitchFamily="49" charset="0"/>
+              </a:rPr>
+              <a:t>iris.ordinal.form</a:t>
+            </a:r>
+            <a:r>
+              <a:rPr lang="en-US" sz="1400" dirty="0" smtClean="0">
+                <a:latin typeface="Courier New" panose="02070309020205020404" pitchFamily="49" charset="0"/>
+                <a:cs typeface="Courier New" panose="02070309020205020404" pitchFamily="49" charset="0"/>
+              </a:rPr>
+              <a:t> &lt;- formula(</a:t>
+            </a:r>
+            <a:r>
+              <a:rPr lang="en-US" sz="1400" dirty="0" err="1" smtClean="0">
+                <a:latin typeface="Courier New" panose="02070309020205020404" pitchFamily="49" charset="0"/>
+                <a:cs typeface="Courier New" panose="02070309020205020404" pitchFamily="49" charset="0"/>
+              </a:rPr>
+              <a:t>Petal.Length</a:t>
+            </a:r>
+            <a:r>
+              <a:rPr lang="en-US" sz="1400" dirty="0" smtClean="0">
+                <a:latin typeface="Courier New" panose="02070309020205020404" pitchFamily="49" charset="0"/>
+                <a:cs typeface="Courier New" panose="02070309020205020404" pitchFamily="49" charset="0"/>
+              </a:rPr>
+              <a:t> ~ ordered(PW.O), </a:t>
+            </a:r>
+          </a:p>
+          <a:p>
+            <a:r>
+              <a:rPr lang="en-US" sz="1400" dirty="0">
+                <a:latin typeface="Courier New" panose="02070309020205020404" pitchFamily="49" charset="0"/>
+                <a:cs typeface="Courier New" panose="02070309020205020404" pitchFamily="49" charset="0"/>
+              </a:rPr>
+              <a:t>                                                 levels = c(“(0.0976,0.9</a:t>
+            </a:r>
+            <a:r>
+              <a:rPr lang="en-US" sz="1400" dirty="0" smtClean="0">
+                <a:latin typeface="Courier New" panose="02070309020205020404" pitchFamily="49" charset="0"/>
+                <a:cs typeface="Courier New" panose="02070309020205020404" pitchFamily="49" charset="0"/>
+              </a:rPr>
+              <a:t>]”,</a:t>
+            </a:r>
+          </a:p>
+          <a:p>
+            <a:r>
+              <a:rPr lang="en-US" sz="1400" dirty="0">
+                <a:latin typeface="Courier New" panose="02070309020205020404" pitchFamily="49" charset="0"/>
+                <a:cs typeface="Courier New" panose="02070309020205020404" pitchFamily="49" charset="0"/>
+              </a:rPr>
+              <a:t>	</a:t>
+            </a:r>
+            <a:r>
+              <a:rPr lang="en-US" sz="1400" dirty="0" smtClean="0">
+                <a:latin typeface="Courier New" panose="02070309020205020404" pitchFamily="49" charset="0"/>
+                <a:cs typeface="Courier New" panose="02070309020205020404" pitchFamily="49" charset="0"/>
+              </a:rPr>
+              <a:t>					         “(</a:t>
+            </a:r>
+            <a:r>
+              <a:rPr lang="en-US" sz="1400" dirty="0">
+                <a:latin typeface="Courier New" panose="02070309020205020404" pitchFamily="49" charset="0"/>
+                <a:cs typeface="Courier New" panose="02070309020205020404" pitchFamily="49" charset="0"/>
+              </a:rPr>
+              <a:t>0.9,1.7</a:t>
+            </a:r>
+            <a:r>
+              <a:rPr lang="en-US" sz="1400" dirty="0" smtClean="0">
+                <a:latin typeface="Courier New" panose="02070309020205020404" pitchFamily="49" charset="0"/>
+                <a:cs typeface="Courier New" panose="02070309020205020404" pitchFamily="49" charset="0"/>
+              </a:rPr>
+              <a:t>]”, </a:t>
+            </a:r>
+          </a:p>
+          <a:p>
+            <a:r>
+              <a:rPr lang="en-US" sz="1400" dirty="0">
+                <a:latin typeface="Courier New" panose="02070309020205020404" pitchFamily="49" charset="0"/>
+                <a:cs typeface="Courier New" panose="02070309020205020404" pitchFamily="49" charset="0"/>
+              </a:rPr>
+              <a:t>	</a:t>
+            </a:r>
+            <a:r>
+              <a:rPr lang="en-US" sz="1400" dirty="0" smtClean="0">
+                <a:latin typeface="Courier New" panose="02070309020205020404" pitchFamily="49" charset="0"/>
+                <a:cs typeface="Courier New" panose="02070309020205020404" pitchFamily="49" charset="0"/>
+              </a:rPr>
+              <a:t>						“(</a:t>
+            </a:r>
+            <a:r>
+              <a:rPr lang="en-US" sz="1400" dirty="0">
+                <a:latin typeface="Courier New" panose="02070309020205020404" pitchFamily="49" charset="0"/>
+                <a:cs typeface="Courier New" panose="02070309020205020404" pitchFamily="49" charset="0"/>
+              </a:rPr>
+              <a:t>1.7,2.5</a:t>
+            </a:r>
+            <a:r>
+              <a:rPr lang="en-US" sz="1400" dirty="0" smtClean="0">
+                <a:latin typeface="Courier New" panose="02070309020205020404" pitchFamily="49" charset="0"/>
+                <a:cs typeface="Courier New" panose="02070309020205020404" pitchFamily="49" charset="0"/>
+              </a:rPr>
+              <a:t>]”</a:t>
+            </a:r>
+            <a:r>
+              <a:rPr lang="en-US" sz="1400" dirty="0" smtClean="0">
+                <a:latin typeface="Courier New" panose="02070309020205020404" pitchFamily="49" charset="0"/>
+                <a:cs typeface="Courier New" panose="02070309020205020404" pitchFamily="49" charset="0"/>
+              </a:rPr>
+              <a:t>));</a:t>
+            </a:r>
+          </a:p>
+          <a:p>
+            <a:r>
+              <a:rPr lang="en-US" sz="1400" b="1" dirty="0" smtClean="0">
+                <a:latin typeface="Courier New" panose="02070309020205020404" pitchFamily="49" charset="0"/>
+                <a:cs typeface="Courier New" panose="02070309020205020404" pitchFamily="49" charset="0"/>
+              </a:rPr>
+              <a:t>R&gt; </a:t>
+            </a:r>
+            <a:r>
+              <a:rPr lang="en-US" sz="1400" dirty="0" smtClean="0">
+                <a:latin typeface="Courier New" panose="02070309020205020404" pitchFamily="49" charset="0"/>
+                <a:cs typeface="Courier New" panose="02070309020205020404" pitchFamily="49" charset="0"/>
+              </a:rPr>
+              <a:t>iris.ordinal.mod &lt;- </a:t>
+            </a:r>
+            <a:r>
+              <a:rPr lang="en-US" sz="1400" dirty="0" err="1" smtClean="0">
+                <a:latin typeface="Courier New" panose="02070309020205020404" pitchFamily="49" charset="0"/>
+                <a:cs typeface="Courier New" panose="02070309020205020404" pitchFamily="49" charset="0"/>
+              </a:rPr>
+              <a:t>glm</a:t>
+            </a:r>
+            <a:r>
+              <a:rPr lang="en-US" sz="1400" dirty="0" smtClean="0">
+                <a:latin typeface="Courier New" panose="02070309020205020404" pitchFamily="49" charset="0"/>
+                <a:cs typeface="Courier New" panose="02070309020205020404" pitchFamily="49" charset="0"/>
+              </a:rPr>
+              <a:t>(</a:t>
+            </a:r>
+            <a:r>
+              <a:rPr lang="en-US" sz="1400" dirty="0" err="1" smtClean="0">
+                <a:latin typeface="Courier New" panose="02070309020205020404" pitchFamily="49" charset="0"/>
+                <a:cs typeface="Courier New" panose="02070309020205020404" pitchFamily="49" charset="0"/>
+              </a:rPr>
+              <a:t>iris.ordinal.form</a:t>
+            </a:r>
+            <a:r>
+              <a:rPr lang="en-US" sz="1400" dirty="0" smtClean="0">
+                <a:latin typeface="Courier New" panose="02070309020205020404" pitchFamily="49" charset="0"/>
+                <a:cs typeface="Courier New" panose="02070309020205020404" pitchFamily="49" charset="0"/>
+              </a:rPr>
+              <a:t>);</a:t>
+            </a:r>
+          </a:p>
+          <a:p>
+            <a:r>
+              <a:rPr lang="en-US" sz="1400" b="1" dirty="0" smtClean="0">
+                <a:latin typeface="Courier New" panose="02070309020205020404" pitchFamily="49" charset="0"/>
+                <a:cs typeface="Courier New" panose="02070309020205020404" pitchFamily="49" charset="0"/>
+              </a:rPr>
+              <a:t>R&gt; </a:t>
+            </a:r>
+            <a:r>
+              <a:rPr lang="en-US" sz="1400" dirty="0" smtClean="0">
+                <a:latin typeface="Courier New" panose="02070309020205020404" pitchFamily="49" charset="0"/>
+                <a:cs typeface="Courier New" panose="02070309020205020404" pitchFamily="49" charset="0"/>
+              </a:rPr>
+              <a:t>summary(iris.ordinal.mod); </a:t>
+            </a:r>
+            <a:r>
+              <a:rPr lang="en-US" sz="1400" dirty="0" smtClean="0">
+                <a:latin typeface="Courier New" panose="02070309020205020404" pitchFamily="49" charset="0"/>
+                <a:cs typeface="Courier New" panose="02070309020205020404" pitchFamily="49" charset="0"/>
+              </a:rPr>
+              <a:t> </a:t>
+            </a:r>
+            <a:endParaRPr lang="en-US" sz="1400" dirty="0">
+              <a:latin typeface="Courier New" panose="02070309020205020404" pitchFamily="49" charset="0"/>
+              <a:cs typeface="Courier New" panose="02070309020205020404" pitchFamily="49" charset="0"/>
+            </a:endParaRPr>
+          </a:p>
+        </p:txBody>
+      </p:sp>
+      <p:cxnSp>
+        <p:nvCxnSpPr>
+          <p:cNvPr id="18" name="Elbow Connector 17"/>
+          <p:cNvCxnSpPr>
+            <a:endCxn id="16" idx="1"/>
+          </p:cNvCxnSpPr>
+          <p:nvPr/>
+        </p:nvCxnSpPr>
+        <p:spPr>
+          <a:xfrm>
+            <a:off x="5060376" y="4308834"/>
+            <a:ext cx="995742" cy="753667"/>
+          </a:xfrm>
+          <a:prstGeom prst="bentConnector3">
+            <a:avLst>
+              <a:gd name="adj1" fmla="val 50000"/>
+            </a:avLst>
+          </a:prstGeom>
+          <a:ln>
+            <a:solidFill>
+              <a:schemeClr val="bg1">
+                <a:lumMod val="10000"/>
+              </a:schemeClr>
+            </a:solidFill>
+            <a:tailEnd type="triangle"/>
+          </a:ln>
+        </p:spPr>
+        <p:style>
+          <a:lnRef idx="1">
+            <a:schemeClr val="accent1"/>
+          </a:lnRef>
+          <a:fillRef idx="0">
+            <a:schemeClr val="accent1"/>
+          </a:fillRef>
+          <a:effectRef idx="0">
+            <a:schemeClr val="accent1"/>
+          </a:effectRef>
+          <a:fontRef idx="minor">
+            <a:schemeClr val="tx1"/>
+          </a:fontRef>
+        </p:style>
+      </p:cxnSp>
+      <p:sp>
+        <p:nvSpPr>
+          <p:cNvPr id="19" name="TextBox 18"/>
+          <p:cNvSpPr txBox="1"/>
+          <p:nvPr/>
+        </p:nvSpPr>
+        <p:spPr>
+          <a:xfrm>
+            <a:off x="9151743" y="2475861"/>
+            <a:ext cx="2704285" cy="1200329"/>
+          </a:xfrm>
+          <a:prstGeom prst="rect">
+            <a:avLst/>
+          </a:prstGeom>
+          <a:noFill/>
+        </p:spPr>
+        <p:txBody>
+          <a:bodyPr wrap="square" rtlCol="0">
+            <a:spAutoFit/>
+          </a:bodyPr>
+          <a:lstStyle/>
+          <a:p>
+            <a:r>
+              <a:rPr lang="en-US" dirty="0" smtClean="0"/>
+              <a:t>“.L” is Linear “.Q” quadratic, “.C” cubic, “^4” and so on, fourth and higher ordered trends</a:t>
+            </a:r>
+            <a:endParaRPr lang="en-US" dirty="0"/>
+          </a:p>
+        </p:txBody>
+      </p:sp>
+      <p:sp>
+        <p:nvSpPr>
+          <p:cNvPr id="20" name="Rectangle 19"/>
+          <p:cNvSpPr/>
+          <p:nvPr/>
+        </p:nvSpPr>
+        <p:spPr>
+          <a:xfrm>
+            <a:off x="20782" y="4357006"/>
+            <a:ext cx="5579918" cy="1200329"/>
+          </a:xfrm>
+          <a:prstGeom prst="rect">
+            <a:avLst/>
+          </a:prstGeom>
+        </p:spPr>
+        <p:txBody>
+          <a:bodyPr wrap="square">
+            <a:spAutoFit/>
+          </a:bodyPr>
+          <a:lstStyle/>
+          <a:p>
+            <a:r>
+              <a:rPr lang="en-US" dirty="0" smtClean="0"/>
+              <a:t>Interpretation of </a:t>
+            </a:r>
+            <a:r>
+              <a:rPr lang="en-US" dirty="0"/>
+              <a:t>Estimates is hard in this case, A significant result really only indicates that there is statistical evidence of a </a:t>
+            </a:r>
+            <a:r>
+              <a:rPr lang="en-US" dirty="0" smtClean="0"/>
+              <a:t>Linear/Quadratic/Cubic/etc… </a:t>
+            </a:r>
+            <a:r>
+              <a:rPr lang="en-US" dirty="0"/>
+              <a:t>trend by level.</a:t>
             </a:r>
             <a:endParaRPr lang="en-US" dirty="0"/>
           </a:p>
@@ -23597,6 +24425,13 @@
   <p:clrMapOvr>
     <a:masterClrMapping/>
   </p:clrMapOvr>
+  <p:timing>
+    <p:tnLst>
+      <p:par>
+        <p:cTn id="1" dur="indefinite" restart="never" nodeType="tmRoot"/>
+      </p:par>
+    </p:tnLst>
+  </p:timing>
 </p:sld>
 </file>
 
@@ -23947,6 +24782,13 @@
   <p:clrMapOvr>
     <a:masterClrMapping/>
   </p:clrMapOvr>
+  <p:timing>
+    <p:tnLst>
+      <p:par>
+        <p:cTn id="1" dur="indefinite" restart="never" nodeType="tmRoot"/>
+      </p:par>
+    </p:tnLst>
+  </p:timing>
 </p:sld>
 </file>
 
@@ -24276,6 +25118,13 @@
   <p:clrMapOvr>
     <a:masterClrMapping/>
   </p:clrMapOvr>
+  <p:timing>
+    <p:tnLst>
+      <p:par>
+        <p:cTn id="1" dur="indefinite" restart="never" nodeType="tmRoot"/>
+      </p:par>
+    </p:tnLst>
+  </p:timing>
 </p:sld>
 </file>
 
@@ -25143,6 +25992,13 @@
   <p:clrMapOvr>
     <a:masterClrMapping/>
   </p:clrMapOvr>
+  <p:timing>
+    <p:tnLst>
+      <p:par>
+        <p:cTn id="1" dur="indefinite" restart="never" nodeType="tmRoot"/>
+      </p:par>
+    </p:tnLst>
+  </p:timing>
 </p:sld>
 </file>
 
@@ -28721,7 +29577,7 @@
         <p:spPr>
           <a:xfrm>
             <a:off x="519953" y="869576"/>
-            <a:ext cx="11107271" cy="5601533"/>
+            <a:ext cx="11107271" cy="6709529"/>
           </a:xfrm>
           <a:prstGeom prst="rect">
             <a:avLst/>
@@ -28966,8 +29822,78 @@
                 <a:latin typeface="Times New Roman" panose="02020603050405020304" pitchFamily="18" charset="0"/>
                 <a:cs typeface="Times New Roman" panose="02020603050405020304" pitchFamily="18" charset="0"/>
               </a:rPr>
-              <a:t> with three levels: low (less than 18.936), medium (between 18.936 and 20.708), and high (greater than 20.708), and regress Fertility on this variable alone, using high as the reference.  What is the interpretation of the value -10.495 in the Estimate Column? </a:t>
-            </a:r>
+              <a:t> with three levels: low (less than 18.936), medium (between 18.936 and 20.708), and high (greater than 20.708), and regress Fertility on this variable </a:t>
+            </a:r>
+            <a:r>
+              <a:rPr lang="en-US" dirty="0" smtClean="0">
+                <a:latin typeface="Times New Roman" panose="02020603050405020304" pitchFamily="18" charset="0"/>
+                <a:cs typeface="Times New Roman" panose="02020603050405020304" pitchFamily="18" charset="0"/>
+              </a:rPr>
+              <a:t>alone.  Does there appear to be either a linear or quadratic trend of association between Infant Mortality and Fertility?</a:t>
+            </a:r>
+          </a:p>
+          <a:p>
+            <a:pPr marL="1371600" lvl="2" indent="-457200">
+              <a:buFont typeface="+mj-lt"/>
+              <a:buAutoNum type="arabicPeriod"/>
+            </a:pPr>
+            <a:r>
+              <a:rPr lang="en-US" dirty="0" smtClean="0">
+                <a:latin typeface="Times New Roman" panose="02020603050405020304" pitchFamily="18" charset="0"/>
+                <a:cs typeface="Times New Roman" panose="02020603050405020304" pitchFamily="18" charset="0"/>
+              </a:rPr>
+              <a:t>Repeat 5 using 4 categories for Infant Mortality, </a:t>
+            </a:r>
+          </a:p>
+          <a:p>
+            <a:pPr marL="1371600" lvl="2" indent="-457200">
+              <a:buFont typeface="+mj-lt"/>
+              <a:buAutoNum type="arabicPeriod"/>
+            </a:pPr>
+            <a:r>
+              <a:rPr lang="en-US" dirty="0" smtClean="0">
+                <a:latin typeface="Times New Roman" panose="02020603050405020304" pitchFamily="18" charset="0"/>
+                <a:cs typeface="Times New Roman" panose="02020603050405020304" pitchFamily="18" charset="0"/>
+              </a:rPr>
+              <a:t>5 Categories for Infant Mortality</a:t>
+            </a:r>
+          </a:p>
+          <a:p>
+            <a:pPr marL="1371600" lvl="2" indent="-457200">
+              <a:buFont typeface="+mj-lt"/>
+              <a:buAutoNum type="arabicPeriod"/>
+            </a:pPr>
+            <a:r>
+              <a:rPr lang="en-US" dirty="0" smtClean="0">
+                <a:latin typeface="Times New Roman" panose="02020603050405020304" pitchFamily="18" charset="0"/>
+                <a:cs typeface="Times New Roman" panose="02020603050405020304" pitchFamily="18" charset="0"/>
+              </a:rPr>
+              <a:t>Regress Fertility on Infant Mortalit</a:t>
+            </a:r>
+            <a:r>
+              <a:rPr lang="en-US" dirty="0" smtClean="0">
+                <a:latin typeface="Times New Roman" panose="02020603050405020304" pitchFamily="18" charset="0"/>
+                <a:cs typeface="Times New Roman" panose="02020603050405020304" pitchFamily="18" charset="0"/>
+              </a:rPr>
+              <a:t>y and Infant Mortality squared</a:t>
+            </a:r>
+          </a:p>
+          <a:p>
+            <a:pPr marL="1828800" lvl="3" indent="-457200">
+              <a:buFont typeface="+mj-lt"/>
+              <a:buAutoNum type="arabicPeriod"/>
+            </a:pPr>
+            <a:r>
+              <a:rPr lang="en-US" dirty="0" smtClean="0">
+                <a:latin typeface="Times New Roman" panose="02020603050405020304" pitchFamily="18" charset="0"/>
+                <a:cs typeface="Times New Roman" panose="02020603050405020304" pitchFamily="18" charset="0"/>
+              </a:rPr>
+              <a:t>What do these results indicate about categorizing continuous variables?</a:t>
+            </a:r>
+            <a:endParaRPr lang="en-US" dirty="0" smtClean="0">
+              <a:latin typeface="Times New Roman" panose="02020603050405020304" pitchFamily="18" charset="0"/>
+              <a:cs typeface="Times New Roman" panose="02020603050405020304" pitchFamily="18" charset="0"/>
+            </a:endParaRPr>
           </a:p>
           <a:p>
             <a:pPr marL="914400" lvl="1" indent="-457200">
@@ -29275,6 +30201,250 @@
           </a:p>
         </p:txBody>
       </p:sp>
+      <mc:AlternateContent xmlns:mc="http://schemas.openxmlformats.org/markup-compatibility/2006">
+        <mc:Choice xmlns:a14="http://schemas.microsoft.com/office/drawing/2010/main" Requires="a14">
+          <p:sp>
+            <p:nvSpPr>
+              <p:cNvPr id="3" name="TextBox 2"/>
+              <p:cNvSpPr txBox="1"/>
+              <p:nvPr/>
+            </p:nvSpPr>
+            <p:spPr>
+              <a:xfrm>
+                <a:off x="716973" y="852055"/>
+                <a:ext cx="11035145" cy="5632311"/>
+              </a:xfrm>
+              <a:prstGeom prst="rect">
+                <a:avLst/>
+              </a:prstGeom>
+              <a:noFill/>
+            </p:spPr>
+            <p:txBody>
+              <a:bodyPr wrap="square" rtlCol="0">
+                <a:spAutoFit/>
+              </a:bodyPr>
+              <a:lstStyle/>
+              <a:p>
+                <a:pPr marL="285750" indent="-285750">
+                  <a:buFont typeface="Arial" panose="020B0604020202020204" pitchFamily="34" charset="0"/>
+                  <a:buChar char="•"/>
+                </a:pPr>
+                <a:r>
+                  <a:rPr lang="en-US" dirty="0" smtClean="0"/>
+                  <a:t>When I talked about the linear model previously, I specifically did not reveal all of the details, but I did mention that all that we have done previously could be done using the ‘lm()’ function instead of the ‘</a:t>
+                </a:r>
+                <a:r>
+                  <a:rPr lang="en-US" dirty="0" err="1" smtClean="0"/>
+                  <a:t>glm</a:t>
+                </a:r>
+                <a:r>
+                  <a:rPr lang="en-US" dirty="0" smtClean="0"/>
+                  <a:t>()’ function. </a:t>
+                </a:r>
+              </a:p>
+              <a:p>
+                <a:pPr marL="285750" indent="-285750">
+                  <a:buFont typeface="Arial" panose="020B0604020202020204" pitchFamily="34" charset="0"/>
+                  <a:buChar char="•"/>
+                </a:pPr>
+                <a:r>
+                  <a:rPr lang="en-US" dirty="0" smtClean="0"/>
+                  <a:t>The ‘g’ stands for generalized, of which we have so far been using only a very specific type. </a:t>
+                </a:r>
+              </a:p>
+              <a:p>
+                <a:pPr marL="285750" indent="-285750">
+                  <a:buFont typeface="Arial" panose="020B0604020202020204" pitchFamily="34" charset="0"/>
+                  <a:buChar char="•"/>
+                </a:pPr>
+                <a:endParaRPr lang="en-US" dirty="0"/>
+              </a:p>
+              <a:p>
+                <a:pPr marL="285750" indent="-285750">
+                  <a:buFont typeface="Arial" panose="020B0604020202020204" pitchFamily="34" charset="0"/>
+                  <a:buChar char="•"/>
+                </a:pPr>
+                <a:r>
+                  <a:rPr lang="en-US" dirty="0" smtClean="0"/>
+                  <a:t>In the generalized linear model we relate the parameters of the distribution of an outcome variable to some pre specified functions of the explanatory variables estimating effects by minimizing the residuals (or distance to the predicted value). – You may have heard this called Ordinary Least Squares or OLS regression (We pick the model which produces the Least Squared Error between the data and the predictions) </a:t>
+                </a:r>
+              </a:p>
+              <a:p>
+                <a:pPr marL="285750" indent="-285750">
+                  <a:buFont typeface="Arial" panose="020B0604020202020204" pitchFamily="34" charset="0"/>
+                  <a:buChar char="•"/>
+                </a:pPr>
+                <a:r>
+                  <a:rPr lang="en-US" dirty="0" smtClean="0"/>
+                  <a:t>In the field of statistics we are generally concerned with producing estimates of distributional and model parameters which produce the highest likelihood for a given dataset, it just so happens that in the case of one very particular kind of model the OLS fit is the Maximum Likelihood or MLE fit.</a:t>
+                </a:r>
+              </a:p>
+              <a:p>
+                <a:pPr marL="285750" indent="-285750">
+                  <a:buFont typeface="Arial" panose="020B0604020202020204" pitchFamily="34" charset="0"/>
+                  <a:buChar char="•"/>
+                </a:pPr>
+                <a:endParaRPr lang="en-US" dirty="0"/>
+              </a:p>
+              <a:p>
+                <a:pPr marL="285750" indent="-285750">
+                  <a:buFont typeface="Arial" panose="020B0604020202020204" pitchFamily="34" charset="0"/>
+                  <a:buChar char="•"/>
+                </a:pPr>
+                <a:r>
+                  <a:rPr lang="en-US" dirty="0" smtClean="0"/>
+                  <a:t>In a Generalized Linear Model we define three key components. </a:t>
+                </a:r>
+              </a:p>
+              <a:p>
+                <a:pPr marL="800100" lvl="1" indent="-342900">
+                  <a:buFont typeface="+mj-lt"/>
+                  <a:buAutoNum type="arabicPeriod"/>
+                </a:pPr>
+                <a:r>
+                  <a:rPr lang="en-US" dirty="0" smtClean="0"/>
+                  <a:t>The distribution of the outcome variable (which is typically a distribution from the exponential family of distributions – this makes the math work out nicely) with parameters </a:t>
+                </a:r>
+                <a14:m>
+                  <m:oMath xmlns:m="http://schemas.openxmlformats.org/officeDocument/2006/math">
+                    <m:r>
+                      <a:rPr lang="en-US" b="0" i="1" smtClean="0">
+                        <a:latin typeface="Cambria Math" panose="02040503050406030204" pitchFamily="18" charset="0"/>
+                      </a:rPr>
+                      <m:t>𝜃</m:t>
+                    </m:r>
+                  </m:oMath>
+                </a14:m>
+                <a:r>
+                  <a:rPr lang="en-US" dirty="0" smtClean="0"/>
+                  <a:t>. </a:t>
+                </a:r>
+              </a:p>
+              <a:p>
+                <a:pPr marL="800100" lvl="1" indent="-342900">
+                  <a:buFont typeface="+mj-lt"/>
+                  <a:buAutoNum type="arabicPeriod"/>
+                </a:pPr>
+                <a:r>
+                  <a:rPr lang="en-US" dirty="0" smtClean="0"/>
+                  <a:t>A systematic relationship (function) of the predictors/covariates that is linear in the effects to the linear predictor (a value, usually </a:t>
+                </a:r>
+                <a14:m>
+                  <m:oMath xmlns:m="http://schemas.openxmlformats.org/officeDocument/2006/math">
+                    <m:r>
+                      <a:rPr lang="en-US" b="0" i="1" smtClean="0">
+                        <a:latin typeface="Cambria Math" panose="02040503050406030204" pitchFamily="18" charset="0"/>
+                      </a:rPr>
+                      <m:t>𝜂</m:t>
+                    </m:r>
+                  </m:oMath>
+                </a14:m>
+                <a:r>
+                  <a:rPr lang="en-US" dirty="0" smtClean="0"/>
+                  <a:t>).</a:t>
+                </a:r>
+              </a:p>
+              <a:p>
+                <a:pPr marL="800100" lvl="1" indent="-342900">
+                  <a:buFont typeface="+mj-lt"/>
+                  <a:buAutoNum type="arabicPeriod"/>
+                </a:pPr>
+                <a:r>
+                  <a:rPr lang="en-US" dirty="0" smtClean="0"/>
+                  <a:t>A link function (generally denoted </a:t>
+                </a:r>
+                <a14:m>
+                  <m:oMath xmlns:m="http://schemas.openxmlformats.org/officeDocument/2006/math">
+                    <m:r>
+                      <a:rPr lang="en-US" b="0" i="1" smtClean="0">
+                        <a:latin typeface="Cambria Math" panose="02040503050406030204" pitchFamily="18" charset="0"/>
+                      </a:rPr>
+                      <m:t>𝑔</m:t>
+                    </m:r>
+                  </m:oMath>
+                </a14:m>
+                <a:r>
+                  <a:rPr lang="en-US" dirty="0" smtClean="0"/>
+                  <a:t>) which relates the linear predictor from 2 (</a:t>
+                </a:r>
+                <a14:m>
+                  <m:oMath xmlns:m="http://schemas.openxmlformats.org/officeDocument/2006/math">
+                    <m:r>
+                      <a:rPr lang="en-US" b="0" i="1" smtClean="0">
+                        <a:latin typeface="Cambria Math" panose="02040503050406030204" pitchFamily="18" charset="0"/>
+                      </a:rPr>
+                      <m:t>𝜂</m:t>
+                    </m:r>
+                  </m:oMath>
+                </a14:m>
+                <a:r>
+                  <a:rPr lang="en-US" dirty="0" smtClean="0"/>
+                  <a:t>) to the outcome distribution parameter(s) from 1 (</a:t>
+                </a:r>
+                <a14:m>
+                  <m:oMath xmlns:m="http://schemas.openxmlformats.org/officeDocument/2006/math">
+                    <m:r>
+                      <a:rPr lang="en-US" b="0" i="1" smtClean="0">
+                        <a:latin typeface="Cambria Math" panose="02040503050406030204" pitchFamily="18" charset="0"/>
+                      </a:rPr>
+                      <m:t>𝜃</m:t>
+                    </m:r>
+                  </m:oMath>
+                </a14:m>
+                <a:r>
+                  <a:rPr lang="en-US" dirty="0" smtClean="0"/>
+                  <a:t>)</a:t>
+                </a:r>
+              </a:p>
+              <a:p>
+                <a:pPr marL="800100" lvl="1" indent="-342900">
+                  <a:buFont typeface="+mj-lt"/>
+                  <a:buAutoNum type="arabicPeriod"/>
+                </a:pPr>
+                <a:endParaRPr lang="en-US" dirty="0" smtClean="0"/>
+              </a:p>
+            </p:txBody>
+          </p:sp>
+        </mc:Choice>
+        <mc:Fallback>
+          <p:sp>
+            <p:nvSpPr>
+              <p:cNvPr id="3" name="TextBox 2"/>
+              <p:cNvSpPr txBox="1">
+                <a:spLocks noRot="1" noChangeAspect="1" noMove="1" noResize="1" noEditPoints="1" noAdjustHandles="1" noChangeArrowheads="1" noChangeShapeType="1" noTextEdit="1"/>
+              </p:cNvSpPr>
+              <p:nvPr/>
+            </p:nvSpPr>
+            <p:spPr>
+              <a:xfrm>
+                <a:off x="716973" y="852055"/>
+                <a:ext cx="11035145" cy="5632311"/>
+              </a:xfrm>
+              <a:prstGeom prst="rect">
+                <a:avLst/>
+              </a:prstGeom>
+              <a:blipFill>
+                <a:blip r:embed="rId2"/>
+                <a:stretch>
+                  <a:fillRect l="-387" t="-649"/>
+                </a:stretch>
+              </a:blipFill>
+            </p:spPr>
+            <p:txBody>
+              <a:bodyPr/>
+              <a:lstStyle/>
+              <a:p>
+                <a:r>
+                  <a:rPr lang="en-US">
+                    <a:noFill/>
+                  </a:rPr>
+                  <a:t> </a:t>
+                </a:r>
+              </a:p>
+            </p:txBody>
+          </p:sp>
+        </mc:Fallback>
+      </mc:AlternateContent>
     </p:spTree>
     <p:extLst>
       <p:ext uri="{BB962C8B-B14F-4D97-AF65-F5344CB8AC3E}">
@@ -29429,14 +30599,7 @@
                 <a:latin typeface="Times New Roman" panose="02020603050405020304" pitchFamily="18" charset="0"/>
                 <a:cs typeface="Times New Roman" panose="02020603050405020304" pitchFamily="18" charset="0"/>
               </a:rPr>
-              <a:t>lme4 (Linear Mixed-Effects models) </a:t>
-            </a:r>
-            <a:r>
-              <a:rPr lang="en-US" sz="1400" b="1" dirty="0" smtClean="0">
-                <a:latin typeface="Times New Roman" panose="02020603050405020304" pitchFamily="18" charset="0"/>
-                <a:cs typeface="Times New Roman" panose="02020603050405020304" pitchFamily="18" charset="0"/>
-              </a:rPr>
-              <a:t>package</a:t>
+              <a:t>lme4 (Linear Mixed-Effects models) package</a:t>
             </a:r>
             <a:r>
               <a:rPr lang="en-US" sz="1400" dirty="0" smtClean="0">
@@ -29805,6 +30968,13 @@
   <p:clrMapOvr>
     <a:masterClrMapping/>
   </p:clrMapOvr>
+  <p:timing>
+    <p:tnLst>
+      <p:par>
+        <p:cTn id="1" dur="indefinite" restart="never" nodeType="tmRoot"/>
+      </p:par>
+    </p:tnLst>
+  </p:timing>
 </p:sld>
 </file>
 
@@ -30273,6 +31443,13 @@
   <p:clrMapOvr>
     <a:masterClrMapping/>
   </p:clrMapOvr>
+  <p:timing>
+    <p:tnLst>
+      <p:par>
+        <p:cTn id="1" dur="indefinite" restart="never" nodeType="tmRoot"/>
+      </p:par>
+    </p:tnLst>
+  </p:timing>
 </p:sld>
 </file>
 
@@ -31434,6 +32611,13 @@
   <p:clrMapOvr>
     <a:masterClrMapping/>
   </p:clrMapOvr>
+  <p:timing>
+    <p:tnLst>
+      <p:par>
+        <p:cTn id="1" dur="indefinite" restart="never" nodeType="tmRoot"/>
+      </p:par>
+    </p:tnLst>
+  </p:timing>
 </p:sld>
 </file>
 
@@ -31855,6 +33039,13 @@
   <p:clrMapOvr>
     <a:masterClrMapping/>
   </p:clrMapOvr>
+  <p:timing>
+    <p:tnLst>
+      <p:par>
+        <p:cTn id="1" dur="indefinite" restart="never" nodeType="tmRoot"/>
+      </p:par>
+    </p:tnLst>
+  </p:timing>
 </p:sld>
 </file>
 
@@ -32388,6 +33579,13 @@
   <p:clrMapOvr>
     <a:masterClrMapping/>
   </p:clrMapOvr>
+  <p:timing>
+    <p:tnLst>
+      <p:par>
+        <p:cTn id="1" dur="indefinite" restart="never" nodeType="tmRoot"/>
+      </p:par>
+    </p:tnLst>
+  </p:timing>
 </p:sld>
 </file>
 
@@ -33540,6 +34738,13 @@
   <p:clrMapOvr>
     <a:masterClrMapping/>
   </p:clrMapOvr>
+  <p:timing>
+    <p:tnLst>
+      <p:par>
+        <p:cTn id="1" dur="indefinite" restart="never" nodeType="tmRoot"/>
+      </p:par>
+    </p:tnLst>
+  </p:timing>
 </p:sld>
 </file>
 
